--- a/ProjectDetails/Presentation.pptx
+++ b/ProjectDetails/Presentation.pptx
@@ -38,74 +38,74 @@
   <p:defaultTextStyle>
     <a:lvl1pPr algn="ctr" defTabSz="584200">
       <a:defRPr sz="3600">
-        <a:latin typeface="Helvetica Light"/>
-        <a:ea typeface="Helvetica Light"/>
-        <a:cs typeface="Helvetica Light"/>
-        <a:sym typeface="Helvetica Light"/>
+        <a:latin typeface="+mj-lt"/>
+        <a:ea typeface="+mj-ea"/>
+        <a:cs typeface="+mj-cs"/>
+        <a:sym typeface="Helvetica"/>
       </a:defRPr>
     </a:lvl1pPr>
     <a:lvl2pPr algn="ctr" defTabSz="584200">
       <a:defRPr sz="3600">
-        <a:latin typeface="Helvetica Light"/>
-        <a:ea typeface="Helvetica Light"/>
-        <a:cs typeface="Helvetica Light"/>
-        <a:sym typeface="Helvetica Light"/>
+        <a:latin typeface="+mj-lt"/>
+        <a:ea typeface="+mj-ea"/>
+        <a:cs typeface="+mj-cs"/>
+        <a:sym typeface="Helvetica"/>
       </a:defRPr>
     </a:lvl2pPr>
     <a:lvl3pPr algn="ctr" defTabSz="584200">
       <a:defRPr sz="3600">
-        <a:latin typeface="Helvetica Light"/>
-        <a:ea typeface="Helvetica Light"/>
-        <a:cs typeface="Helvetica Light"/>
-        <a:sym typeface="Helvetica Light"/>
+        <a:latin typeface="+mj-lt"/>
+        <a:ea typeface="+mj-ea"/>
+        <a:cs typeface="+mj-cs"/>
+        <a:sym typeface="Helvetica"/>
       </a:defRPr>
     </a:lvl3pPr>
     <a:lvl4pPr algn="ctr" defTabSz="584200">
       <a:defRPr sz="3600">
-        <a:latin typeface="Helvetica Light"/>
-        <a:ea typeface="Helvetica Light"/>
-        <a:cs typeface="Helvetica Light"/>
-        <a:sym typeface="Helvetica Light"/>
+        <a:latin typeface="+mj-lt"/>
+        <a:ea typeface="+mj-ea"/>
+        <a:cs typeface="+mj-cs"/>
+        <a:sym typeface="Helvetica"/>
       </a:defRPr>
     </a:lvl4pPr>
     <a:lvl5pPr algn="ctr" defTabSz="584200">
       <a:defRPr sz="3600">
-        <a:latin typeface="Helvetica Light"/>
-        <a:ea typeface="Helvetica Light"/>
-        <a:cs typeface="Helvetica Light"/>
-        <a:sym typeface="Helvetica Light"/>
+        <a:latin typeface="+mj-lt"/>
+        <a:ea typeface="+mj-ea"/>
+        <a:cs typeface="+mj-cs"/>
+        <a:sym typeface="Helvetica"/>
       </a:defRPr>
     </a:lvl5pPr>
     <a:lvl6pPr algn="ctr" defTabSz="584200">
       <a:defRPr sz="3600">
-        <a:latin typeface="Helvetica Light"/>
-        <a:ea typeface="Helvetica Light"/>
-        <a:cs typeface="Helvetica Light"/>
-        <a:sym typeface="Helvetica Light"/>
+        <a:latin typeface="+mj-lt"/>
+        <a:ea typeface="+mj-ea"/>
+        <a:cs typeface="+mj-cs"/>
+        <a:sym typeface="Helvetica"/>
       </a:defRPr>
     </a:lvl6pPr>
     <a:lvl7pPr algn="ctr" defTabSz="584200">
       <a:defRPr sz="3600">
-        <a:latin typeface="Helvetica Light"/>
-        <a:ea typeface="Helvetica Light"/>
-        <a:cs typeface="Helvetica Light"/>
-        <a:sym typeface="Helvetica Light"/>
+        <a:latin typeface="+mj-lt"/>
+        <a:ea typeface="+mj-ea"/>
+        <a:cs typeface="+mj-cs"/>
+        <a:sym typeface="Helvetica"/>
       </a:defRPr>
     </a:lvl7pPr>
     <a:lvl8pPr algn="ctr" defTabSz="584200">
       <a:defRPr sz="3600">
-        <a:latin typeface="Helvetica Light"/>
-        <a:ea typeface="Helvetica Light"/>
-        <a:cs typeface="Helvetica Light"/>
-        <a:sym typeface="Helvetica Light"/>
+        <a:latin typeface="+mj-lt"/>
+        <a:ea typeface="+mj-ea"/>
+        <a:cs typeface="+mj-cs"/>
+        <a:sym typeface="Helvetica"/>
       </a:defRPr>
     </a:lvl8pPr>
     <a:lvl9pPr algn="ctr" defTabSz="584200">
       <a:defRPr sz="3600">
-        <a:latin typeface="Helvetica Light"/>
-        <a:ea typeface="Helvetica Light"/>
-        <a:cs typeface="Helvetica Light"/>
-        <a:sym typeface="Helvetica Light"/>
+        <a:latin typeface="+mj-lt"/>
+        <a:ea typeface="+mj-ea"/>
+        <a:cs typeface="+mj-cs"/>
+        <a:sym typeface="Helvetica"/>
       </a:defRPr>
     </a:lvl9pPr>
   </p:defaultTextStyle>
@@ -349,7 +349,7 @@
         <p:spPr>
           <a:xfrm>
             <a:off x="1270000" y="5029200"/>
-            <a:ext cx="10464800" cy="3568700"/>
+            <a:ext cx="10464800" cy="4724400"/>
           </a:xfrm>
           <a:prstGeom prst="rect">
             <a:avLst/>
@@ -564,8 +564,8 @@
         </p:nvSpPr>
         <p:spPr>
           <a:xfrm>
-            <a:off x="1270000" y="4279900"/>
-            <a:ext cx="10464800" cy="3860800"/>
+            <a:off x="1270000" y="0"/>
+            <a:ext cx="10464800" cy="8140700"/>
           </a:xfrm>
           <a:prstGeom prst="rect">
             <a:avLst/>
@@ -963,8 +963,8 @@
         </p:nvSpPr>
         <p:spPr>
           <a:xfrm>
-            <a:off x="952500" y="93506"/>
-            <a:ext cx="11099800" cy="2860988"/>
+            <a:off x="952500" y="3425"/>
+            <a:ext cx="11099800" cy="3041150"/>
           </a:xfrm>
           <a:prstGeom prst="rect">
             <a:avLst/>
@@ -1758,7 +1758,7 @@
           <a:latin typeface="+mn-lt"/>
           <a:ea typeface="+mn-ea"/>
           <a:cs typeface="+mn-cs"/>
-          <a:sym typeface="Helvetica Light"/>
+          <a:sym typeface="Helvetica"/>
         </a:defRPr>
       </a:lvl1pPr>
       <a:lvl2pPr algn="r" defTabSz="584200">
@@ -1769,7 +1769,7 @@
           <a:latin typeface="+mn-lt"/>
           <a:ea typeface="+mn-ea"/>
           <a:cs typeface="+mn-cs"/>
-          <a:sym typeface="Helvetica Light"/>
+          <a:sym typeface="Helvetica"/>
         </a:defRPr>
       </a:lvl2pPr>
       <a:lvl3pPr algn="r" defTabSz="584200">
@@ -1780,7 +1780,7 @@
           <a:latin typeface="+mn-lt"/>
           <a:ea typeface="+mn-ea"/>
           <a:cs typeface="+mn-cs"/>
-          <a:sym typeface="Helvetica Light"/>
+          <a:sym typeface="Helvetica"/>
         </a:defRPr>
       </a:lvl3pPr>
       <a:lvl4pPr algn="r" defTabSz="584200">
@@ -1791,7 +1791,7 @@
           <a:latin typeface="+mn-lt"/>
           <a:ea typeface="+mn-ea"/>
           <a:cs typeface="+mn-cs"/>
-          <a:sym typeface="Helvetica Light"/>
+          <a:sym typeface="Helvetica"/>
         </a:defRPr>
       </a:lvl4pPr>
       <a:lvl5pPr algn="r" defTabSz="584200">
@@ -1802,7 +1802,7 @@
           <a:latin typeface="+mn-lt"/>
           <a:ea typeface="+mn-ea"/>
           <a:cs typeface="+mn-cs"/>
-          <a:sym typeface="Helvetica Light"/>
+          <a:sym typeface="Helvetica"/>
         </a:defRPr>
       </a:lvl5pPr>
       <a:lvl6pPr algn="r" defTabSz="584200">
@@ -1813,7 +1813,7 @@
           <a:latin typeface="+mn-lt"/>
           <a:ea typeface="+mn-ea"/>
           <a:cs typeface="+mn-cs"/>
-          <a:sym typeface="Helvetica Light"/>
+          <a:sym typeface="Helvetica"/>
         </a:defRPr>
       </a:lvl6pPr>
       <a:lvl7pPr algn="r" defTabSz="584200">
@@ -1824,7 +1824,7 @@
           <a:latin typeface="+mn-lt"/>
           <a:ea typeface="+mn-ea"/>
           <a:cs typeface="+mn-cs"/>
-          <a:sym typeface="Helvetica Light"/>
+          <a:sym typeface="Helvetica"/>
         </a:defRPr>
       </a:lvl7pPr>
       <a:lvl8pPr algn="r" defTabSz="584200">
@@ -1835,7 +1835,7 @@
           <a:latin typeface="+mn-lt"/>
           <a:ea typeface="+mn-ea"/>
           <a:cs typeface="+mn-cs"/>
-          <a:sym typeface="Helvetica Light"/>
+          <a:sym typeface="Helvetica"/>
         </a:defRPr>
       </a:lvl8pPr>
       <a:lvl9pPr algn="r" defTabSz="584200">
@@ -1846,7 +1846,7 @@
           <a:latin typeface="+mn-lt"/>
           <a:ea typeface="+mn-ea"/>
           <a:cs typeface="+mn-cs"/>
-          <a:sym typeface="Helvetica Light"/>
+          <a:sym typeface="Helvetica"/>
         </a:defRPr>
       </a:lvl9pPr>
     </p:otherStyle>
@@ -1940,8 +1940,8 @@
         </p:nvSpPr>
         <p:spPr>
           <a:xfrm>
-            <a:off x="3791458" y="698500"/>
-            <a:ext cx="5421885" cy="1320801"/>
+            <a:off x="3842258" y="749298"/>
+            <a:ext cx="5320285" cy="1219201"/>
           </a:xfrm>
           <a:prstGeom prst="rect">
             <a:avLst/>
@@ -1961,7 +1961,12 @@
           </a:bodyPr>
           <a:lstStyle>
             <a:lvl1pPr>
-              <a:defRPr sz="8000"/>
+              <a:defRPr sz="8000">
+                <a:latin typeface="Helvetica Light"/>
+                <a:ea typeface="Helvetica Light"/>
+                <a:cs typeface="Helvetica Light"/>
+                <a:sym typeface="Helvetica Light"/>
+              </a:defRPr>
             </a:lvl1pPr>
           </a:lstStyle>
           <a:p>
@@ -1977,7 +1982,7 @@
       </p:sp>
       <p:pic>
         <p:nvPicPr>
-          <p:cNvPr id="55" name="ComponentDa.jpg"/>
+          <p:cNvPr id="55" name="image2.jpeg"/>
           <p:cNvPicPr/>
           <p:nvPr/>
         </p:nvPicPr>
@@ -1991,8 +1996,8 @@
         </p:blipFill>
         <p:spPr>
           <a:xfrm>
-            <a:off x="1536700" y="2355067"/>
-            <a:ext cx="8670715" cy="5043466"/>
+            <a:off x="1536700" y="2355064"/>
+            <a:ext cx="8670715" cy="5043472"/>
           </a:xfrm>
           <a:prstGeom prst="rect">
             <a:avLst/>
@@ -2036,8 +2041,8 @@
         </p:nvSpPr>
         <p:spPr>
           <a:xfrm>
-            <a:off x="5569965" y="698500"/>
-            <a:ext cx="1864869" cy="1320801"/>
+            <a:off x="5620765" y="749298"/>
+            <a:ext cx="1763269" cy="1219201"/>
           </a:xfrm>
           <a:prstGeom prst="rect">
             <a:avLst/>
@@ -2057,7 +2062,12 @@
           </a:bodyPr>
           <a:lstStyle>
             <a:lvl1pPr>
-              <a:defRPr sz="8000"/>
+              <a:defRPr sz="8000">
+                <a:latin typeface="Helvetica Light"/>
+                <a:ea typeface="Helvetica Light"/>
+                <a:cs typeface="Helvetica Light"/>
+                <a:sym typeface="Helvetica Light"/>
+              </a:defRPr>
             </a:lvl1pPr>
           </a:lstStyle>
           <a:p>
@@ -2073,7 +2083,7 @@
       </p:sp>
       <p:pic>
         <p:nvPicPr>
-          <p:cNvPr id="58" name="LabDA.jpg"/>
+          <p:cNvPr id="58" name="image3.jpeg"/>
           <p:cNvPicPr/>
           <p:nvPr/>
         </p:nvPicPr>
@@ -2132,8 +2142,8 @@
         </p:nvSpPr>
         <p:spPr>
           <a:xfrm>
-            <a:off x="3961130" y="698500"/>
-            <a:ext cx="5082541" cy="1320801"/>
+            <a:off x="4011929" y="749298"/>
+            <a:ext cx="4980941" cy="1219201"/>
           </a:xfrm>
           <a:prstGeom prst="rect">
             <a:avLst/>
@@ -2153,7 +2163,12 @@
           </a:bodyPr>
           <a:lstStyle>
             <a:lvl1pPr>
-              <a:defRPr sz="8000"/>
+              <a:defRPr sz="8000">
+                <a:latin typeface="Helvetica Light"/>
+                <a:ea typeface="Helvetica Light"/>
+                <a:cs typeface="Helvetica Light"/>
+                <a:sym typeface="Helvetica Light"/>
+              </a:defRPr>
             </a:lvl1pPr>
           </a:lstStyle>
           <a:p>
@@ -2169,7 +2184,7 @@
       </p:sp>
       <p:pic>
         <p:nvPicPr>
-          <p:cNvPr id="61" name="LabAdminDA.jpg"/>
+          <p:cNvPr id="61" name="image4.jpeg"/>
           <p:cNvPicPr/>
           <p:nvPr/>
         </p:nvPicPr>
@@ -2228,7 +2243,7 @@
         </p:nvSpPr>
         <p:spPr>
           <a:xfrm>
-            <a:off x="3820414" y="698500"/>
+            <a:off x="3820414" y="698497"/>
             <a:ext cx="5363973" cy="1320801"/>
           </a:xfrm>
           <a:prstGeom prst="rect">
@@ -2249,7 +2264,12 @@
           </a:bodyPr>
           <a:lstStyle>
             <a:lvl1pPr>
-              <a:defRPr sz="8000"/>
+              <a:defRPr sz="8000">
+                <a:latin typeface="Helvetica Light"/>
+                <a:ea typeface="Helvetica Light"/>
+                <a:cs typeface="Helvetica Light"/>
+                <a:sym typeface="Helvetica Light"/>
+              </a:defRPr>
             </a:lvl1pPr>
           </a:lstStyle>
           <a:p>
@@ -2265,7 +2285,7 @@
       </p:sp>
       <p:pic>
         <p:nvPicPr>
-          <p:cNvPr id="64" name="pasted-image.tif"/>
+          <p:cNvPr id="64" name="image1.tif"/>
           <p:cNvPicPr/>
           <p:nvPr/>
         </p:nvPicPr>
@@ -2280,7 +2300,7 @@
         <p:spPr>
           <a:xfrm>
             <a:off x="1060450" y="2832100"/>
-            <a:ext cx="8659099" cy="4089400"/>
+            <a:ext cx="8659101" cy="4089400"/>
           </a:xfrm>
           <a:prstGeom prst="rect">
             <a:avLst/>
@@ -2324,8 +2344,8 @@
         </p:nvSpPr>
         <p:spPr>
           <a:xfrm>
-            <a:off x="4130801" y="698500"/>
-            <a:ext cx="4743197" cy="1320801"/>
+            <a:off x="4181601" y="749298"/>
+            <a:ext cx="4641597" cy="1219201"/>
           </a:xfrm>
           <a:prstGeom prst="rect">
             <a:avLst/>
@@ -2345,7 +2365,12 @@
           </a:bodyPr>
           <a:lstStyle>
             <a:lvl1pPr>
-              <a:defRPr sz="8000"/>
+              <a:defRPr sz="8000">
+                <a:latin typeface="Helvetica Light"/>
+                <a:ea typeface="Helvetica Light"/>
+                <a:cs typeface="Helvetica Light"/>
+                <a:sym typeface="Helvetica Light"/>
+              </a:defRPr>
             </a:lvl1pPr>
           </a:lstStyle>
           <a:p>
@@ -2361,7 +2386,7 @@
       </p:sp>
       <p:pic>
         <p:nvPicPr>
-          <p:cNvPr id="67" name="ComplaintDA.jpg"/>
+          <p:cNvPr id="67" name="image5.jpeg"/>
           <p:cNvPicPr/>
           <p:nvPr/>
         </p:nvPicPr>
@@ -2375,8 +2400,8 @@
         </p:blipFill>
         <p:spPr>
           <a:xfrm>
-            <a:off x="825500" y="2253317"/>
-            <a:ext cx="9041380" cy="5246966"/>
+            <a:off x="825500" y="2253314"/>
+            <a:ext cx="9041380" cy="5246972"/>
           </a:xfrm>
           <a:prstGeom prst="rect">
             <a:avLst/>
@@ -2420,8 +2445,8 @@
         </p:nvSpPr>
         <p:spPr>
           <a:xfrm>
-            <a:off x="3819905" y="698500"/>
-            <a:ext cx="5364989" cy="1320801"/>
+            <a:off x="3870703" y="749298"/>
+            <a:ext cx="5263389" cy="1219201"/>
           </a:xfrm>
           <a:prstGeom prst="rect">
             <a:avLst/>
@@ -2441,7 +2466,12 @@
           </a:bodyPr>
           <a:lstStyle>
             <a:lvl1pPr>
-              <a:defRPr sz="8000"/>
+              <a:defRPr sz="8000">
+                <a:latin typeface="Helvetica Light"/>
+                <a:ea typeface="Helvetica Light"/>
+                <a:cs typeface="Helvetica Light"/>
+                <a:sym typeface="Helvetica Light"/>
+              </a:defRPr>
             </a:lvl1pPr>
           </a:lstStyle>
           <a:p>
@@ -2457,7 +2487,7 @@
       </p:sp>
       <p:pic>
         <p:nvPicPr>
-          <p:cNvPr id="70" name="DataModel.jpg"/>
+          <p:cNvPr id="70" name="image6.jpeg"/>
           <p:cNvPicPr/>
           <p:nvPr/>
         </p:nvPicPr>
@@ -2472,7 +2502,7 @@
         <p:spPr>
           <a:xfrm>
             <a:off x="-1727288" y="2012950"/>
-            <a:ext cx="14909976" cy="6428334"/>
+            <a:ext cx="14909977" cy="6428334"/>
           </a:xfrm>
           <a:prstGeom prst="rect">
             <a:avLst/>
@@ -2516,8 +2546,8 @@
         </p:nvSpPr>
         <p:spPr>
           <a:xfrm>
-            <a:off x="4243578" y="698500"/>
-            <a:ext cx="4517645" cy="1320801"/>
+            <a:off x="4294378" y="749298"/>
+            <a:ext cx="4416045" cy="1219201"/>
           </a:xfrm>
           <a:prstGeom prst="rect">
             <a:avLst/>
@@ -2537,7 +2567,12 @@
           </a:bodyPr>
           <a:lstStyle>
             <a:lvl1pPr>
-              <a:defRPr sz="8000"/>
+              <a:defRPr sz="8000">
+                <a:latin typeface="Helvetica Light"/>
+                <a:ea typeface="Helvetica Light"/>
+                <a:cs typeface="Helvetica Light"/>
+                <a:sym typeface="Helvetica Light"/>
+              </a:defRPr>
             </a:lvl1pPr>
           </a:lstStyle>
           <a:p>
@@ -2553,7 +2588,7 @@
       </p:sp>
       <p:pic>
         <p:nvPicPr>
-          <p:cNvPr id="73" name="ERFinal.jpg"/>
+          <p:cNvPr id="73" name="image7.jpeg"/>
           <p:cNvPicPr/>
           <p:nvPr/>
         </p:nvPicPr>
@@ -2568,7 +2603,7 @@
         <p:spPr>
           <a:xfrm>
             <a:off x="-1038722" y="2231008"/>
-            <a:ext cx="14288146" cy="6891784"/>
+            <a:ext cx="14288147" cy="6891784"/>
           </a:xfrm>
           <a:prstGeom prst="rect">
             <a:avLst/>
@@ -2671,8 +2706,8 @@
         </p:nvSpPr>
         <p:spPr>
           <a:xfrm>
-            <a:off x="396356" y="119247"/>
-            <a:ext cx="12212088" cy="9373627"/>
+            <a:off x="396356" y="119246"/>
+            <a:ext cx="12212088" cy="9373629"/>
           </a:xfrm>
           <a:prstGeom prst="rect">
             <a:avLst/>
@@ -2755,6 +2790,7 @@
                           <a:latin typeface="Helvetica Light"/>
                           <a:ea typeface="Helvetica Light"/>
                           <a:cs typeface="Helvetica Light"/>
+                          <a:sym typeface="Helvetica Light"/>
                         </a:rPr>
                         <a:t>Name</a:t>
                       </a:r>
@@ -2808,6 +2844,7 @@
                           <a:latin typeface="Helvetica Light"/>
                           <a:ea typeface="Helvetica Light"/>
                           <a:cs typeface="Helvetica Light"/>
+                          <a:sym typeface="Helvetica Light"/>
                         </a:rPr>
                         <a:t>Data Type</a:t>
                       </a:r>
@@ -2861,6 +2898,7 @@
                           <a:latin typeface="Helvetica Light"/>
                           <a:ea typeface="Helvetica Light"/>
                           <a:cs typeface="Helvetica Light"/>
+                          <a:sym typeface="Helvetica Light"/>
                         </a:rPr>
                         <a:t>Constraints</a:t>
                       </a:r>
@@ -2914,6 +2952,7 @@
                           <a:latin typeface="Helvetica Light"/>
                           <a:ea typeface="Helvetica Light"/>
                           <a:cs typeface="Helvetica Light"/>
+                          <a:sym typeface="Helvetica Light"/>
                         </a:rPr>
                         <a:t>Details</a:t>
                       </a:r>
@@ -2952,6 +2991,7 @@
                           <a:latin typeface="Helvetica Light"/>
                           <a:ea typeface="Helvetica Light"/>
                           <a:cs typeface="Helvetica Light"/>
+                          <a:sym typeface="Helvetica Light"/>
                         </a:rPr>
                         <a:t>Title</a:t>
                       </a:r>
@@ -2985,6 +3025,7 @@
                           <a:latin typeface="Helvetica Light"/>
                           <a:ea typeface="Helvetica Light"/>
                           <a:cs typeface="Helvetica Light"/>
+                          <a:sym typeface="Helvetica Light"/>
                         </a:rPr>
                         <a:t>varchar(200)</a:t>
                       </a:r>
@@ -3018,6 +3059,7 @@
                           <a:latin typeface="Helvetica Light"/>
                           <a:ea typeface="Helvetica Light"/>
                           <a:cs typeface="Helvetica Light"/>
+                          <a:sym typeface="Helvetica Light"/>
                         </a:rPr>
                         <a:t>NOT NULL</a:t>
                       </a:r>
@@ -3051,6 +3093,7 @@
                           <a:latin typeface="Helvetica Light"/>
                           <a:ea typeface="Helvetica Light"/>
                           <a:cs typeface="Helvetica Light"/>
+                          <a:sym typeface="Helvetica Light"/>
                         </a:rPr>
                         <a:t>Brief description of the complaint</a:t>
                       </a:r>
@@ -3086,6 +3129,7 @@
                           <a:latin typeface="Helvetica Light"/>
                           <a:ea typeface="Helvetica Light"/>
                           <a:cs typeface="Helvetica Light"/>
+                          <a:sym typeface="Helvetica Light"/>
                         </a:rPr>
                         <a:t>Complaint_ID</a:t>
                       </a:r>
@@ -3119,6 +3163,7 @@
                           <a:latin typeface="Helvetica Light"/>
                           <a:ea typeface="Helvetica Light"/>
                           <a:cs typeface="Helvetica Light"/>
+                          <a:sym typeface="Helvetica Light"/>
                         </a:rPr>
                         <a:t>INT</a:t>
                       </a:r>
@@ -3152,6 +3197,7 @@
                           <a:latin typeface="Helvetica Light"/>
                           <a:ea typeface="Helvetica Light"/>
                           <a:cs typeface="Helvetica Light"/>
+                          <a:sym typeface="Helvetica Light"/>
                         </a:rPr>
                         <a:t>NOT NULL</a:t>
                       </a:r>
@@ -3159,6 +3205,7 @@
                         <a:latin typeface="Helvetica Light"/>
                         <a:ea typeface="Helvetica Light"/>
                         <a:cs typeface="Helvetica Light"/>
+                        <a:sym typeface="Helvetica Light"/>
                       </a:endParaRPr>
                     </a:p>
                     <a:p>
@@ -3170,6 +3217,7 @@
                           <a:latin typeface="Helvetica Light"/>
                           <a:ea typeface="Helvetica Light"/>
                           <a:cs typeface="Helvetica Light"/>
+                          <a:sym typeface="Helvetica Light"/>
                         </a:rPr>
                         <a:t>UNIQUE</a:t>
                       </a:r>
@@ -3199,11 +3247,6 @@
                         <a:defRPr b="0" i="0" sz="1800"/>
                       </a:pPr>
                       <a:r>
-                        <a:rPr sz="2600">
-                          <a:latin typeface="Helvetica Light"/>
-                          <a:ea typeface="Helvetica Light"/>
-                          <a:cs typeface="Helvetica Light"/>
-                        </a:rPr>
                         <a:t/>
                       </a:r>
                     </a:p>
@@ -3238,6 +3281,7 @@
                           <a:latin typeface="Helvetica Light"/>
                           <a:ea typeface="Helvetica Light"/>
                           <a:cs typeface="Helvetica Light"/>
+                          <a:sym typeface="Helvetica Light"/>
                         </a:rPr>
                         <a:t>Date_of_complaint</a:t>
                       </a:r>
@@ -3271,6 +3315,7 @@
                           <a:latin typeface="Helvetica Light"/>
                           <a:ea typeface="Helvetica Light"/>
                           <a:cs typeface="Helvetica Light"/>
+                          <a:sym typeface="Helvetica Light"/>
                         </a:rPr>
                         <a:t>DATE</a:t>
                       </a:r>
@@ -3304,6 +3349,7 @@
                           <a:latin typeface="Helvetica Light"/>
                           <a:ea typeface="Helvetica Light"/>
                           <a:cs typeface="Helvetica Light"/>
+                          <a:sym typeface="Helvetica Light"/>
                         </a:rPr>
                         <a:t>NOT NULL</a:t>
                       </a:r>
@@ -3337,6 +3383,7 @@
                           <a:latin typeface="Helvetica Light"/>
                           <a:ea typeface="Helvetica Light"/>
                           <a:cs typeface="Helvetica Light"/>
+                          <a:sym typeface="Helvetica Light"/>
                         </a:rPr>
                         <a:t>Date when the complaint was lodged</a:t>
                       </a:r>
@@ -3372,6 +3419,7 @@
                           <a:latin typeface="Helvetica Light"/>
                           <a:ea typeface="Helvetica Light"/>
                           <a:cs typeface="Helvetica Light"/>
+                          <a:sym typeface="Helvetica Light"/>
                         </a:rPr>
                         <a:t>Status</a:t>
                       </a:r>
@@ -3405,6 +3453,7 @@
                           <a:latin typeface="Helvetica Light"/>
                           <a:ea typeface="Helvetica Light"/>
                           <a:cs typeface="Helvetica Light"/>
+                          <a:sym typeface="Helvetica Light"/>
                         </a:rPr>
                         <a:t>INT</a:t>
                       </a:r>
@@ -3438,6 +3487,7 @@
                           <a:latin typeface="Helvetica Light"/>
                           <a:ea typeface="Helvetica Light"/>
                           <a:cs typeface="Helvetica Light"/>
+                          <a:sym typeface="Helvetica Light"/>
                         </a:rPr>
                         <a:t>NOT NULL</a:t>
                       </a:r>
@@ -3471,6 +3521,7 @@
                           <a:latin typeface="Helvetica Light"/>
                           <a:ea typeface="Helvetica Light"/>
                           <a:cs typeface="Helvetica Light"/>
+                          <a:sym typeface="Helvetica Light"/>
                         </a:rPr>
                         <a:t>0-waiting for approval</a:t>
                       </a:r>
@@ -3478,6 +3529,7 @@
                         <a:latin typeface="Helvetica Light"/>
                         <a:ea typeface="Helvetica Light"/>
                         <a:cs typeface="Helvetica Light"/>
+                        <a:sym typeface="Helvetica Light"/>
                       </a:endParaRPr>
                     </a:p>
                     <a:p>
@@ -3489,6 +3541,7 @@
                           <a:latin typeface="Helvetica Light"/>
                           <a:ea typeface="Helvetica Light"/>
                           <a:cs typeface="Helvetica Light"/>
+                          <a:sym typeface="Helvetica Light"/>
                         </a:rPr>
                         <a:t>1-approved, unresolved</a:t>
                       </a:r>
@@ -3496,6 +3549,7 @@
                         <a:latin typeface="Helvetica Light"/>
                         <a:ea typeface="Helvetica Light"/>
                         <a:cs typeface="Helvetica Light"/>
+                        <a:sym typeface="Helvetica Light"/>
                       </a:endParaRPr>
                     </a:p>
                     <a:p>
@@ -3507,24 +3561,168 @@
                           <a:latin typeface="Helvetica Light"/>
                           <a:ea typeface="Helvetica Light"/>
                           <a:cs typeface="Helvetica Light"/>
+                          <a:sym typeface="Helvetica Light"/>
                         </a:rPr>
                         <a:t>2-resolved</a:t>
+                      </a:r>
+                    </a:p>
+                  </a:txBody>
+                  <a:tcPr marL="50800" marR="50800" marT="50800" marB="50800" anchor="ctr" anchorCtr="0" horzOverflow="overflow">
+                    <a:lnL w="12700">
+                      <a:miter lim="400000"/>
+                    </a:lnL>
+                    <a:lnR w="12700">
+                      <a:miter lim="400000"/>
+                    </a:lnR>
+                    <a:lnT w="12700">
+                      <a:miter lim="400000"/>
+                    </a:lnT>
+                    <a:lnB w="12700">
+                      <a:miter lim="400000"/>
+                    </a:lnB>
+                  </a:tcPr>
+                </a:tc>
+              </a:tr>
+              <a:tr h="943312">
+                <a:tc>
+                  <a:txBody>
+                    <a:bodyPr/>
+                    <a:lstStyle/>
+                    <a:p>
+                      <a:pPr lvl="0" algn="ctr" defTabSz="914400">
+                        <a:defRPr b="0" i="0" sz="1800"/>
+                      </a:pPr>
+                      <a:r>
+                        <a:rPr sz="2600">
+                          <a:latin typeface="Helvetica Light"/>
+                          <a:ea typeface="Helvetica Light"/>
+                          <a:cs typeface="Helvetica Light"/>
+                          <a:sym typeface="Helvetica Light"/>
+                        </a:rPr>
+                        <a:t>Complainer_ID</a:t>
+                      </a:r>
+                    </a:p>
+                  </a:txBody>
+                  <a:tcPr marL="50800" marR="50800" marT="50800" marB="50800" anchor="ctr" anchorCtr="0" horzOverflow="overflow">
+                    <a:lnL w="12700">
+                      <a:miter lim="400000"/>
+                    </a:lnL>
+                    <a:lnR w="12700">
+                      <a:miter lim="400000"/>
+                    </a:lnR>
+                    <a:lnT w="12700">
+                      <a:miter lim="400000"/>
+                    </a:lnT>
+                    <a:lnB w="12700">
+                      <a:miter lim="400000"/>
+                    </a:lnB>
+                  </a:tcPr>
+                </a:tc>
+                <a:tc>
+                  <a:txBody>
+                    <a:bodyPr/>
+                    <a:lstStyle/>
+                    <a:p>
+                      <a:pPr lvl="0" algn="ctr" defTabSz="914400">
+                        <a:defRPr b="0" i="0" sz="1800"/>
+                      </a:pPr>
+                      <a:r>
+                        <a:rPr sz="2600">
+                          <a:latin typeface="Helvetica Light"/>
+                          <a:ea typeface="Helvetica Light"/>
+                          <a:cs typeface="Helvetica Light"/>
+                          <a:sym typeface="Helvetica Light"/>
+                        </a:rPr>
+                        <a:t>INT</a:t>
+                      </a:r>
+                    </a:p>
+                  </a:txBody>
+                  <a:tcPr marL="50800" marR="50800" marT="50800" marB="50800" anchor="ctr" anchorCtr="0" horzOverflow="overflow">
+                    <a:lnL w="12700">
+                      <a:miter lim="400000"/>
+                    </a:lnL>
+                    <a:lnR w="12700">
+                      <a:miter lim="400000"/>
+                    </a:lnR>
+                    <a:lnT w="12700">
+                      <a:miter lim="400000"/>
+                    </a:lnT>
+                    <a:lnB w="12700">
+                      <a:miter lim="400000"/>
+                    </a:lnB>
+                  </a:tcPr>
+                </a:tc>
+                <a:tc>
+                  <a:txBody>
+                    <a:bodyPr/>
+                    <a:lstStyle/>
+                    <a:p>
+                      <a:pPr lvl="0" algn="ctr" defTabSz="914400">
+                        <a:defRPr b="0" i="0" sz="1800"/>
+                      </a:pPr>
+                      <a:r>
+                        <a:rPr sz="2600">
+                          <a:latin typeface="Helvetica Light"/>
+                          <a:ea typeface="Helvetica Light"/>
+                          <a:cs typeface="Helvetica Light"/>
+                          <a:sym typeface="Helvetica Light"/>
+                        </a:rPr>
+                        <a:t>NOT NULL</a:t>
                       </a:r>
                       <a:endParaRPr sz="2600">
                         <a:latin typeface="Helvetica Light"/>
                         <a:ea typeface="Helvetica Light"/>
                         <a:cs typeface="Helvetica Light"/>
+                        <a:sym typeface="Helvetica Light"/>
                       </a:endParaRPr>
                     </a:p>
                     <a:p>
                       <a:pPr lvl="0" algn="ctr" defTabSz="914400">
                         <a:defRPr b="0" i="0" sz="1800"/>
                       </a:pPr>
-                      <a:endParaRPr sz="2600">
-                        <a:latin typeface="Helvetica Light"/>
-                        <a:ea typeface="Helvetica Light"/>
-                        <a:cs typeface="Helvetica Light"/>
-                      </a:endParaRPr>
+                      <a:r>
+                        <a:rPr sz="2600">
+                          <a:latin typeface="Helvetica Light"/>
+                          <a:ea typeface="Helvetica Light"/>
+                          <a:cs typeface="Helvetica Light"/>
+                          <a:sym typeface="Helvetica Light"/>
+                        </a:rPr>
+                        <a:t>FOREIGN KEY</a:t>
+                      </a:r>
+                    </a:p>
+                  </a:txBody>
+                  <a:tcPr marL="50800" marR="50800" marT="50800" marB="50800" anchor="ctr" anchorCtr="0" horzOverflow="overflow">
+                    <a:lnL w="12700">
+                      <a:miter lim="400000"/>
+                    </a:lnL>
+                    <a:lnR w="12700">
+                      <a:miter lim="400000"/>
+                    </a:lnR>
+                    <a:lnT w="12700">
+                      <a:miter lim="400000"/>
+                    </a:lnT>
+                    <a:lnB w="12700">
+                      <a:miter lim="400000"/>
+                    </a:lnB>
+                  </a:tcPr>
+                </a:tc>
+                <a:tc>
+                  <a:txBody>
+                    <a:bodyPr/>
+                    <a:lstStyle/>
+                    <a:p>
+                      <a:pPr lvl="0" algn="ctr" defTabSz="914400">
+                        <a:defRPr b="0" i="0" sz="1800"/>
+                      </a:pPr>
+                      <a:r>
+                        <a:rPr sz="2600">
+                          <a:latin typeface="Helvetica Light"/>
+                          <a:ea typeface="Helvetica Light"/>
+                          <a:cs typeface="Helvetica Light"/>
+                          <a:sym typeface="Helvetica Light"/>
+                        </a:rPr>
+                        <a:t>ID of the student/teacher that lodged the complaint</a:t>
+                      </a:r>
                     </a:p>
                   </a:txBody>
                   <a:tcPr marL="50800" marR="50800" marT="50800" marB="50800" anchor="ctr" anchorCtr="0" horzOverflow="overflow">
@@ -3557,158 +3755,7 @@
                           <a:latin typeface="Helvetica Light"/>
                           <a:ea typeface="Helvetica Light"/>
                           <a:cs typeface="Helvetica Light"/>
-                        </a:rPr>
-                        <a:t>Complainer_ID</a:t>
-                      </a:r>
-                    </a:p>
-                  </a:txBody>
-                  <a:tcPr marL="50800" marR="50800" marT="50800" marB="50800" anchor="ctr" anchorCtr="0" horzOverflow="overflow">
-                    <a:lnL w="12700">
-                      <a:miter lim="400000"/>
-                    </a:lnL>
-                    <a:lnR w="12700">
-                      <a:miter lim="400000"/>
-                    </a:lnR>
-                    <a:lnT w="12700">
-                      <a:miter lim="400000"/>
-                    </a:lnT>
-                    <a:lnB w="12700">
-                      <a:miter lim="400000"/>
-                    </a:lnB>
-                  </a:tcPr>
-                </a:tc>
-                <a:tc>
-                  <a:txBody>
-                    <a:bodyPr/>
-                    <a:lstStyle/>
-                    <a:p>
-                      <a:pPr lvl="0" algn="ctr" defTabSz="914400">
-                        <a:defRPr b="0" i="0" sz="1800"/>
-                      </a:pPr>
-                      <a:r>
-                        <a:rPr sz="2600">
-                          <a:latin typeface="Helvetica Light"/>
-                          <a:ea typeface="Helvetica Light"/>
-                          <a:cs typeface="Helvetica Light"/>
-                        </a:rPr>
-                        <a:t>INT</a:t>
-                      </a:r>
-                    </a:p>
-                  </a:txBody>
-                  <a:tcPr marL="50800" marR="50800" marT="50800" marB="50800" anchor="ctr" anchorCtr="0" horzOverflow="overflow">
-                    <a:lnL w="12700">
-                      <a:miter lim="400000"/>
-                    </a:lnL>
-                    <a:lnR w="12700">
-                      <a:miter lim="400000"/>
-                    </a:lnR>
-                    <a:lnT w="12700">
-                      <a:miter lim="400000"/>
-                    </a:lnT>
-                    <a:lnB w="12700">
-                      <a:miter lim="400000"/>
-                    </a:lnB>
-                  </a:tcPr>
-                </a:tc>
-                <a:tc>
-                  <a:txBody>
-                    <a:bodyPr/>
-                    <a:lstStyle/>
-                    <a:p>
-                      <a:pPr lvl="0" algn="ctr" defTabSz="914400">
-                        <a:defRPr b="0" i="0" sz="1800"/>
-                      </a:pPr>
-                      <a:r>
-                        <a:rPr sz="2600">
-                          <a:latin typeface="Helvetica Light"/>
-                          <a:ea typeface="Helvetica Light"/>
-                          <a:cs typeface="Helvetica Light"/>
-                        </a:rPr>
-                        <a:t>NOT NULL</a:t>
-                      </a:r>
-                      <a:endParaRPr sz="2600">
-                        <a:latin typeface="Helvetica Light"/>
-                        <a:ea typeface="Helvetica Light"/>
-                        <a:cs typeface="Helvetica Light"/>
-                      </a:endParaRPr>
-                    </a:p>
-                    <a:p>
-                      <a:pPr lvl="0" algn="ctr" defTabSz="914400">
-                        <a:defRPr b="0" i="0" sz="1800"/>
-                      </a:pPr>
-                      <a:r>
-                        <a:rPr sz="2600">
-                          <a:latin typeface="Helvetica Light"/>
-                          <a:ea typeface="Helvetica Light"/>
-                          <a:cs typeface="Helvetica Light"/>
-                        </a:rPr>
-                        <a:t>FOREIGN KEY</a:t>
-                      </a:r>
-                    </a:p>
-                  </a:txBody>
-                  <a:tcPr marL="50800" marR="50800" marT="50800" marB="50800" anchor="ctr" anchorCtr="0" horzOverflow="overflow">
-                    <a:lnL w="12700">
-                      <a:miter lim="400000"/>
-                    </a:lnL>
-                    <a:lnR w="12700">
-                      <a:miter lim="400000"/>
-                    </a:lnR>
-                    <a:lnT w="12700">
-                      <a:miter lim="400000"/>
-                    </a:lnT>
-                    <a:lnB w="12700">
-                      <a:miter lim="400000"/>
-                    </a:lnB>
-                  </a:tcPr>
-                </a:tc>
-                <a:tc>
-                  <a:txBody>
-                    <a:bodyPr/>
-                    <a:lstStyle/>
-                    <a:p>
-                      <a:pPr lvl="0" algn="ctr" defTabSz="914400">
-                        <a:defRPr b="0" i="0" sz="1800"/>
-                      </a:pPr>
-                      <a:r>
-                        <a:rPr sz="2600">
-                          <a:latin typeface="Helvetica Light"/>
-                          <a:ea typeface="Helvetica Light"/>
-                          <a:cs typeface="Helvetica Light"/>
-                        </a:rPr>
-                        <a:t>ID of the student/teacher that lodged the complaint</a:t>
-                      </a:r>
-                    </a:p>
-                  </a:txBody>
-                  <a:tcPr marL="50800" marR="50800" marT="50800" marB="50800" anchor="ctr" anchorCtr="0" horzOverflow="overflow">
-                    <a:lnL w="12700">
-                      <a:miter lim="400000"/>
-                    </a:lnL>
-                    <a:lnR w="12700">
-                      <a:miter lim="400000"/>
-                    </a:lnR>
-                    <a:lnT w="12700">
-                      <a:miter lim="400000"/>
-                    </a:lnT>
-                    <a:lnB w="12700">
-                      <a:miter lim="400000"/>
-                    </a:lnB>
-                  </a:tcPr>
-                </a:tc>
-              </a:tr>
-              <a:tr h="943312">
-                <a:tc>
-                  <a:txBody>
-                    <a:bodyPr/>
-                    <a:lstStyle/>
-                    <a:p>
-                      <a:pPr lvl="0" algn="ctr" defTabSz="914400">
-                        <a:defRPr b="0" i="0" sz="1800"/>
-                      </a:pPr>
-                      <a:r>
-                        <a:rPr sz="2600">
-                          <a:latin typeface="Helvetica Light"/>
-                          <a:ea typeface="Helvetica Light"/>
-                          <a:cs typeface="Helvetica Light"/>
+                          <a:sym typeface="Helvetica Light"/>
                         </a:rPr>
                         <a:t>Date_of_Approval</a:t>
                       </a:r>
@@ -3742,6 +3789,7 @@
                           <a:latin typeface="Helvetica Light"/>
                           <a:ea typeface="Helvetica Light"/>
                           <a:cs typeface="Helvetica Light"/>
+                          <a:sym typeface="Helvetica Light"/>
                         </a:rPr>
                         <a:t>DATE</a:t>
                       </a:r>
@@ -3775,6 +3823,7 @@
                           <a:latin typeface="Helvetica Light"/>
                           <a:ea typeface="Helvetica Light"/>
                           <a:cs typeface="Helvetica Light"/>
+                          <a:sym typeface="Helvetica Light"/>
                         </a:rPr>
                         <a:t>&gt;= date of complaint</a:t>
                       </a:r>
@@ -3808,6 +3857,7 @@
                           <a:latin typeface="Helvetica Light"/>
                           <a:ea typeface="Helvetica Light"/>
                           <a:cs typeface="Helvetica Light"/>
+                          <a:sym typeface="Helvetica Light"/>
                         </a:rPr>
                         <a:t>date of approval if the complaint was approved</a:t>
                       </a:r>
@@ -3843,6 +3893,7 @@
                           <a:latin typeface="Helvetica Light"/>
                           <a:ea typeface="Helvetica Light"/>
                           <a:cs typeface="Helvetica Light"/>
+                          <a:sym typeface="Helvetica Light"/>
                         </a:rPr>
                         <a:t>Priority</a:t>
                       </a:r>
@@ -3876,6 +3927,7 @@
                           <a:latin typeface="Helvetica Light"/>
                           <a:ea typeface="Helvetica Light"/>
                           <a:cs typeface="Helvetica Light"/>
+                          <a:sym typeface="Helvetica Light"/>
                         </a:rPr>
                         <a:t>INT</a:t>
                       </a:r>
@@ -3909,6 +3961,7 @@
                           <a:latin typeface="Helvetica Light"/>
                           <a:ea typeface="Helvetica Light"/>
                           <a:cs typeface="Helvetica Light"/>
+                          <a:sym typeface="Helvetica Light"/>
                         </a:rPr>
                         <a:t>NOT NULL</a:t>
                       </a:r>
@@ -3942,6 +3995,7 @@
                           <a:latin typeface="Helvetica Light"/>
                           <a:ea typeface="Helvetica Light"/>
                           <a:cs typeface="Helvetica Light"/>
+                          <a:sym typeface="Helvetica Light"/>
                         </a:rPr>
                         <a:t>priority of the complaint assigned by lab admin</a:t>
                       </a:r>
@@ -4003,8 +4057,8 @@
         </p:nvSpPr>
         <p:spPr>
           <a:xfrm>
-            <a:off x="396356" y="119247"/>
-            <a:ext cx="12212088" cy="9373627"/>
+            <a:off x="396356" y="119246"/>
+            <a:ext cx="12212088" cy="9373629"/>
           </a:xfrm>
           <a:prstGeom prst="rect">
             <a:avLst/>
@@ -4052,7 +4106,7 @@
         </p:nvGraphicFramePr>
         <p:xfrm>
           <a:off x="673539" y="1494650"/>
-          <a:ext cx="11670422" cy="7885142"/>
+          <a:ext cx="11670422" cy="7885143"/>
         </p:xfrm>
         <a:graphic xmlns:a="http://schemas.openxmlformats.org/drawingml/2006/main">
           <a:graphicData uri="http://schemas.openxmlformats.org/drawingml/2006/table">
@@ -4097,6 +4151,7 @@
                           <a:latin typeface="Helvetica Light"/>
                           <a:ea typeface="Helvetica Light"/>
                           <a:cs typeface="Helvetica Light"/>
+                          <a:sym typeface="Helvetica Light"/>
                         </a:rPr>
                         <a:t>Name</a:t>
                       </a:r>
@@ -4150,6 +4205,7 @@
                           <a:latin typeface="Helvetica Light"/>
                           <a:ea typeface="Helvetica Light"/>
                           <a:cs typeface="Helvetica Light"/>
+                          <a:sym typeface="Helvetica Light"/>
                         </a:rPr>
                         <a:t>Data Type</a:t>
                       </a:r>
@@ -4203,6 +4259,7 @@
                           <a:latin typeface="Helvetica Light"/>
                           <a:ea typeface="Helvetica Light"/>
                           <a:cs typeface="Helvetica Light"/>
+                          <a:sym typeface="Helvetica Light"/>
                         </a:rPr>
                         <a:t>Constraints</a:t>
                       </a:r>
@@ -4256,6 +4313,7 @@
                           <a:latin typeface="Helvetica Light"/>
                           <a:ea typeface="Helvetica Light"/>
                           <a:cs typeface="Helvetica Light"/>
+                          <a:sym typeface="Helvetica Light"/>
                         </a:rPr>
                         <a:t>Details</a:t>
                       </a:r>
@@ -4294,6 +4352,7 @@
                           <a:latin typeface="Helvetica Light"/>
                           <a:ea typeface="Helvetica Light"/>
                           <a:cs typeface="Helvetica Light"/>
+                          <a:sym typeface="Helvetica Light"/>
                         </a:rPr>
                         <a:t>Name</a:t>
                       </a:r>
@@ -4327,6 +4386,7 @@
                           <a:latin typeface="Helvetica Light"/>
                           <a:ea typeface="Helvetica Light"/>
                           <a:cs typeface="Helvetica Light"/>
+                          <a:sym typeface="Helvetica Light"/>
                         </a:rPr>
                         <a:t>varchar(40)</a:t>
                       </a:r>
@@ -4360,6 +4420,7 @@
                           <a:latin typeface="Helvetica Light"/>
                           <a:ea typeface="Helvetica Light"/>
                           <a:cs typeface="Helvetica Light"/>
+                          <a:sym typeface="Helvetica Light"/>
                         </a:rPr>
                         <a:t>NOT NULL</a:t>
                       </a:r>
@@ -4393,6 +4454,7 @@
                           <a:latin typeface="Helvetica Light"/>
                           <a:ea typeface="Helvetica Light"/>
                           <a:cs typeface="Helvetica Light"/>
+                          <a:sym typeface="Helvetica Light"/>
                         </a:rPr>
                         <a:t>Name of the Lab Admin</a:t>
                       </a:r>
@@ -4428,6 +4490,7 @@
                           <a:latin typeface="Helvetica Light"/>
                           <a:ea typeface="Helvetica Light"/>
                           <a:cs typeface="Helvetica Light"/>
+                          <a:sym typeface="Helvetica Light"/>
                         </a:rPr>
                         <a:t>Lab_admin_ID</a:t>
                       </a:r>
@@ -4461,6 +4524,7 @@
                           <a:latin typeface="Helvetica Light"/>
                           <a:ea typeface="Helvetica Light"/>
                           <a:cs typeface="Helvetica Light"/>
+                          <a:sym typeface="Helvetica Light"/>
                         </a:rPr>
                         <a:t>INT</a:t>
                       </a:r>
@@ -4494,6 +4558,7 @@
                           <a:latin typeface="Helvetica Light"/>
                           <a:ea typeface="Helvetica Light"/>
                           <a:cs typeface="Helvetica Light"/>
+                          <a:sym typeface="Helvetica Light"/>
                         </a:rPr>
                         <a:t>NOT NULL</a:t>
                       </a:r>
@@ -4501,6 +4566,7 @@
                         <a:latin typeface="Helvetica Light"/>
                         <a:ea typeface="Helvetica Light"/>
                         <a:cs typeface="Helvetica Light"/>
+                        <a:sym typeface="Helvetica Light"/>
                       </a:endParaRPr>
                     </a:p>
                     <a:p>
@@ -4512,6 +4578,7 @@
                           <a:latin typeface="Helvetica Light"/>
                           <a:ea typeface="Helvetica Light"/>
                           <a:cs typeface="Helvetica Light"/>
+                          <a:sym typeface="Helvetica Light"/>
                         </a:rPr>
                         <a:t>UNIQUE</a:t>
                       </a:r>
@@ -4545,6 +4612,7 @@
                           <a:latin typeface="Helvetica Light"/>
                           <a:ea typeface="Helvetica Light"/>
                           <a:cs typeface="Helvetica Light"/>
+                          <a:sym typeface="Helvetica Light"/>
                         </a:rPr>
                         <a:t>Uniquely identify each lab admin</a:t>
                       </a:r>
@@ -4580,6 +4648,7 @@
                           <a:latin typeface="Helvetica Light"/>
                           <a:ea typeface="Helvetica Light"/>
                           <a:cs typeface="Helvetica Light"/>
+                          <a:sym typeface="Helvetica Light"/>
                         </a:rPr>
                         <a:t>Lab_ID</a:t>
                       </a:r>
@@ -4613,6 +4682,7 @@
                           <a:latin typeface="Helvetica Light"/>
                           <a:ea typeface="Helvetica Light"/>
                           <a:cs typeface="Helvetica Light"/>
+                          <a:sym typeface="Helvetica Light"/>
                         </a:rPr>
                         <a:t>INT</a:t>
                       </a:r>
@@ -4646,6 +4716,7 @@
                           <a:latin typeface="Helvetica Light"/>
                           <a:ea typeface="Helvetica Light"/>
                           <a:cs typeface="Helvetica Light"/>
+                          <a:sym typeface="Helvetica Light"/>
                         </a:rPr>
                         <a:t>NOT NULL</a:t>
                       </a:r>
@@ -4653,6 +4724,7 @@
                         <a:latin typeface="Helvetica Light"/>
                         <a:ea typeface="Helvetica Light"/>
                         <a:cs typeface="Helvetica Light"/>
+                        <a:sym typeface="Helvetica Light"/>
                       </a:endParaRPr>
                     </a:p>
                     <a:p>
@@ -4664,6 +4736,7 @@
                           <a:latin typeface="Helvetica Light"/>
                           <a:ea typeface="Helvetica Light"/>
                           <a:cs typeface="Helvetica Light"/>
+                          <a:sym typeface="Helvetica Light"/>
                         </a:rPr>
                         <a:t>FOREIGN KEY</a:t>
                       </a:r>
@@ -4697,6 +4770,7 @@
                           <a:latin typeface="Helvetica Light"/>
                           <a:ea typeface="Helvetica Light"/>
                           <a:cs typeface="Helvetica Light"/>
+                          <a:sym typeface="Helvetica Light"/>
                         </a:rPr>
                         <a:t>identify the lab of which the person is admin of.</a:t>
                       </a:r>
@@ -4732,6 +4806,7 @@
                           <a:latin typeface="Helvetica Light"/>
                           <a:ea typeface="Helvetica Light"/>
                           <a:cs typeface="Helvetica Light"/>
+                          <a:sym typeface="Helvetica Light"/>
                         </a:rPr>
                         <a:t>No_of_complaints_handled</a:t>
                       </a:r>
@@ -4765,6 +4840,7 @@
                           <a:latin typeface="Helvetica Light"/>
                           <a:ea typeface="Helvetica Light"/>
                           <a:cs typeface="Helvetica Light"/>
+                          <a:sym typeface="Helvetica Light"/>
                         </a:rPr>
                         <a:t>INT</a:t>
                       </a:r>
@@ -4798,6 +4874,7 @@
                           <a:latin typeface="Helvetica Light"/>
                           <a:ea typeface="Helvetica Light"/>
                           <a:cs typeface="Helvetica Light"/>
+                          <a:sym typeface="Helvetica Light"/>
                         </a:rPr>
                         <a:t>NON NEGATIVE</a:t>
                       </a:r>
@@ -4831,6 +4908,7 @@
                           <a:latin typeface="Helvetica Light"/>
                           <a:ea typeface="Helvetica Light"/>
                           <a:cs typeface="Helvetica Light"/>
+                          <a:sym typeface="Helvetica Light"/>
                         </a:rPr>
                         <a:t>no of complaints handled after verification of complaint</a:t>
                       </a:r>
@@ -4866,6 +4944,7 @@
                           <a:latin typeface="Helvetica Light"/>
                           <a:ea typeface="Helvetica Light"/>
                           <a:cs typeface="Helvetica Light"/>
+                          <a:sym typeface="Helvetica Light"/>
                         </a:rPr>
                         <a:t>Last_login</a:t>
                       </a:r>
@@ -4899,6 +4978,7 @@
                           <a:latin typeface="Helvetica Light"/>
                           <a:ea typeface="Helvetica Light"/>
                           <a:cs typeface="Helvetica Light"/>
+                          <a:sym typeface="Helvetica Light"/>
                         </a:rPr>
                         <a:t>DATE</a:t>
                       </a:r>
@@ -4928,11 +5008,6 @@
                         <a:defRPr b="0" i="0" sz="1800"/>
                       </a:pPr>
                       <a:r>
-                        <a:rPr sz="2600">
-                          <a:latin typeface="Helvetica Light"/>
-                          <a:ea typeface="Helvetica Light"/>
-                          <a:cs typeface="Helvetica Light"/>
-                        </a:rPr>
                         <a:t/>
                       </a:r>
                     </a:p>
@@ -4965,6 +5040,7 @@
                           <a:latin typeface="Helvetica Light"/>
                           <a:ea typeface="Helvetica Light"/>
                           <a:cs typeface="Helvetica Light"/>
+                          <a:sym typeface="Helvetica Light"/>
                         </a:rPr>
                         <a:t>Indicates how active the admin is</a:t>
                       </a:r>
@@ -5062,7 +5138,7 @@
         <p:spPr>
           <a:xfrm>
             <a:off x="1270000" y="1811371"/>
-            <a:ext cx="10464800" cy="6589742"/>
+            <a:ext cx="10464800" cy="6589743"/>
           </a:xfrm>
           <a:prstGeom prst="rect">
             <a:avLst/>
@@ -5130,8 +5206,8 @@
         </p:nvSpPr>
         <p:spPr>
           <a:xfrm>
-            <a:off x="396356" y="119247"/>
-            <a:ext cx="12212088" cy="9373627"/>
+            <a:off x="396356" y="119246"/>
+            <a:ext cx="12212088" cy="9373629"/>
           </a:xfrm>
           <a:prstGeom prst="rect">
             <a:avLst/>
@@ -5214,6 +5290,7 @@
                           <a:latin typeface="Helvetica Light"/>
                           <a:ea typeface="Helvetica Light"/>
                           <a:cs typeface="Helvetica Light"/>
+                          <a:sym typeface="Helvetica Light"/>
                         </a:rPr>
                         <a:t>Name</a:t>
                       </a:r>
@@ -5267,6 +5344,7 @@
                           <a:latin typeface="Helvetica Light"/>
                           <a:ea typeface="Helvetica Light"/>
                           <a:cs typeface="Helvetica Light"/>
+                          <a:sym typeface="Helvetica Light"/>
                         </a:rPr>
                         <a:t>Data Type</a:t>
                       </a:r>
@@ -5320,6 +5398,7 @@
                           <a:latin typeface="Helvetica Light"/>
                           <a:ea typeface="Helvetica Light"/>
                           <a:cs typeface="Helvetica Light"/>
+                          <a:sym typeface="Helvetica Light"/>
                         </a:rPr>
                         <a:t>Constraints</a:t>
                       </a:r>
@@ -5373,6 +5452,7 @@
                           <a:latin typeface="Helvetica Light"/>
                           <a:ea typeface="Helvetica Light"/>
                           <a:cs typeface="Helvetica Light"/>
+                          <a:sym typeface="Helvetica Light"/>
                         </a:rPr>
                         <a:t>Details</a:t>
                       </a:r>
@@ -5411,6 +5491,7 @@
                           <a:latin typeface="Helvetica Light"/>
                           <a:ea typeface="Helvetica Light"/>
                           <a:cs typeface="Helvetica Light"/>
+                          <a:sym typeface="Helvetica Light"/>
                         </a:rPr>
                         <a:t>Lab_ID</a:t>
                       </a:r>
@@ -5444,6 +5525,7 @@
                           <a:latin typeface="Helvetica Light"/>
                           <a:ea typeface="Helvetica Light"/>
                           <a:cs typeface="Helvetica Light"/>
+                          <a:sym typeface="Helvetica Light"/>
                         </a:rPr>
                         <a:t>INT</a:t>
                       </a:r>
@@ -5477,6 +5559,7 @@
                           <a:latin typeface="Helvetica Light"/>
                           <a:ea typeface="Helvetica Light"/>
                           <a:cs typeface="Helvetica Light"/>
+                          <a:sym typeface="Helvetica Light"/>
                         </a:rPr>
                         <a:t>NOT NULL</a:t>
                       </a:r>
@@ -5484,6 +5567,7 @@
                         <a:latin typeface="Helvetica Light"/>
                         <a:ea typeface="Helvetica Light"/>
                         <a:cs typeface="Helvetica Light"/>
+                        <a:sym typeface="Helvetica Light"/>
                       </a:endParaRPr>
                     </a:p>
                     <a:p>
@@ -5495,6 +5579,7 @@
                           <a:latin typeface="Helvetica Light"/>
                           <a:ea typeface="Helvetica Light"/>
                           <a:cs typeface="Helvetica Light"/>
+                          <a:sym typeface="Helvetica Light"/>
                         </a:rPr>
                         <a:t>PRIMARY KEY</a:t>
                       </a:r>
@@ -5528,6 +5613,7 @@
                           <a:latin typeface="Helvetica Light"/>
                           <a:ea typeface="Helvetica Light"/>
                           <a:cs typeface="Helvetica Light"/>
+                          <a:sym typeface="Helvetica Light"/>
                         </a:rPr>
                         <a:t>used to identify the location of the lab</a:t>
                       </a:r>
@@ -5563,6 +5649,7 @@
                           <a:latin typeface="Helvetica Light"/>
                           <a:ea typeface="Helvetica Light"/>
                           <a:cs typeface="Helvetica Light"/>
+                          <a:sym typeface="Helvetica Light"/>
                         </a:rPr>
                         <a:t>No_of_pcs</a:t>
                       </a:r>
@@ -5596,6 +5683,7 @@
                           <a:latin typeface="Helvetica Light"/>
                           <a:ea typeface="Helvetica Light"/>
                           <a:cs typeface="Helvetica Light"/>
+                          <a:sym typeface="Helvetica Light"/>
                         </a:rPr>
                         <a:t>INT</a:t>
                       </a:r>
@@ -5629,6 +5717,7 @@
                           <a:latin typeface="Helvetica Light"/>
                           <a:ea typeface="Helvetica Light"/>
                           <a:cs typeface="Helvetica Light"/>
+                          <a:sym typeface="Helvetica Light"/>
                         </a:rPr>
                         <a:t>NOT NULL</a:t>
                       </a:r>
@@ -5636,6 +5725,7 @@
                         <a:latin typeface="Helvetica Light"/>
                         <a:ea typeface="Helvetica Light"/>
                         <a:cs typeface="Helvetica Light"/>
+                        <a:sym typeface="Helvetica Light"/>
                       </a:endParaRPr>
                     </a:p>
                     <a:p>
@@ -5647,6 +5737,7 @@
                           <a:latin typeface="Helvetica Light"/>
                           <a:ea typeface="Helvetica Light"/>
                           <a:cs typeface="Helvetica Light"/>
+                          <a:sym typeface="Helvetica Light"/>
                         </a:rPr>
                         <a:t>POSITIVE</a:t>
                       </a:r>
@@ -5680,6 +5771,7 @@
                           <a:latin typeface="Helvetica Light"/>
                           <a:ea typeface="Helvetica Light"/>
                           <a:cs typeface="Helvetica Light"/>
+                          <a:sym typeface="Helvetica Light"/>
                         </a:rPr>
                         <a:t>no of computers in the labs</a:t>
                       </a:r>
@@ -5715,6 +5807,7 @@
                           <a:latin typeface="Helvetica Light"/>
                           <a:ea typeface="Helvetica Light"/>
                           <a:cs typeface="Helvetica Light"/>
+                          <a:sym typeface="Helvetica Light"/>
                         </a:rPr>
                         <a:t>Lab_admin_ID</a:t>
                       </a:r>
@@ -5748,6 +5841,7 @@
                           <a:latin typeface="Helvetica Light"/>
                           <a:ea typeface="Helvetica Light"/>
                           <a:cs typeface="Helvetica Light"/>
+                          <a:sym typeface="Helvetica Light"/>
                         </a:rPr>
                         <a:t>INT</a:t>
                       </a:r>
@@ -5781,6 +5875,7 @@
                           <a:latin typeface="Helvetica Light"/>
                           <a:ea typeface="Helvetica Light"/>
                           <a:cs typeface="Helvetica Light"/>
+                          <a:sym typeface="Helvetica Light"/>
                         </a:rPr>
                         <a:t>NOT NULL</a:t>
                       </a:r>
@@ -5788,6 +5883,7 @@
                         <a:latin typeface="Helvetica Light"/>
                         <a:ea typeface="Helvetica Light"/>
                         <a:cs typeface="Helvetica Light"/>
+                        <a:sym typeface="Helvetica Light"/>
                       </a:endParaRPr>
                     </a:p>
                     <a:p>
@@ -5799,6 +5895,7 @@
                           <a:latin typeface="Helvetica Light"/>
                           <a:ea typeface="Helvetica Light"/>
                           <a:cs typeface="Helvetica Light"/>
+                          <a:sym typeface="Helvetica Light"/>
                         </a:rPr>
                         <a:t>FOREIGN KEY</a:t>
                       </a:r>
@@ -5832,6 +5929,7 @@
                           <a:latin typeface="Helvetica Light"/>
                           <a:ea typeface="Helvetica Light"/>
                           <a:cs typeface="Helvetica Light"/>
+                          <a:sym typeface="Helvetica Light"/>
                         </a:rPr>
                         <a:t>id of the lab incharge</a:t>
                       </a:r>
@@ -5893,8 +5991,8 @@
         </p:nvSpPr>
         <p:spPr>
           <a:xfrm>
-            <a:off x="396356" y="119247"/>
-            <a:ext cx="12212088" cy="9373627"/>
+            <a:off x="396356" y="119246"/>
+            <a:ext cx="12212088" cy="9373629"/>
           </a:xfrm>
           <a:prstGeom prst="rect">
             <a:avLst/>
@@ -5931,8 +6029,8 @@
           <p:nvPr/>
         </p:nvGraphicFramePr>
         <p:xfrm>
-          <a:off x="667189" y="1735951"/>
-          <a:ext cx="11670422" cy="6864079"/>
+          <a:off x="667189" y="2129651"/>
+          <a:ext cx="11670422" cy="5171858"/>
         </p:xfrm>
         <a:graphic xmlns:a="http://schemas.openxmlformats.org/drawingml/2006/main">
           <a:graphicData uri="http://schemas.openxmlformats.org/drawingml/2006/table">
@@ -5946,7 +6044,7 @@
                 <a:gridCol w="2442641"/>
                 <a:gridCol w="4229758"/>
               </a:tblGrid>
-              <a:tr h="908078">
+              <a:tr h="1299791">
                 <a:tc>
                   <a:txBody>
                     <a:bodyPr/>
@@ -5977,6 +6075,7 @@
                           <a:latin typeface="Helvetica Light"/>
                           <a:ea typeface="Helvetica Light"/>
                           <a:cs typeface="Helvetica Light"/>
+                          <a:sym typeface="Helvetica Light"/>
                         </a:rPr>
                         <a:t>Name</a:t>
                       </a:r>
@@ -6030,6 +6129,7 @@
                           <a:latin typeface="Helvetica Light"/>
                           <a:ea typeface="Helvetica Light"/>
                           <a:cs typeface="Helvetica Light"/>
+                          <a:sym typeface="Helvetica Light"/>
                         </a:rPr>
                         <a:t>Data Type</a:t>
                       </a:r>
@@ -6083,6 +6183,7 @@
                           <a:latin typeface="Helvetica Light"/>
                           <a:ea typeface="Helvetica Light"/>
                           <a:cs typeface="Helvetica Light"/>
+                          <a:sym typeface="Helvetica Light"/>
                         </a:rPr>
                         <a:t>Constraints</a:t>
                       </a:r>
@@ -6136,6 +6237,7 @@
                           <a:latin typeface="Helvetica Light"/>
                           <a:ea typeface="Helvetica Light"/>
                           <a:cs typeface="Helvetica Light"/>
+                          <a:sym typeface="Helvetica Light"/>
                         </a:rPr>
                         <a:t>Details</a:t>
                       </a:r>
@@ -6160,20 +6262,21 @@
                   </a:tcPr>
                 </a:tc>
               </a:tr>
-              <a:tr h="908078">
-                <a:tc>
-                  <a:txBody>
-                    <a:bodyPr/>
-                    <a:lstStyle/>
-                    <a:p>
-                      <a:pPr lvl="0" algn="ctr" defTabSz="914400">
-                        <a:defRPr b="0" i="0" sz="1800"/>
-                      </a:pPr>
-                      <a:r>
-                        <a:rPr sz="2600">
-                          <a:latin typeface="Helvetica Light"/>
-                          <a:ea typeface="Helvetica Light"/>
-                          <a:cs typeface="Helvetica Light"/>
+              <a:tr h="1299791">
+                <a:tc>
+                  <a:txBody>
+                    <a:bodyPr/>
+                    <a:lstStyle/>
+                    <a:p>
+                      <a:pPr lvl="0" algn="ctr" defTabSz="914400">
+                        <a:defRPr b="0" i="0" sz="1800"/>
+                      </a:pPr>
+                      <a:r>
+                        <a:rPr sz="2600">
+                          <a:latin typeface="Helvetica Light"/>
+                          <a:ea typeface="Helvetica Light"/>
+                          <a:cs typeface="Helvetica Light"/>
+                          <a:sym typeface="Helvetica Light"/>
                         </a:rPr>
                         <a:t>PC_ID</a:t>
                       </a:r>
@@ -6207,6 +6310,7 @@
                           <a:latin typeface="Helvetica Light"/>
                           <a:ea typeface="Helvetica Light"/>
                           <a:cs typeface="Helvetica Light"/>
+                          <a:sym typeface="Helvetica Light"/>
                         </a:rPr>
                         <a:t>INT</a:t>
                       </a:r>
@@ -6240,6 +6344,7 @@
                           <a:latin typeface="Helvetica Light"/>
                           <a:ea typeface="Helvetica Light"/>
                           <a:cs typeface="Helvetica Light"/>
+                          <a:sym typeface="Helvetica Light"/>
                         </a:rPr>
                         <a:t>PRIMARY KEY</a:t>
                       </a:r>
@@ -6247,6 +6352,7 @@
                         <a:latin typeface="Helvetica Light"/>
                         <a:ea typeface="Helvetica Light"/>
                         <a:cs typeface="Helvetica Light"/>
+                        <a:sym typeface="Helvetica Light"/>
                       </a:endParaRPr>
                     </a:p>
                     <a:p>
@@ -6258,6 +6364,7 @@
                           <a:latin typeface="Helvetica Light"/>
                           <a:ea typeface="Helvetica Light"/>
                           <a:cs typeface="Helvetica Light"/>
+                          <a:sym typeface="Helvetica Light"/>
                         </a:rPr>
                         <a:t>NOT NULL</a:t>
                       </a:r>
@@ -6294,6 +6401,7 @@
                           <a:latin typeface="Helvetica Light"/>
                           <a:ea typeface="Helvetica Light"/>
                           <a:cs typeface="Helvetica Light"/>
+                          <a:sym typeface="Helvetica Light"/>
                         </a:rPr>
                         <a:t>Will be used to identify any specific PC set </a:t>
                       </a:r>
@@ -6315,20 +6423,21 @@
                   </a:tcPr>
                 </a:tc>
               </a:tr>
-              <a:tr h="908078">
-                <a:tc>
-                  <a:txBody>
-                    <a:bodyPr/>
-                    <a:lstStyle/>
-                    <a:p>
-                      <a:pPr lvl="0" algn="ctr" defTabSz="914400">
-                        <a:defRPr b="0" i="0" sz="1800"/>
-                      </a:pPr>
-                      <a:r>
-                        <a:rPr sz="2600">
-                          <a:latin typeface="Helvetica Light"/>
-                          <a:ea typeface="Helvetica Light"/>
-                          <a:cs typeface="Helvetica Light"/>
+              <a:tr h="1299791">
+                <a:tc>
+                  <a:txBody>
+                    <a:bodyPr/>
+                    <a:lstStyle/>
+                    <a:p>
+                      <a:pPr lvl="0" algn="ctr" defTabSz="914400">
+                        <a:defRPr b="0" i="0" sz="1800"/>
+                      </a:pPr>
+                      <a:r>
+                        <a:rPr sz="2600">
+                          <a:latin typeface="Helvetica Light"/>
+                          <a:ea typeface="Helvetica Light"/>
+                          <a:cs typeface="Helvetica Light"/>
+                          <a:sym typeface="Helvetica Light"/>
                         </a:rPr>
                         <a:t>Lab_ID</a:t>
                       </a:r>
@@ -6362,6 +6471,7 @@
                           <a:latin typeface="Helvetica Light"/>
                           <a:ea typeface="Helvetica Light"/>
                           <a:cs typeface="Helvetica Light"/>
+                          <a:sym typeface="Helvetica Light"/>
                         </a:rPr>
                         <a:t>INT</a:t>
                       </a:r>
@@ -6395,6 +6505,7 @@
                           <a:latin typeface="Helvetica Light"/>
                           <a:ea typeface="Helvetica Light"/>
                           <a:cs typeface="Helvetica Light"/>
+                          <a:sym typeface="Helvetica Light"/>
                         </a:rPr>
                         <a:t>FOREIGN KEY</a:t>
                       </a:r>
@@ -6402,6 +6513,7 @@
                         <a:latin typeface="Helvetica Light"/>
                         <a:ea typeface="Helvetica Light"/>
                         <a:cs typeface="Helvetica Light"/>
+                        <a:sym typeface="Helvetica Light"/>
                       </a:endParaRPr>
                     </a:p>
                     <a:p>
@@ -6413,6 +6525,7 @@
                           <a:latin typeface="Helvetica Light"/>
                           <a:ea typeface="Helvetica Light"/>
                           <a:cs typeface="Helvetica Light"/>
+                          <a:sym typeface="Helvetica Light"/>
                         </a:rPr>
                         <a:t>NOT NULL</a:t>
                       </a:r>
@@ -6446,6 +6559,7 @@
                           <a:latin typeface="Helvetica Light"/>
                           <a:ea typeface="Helvetica Light"/>
                           <a:cs typeface="Helvetica Light"/>
+                          <a:sym typeface="Helvetica Light"/>
                         </a:rPr>
                         <a:t>Identify the location of the PC </a:t>
                       </a:r>
@@ -6467,556 +6581,21 @@
                   </a:tcPr>
                 </a:tc>
               </a:tr>
-              <a:tr h="908078">
-                <a:tc>
-                  <a:txBody>
-                    <a:bodyPr/>
-                    <a:lstStyle/>
-                    <a:p>
-                      <a:pPr lvl="0" algn="ctr" defTabSz="914400">
-                        <a:defRPr b="0" i="0" sz="1800"/>
-                      </a:pPr>
-                      <a:r>
-                        <a:rPr sz="2600">
-                          <a:latin typeface="Helvetica Light"/>
-                          <a:ea typeface="Helvetica Light"/>
-                          <a:cs typeface="Helvetica Light"/>
-                        </a:rPr>
-                        <a:t>Monitor_ID</a:t>
-                      </a:r>
-                    </a:p>
-                  </a:txBody>
-                  <a:tcPr marL="50800" marR="50800" marT="50800" marB="50800" anchor="ctr" anchorCtr="0" horzOverflow="overflow">
-                    <a:lnL w="12700">
-                      <a:miter lim="400000"/>
-                    </a:lnL>
-                    <a:lnR w="12700">
-                      <a:miter lim="400000"/>
-                    </a:lnR>
-                    <a:lnT w="12700">
-                      <a:miter lim="400000"/>
-                    </a:lnT>
-                    <a:lnB w="12700">
-                      <a:miter lim="400000"/>
-                    </a:lnB>
-                  </a:tcPr>
-                </a:tc>
-                <a:tc>
-                  <a:txBody>
-                    <a:bodyPr/>
-                    <a:lstStyle/>
-                    <a:p>
-                      <a:pPr lvl="0" algn="ctr" defTabSz="914400">
-                        <a:defRPr b="0" i="0" sz="1800"/>
-                      </a:pPr>
-                      <a:r>
-                        <a:rPr sz="2600">
-                          <a:latin typeface="Helvetica Light"/>
-                          <a:ea typeface="Helvetica Light"/>
-                          <a:cs typeface="Helvetica Light"/>
-                        </a:rPr>
-                        <a:t>INT</a:t>
-                      </a:r>
-                    </a:p>
-                  </a:txBody>
-                  <a:tcPr marL="50800" marR="50800" marT="50800" marB="50800" anchor="ctr" anchorCtr="0" horzOverflow="overflow">
-                    <a:lnL w="12700">
-                      <a:miter lim="400000"/>
-                    </a:lnL>
-                    <a:lnR w="12700">
-                      <a:miter lim="400000"/>
-                    </a:lnR>
-                    <a:lnT w="12700">
-                      <a:miter lim="400000"/>
-                    </a:lnT>
-                    <a:lnB w="12700">
-                      <a:miter lim="400000"/>
-                    </a:lnB>
-                  </a:tcPr>
-                </a:tc>
-                <a:tc>
-                  <a:txBody>
-                    <a:bodyPr/>
-                    <a:lstStyle/>
-                    <a:p>
-                      <a:pPr lvl="0" algn="ctr" defTabSz="914400">
-                        <a:defRPr b="0" i="0" sz="1800"/>
-                      </a:pPr>
-                      <a:r>
-                        <a:rPr sz="2600">
-                          <a:latin typeface="Helvetica Light"/>
-                          <a:ea typeface="Helvetica Light"/>
-                          <a:cs typeface="Helvetica Light"/>
-                        </a:rPr>
-                        <a:t>UNIQUE</a:t>
-                      </a:r>
-                    </a:p>
-                  </a:txBody>
-                  <a:tcPr marL="50800" marR="50800" marT="50800" marB="50800" anchor="ctr" anchorCtr="0" horzOverflow="overflow">
-                    <a:lnL w="12700">
-                      <a:miter lim="400000"/>
-                    </a:lnL>
-                    <a:lnR w="12700">
-                      <a:miter lim="400000"/>
-                    </a:lnR>
-                    <a:lnT w="12700">
-                      <a:miter lim="400000"/>
-                    </a:lnT>
-                    <a:lnB w="12700">
-                      <a:miter lim="400000"/>
-                    </a:lnB>
-                  </a:tcPr>
-                </a:tc>
-                <a:tc>
-                  <a:txBody>
-                    <a:bodyPr/>
-                    <a:lstStyle/>
-                    <a:p>
-                      <a:pPr lvl="0" algn="ctr" defTabSz="914400">
-                        <a:defRPr b="0" i="0" sz="1800"/>
-                      </a:pPr>
-                      <a:r>
-                        <a:rPr sz="2600">
-                          <a:latin typeface="Helvetica Light"/>
-                          <a:ea typeface="Helvetica Light"/>
-                          <a:cs typeface="Helvetica Light"/>
-                        </a:rPr>
-                        <a:t/>
-                      </a:r>
-                    </a:p>
-                  </a:txBody>
-                  <a:tcPr marL="50800" marR="50800" marT="50800" marB="50800" anchor="ctr" anchorCtr="0" horzOverflow="overflow">
-                    <a:lnL w="12700">
-                      <a:miter lim="400000"/>
-                    </a:lnL>
-                    <a:lnR w="12700">
-                      <a:miter lim="400000"/>
-                    </a:lnR>
-                    <a:lnT w="12700">
-                      <a:miter lim="400000"/>
-                    </a:lnT>
-                    <a:lnB w="12700">
-                      <a:miter lim="400000"/>
-                    </a:lnB>
-                  </a:tcPr>
-                </a:tc>
-              </a:tr>
-              <a:tr h="764570">
-                <a:tc>
-                  <a:txBody>
-                    <a:bodyPr/>
-                    <a:lstStyle/>
-                    <a:p>
-                      <a:pPr lvl="0" algn="ctr" defTabSz="914400">
-                        <a:defRPr b="0" i="0" sz="1800"/>
-                      </a:pPr>
-                      <a:r>
-                        <a:rPr sz="2600">
-                          <a:latin typeface="Helvetica Light"/>
-                          <a:ea typeface="Helvetica Light"/>
-                          <a:cs typeface="Helvetica Light"/>
-                        </a:rPr>
-                        <a:t>CPU_ID</a:t>
-                      </a:r>
-                    </a:p>
-                  </a:txBody>
-                  <a:tcPr marL="50800" marR="50800" marT="50800" marB="50800" anchor="ctr" anchorCtr="0" horzOverflow="overflow">
-                    <a:lnL w="12700">
-                      <a:miter lim="400000"/>
-                    </a:lnL>
-                    <a:lnR w="12700">
-                      <a:miter lim="400000"/>
-                    </a:lnR>
-                    <a:lnT w="12700">
-                      <a:miter lim="400000"/>
-                    </a:lnT>
-                    <a:lnB w="12700">
-                      <a:miter lim="400000"/>
-                    </a:lnB>
-                  </a:tcPr>
-                </a:tc>
-                <a:tc>
-                  <a:txBody>
-                    <a:bodyPr/>
-                    <a:lstStyle/>
-                    <a:p>
-                      <a:pPr lvl="0" algn="ctr" defTabSz="914400">
-                        <a:defRPr b="0" i="0" sz="1800"/>
-                      </a:pPr>
-                      <a:r>
-                        <a:rPr sz="2600">
-                          <a:latin typeface="Helvetica Light"/>
-                          <a:ea typeface="Helvetica Light"/>
-                          <a:cs typeface="Helvetica Light"/>
-                        </a:rPr>
-                        <a:t>INT</a:t>
-                      </a:r>
-                    </a:p>
-                  </a:txBody>
-                  <a:tcPr marL="50800" marR="50800" marT="50800" marB="50800" anchor="ctr" anchorCtr="0" horzOverflow="overflow">
-                    <a:lnL w="12700">
-                      <a:miter lim="400000"/>
-                    </a:lnL>
-                    <a:lnR w="12700">
-                      <a:miter lim="400000"/>
-                    </a:lnR>
-                    <a:lnT w="12700">
-                      <a:miter lim="400000"/>
-                    </a:lnT>
-                    <a:lnB w="12700">
-                      <a:miter lim="400000"/>
-                    </a:lnB>
-                  </a:tcPr>
-                </a:tc>
-                <a:tc>
-                  <a:txBody>
-                    <a:bodyPr/>
-                    <a:lstStyle/>
-                    <a:p>
-                      <a:pPr lvl="0" algn="ctr" defTabSz="914400">
-                        <a:defRPr b="0" i="0" sz="1800"/>
-                      </a:pPr>
-                      <a:r>
-                        <a:rPr sz="2600">
-                          <a:latin typeface="Helvetica Light"/>
-                          <a:ea typeface="Helvetica Light"/>
-                          <a:cs typeface="Helvetica Light"/>
-                        </a:rPr>
-                        <a:t>UNIQUE</a:t>
-                      </a:r>
-                    </a:p>
-                  </a:txBody>
-                  <a:tcPr marL="50800" marR="50800" marT="50800" marB="50800" anchor="ctr" anchorCtr="0" horzOverflow="overflow">
-                    <a:lnL w="12700">
-                      <a:miter lim="400000"/>
-                    </a:lnL>
-                    <a:lnR w="12700">
-                      <a:miter lim="400000"/>
-                    </a:lnR>
-                    <a:lnT w="12700">
-                      <a:miter lim="400000"/>
-                    </a:lnT>
-                    <a:lnB w="12700">
-                      <a:miter lim="400000"/>
-                    </a:lnB>
-                  </a:tcPr>
-                </a:tc>
-                <a:tc>
-                  <a:txBody>
-                    <a:bodyPr/>
-                    <a:lstStyle/>
-                    <a:p>
-                      <a:pPr lvl="0" algn="l" defTabSz="914400">
-                        <a:defRPr b="0" i="0" sz="1800"/>
-                      </a:pPr>
-                      <a:r>
-                        <a:rPr sz="2600">
-                          <a:latin typeface="Helvetica Light"/>
-                          <a:ea typeface="Helvetica Light"/>
-                          <a:cs typeface="Helvetica Light"/>
-                        </a:rPr>
-                        <a:t/>
-                      </a:r>
-                    </a:p>
-                  </a:txBody>
-                  <a:tcPr marL="50800" marR="50800" marT="50800" marB="50800" anchor="ctr" anchorCtr="0" horzOverflow="overflow">
-                    <a:lnL w="12700">
-                      <a:miter lim="400000"/>
-                    </a:lnL>
-                    <a:lnR w="12700">
-                      <a:miter lim="400000"/>
-                    </a:lnR>
-                    <a:lnT w="12700">
-                      <a:miter lim="400000"/>
-                    </a:lnT>
-                    <a:lnB w="12700">
-                      <a:miter lim="400000"/>
-                    </a:lnB>
-                  </a:tcPr>
-                </a:tc>
-              </a:tr>
-              <a:tr h="839110">
-                <a:tc>
-                  <a:txBody>
-                    <a:bodyPr/>
-                    <a:lstStyle/>
-                    <a:p>
-                      <a:pPr lvl="0" algn="ctr" defTabSz="914400">
-                        <a:defRPr b="0" i="0" sz="1800"/>
-                      </a:pPr>
-                      <a:r>
-                        <a:rPr sz="2600">
-                          <a:latin typeface="Helvetica Light"/>
-                          <a:ea typeface="Helvetica Light"/>
-                          <a:cs typeface="Helvetica Light"/>
-                        </a:rPr>
-                        <a:t>Mouse_ID</a:t>
-                      </a:r>
-                    </a:p>
-                  </a:txBody>
-                  <a:tcPr marL="50800" marR="50800" marT="50800" marB="50800" anchor="ctr" anchorCtr="0" horzOverflow="overflow">
-                    <a:lnL w="12700">
-                      <a:miter lim="400000"/>
-                    </a:lnL>
-                    <a:lnR w="12700">
-                      <a:miter lim="400000"/>
-                    </a:lnR>
-                    <a:lnT w="12700">
-                      <a:miter lim="400000"/>
-                    </a:lnT>
-                    <a:lnB w="12700">
-                      <a:miter lim="400000"/>
-                    </a:lnB>
-                  </a:tcPr>
-                </a:tc>
-                <a:tc>
-                  <a:txBody>
-                    <a:bodyPr/>
-                    <a:lstStyle/>
-                    <a:p>
-                      <a:pPr lvl="0" algn="ctr" defTabSz="914400">
-                        <a:defRPr b="0" i="0" sz="1800"/>
-                      </a:pPr>
-                      <a:r>
-                        <a:rPr sz="2600">
-                          <a:latin typeface="Helvetica Light"/>
-                          <a:ea typeface="Helvetica Light"/>
-                          <a:cs typeface="Helvetica Light"/>
-                        </a:rPr>
-                        <a:t>INT</a:t>
-                      </a:r>
-                    </a:p>
-                  </a:txBody>
-                  <a:tcPr marL="50800" marR="50800" marT="50800" marB="50800" anchor="ctr" anchorCtr="0" horzOverflow="overflow">
-                    <a:lnL w="12700">
-                      <a:miter lim="400000"/>
-                    </a:lnL>
-                    <a:lnR w="12700">
-                      <a:miter lim="400000"/>
-                    </a:lnR>
-                    <a:lnT w="12700">
-                      <a:miter lim="400000"/>
-                    </a:lnT>
-                    <a:lnB w="12700">
-                      <a:miter lim="400000"/>
-                    </a:lnB>
-                  </a:tcPr>
-                </a:tc>
-                <a:tc>
-                  <a:txBody>
-                    <a:bodyPr/>
-                    <a:lstStyle/>
-                    <a:p>
-                      <a:pPr lvl="0" algn="ctr" defTabSz="914400">
-                        <a:defRPr b="0" i="0" sz="1800"/>
-                      </a:pPr>
-                      <a:r>
-                        <a:rPr sz="2600">
-                          <a:latin typeface="Helvetica Light"/>
-                          <a:ea typeface="Helvetica Light"/>
-                          <a:cs typeface="Helvetica Light"/>
-                        </a:rPr>
-                        <a:t>UNIQUE</a:t>
-                      </a:r>
-                    </a:p>
-                  </a:txBody>
-                  <a:tcPr marL="50800" marR="50800" marT="50800" marB="50800" anchor="ctr" anchorCtr="0" horzOverflow="overflow">
-                    <a:lnL w="12700">
-                      <a:miter lim="400000"/>
-                    </a:lnL>
-                    <a:lnR w="12700">
-                      <a:miter lim="400000"/>
-                    </a:lnR>
-                    <a:lnT w="12700">
-                      <a:miter lim="400000"/>
-                    </a:lnT>
-                    <a:lnB w="12700">
-                      <a:miter lim="400000"/>
-                    </a:lnB>
-                  </a:tcPr>
-                </a:tc>
-                <a:tc>
-                  <a:txBody>
-                    <a:bodyPr/>
-                    <a:lstStyle/>
-                    <a:p>
-                      <a:pPr lvl="0" algn="ctr" defTabSz="914400">
-                        <a:defRPr b="0" i="0" sz="1800"/>
-                      </a:pPr>
-                      <a:r>
-                        <a:rPr sz="2600">
-                          <a:latin typeface="Helvetica Light"/>
-                          <a:ea typeface="Helvetica Light"/>
-                          <a:cs typeface="Helvetica Light"/>
-                        </a:rPr>
-                        <a:t/>
-                      </a:r>
-                    </a:p>
-                  </a:txBody>
-                  <a:tcPr marL="50800" marR="50800" marT="50800" marB="50800" anchor="ctr" anchorCtr="0" horzOverflow="overflow">
-                    <a:lnL w="12700">
-                      <a:miter lim="400000"/>
-                    </a:lnL>
-                    <a:lnR w="12700">
-                      <a:miter lim="400000"/>
-                    </a:lnR>
-                    <a:lnT w="12700">
-                      <a:miter lim="400000"/>
-                    </a:lnT>
-                    <a:lnB w="12700">
-                      <a:miter lim="400000"/>
-                    </a:lnB>
-                  </a:tcPr>
-                </a:tc>
-              </a:tr>
-              <a:tr h="739083">
-                <a:tc>
-                  <a:txBody>
-                    <a:bodyPr/>
-                    <a:lstStyle/>
-                    <a:p>
-                      <a:pPr lvl="0" algn="ctr" defTabSz="914400">
-                        <a:defRPr b="0" i="0" sz="1800"/>
-                      </a:pPr>
-                      <a:r>
-                        <a:rPr sz="2600">
-                          <a:latin typeface="Helvetica Light"/>
-                          <a:ea typeface="Helvetica Light"/>
-                          <a:cs typeface="Helvetica Light"/>
-                        </a:rPr>
-                        <a:t>Keyboard_ID</a:t>
-                      </a:r>
-                    </a:p>
-                  </a:txBody>
-                  <a:tcPr marL="50800" marR="50800" marT="50800" marB="50800" anchor="ctr" anchorCtr="0" horzOverflow="overflow">
-                    <a:lnL w="12700">
-                      <a:miter lim="400000"/>
-                    </a:lnL>
-                    <a:lnR w="12700">
-                      <a:miter lim="400000"/>
-                    </a:lnR>
-                    <a:lnT w="12700">
-                      <a:miter lim="400000"/>
-                    </a:lnT>
-                    <a:lnB w="12700">
-                      <a:miter lim="400000"/>
-                    </a:lnB>
-                  </a:tcPr>
-                </a:tc>
-                <a:tc>
-                  <a:txBody>
-                    <a:bodyPr/>
-                    <a:lstStyle/>
-                    <a:p>
-                      <a:pPr lvl="0" algn="ctr" defTabSz="914400">
-                        <a:defRPr b="0" i="0" sz="1800"/>
-                      </a:pPr>
-                      <a:r>
-                        <a:rPr sz="2600">
-                          <a:latin typeface="Helvetica Light"/>
-                          <a:ea typeface="Helvetica Light"/>
-                          <a:cs typeface="Helvetica Light"/>
-                        </a:rPr>
-                        <a:t>INT</a:t>
-                      </a:r>
-                    </a:p>
-                  </a:txBody>
-                  <a:tcPr marL="50800" marR="50800" marT="50800" marB="50800" anchor="ctr" anchorCtr="0" horzOverflow="overflow">
-                    <a:lnL w="12700">
-                      <a:miter lim="400000"/>
-                    </a:lnL>
-                    <a:lnR w="12700">
-                      <a:miter lim="400000"/>
-                    </a:lnR>
-                    <a:lnT w="12700">
-                      <a:miter lim="400000"/>
-                    </a:lnT>
-                    <a:lnB w="12700">
-                      <a:miter lim="400000"/>
-                    </a:lnB>
-                  </a:tcPr>
-                </a:tc>
-                <a:tc>
-                  <a:txBody>
-                    <a:bodyPr/>
-                    <a:lstStyle/>
-                    <a:p>
-                      <a:pPr lvl="0" algn="ctr" defTabSz="914400">
-                        <a:defRPr b="0" i="0" sz="1800"/>
-                      </a:pPr>
-                      <a:r>
-                        <a:rPr sz="2600">
-                          <a:latin typeface="Helvetica Light"/>
-                          <a:ea typeface="Helvetica Light"/>
-                          <a:cs typeface="Helvetica Light"/>
-                        </a:rPr>
-                        <a:t>UNIQUE</a:t>
-                      </a:r>
-                    </a:p>
-                  </a:txBody>
-                  <a:tcPr marL="50800" marR="50800" marT="50800" marB="50800" anchor="ctr" anchorCtr="0" horzOverflow="overflow">
-                    <a:lnL w="12700">
-                      <a:miter lim="400000"/>
-                    </a:lnL>
-                    <a:lnR w="12700">
-                      <a:miter lim="400000"/>
-                    </a:lnR>
-                    <a:lnT w="12700">
-                      <a:miter lim="400000"/>
-                    </a:lnT>
-                    <a:lnB w="12700">
-                      <a:miter lim="400000"/>
-                    </a:lnB>
-                  </a:tcPr>
-                </a:tc>
-                <a:tc>
-                  <a:txBody>
-                    <a:bodyPr/>
-                    <a:lstStyle/>
-                    <a:p>
-                      <a:pPr lvl="0" algn="ctr" defTabSz="914400">
-                        <a:defRPr b="0" i="0" sz="1800"/>
-                      </a:pPr>
-                      <a:r>
-                        <a:rPr sz="2600">
-                          <a:latin typeface="Helvetica Light"/>
-                          <a:ea typeface="Helvetica Light"/>
-                          <a:cs typeface="Helvetica Light"/>
-                        </a:rPr>
-                        <a:t/>
-                      </a:r>
-                    </a:p>
-                  </a:txBody>
-                  <a:tcPr marL="50800" marR="50800" marT="50800" marB="50800" anchor="ctr" anchorCtr="0" horzOverflow="overflow">
-                    <a:lnL w="12700">
-                      <a:miter lim="400000"/>
-                    </a:lnL>
-                    <a:lnR w="12700">
-                      <a:miter lim="400000"/>
-                    </a:lnR>
-                    <a:lnT w="12700">
-                      <a:miter lim="400000"/>
-                    </a:lnT>
-                    <a:lnB w="12700">
-                      <a:miter lim="400000"/>
-                    </a:lnB>
-                  </a:tcPr>
-                </a:tc>
-              </a:tr>
-              <a:tr h="889000">
-                <a:tc>
-                  <a:txBody>
-                    <a:bodyPr/>
-                    <a:lstStyle/>
-                    <a:p>
-                      <a:pPr lvl="0" algn="ctr" defTabSz="914400">
-                        <a:defRPr b="0" i="0" sz="1800"/>
-                      </a:pPr>
-                      <a:r>
-                        <a:rPr sz="2600">
-                          <a:latin typeface="Helvetica Light"/>
-                          <a:ea typeface="Helvetica Light"/>
-                          <a:cs typeface="Helvetica Light"/>
+              <a:tr h="1272483">
+                <a:tc>
+                  <a:txBody>
+                    <a:bodyPr/>
+                    <a:lstStyle/>
+                    <a:p>
+                      <a:pPr lvl="0" algn="ctr" defTabSz="914400">
+                        <a:defRPr b="0" i="0" sz="1800"/>
+                      </a:pPr>
+                      <a:r>
+                        <a:rPr sz="2600">
+                          <a:latin typeface="Helvetica Light"/>
+                          <a:ea typeface="Helvetica Light"/>
+                          <a:cs typeface="Helvetica Light"/>
+                          <a:sym typeface="Helvetica Light"/>
                         </a:rPr>
                         <a:t>OS</a:t>
                       </a:r>
@@ -7050,6 +6629,7 @@
                           <a:latin typeface="Helvetica Light"/>
                           <a:ea typeface="Helvetica Light"/>
                           <a:cs typeface="Helvetica Light"/>
+                          <a:sym typeface="Helvetica Light"/>
                         </a:rPr>
                         <a:t>varchar(20)</a:t>
                       </a:r>
@@ -7083,6 +6663,7 @@
                           <a:latin typeface="Helvetica Light"/>
                           <a:ea typeface="Helvetica Light"/>
                           <a:cs typeface="Helvetica Light"/>
+                          <a:sym typeface="Helvetica Light"/>
                         </a:rPr>
                         <a:t>NOT NULL</a:t>
                       </a:r>
@@ -7116,6 +6697,7 @@
                           <a:latin typeface="Helvetica Light"/>
                           <a:ea typeface="Helvetica Light"/>
                           <a:cs typeface="Helvetica Light"/>
+                          <a:sym typeface="Helvetica Light"/>
                         </a:rPr>
                         <a:t>Operating System installed on the computer</a:t>
                       </a:r>
@@ -7177,8 +6759,8 @@
         </p:nvSpPr>
         <p:spPr>
           <a:xfrm>
-            <a:off x="396356" y="119247"/>
-            <a:ext cx="12212088" cy="9373627"/>
+            <a:off x="396356" y="119246"/>
+            <a:ext cx="12212088" cy="9373629"/>
           </a:xfrm>
           <a:prstGeom prst="rect">
             <a:avLst/>
@@ -7216,7 +6798,7 @@
         </p:nvGraphicFramePr>
         <p:xfrm>
           <a:off x="673539" y="1494651"/>
-          <a:ext cx="11874840" cy="7817678"/>
+          <a:ext cx="11874842" cy="7817678"/>
         </p:xfrm>
         <a:graphic xmlns:a="http://schemas.openxmlformats.org/drawingml/2006/main">
           <a:graphicData uri="http://schemas.openxmlformats.org/drawingml/2006/table">
@@ -7261,6 +6843,7 @@
                           <a:latin typeface="Helvetica Light"/>
                           <a:ea typeface="Helvetica Light"/>
                           <a:cs typeface="Helvetica Light"/>
+                          <a:sym typeface="Helvetica Light"/>
                         </a:rPr>
                         <a:t>Name</a:t>
                       </a:r>
@@ -7314,6 +6897,7 @@
                           <a:latin typeface="Helvetica Light"/>
                           <a:ea typeface="Helvetica Light"/>
                           <a:cs typeface="Helvetica Light"/>
+                          <a:sym typeface="Helvetica Light"/>
                         </a:rPr>
                         <a:t>Data Type</a:t>
                       </a:r>
@@ -7367,6 +6951,7 @@
                           <a:latin typeface="Helvetica Light"/>
                           <a:ea typeface="Helvetica Light"/>
                           <a:cs typeface="Helvetica Light"/>
+                          <a:sym typeface="Helvetica Light"/>
                         </a:rPr>
                         <a:t>Constraints</a:t>
                       </a:r>
@@ -7420,6 +7005,7 @@
                           <a:latin typeface="Helvetica Light"/>
                           <a:ea typeface="Helvetica Light"/>
                           <a:cs typeface="Helvetica Light"/>
+                          <a:sym typeface="Helvetica Light"/>
                         </a:rPr>
                         <a:t>Details</a:t>
                       </a:r>
@@ -7458,6 +7044,7 @@
                           <a:latin typeface="Helvetica Light"/>
                           <a:ea typeface="Helvetica Light"/>
                           <a:cs typeface="Helvetica Light"/>
+                          <a:sym typeface="Helvetica Light"/>
                         </a:rPr>
                         <a:t>Component_ID</a:t>
                       </a:r>
@@ -7491,6 +7078,7 @@
                           <a:latin typeface="Helvetica Light"/>
                           <a:ea typeface="Helvetica Light"/>
                           <a:cs typeface="Helvetica Light"/>
+                          <a:sym typeface="Helvetica Light"/>
                         </a:rPr>
                         <a:t>INT</a:t>
                       </a:r>
@@ -7524,6 +7112,7 @@
                           <a:latin typeface="Helvetica Light"/>
                           <a:ea typeface="Helvetica Light"/>
                           <a:cs typeface="Helvetica Light"/>
+                          <a:sym typeface="Helvetica Light"/>
                         </a:rPr>
                         <a:t>NOT NULL</a:t>
                       </a:r>
@@ -7531,6 +7120,7 @@
                         <a:latin typeface="Helvetica Light"/>
                         <a:ea typeface="Helvetica Light"/>
                         <a:cs typeface="Helvetica Light"/>
+                        <a:sym typeface="Helvetica Light"/>
                       </a:endParaRPr>
                     </a:p>
                     <a:p>
@@ -7542,6 +7132,7 @@
                           <a:latin typeface="Helvetica Light"/>
                           <a:ea typeface="Helvetica Light"/>
                           <a:cs typeface="Helvetica Light"/>
+                          <a:sym typeface="Helvetica Light"/>
                         </a:rPr>
                         <a:t>UNIQUE</a:t>
                       </a:r>
@@ -7575,6 +7166,7 @@
                           <a:latin typeface="Helvetica Light"/>
                           <a:ea typeface="Helvetica Light"/>
                           <a:cs typeface="Helvetica Light"/>
+                          <a:sym typeface="Helvetica Light"/>
                         </a:rPr>
                         <a:t>Uniquely Identify each component</a:t>
                       </a:r>
@@ -7610,6 +7202,7 @@
                           <a:latin typeface="Helvetica Light"/>
                           <a:ea typeface="Helvetica Light"/>
                           <a:cs typeface="Helvetica Light"/>
+                          <a:sym typeface="Helvetica Light"/>
                         </a:rPr>
                         <a:t>Date_of_purchase</a:t>
                       </a:r>
@@ -7643,6 +7236,7 @@
                           <a:latin typeface="Helvetica Light"/>
                           <a:ea typeface="Helvetica Light"/>
                           <a:cs typeface="Helvetica Light"/>
+                          <a:sym typeface="Helvetica Light"/>
                         </a:rPr>
                         <a:t>DATE</a:t>
                       </a:r>
@@ -7676,6 +7270,7 @@
                           <a:latin typeface="Helvetica Light"/>
                           <a:ea typeface="Helvetica Light"/>
                           <a:cs typeface="Helvetica Light"/>
+                          <a:sym typeface="Helvetica Light"/>
                         </a:rPr>
                         <a:t>NOT NULL</a:t>
                       </a:r>
@@ -7709,6 +7304,7 @@
                           <a:latin typeface="Helvetica Light"/>
                           <a:ea typeface="Helvetica Light"/>
                           <a:cs typeface="Helvetica Light"/>
+                          <a:sym typeface="Helvetica Light"/>
                         </a:rPr>
                         <a:t>date of purchase of the component</a:t>
                       </a:r>
@@ -7744,6 +7340,7 @@
                           <a:latin typeface="Helvetica Light"/>
                           <a:ea typeface="Helvetica Light"/>
                           <a:cs typeface="Helvetica Light"/>
+                          <a:sym typeface="Helvetica Light"/>
                         </a:rPr>
                         <a:t>Working_Status</a:t>
                       </a:r>
@@ -7777,6 +7374,7 @@
                           <a:latin typeface="Helvetica Light"/>
                           <a:ea typeface="Helvetica Light"/>
                           <a:cs typeface="Helvetica Light"/>
+                          <a:sym typeface="Helvetica Light"/>
                         </a:rPr>
                         <a:t>BOOLEAN</a:t>
                       </a:r>
@@ -7810,6 +7408,7 @@
                           <a:latin typeface="Helvetica Light"/>
                           <a:ea typeface="Helvetica Light"/>
                           <a:cs typeface="Helvetica Light"/>
+                          <a:sym typeface="Helvetica Light"/>
                         </a:rPr>
                         <a:t>NOT NULL</a:t>
                       </a:r>
@@ -7843,6 +7442,7 @@
                           <a:latin typeface="Helvetica Light"/>
                           <a:ea typeface="Helvetica Light"/>
                           <a:cs typeface="Helvetica Light"/>
+                          <a:sym typeface="Helvetica Light"/>
                         </a:rPr>
                         <a:t>1 - working</a:t>
                       </a:r>
@@ -7850,6 +7450,7 @@
                         <a:latin typeface="Helvetica Light"/>
                         <a:ea typeface="Helvetica Light"/>
                         <a:cs typeface="Helvetica Light"/>
+                        <a:sym typeface="Helvetica Light"/>
                       </a:endParaRPr>
                     </a:p>
                     <a:p>
@@ -7861,6 +7462,7 @@
                           <a:latin typeface="Helvetica Light"/>
                           <a:ea typeface="Helvetica Light"/>
                           <a:cs typeface="Helvetica Light"/>
+                          <a:sym typeface="Helvetica Light"/>
                         </a:rPr>
                         <a:t>0 - not working</a:t>
                       </a:r>
@@ -7896,6 +7498,7 @@
                           <a:latin typeface="Helvetica Light"/>
                           <a:ea typeface="Helvetica Light"/>
                           <a:cs typeface="Helvetica Light"/>
+                          <a:sym typeface="Helvetica Light"/>
                         </a:rPr>
                         <a:t>Warranty</a:t>
                       </a:r>
@@ -7929,6 +7532,7 @@
                           <a:latin typeface="Helvetica Light"/>
                           <a:ea typeface="Helvetica Light"/>
                           <a:cs typeface="Helvetica Light"/>
+                          <a:sym typeface="Helvetica Light"/>
                         </a:rPr>
                         <a:t>INT</a:t>
                       </a:r>
@@ -7962,6 +7566,7 @@
                           <a:latin typeface="Helvetica Light"/>
                           <a:ea typeface="Helvetica Light"/>
                           <a:cs typeface="Helvetica Light"/>
+                          <a:sym typeface="Helvetica Light"/>
                         </a:rPr>
                         <a:t>POSITIVE</a:t>
                       </a:r>
@@ -7995,6 +7600,7 @@
                           <a:latin typeface="Helvetica Light"/>
                           <a:ea typeface="Helvetica Light"/>
                           <a:cs typeface="Helvetica Light"/>
+                          <a:sym typeface="Helvetica Light"/>
                         </a:rPr>
                         <a:t>no of months of warrant </a:t>
                       </a:r>
@@ -8030,6 +7636,7 @@
                           <a:latin typeface="Helvetica Light"/>
                           <a:ea typeface="Helvetica Light"/>
                           <a:cs typeface="Helvetica Light"/>
+                          <a:sym typeface="Helvetica Light"/>
                         </a:rPr>
                         <a:t>Supplier_ID</a:t>
                       </a:r>
@@ -8063,6 +7670,7 @@
                           <a:latin typeface="Helvetica Light"/>
                           <a:ea typeface="Helvetica Light"/>
                           <a:cs typeface="Helvetica Light"/>
+                          <a:sym typeface="Helvetica Light"/>
                         </a:rPr>
                         <a:t>INT</a:t>
                       </a:r>
@@ -8096,6 +7704,7 @@
                           <a:latin typeface="Helvetica Light"/>
                           <a:ea typeface="Helvetica Light"/>
                           <a:cs typeface="Helvetica Light"/>
+                          <a:sym typeface="Helvetica Light"/>
                         </a:rPr>
                         <a:t>NOT NULL</a:t>
                       </a:r>
@@ -8129,6 +7738,7 @@
                           <a:latin typeface="Helvetica Light"/>
                           <a:ea typeface="Helvetica Light"/>
                           <a:cs typeface="Helvetica Light"/>
+                          <a:sym typeface="Helvetica Light"/>
                         </a:rPr>
                         <a:t>indicating the supplier of the component</a:t>
                       </a:r>
@@ -8164,6 +7774,7 @@
                           <a:latin typeface="Helvetica Light"/>
                           <a:ea typeface="Helvetica Light"/>
                           <a:cs typeface="Helvetica Light"/>
+                          <a:sym typeface="Helvetica Light"/>
                         </a:rPr>
                         <a:t>Type</a:t>
                       </a:r>
@@ -8197,6 +7808,7 @@
                           <a:latin typeface="Helvetica Light"/>
                           <a:ea typeface="Helvetica Light"/>
                           <a:cs typeface="Helvetica Light"/>
+                          <a:sym typeface="Helvetica Light"/>
                         </a:rPr>
                         <a:t>INT</a:t>
                       </a:r>
@@ -8230,6 +7842,7 @@
                           <a:latin typeface="Helvetica Light"/>
                           <a:ea typeface="Helvetica Light"/>
                           <a:cs typeface="Helvetica Light"/>
+                          <a:sym typeface="Helvetica Light"/>
                         </a:rPr>
                         <a:t>NOT NULL</a:t>
                       </a:r>
@@ -8263,6 +7876,7 @@
                           <a:latin typeface="Helvetica Light"/>
                           <a:ea typeface="Helvetica Light"/>
                           <a:cs typeface="Helvetica Light"/>
+                          <a:sym typeface="Helvetica Light"/>
                         </a:rPr>
                         <a:t>1 - CPU</a:t>
                       </a:r>
@@ -8270,6 +7884,7 @@
                         <a:latin typeface="Helvetica Light"/>
                         <a:ea typeface="Helvetica Light"/>
                         <a:cs typeface="Helvetica Light"/>
+                        <a:sym typeface="Helvetica Light"/>
                       </a:endParaRPr>
                     </a:p>
                     <a:p>
@@ -8281,6 +7896,7 @@
                           <a:latin typeface="Helvetica Light"/>
                           <a:ea typeface="Helvetica Light"/>
                           <a:cs typeface="Helvetica Light"/>
+                          <a:sym typeface="Helvetica Light"/>
                         </a:rPr>
                         <a:t>2 - Monitor</a:t>
                       </a:r>
@@ -8288,6 +7904,7 @@
                         <a:latin typeface="Helvetica Light"/>
                         <a:ea typeface="Helvetica Light"/>
                         <a:cs typeface="Helvetica Light"/>
+                        <a:sym typeface="Helvetica Light"/>
                       </a:endParaRPr>
                     </a:p>
                     <a:p>
@@ -8299,6 +7916,7 @@
                           <a:latin typeface="Helvetica Light"/>
                           <a:ea typeface="Helvetica Light"/>
                           <a:cs typeface="Helvetica Light"/>
+                          <a:sym typeface="Helvetica Light"/>
                         </a:rPr>
                         <a:t>3 - Keyboard</a:t>
                       </a:r>
@@ -8306,6 +7924,7 @@
                         <a:latin typeface="Helvetica Light"/>
                         <a:ea typeface="Helvetica Light"/>
                         <a:cs typeface="Helvetica Light"/>
+                        <a:sym typeface="Helvetica Light"/>
                       </a:endParaRPr>
                     </a:p>
                     <a:p>
@@ -8317,6 +7936,7 @@
                           <a:latin typeface="Helvetica Light"/>
                           <a:ea typeface="Helvetica Light"/>
                           <a:cs typeface="Helvetica Light"/>
+                          <a:sym typeface="Helvetica Light"/>
                         </a:rPr>
                         <a:t>4 - Mouse</a:t>
                       </a:r>
@@ -8324,6 +7944,7 @@
                         <a:latin typeface="Helvetica Light"/>
                         <a:ea typeface="Helvetica Light"/>
                         <a:cs typeface="Helvetica Light"/>
+                        <a:sym typeface="Helvetica Light"/>
                       </a:endParaRPr>
                     </a:p>
                     <a:p>
@@ -8335,24 +7956,10 @@
                           <a:latin typeface="Helvetica Light"/>
                           <a:ea typeface="Helvetica Light"/>
                           <a:cs typeface="Helvetica Light"/>
+                          <a:sym typeface="Helvetica Light"/>
                         </a:rPr>
                         <a:t>5- Software</a:t>
                       </a:r>
-                      <a:endParaRPr sz="2600">
-                        <a:latin typeface="Helvetica Light"/>
-                        <a:ea typeface="Helvetica Light"/>
-                        <a:cs typeface="Helvetica Light"/>
-                      </a:endParaRPr>
-                    </a:p>
-                    <a:p>
-                      <a:pPr lvl="0" algn="l" defTabSz="914400">
-                        <a:defRPr b="0" i="0" sz="1800"/>
-                      </a:pPr>
-                      <a:endParaRPr sz="2600">
-                        <a:latin typeface="Helvetica Light"/>
-                        <a:ea typeface="Helvetica Light"/>
-                        <a:cs typeface="Helvetica Light"/>
-                      </a:endParaRPr>
                     </a:p>
                   </a:txBody>
                   <a:tcPr marL="50800" marR="50800" marT="50800" marB="50800" anchor="ctr" anchorCtr="0" horzOverflow="overflow">
@@ -8411,8 +8018,8 @@
         </p:nvSpPr>
         <p:spPr>
           <a:xfrm>
-            <a:off x="396356" y="119247"/>
-            <a:ext cx="12212088" cy="9373627"/>
+            <a:off x="396356" y="119246"/>
+            <a:ext cx="12212088" cy="9373629"/>
           </a:xfrm>
           <a:prstGeom prst="rect">
             <a:avLst/>
@@ -8450,7 +8057,7 @@
         </p:nvGraphicFramePr>
         <p:xfrm>
           <a:off x="673539" y="1494650"/>
-          <a:ext cx="11874840" cy="7392091"/>
+          <a:ext cx="11874842" cy="7392091"/>
         </p:xfrm>
         <a:graphic xmlns:a="http://schemas.openxmlformats.org/drawingml/2006/main">
           <a:graphicData uri="http://schemas.openxmlformats.org/drawingml/2006/table">
@@ -8495,6 +8102,7 @@
                           <a:latin typeface="Helvetica Light"/>
                           <a:ea typeface="Helvetica Light"/>
                           <a:cs typeface="Helvetica Light"/>
+                          <a:sym typeface="Helvetica Light"/>
                         </a:rPr>
                         <a:t>Name</a:t>
                       </a:r>
@@ -8548,6 +8156,7 @@
                           <a:latin typeface="Helvetica Light"/>
                           <a:ea typeface="Helvetica Light"/>
                           <a:cs typeface="Helvetica Light"/>
+                          <a:sym typeface="Helvetica Light"/>
                         </a:rPr>
                         <a:t>Data Type</a:t>
                       </a:r>
@@ -8601,6 +8210,7 @@
                           <a:latin typeface="Helvetica Light"/>
                           <a:ea typeface="Helvetica Light"/>
                           <a:cs typeface="Helvetica Light"/>
+                          <a:sym typeface="Helvetica Light"/>
                         </a:rPr>
                         <a:t>Constraints</a:t>
                       </a:r>
@@ -8654,6 +8264,7 @@
                           <a:latin typeface="Helvetica Light"/>
                           <a:ea typeface="Helvetica Light"/>
                           <a:cs typeface="Helvetica Light"/>
+                          <a:sym typeface="Helvetica Light"/>
                         </a:rPr>
                         <a:t>Details</a:t>
                       </a:r>
@@ -8692,6 +8303,7 @@
                           <a:latin typeface="Helvetica Light"/>
                           <a:ea typeface="Helvetica Light"/>
                           <a:cs typeface="Helvetica Light"/>
+                          <a:sym typeface="Helvetica Light"/>
                         </a:rPr>
                         <a:t>Supplier_ID</a:t>
                       </a:r>
@@ -8725,6 +8337,7 @@
                           <a:latin typeface="Helvetica Light"/>
                           <a:ea typeface="Helvetica Light"/>
                           <a:cs typeface="Helvetica Light"/>
+                          <a:sym typeface="Helvetica Light"/>
                         </a:rPr>
                         <a:t>INT</a:t>
                       </a:r>
@@ -8758,6 +8371,7 @@
                           <a:latin typeface="Helvetica Light"/>
                           <a:ea typeface="Helvetica Light"/>
                           <a:cs typeface="Helvetica Light"/>
+                          <a:sym typeface="Helvetica Light"/>
                         </a:rPr>
                         <a:t>NOT NULL</a:t>
                       </a:r>
@@ -8765,6 +8379,7 @@
                         <a:latin typeface="Helvetica Light"/>
                         <a:ea typeface="Helvetica Light"/>
                         <a:cs typeface="Helvetica Light"/>
+                        <a:sym typeface="Helvetica Light"/>
                       </a:endParaRPr>
                     </a:p>
                     <a:p>
@@ -8776,6 +8391,7 @@
                           <a:latin typeface="Helvetica Light"/>
                           <a:ea typeface="Helvetica Light"/>
                           <a:cs typeface="Helvetica Light"/>
+                          <a:sym typeface="Helvetica Light"/>
                         </a:rPr>
                         <a:t>UNIQUE</a:t>
                       </a:r>
@@ -8809,6 +8425,7 @@
                           <a:latin typeface="Helvetica Light"/>
                           <a:ea typeface="Helvetica Light"/>
                           <a:cs typeface="Helvetica Light"/>
+                          <a:sym typeface="Helvetica Light"/>
                         </a:rPr>
                         <a:t>Uniquely Identify each supplier</a:t>
                       </a:r>
@@ -8844,6 +8461,7 @@
                           <a:latin typeface="Helvetica Light"/>
                           <a:ea typeface="Helvetica Light"/>
                           <a:cs typeface="Helvetica Light"/>
+                          <a:sym typeface="Helvetica Light"/>
                         </a:rPr>
                         <a:t>Name</a:t>
                       </a:r>
@@ -8877,6 +8495,7 @@
                           <a:latin typeface="Helvetica Light"/>
                           <a:ea typeface="Helvetica Light"/>
                           <a:cs typeface="Helvetica Light"/>
+                          <a:sym typeface="Helvetica Light"/>
                         </a:rPr>
                         <a:t>varchar(100)</a:t>
                       </a:r>
@@ -8910,6 +8529,7 @@
                           <a:latin typeface="Helvetica Light"/>
                           <a:ea typeface="Helvetica Light"/>
                           <a:cs typeface="Helvetica Light"/>
+                          <a:sym typeface="Helvetica Light"/>
                         </a:rPr>
                         <a:t>NOT NULL</a:t>
                       </a:r>
@@ -8943,6 +8563,7 @@
                           <a:latin typeface="Helvetica Light"/>
                           <a:ea typeface="Helvetica Light"/>
                           <a:cs typeface="Helvetica Light"/>
+                          <a:sym typeface="Helvetica Light"/>
                         </a:rPr>
                         <a:t>Name of the supplier</a:t>
                       </a:r>
@@ -8978,6 +8599,7 @@
                           <a:latin typeface="Helvetica Light"/>
                           <a:ea typeface="Helvetica Light"/>
                           <a:cs typeface="Helvetica Light"/>
+                          <a:sym typeface="Helvetica Light"/>
                         </a:rPr>
                         <a:t>No_of_components_supplied</a:t>
                       </a:r>
@@ -9011,6 +8633,7 @@
                           <a:latin typeface="Helvetica Light"/>
                           <a:ea typeface="Helvetica Light"/>
                           <a:cs typeface="Helvetica Light"/>
+                          <a:sym typeface="Helvetica Light"/>
                         </a:rPr>
                         <a:t>INT</a:t>
                       </a:r>
@@ -9044,6 +8667,7 @@
                           <a:latin typeface="Helvetica Light"/>
                           <a:ea typeface="Helvetica Light"/>
                           <a:cs typeface="Helvetica Light"/>
+                          <a:sym typeface="Helvetica Light"/>
                         </a:rPr>
                         <a:t>NOT NULL</a:t>
                       </a:r>
@@ -9077,6 +8701,7 @@
                           <a:latin typeface="Helvetica Light"/>
                           <a:ea typeface="Helvetica Light"/>
                           <a:cs typeface="Helvetica Light"/>
+                          <a:sym typeface="Helvetica Light"/>
                         </a:rPr>
                         <a:t>no of components supplied by that supplier</a:t>
                       </a:r>
@@ -9112,6 +8737,7 @@
                           <a:latin typeface="Helvetica Light"/>
                           <a:ea typeface="Helvetica Light"/>
                           <a:cs typeface="Helvetica Light"/>
+                          <a:sym typeface="Helvetica Light"/>
                         </a:rPr>
                         <a:t>No_of_complaints</a:t>
                       </a:r>
@@ -9145,6 +8771,7 @@
                           <a:latin typeface="Helvetica Light"/>
                           <a:ea typeface="Helvetica Light"/>
                           <a:cs typeface="Helvetica Light"/>
+                          <a:sym typeface="Helvetica Light"/>
                         </a:rPr>
                         <a:t>INT</a:t>
                       </a:r>
@@ -9178,6 +8805,7 @@
                           <a:latin typeface="Helvetica Light"/>
                           <a:ea typeface="Helvetica Light"/>
                           <a:cs typeface="Helvetica Light"/>
+                          <a:sym typeface="Helvetica Light"/>
                         </a:rPr>
                         <a:t>NON NEGATIVE</a:t>
                       </a:r>
@@ -9214,14 +8842,10 @@
                           <a:latin typeface="Helvetica Light"/>
                           <a:ea typeface="Helvetica Light"/>
                           <a:cs typeface="Helvetica Light"/>
+                          <a:sym typeface="Helvetica Light"/>
                         </a:rPr>
                         <a:t>Total complaints from the components shipped by the supplier. This can be used to track the quality of the products shipped by the supplier. </a:t>
                       </a:r>
-                      <a:endParaRPr sz="2600">
-                        <a:latin typeface="Helvetica Light"/>
-                        <a:ea typeface="Helvetica Light"/>
-                        <a:cs typeface="Helvetica Light"/>
-                      </a:endParaRPr>
                     </a:p>
                   </a:txBody>
                   <a:tcPr marL="50800" marR="50800" marT="50800" marB="50800" anchor="ctr" anchorCtr="0" horzOverflow="overflow">
@@ -9309,8 +8933,8 @@
         </p:nvSpPr>
         <p:spPr>
           <a:xfrm>
-            <a:off x="1768022" y="4203699"/>
-            <a:ext cx="9468757" cy="3378201"/>
+            <a:off x="1768021" y="4203696"/>
+            <a:ext cx="9468758" cy="3378201"/>
           </a:xfrm>
           <a:prstGeom prst="rect">
             <a:avLst/>
@@ -9334,67 +8958,127 @@
               <a:defRPr sz="1800"/>
             </a:pPr>
             <a:r>
-              <a:rPr sz="3600"/>
+              <a:rPr sz="3600">
+                <a:latin typeface="Helvetica Light"/>
+                <a:ea typeface="Helvetica Light"/>
+                <a:cs typeface="Helvetica Light"/>
+                <a:sym typeface="Helvetica Light"/>
+              </a:rPr>
               <a:t>Group Members</a:t>
             </a:r>
-            <a:endParaRPr sz="3600"/>
+            <a:endParaRPr>
+              <a:latin typeface="Helvetica Light"/>
+              <a:ea typeface="Helvetica Light"/>
+              <a:cs typeface="Helvetica Light"/>
+              <a:sym typeface="Helvetica Light"/>
+            </a:endParaRPr>
           </a:p>
           <a:p>
-            <a:pPr lvl="0" marL="360947" indent="-360947" algn="l">
+            <a:pPr lvl="0" marL="2887576" indent="-2887576" algn="l">
               <a:buSzPct val="100000"/>
+              <a:buFont typeface="Helvetica Light"/>
               <a:buChar char="•"/>
               <a:defRPr sz="1800"/>
             </a:pPr>
             <a:r>
-              <a:rPr sz="3600"/>
+              <a:rPr sz="3600">
+                <a:latin typeface="Helvetica Light"/>
+                <a:ea typeface="Helvetica Light"/>
+                <a:cs typeface="Helvetica Light"/>
+                <a:sym typeface="Helvetica Light"/>
+              </a:rPr>
               <a:t>Vaibhav Savla</a:t>
             </a:r>
-            <a:endParaRPr sz="3600"/>
+            <a:endParaRPr>
+              <a:latin typeface="Helvetica Light"/>
+              <a:ea typeface="Helvetica Light"/>
+              <a:cs typeface="Helvetica Light"/>
+              <a:sym typeface="Helvetica Light"/>
+            </a:endParaRPr>
           </a:p>
           <a:p>
-            <a:pPr lvl="0" marL="360947" indent="-360947" algn="l">
+            <a:pPr lvl="0" marL="2887576" indent="-2887576" algn="l">
               <a:buSzPct val="100000"/>
+              <a:buFont typeface="Helvetica Light"/>
               <a:buChar char="•"/>
               <a:defRPr sz="1800"/>
             </a:pPr>
             <a:r>
-              <a:rPr sz="3600"/>
+              <a:rPr sz="3600">
+                <a:latin typeface="Helvetica Light"/>
+                <a:ea typeface="Helvetica Light"/>
+                <a:cs typeface="Helvetica Light"/>
+                <a:sym typeface="Helvetica Light"/>
+              </a:rPr>
               <a:t>Sanket Kasar</a:t>
             </a:r>
-            <a:endParaRPr sz="3600"/>
+            <a:endParaRPr>
+              <a:latin typeface="Helvetica Light"/>
+              <a:ea typeface="Helvetica Light"/>
+              <a:cs typeface="Helvetica Light"/>
+              <a:sym typeface="Helvetica Light"/>
+            </a:endParaRPr>
           </a:p>
           <a:p>
-            <a:pPr lvl="0" marL="360947" indent="-360947" algn="l">
+            <a:pPr lvl="0" marL="2887576" indent="-2887576" algn="l">
               <a:buSzPct val="100000"/>
+              <a:buFont typeface="Helvetica Light"/>
               <a:buChar char="•"/>
               <a:defRPr sz="1800"/>
             </a:pPr>
             <a:r>
-              <a:rPr sz="3600"/>
+              <a:rPr sz="3600">
+                <a:latin typeface="Helvetica Light"/>
+                <a:ea typeface="Helvetica Light"/>
+                <a:cs typeface="Helvetica Light"/>
+                <a:sym typeface="Helvetica Light"/>
+              </a:rPr>
               <a:t>Omkar Mate</a:t>
             </a:r>
-            <a:endParaRPr sz="3600"/>
+            <a:endParaRPr>
+              <a:latin typeface="Helvetica Light"/>
+              <a:ea typeface="Helvetica Light"/>
+              <a:cs typeface="Helvetica Light"/>
+              <a:sym typeface="Helvetica Light"/>
+            </a:endParaRPr>
           </a:p>
           <a:p>
-            <a:pPr lvl="0" marL="360947" indent="-360947" algn="l">
+            <a:pPr lvl="0" marL="2887576" indent="-2887576" algn="l">
               <a:buSzPct val="100000"/>
+              <a:buFont typeface="Helvetica Light"/>
               <a:buChar char="•"/>
               <a:defRPr sz="1800"/>
             </a:pPr>
             <a:r>
-              <a:rPr sz="3600"/>
+              <a:rPr sz="3600">
+                <a:latin typeface="Helvetica Light"/>
+                <a:ea typeface="Helvetica Light"/>
+                <a:cs typeface="Helvetica Light"/>
+                <a:sym typeface="Helvetica Light"/>
+              </a:rPr>
               <a:t>Kiran Dange</a:t>
             </a:r>
-            <a:endParaRPr sz="3600"/>
+            <a:endParaRPr>
+              <a:latin typeface="Helvetica Light"/>
+              <a:ea typeface="Helvetica Light"/>
+              <a:cs typeface="Helvetica Light"/>
+              <a:sym typeface="Helvetica Light"/>
+            </a:endParaRPr>
           </a:p>
           <a:p>
-            <a:pPr lvl="0" marL="360947" indent="-360947" algn="l">
+            <a:pPr lvl="0" marL="2887576" indent="-2887576" algn="l">
               <a:buSzPct val="100000"/>
+              <a:buFont typeface="Helvetica Light"/>
               <a:buChar char="•"/>
               <a:defRPr sz="1800"/>
             </a:pPr>
             <a:r>
-              <a:rPr sz="3600"/>
+              <a:rPr sz="3600">
+                <a:latin typeface="Helvetica Light"/>
+                <a:ea typeface="Helvetica Light"/>
+                <a:cs typeface="Helvetica Light"/>
+                <a:sym typeface="Helvetica Light"/>
+              </a:rPr>
               <a:t>Mohhamed Gadiwala</a:t>
             </a:r>
           </a:p>
@@ -9478,7 +9162,7 @@
           <a:bodyPr/>
           <a:lstStyle/>
           <a:p>
-            <a:pPr lvl="0" marL="834123" indent="-834123" algn="l">
+            <a:pPr lvl="0" marL="7848076" indent="-7848076" algn="l">
               <a:buSzPct val="75000"/>
               <a:buChar char="•"/>
               <a:defRPr sz="1800"/>
@@ -9490,7 +9174,7 @@
             <a:endParaRPr sz="3800"/>
           </a:p>
           <a:p>
-            <a:pPr lvl="0" marL="834123" indent="-834123" algn="l">
+            <a:pPr lvl="0" marL="7848076" indent="-7848076" algn="l">
               <a:buSzPct val="75000"/>
               <a:buChar char="•"/>
               <a:defRPr sz="1800"/>
@@ -9502,7 +9186,7 @@
             <a:endParaRPr sz="3800"/>
           </a:p>
           <a:p>
-            <a:pPr lvl="0" marL="834123" indent="-834123" algn="l">
+            <a:pPr lvl="0" marL="7848076" indent="-7848076" algn="l">
               <a:buSzPct val="75000"/>
               <a:buChar char="•"/>
               <a:defRPr sz="1800"/>
@@ -9550,8 +9234,8 @@
         </p:nvSpPr>
         <p:spPr>
           <a:xfrm>
-            <a:off x="1270000" y="1459158"/>
-            <a:ext cx="10464800" cy="6835284"/>
+            <a:off x="1270000" y="1459157"/>
+            <a:ext cx="10464800" cy="6835286"/>
           </a:xfrm>
           <a:prstGeom prst="rect">
             <a:avLst/>
@@ -9577,7 +9261,7 @@
             <a:endParaRPr sz="2900" u="sng"/>
           </a:p>
           <a:p>
-            <a:pPr lvl="0" marL="679151" indent="-679151" algn="l" defTabSz="531622">
+            <a:pPr lvl="0" marL="4577045" indent="-4577045" algn="l" defTabSz="531622">
               <a:buSzPct val="75000"/>
               <a:buChar char="•"/>
               <a:defRPr sz="1800"/>
@@ -9597,7 +9281,7 @@
             <a:endParaRPr sz="3400"/>
           </a:p>
           <a:p>
-            <a:pPr lvl="0" marL="679151" indent="-679151" algn="l" defTabSz="531622">
+            <a:pPr lvl="0" marL="4577045" indent="-4577045" algn="l" defTabSz="531622">
               <a:buSzPct val="75000"/>
               <a:buChar char="•"/>
               <a:defRPr sz="1800"/>
@@ -9617,7 +9301,7 @@
             <a:endParaRPr sz="3400"/>
           </a:p>
           <a:p>
-            <a:pPr lvl="0" marL="679151" indent="-679151" algn="l" defTabSz="531622">
+            <a:pPr lvl="0" marL="4577045" indent="-4577045" algn="l" defTabSz="531622">
               <a:buSzPct val="75000"/>
               <a:buChar char="•"/>
               <a:defRPr sz="1800"/>
@@ -9665,8 +9349,8 @@
         </p:nvSpPr>
         <p:spPr>
           <a:xfrm>
-            <a:off x="1270000" y="1459158"/>
-            <a:ext cx="10464800" cy="6835284"/>
+            <a:off x="1270000" y="1459157"/>
+            <a:ext cx="10464800" cy="6835286"/>
           </a:xfrm>
           <a:prstGeom prst="rect">
             <a:avLst/>
@@ -9692,7 +9376,7 @@
             <a:endParaRPr sz="3100" u="sng"/>
           </a:p>
           <a:p>
-            <a:pPr lvl="0" marL="804051" indent="-804051" algn="l" defTabSz="578358">
+            <a:pPr lvl="0" marL="6983465" indent="-6983465" algn="l" defTabSz="578358">
               <a:buSzPct val="75000"/>
               <a:buChar char="•"/>
               <a:defRPr sz="1800"/>
@@ -9712,7 +9396,7 @@
             <a:endParaRPr sz="3700"/>
           </a:p>
           <a:p>
-            <a:pPr lvl="0" marL="804051" indent="-804051" algn="l" defTabSz="578358">
+            <a:pPr lvl="0" marL="6983465" indent="-6983465" algn="l" defTabSz="578358">
               <a:buSzPct val="75000"/>
               <a:buChar char="•"/>
               <a:defRPr sz="1800"/>
@@ -9732,7 +9416,7 @@
             <a:endParaRPr sz="3700"/>
           </a:p>
           <a:p>
-            <a:pPr lvl="0" marL="804051" indent="-804051" algn="l" defTabSz="578358">
+            <a:pPr lvl="0" marL="6983465" indent="-6983465" algn="l" defTabSz="578358">
               <a:buSzPct val="75000"/>
               <a:buChar char="•"/>
               <a:defRPr sz="1800"/>
@@ -9791,69 +9475,69 @@
           <a:bodyPr/>
           <a:lstStyle/>
           <a:p>
-            <a:pPr lvl="0">
+            <a:pPr lvl="0" defTabSz="554990">
               <a:defRPr sz="1800"/>
             </a:pPr>
             <a:r>
-              <a:rPr sz="5000" u="sng"/>
+              <a:rPr sz="4750" u="sng"/>
               <a:t>Student/Teacher Level</a:t>
             </a:r>
-            <a:endParaRPr sz="5000" u="sng"/>
+            <a:endParaRPr sz="4750" u="sng"/>
           </a:p>
           <a:p>
-            <a:pPr lvl="0">
+            <a:pPr lvl="0" defTabSz="554990">
               <a:defRPr sz="1800"/>
             </a:pPr>
-            <a:endParaRPr u="sng"/>
+            <a:endParaRPr sz="1710" u="sng"/>
           </a:p>
           <a:p>
-            <a:pPr lvl="0" marL="834123" indent="-834123" algn="l">
+            <a:pPr lvl="0" marL="7455672" indent="-7455672" algn="l" defTabSz="554990">
               <a:buSzPct val="75000"/>
               <a:buChar char="•"/>
               <a:defRPr sz="1800"/>
             </a:pPr>
             <a:r>
-              <a:rPr sz="3800"/>
+              <a:rPr sz="3609"/>
               <a:t>View the components and technical specification of any computer.</a:t>
             </a:r>
-            <a:endParaRPr sz="3800"/>
+            <a:endParaRPr sz="3609"/>
           </a:p>
           <a:p>
-            <a:pPr lvl="0" marL="395111" indent="-395111" algn="l">
+            <a:pPr lvl="0" marL="375355" indent="-375355" algn="l" defTabSz="554990">
               <a:buSzPct val="75000"/>
               <a:buChar char="•"/>
               <a:defRPr sz="1800"/>
             </a:pPr>
-            <a:endParaRPr sz="3800"/>
+            <a:endParaRPr sz="3609"/>
           </a:p>
           <a:p>
-            <a:pPr lvl="0" marL="834123" indent="-834123" algn="l">
+            <a:pPr lvl="0" marL="7455672" indent="-7455672" algn="l" defTabSz="554990">
               <a:buSzPct val="75000"/>
               <a:buChar char="•"/>
               <a:defRPr sz="1800"/>
             </a:pPr>
             <a:r>
-              <a:rPr sz="3800"/>
+              <a:rPr sz="3609"/>
               <a:t>View the working status of any component.</a:t>
             </a:r>
-            <a:endParaRPr sz="3800"/>
+            <a:endParaRPr sz="3609"/>
           </a:p>
           <a:p>
-            <a:pPr lvl="0" marL="395111" indent="-395111" algn="l">
+            <a:pPr lvl="0" marL="375355" indent="-375355" algn="l" defTabSz="554990">
               <a:buSzPct val="75000"/>
               <a:buChar char="•"/>
               <a:defRPr sz="1800"/>
             </a:pPr>
-            <a:endParaRPr sz="3800"/>
+            <a:endParaRPr sz="3609"/>
           </a:p>
           <a:p>
-            <a:pPr lvl="0" marL="834123" indent="-834123" algn="l">
+            <a:pPr lvl="0" marL="7455672" indent="-7455672" algn="l" defTabSz="554990">
               <a:buSzPct val="75000"/>
               <a:buChar char="•"/>
               <a:defRPr sz="1800"/>
             </a:pPr>
             <a:r>
-              <a:rPr sz="3800"/>
+              <a:rPr sz="3609"/>
               <a:t>Lodge a complaint regarding faulty components and check the status of their lodged complaint.</a:t>
             </a:r>
           </a:p>
@@ -9895,8 +9579,8 @@
         </p:nvSpPr>
         <p:spPr>
           <a:xfrm>
-            <a:off x="384850" y="290002"/>
-            <a:ext cx="12235100" cy="1013175"/>
+            <a:off x="384848" y="290002"/>
+            <a:ext cx="12235103" cy="1013175"/>
           </a:xfrm>
           <a:prstGeom prst="rect">
             <a:avLst/>
@@ -9930,8 +9614,8 @@
         </p:nvSpPr>
         <p:spPr>
           <a:xfrm>
-            <a:off x="384850" y="1447238"/>
-            <a:ext cx="12235100" cy="7483204"/>
+            <a:off x="384848" y="1447238"/>
+            <a:ext cx="12235103" cy="7483203"/>
           </a:xfrm>
           <a:prstGeom prst="rect">
             <a:avLst/>
@@ -9941,7 +9625,7 @@
           <a:bodyPr/>
           <a:lstStyle/>
           <a:p>
-            <a:pPr lvl="0" marL="702419" indent="-702419" algn="l">
+            <a:pPr lvl="0" marL="3946647" indent="-3946647" algn="l">
               <a:buSzPct val="75000"/>
               <a:buChar char="•"/>
               <a:defRPr sz="1800"/>
@@ -9969,7 +9653,7 @@
             <a:endParaRPr sz="3200"/>
           </a:p>
           <a:p>
-            <a:pPr lvl="0" marL="702419" indent="-702419" algn="l">
+            <a:pPr lvl="0" marL="3946647" indent="-3946647" algn="l">
               <a:buSzPct val="75000"/>
               <a:buChar char="•"/>
               <a:defRPr sz="1800"/>
@@ -9984,7 +9668,7 @@
             </a:r>
             <a:r>
               <a:rPr sz="3200"/>
-              <a:t> Lab_ID)</a:t>
+              <a:t> Lab_ID, OS)</a:t>
             </a:r>
             <a:endParaRPr sz="3200"/>
           </a:p>
@@ -9997,7 +9681,7 @@
             <a:endParaRPr sz="3200"/>
           </a:p>
           <a:p>
-            <a:pPr lvl="0" marL="702419" indent="-702419" algn="l">
+            <a:pPr lvl="0" marL="3946647" indent="-3946647" algn="l">
               <a:buSzPct val="75000"/>
               <a:buChar char="•"/>
               <a:defRPr sz="1800"/>
@@ -10025,7 +9709,7 @@
             <a:endParaRPr sz="3200"/>
           </a:p>
           <a:p>
-            <a:pPr lvl="0" marL="702419" indent="-702419" algn="l">
+            <a:pPr lvl="0" marL="3946647" indent="-3946647" algn="l">
               <a:buSzPct val="75000"/>
               <a:buChar char="•"/>
               <a:defRPr sz="1800"/>
@@ -10053,7 +9737,7 @@
             <a:endParaRPr sz="3200"/>
           </a:p>
           <a:p>
-            <a:pPr lvl="0" marL="702419" indent="-702419" algn="l">
+            <a:pPr lvl="0" marL="3946647" indent="-3946647" algn="l">
               <a:buSzPct val="75000"/>
               <a:buChar char="•"/>
               <a:defRPr sz="1800"/>
@@ -10081,7 +9765,7 @@
             <a:endParaRPr sz="3200"/>
           </a:p>
           <a:p>
-            <a:pPr lvl="0" marL="702419" indent="-702419" algn="l">
+            <a:pPr lvl="0" marL="3946647" indent="-3946647" algn="l">
               <a:buSzPct val="75000"/>
               <a:buChar char="•"/>
               <a:defRPr sz="1800"/>
@@ -10188,8 +9872,8 @@
         </p:nvSpPr>
         <p:spPr>
           <a:xfrm>
-            <a:off x="5768086" y="698500"/>
-            <a:ext cx="1468629" cy="1320801"/>
+            <a:off x="5818885" y="749298"/>
+            <a:ext cx="1367029" cy="1219201"/>
           </a:xfrm>
           <a:prstGeom prst="rect">
             <a:avLst/>
@@ -10209,7 +9893,12 @@
           </a:bodyPr>
           <a:lstStyle>
             <a:lvl1pPr>
-              <a:defRPr sz="8000"/>
+              <a:defRPr sz="8000">
+                <a:latin typeface="Helvetica Light"/>
+                <a:ea typeface="Helvetica Light"/>
+                <a:cs typeface="Helvetica Light"/>
+                <a:sym typeface="Helvetica Light"/>
+              </a:defRPr>
             </a:lvl1pPr>
           </a:lstStyle>
           <a:p>
@@ -10225,7 +9914,7 @@
       </p:sp>
       <p:pic>
         <p:nvPicPr>
-          <p:cNvPr id="52" name="PCDA.jpg"/>
+          <p:cNvPr id="52" name="image1.jpeg"/>
           <p:cNvPicPr/>
           <p:nvPr/>
         </p:nvPicPr>
@@ -10239,8 +9928,8 @@
         </p:blipFill>
         <p:spPr>
           <a:xfrm>
-            <a:off x="-146050" y="2701166"/>
-            <a:ext cx="8963611" cy="4351268"/>
+            <a:off x="262085" y="2603500"/>
+            <a:ext cx="9525002" cy="4546600"/>
           </a:xfrm>
           <a:prstGeom prst="rect">
             <a:avLst/>
@@ -10513,10 +10202,10 @@
             </a:solidFill>
             <a:effectLst/>
             <a:uFillTx/>
-            <a:latin typeface="Helvetica Light"/>
-            <a:ea typeface="Helvetica Light"/>
-            <a:cs typeface="Helvetica Light"/>
-            <a:sym typeface="Helvetica Light"/>
+            <a:latin typeface="+mj-lt"/>
+            <a:ea typeface="+mj-ea"/>
+            <a:cs typeface="+mj-cs"/>
+            <a:sym typeface="Helvetica"/>
           </a:defRPr>
         </a:defPPr>
         <a:lvl1pPr marL="0" marR="0" indent="0" algn="l" defTabSz="914400" rtl="0" fontAlgn="auto" latinLnBrk="1" hangingPunct="0">
@@ -11088,10 +10777,10 @@
             </a:solidFill>
             <a:effectLst/>
             <a:uFillTx/>
-            <a:latin typeface="Helvetica Light"/>
-            <a:ea typeface="Helvetica Light"/>
-            <a:cs typeface="Helvetica Light"/>
-            <a:sym typeface="Helvetica Light"/>
+            <a:latin typeface="+mj-lt"/>
+            <a:ea typeface="+mj-ea"/>
+            <a:cs typeface="+mj-cs"/>
+            <a:sym typeface="Helvetica"/>
           </a:defRPr>
         </a:defPPr>
         <a:lvl1pPr marL="0" marR="0" indent="0" algn="l" defTabSz="914400" rtl="0" fontAlgn="auto" latinLnBrk="1" hangingPunct="0">
@@ -11594,10 +11283,10 @@
             </a:solidFill>
             <a:effectLst/>
             <a:uFillTx/>
-            <a:latin typeface="Helvetica Light"/>
-            <a:ea typeface="Helvetica Light"/>
-            <a:cs typeface="Helvetica Light"/>
-            <a:sym typeface="Helvetica Light"/>
+            <a:latin typeface="+mj-lt"/>
+            <a:ea typeface="+mj-ea"/>
+            <a:cs typeface="+mj-cs"/>
+            <a:sym typeface="Helvetica"/>
           </a:defRPr>
         </a:defPPr>
         <a:lvl1pPr marL="0" marR="0" indent="0" algn="l" defTabSz="914400" rtl="0" fontAlgn="auto" latinLnBrk="1" hangingPunct="0">
@@ -12169,10 +11858,10 @@
             </a:solidFill>
             <a:effectLst/>
             <a:uFillTx/>
-            <a:latin typeface="Helvetica Light"/>
-            <a:ea typeface="Helvetica Light"/>
-            <a:cs typeface="Helvetica Light"/>
-            <a:sym typeface="Helvetica Light"/>
+            <a:latin typeface="+mj-lt"/>
+            <a:ea typeface="+mj-ea"/>
+            <a:cs typeface="+mj-cs"/>
+            <a:sym typeface="Helvetica"/>
           </a:defRPr>
         </a:defPPr>
         <a:lvl1pPr marL="0" marR="0" indent="0" algn="l" defTabSz="914400" rtl="0" fontAlgn="auto" latinLnBrk="1" hangingPunct="0">

--- a/ProjectDetails/Presentation.pptx
+++ b/ProjectDetails/Presentation.pptx
@@ -38,73 +38,73 @@
   <p:defaultTextStyle>
     <a:lvl1pPr algn="ctr" defTabSz="584200">
       <a:defRPr sz="3600">
-        <a:latin typeface="+mj-lt"/>
-        <a:ea typeface="+mj-ea"/>
-        <a:cs typeface="+mj-cs"/>
+        <a:latin typeface="+mn-lt"/>
+        <a:ea typeface="+mn-ea"/>
+        <a:cs typeface="+mn-cs"/>
         <a:sym typeface="Helvetica"/>
       </a:defRPr>
     </a:lvl1pPr>
     <a:lvl2pPr algn="ctr" defTabSz="584200">
       <a:defRPr sz="3600">
-        <a:latin typeface="+mj-lt"/>
-        <a:ea typeface="+mj-ea"/>
-        <a:cs typeface="+mj-cs"/>
+        <a:latin typeface="+mn-lt"/>
+        <a:ea typeface="+mn-ea"/>
+        <a:cs typeface="+mn-cs"/>
         <a:sym typeface="Helvetica"/>
       </a:defRPr>
     </a:lvl2pPr>
     <a:lvl3pPr algn="ctr" defTabSz="584200">
       <a:defRPr sz="3600">
-        <a:latin typeface="+mj-lt"/>
-        <a:ea typeface="+mj-ea"/>
-        <a:cs typeface="+mj-cs"/>
+        <a:latin typeface="+mn-lt"/>
+        <a:ea typeface="+mn-ea"/>
+        <a:cs typeface="+mn-cs"/>
         <a:sym typeface="Helvetica"/>
       </a:defRPr>
     </a:lvl3pPr>
     <a:lvl4pPr algn="ctr" defTabSz="584200">
       <a:defRPr sz="3600">
-        <a:latin typeface="+mj-lt"/>
-        <a:ea typeface="+mj-ea"/>
-        <a:cs typeface="+mj-cs"/>
+        <a:latin typeface="+mn-lt"/>
+        <a:ea typeface="+mn-ea"/>
+        <a:cs typeface="+mn-cs"/>
         <a:sym typeface="Helvetica"/>
       </a:defRPr>
     </a:lvl4pPr>
     <a:lvl5pPr algn="ctr" defTabSz="584200">
       <a:defRPr sz="3600">
-        <a:latin typeface="+mj-lt"/>
-        <a:ea typeface="+mj-ea"/>
-        <a:cs typeface="+mj-cs"/>
+        <a:latin typeface="+mn-lt"/>
+        <a:ea typeface="+mn-ea"/>
+        <a:cs typeface="+mn-cs"/>
         <a:sym typeface="Helvetica"/>
       </a:defRPr>
     </a:lvl5pPr>
     <a:lvl6pPr algn="ctr" defTabSz="584200">
       <a:defRPr sz="3600">
-        <a:latin typeface="+mj-lt"/>
-        <a:ea typeface="+mj-ea"/>
-        <a:cs typeface="+mj-cs"/>
+        <a:latin typeface="+mn-lt"/>
+        <a:ea typeface="+mn-ea"/>
+        <a:cs typeface="+mn-cs"/>
         <a:sym typeface="Helvetica"/>
       </a:defRPr>
     </a:lvl6pPr>
     <a:lvl7pPr algn="ctr" defTabSz="584200">
       <a:defRPr sz="3600">
-        <a:latin typeface="+mj-lt"/>
-        <a:ea typeface="+mj-ea"/>
-        <a:cs typeface="+mj-cs"/>
+        <a:latin typeface="+mn-lt"/>
+        <a:ea typeface="+mn-ea"/>
+        <a:cs typeface="+mn-cs"/>
         <a:sym typeface="Helvetica"/>
       </a:defRPr>
     </a:lvl7pPr>
     <a:lvl8pPr algn="ctr" defTabSz="584200">
       <a:defRPr sz="3600">
-        <a:latin typeface="+mj-lt"/>
-        <a:ea typeface="+mj-ea"/>
-        <a:cs typeface="+mj-cs"/>
+        <a:latin typeface="+mn-lt"/>
+        <a:ea typeface="+mn-ea"/>
+        <a:cs typeface="+mn-cs"/>
         <a:sym typeface="Helvetica"/>
       </a:defRPr>
     </a:lvl8pPr>
     <a:lvl9pPr algn="ctr" defTabSz="584200">
       <a:defRPr sz="3600">
-        <a:latin typeface="+mj-lt"/>
-        <a:ea typeface="+mj-ea"/>
-        <a:cs typeface="+mj-cs"/>
+        <a:latin typeface="+mn-lt"/>
+        <a:ea typeface="+mn-ea"/>
+        <a:cs typeface="+mn-cs"/>
         <a:sym typeface="Helvetica"/>
       </a:defRPr>
     </a:lvl9pPr>
@@ -192,9 +192,9 @@
         <a:spcPct val="117999"/>
       </a:lnSpc>
       <a:defRPr sz="2200">
-        <a:latin typeface="+mn-lt"/>
-        <a:ea typeface="+mn-ea"/>
-        <a:cs typeface="+mn-cs"/>
+        <a:latin typeface="+mj-lt"/>
+        <a:ea typeface="+mj-ea"/>
+        <a:cs typeface="+mj-cs"/>
         <a:sym typeface="Helvetica Neue"/>
       </a:defRPr>
     </a:lvl1pPr>
@@ -203,9 +203,9 @@
         <a:spcPct val="117999"/>
       </a:lnSpc>
       <a:defRPr sz="2200">
-        <a:latin typeface="+mn-lt"/>
-        <a:ea typeface="+mn-ea"/>
-        <a:cs typeface="+mn-cs"/>
+        <a:latin typeface="+mj-lt"/>
+        <a:ea typeface="+mj-ea"/>
+        <a:cs typeface="+mj-cs"/>
         <a:sym typeface="Helvetica Neue"/>
       </a:defRPr>
     </a:lvl2pPr>
@@ -214,9 +214,9 @@
         <a:spcPct val="117999"/>
       </a:lnSpc>
       <a:defRPr sz="2200">
-        <a:latin typeface="+mn-lt"/>
-        <a:ea typeface="+mn-ea"/>
-        <a:cs typeface="+mn-cs"/>
+        <a:latin typeface="+mj-lt"/>
+        <a:ea typeface="+mj-ea"/>
+        <a:cs typeface="+mj-cs"/>
         <a:sym typeface="Helvetica Neue"/>
       </a:defRPr>
     </a:lvl3pPr>
@@ -225,9 +225,9 @@
         <a:spcPct val="117999"/>
       </a:lnSpc>
       <a:defRPr sz="2200">
-        <a:latin typeface="+mn-lt"/>
-        <a:ea typeface="+mn-ea"/>
-        <a:cs typeface="+mn-cs"/>
+        <a:latin typeface="+mj-lt"/>
+        <a:ea typeface="+mj-ea"/>
+        <a:cs typeface="+mj-cs"/>
         <a:sym typeface="Helvetica Neue"/>
       </a:defRPr>
     </a:lvl4pPr>
@@ -236,9 +236,9 @@
         <a:spcPct val="117999"/>
       </a:lnSpc>
       <a:defRPr sz="2200">
-        <a:latin typeface="+mn-lt"/>
-        <a:ea typeface="+mn-ea"/>
-        <a:cs typeface="+mn-cs"/>
+        <a:latin typeface="+mj-lt"/>
+        <a:ea typeface="+mj-ea"/>
+        <a:cs typeface="+mj-cs"/>
         <a:sym typeface="Helvetica Neue"/>
       </a:defRPr>
     </a:lvl5pPr>
@@ -247,9 +247,9 @@
         <a:spcPct val="117999"/>
       </a:lnSpc>
       <a:defRPr sz="2200">
-        <a:latin typeface="+mn-lt"/>
-        <a:ea typeface="+mn-ea"/>
-        <a:cs typeface="+mn-cs"/>
+        <a:latin typeface="+mj-lt"/>
+        <a:ea typeface="+mj-ea"/>
+        <a:cs typeface="+mj-cs"/>
         <a:sym typeface="Helvetica Neue"/>
       </a:defRPr>
     </a:lvl6pPr>
@@ -258,9 +258,9 @@
         <a:spcPct val="117999"/>
       </a:lnSpc>
       <a:defRPr sz="2200">
-        <a:latin typeface="+mn-lt"/>
-        <a:ea typeface="+mn-ea"/>
-        <a:cs typeface="+mn-cs"/>
+        <a:latin typeface="+mj-lt"/>
+        <a:ea typeface="+mj-ea"/>
+        <a:cs typeface="+mj-cs"/>
         <a:sym typeface="Helvetica Neue"/>
       </a:defRPr>
     </a:lvl7pPr>
@@ -269,9 +269,9 @@
         <a:spcPct val="117999"/>
       </a:lnSpc>
       <a:defRPr sz="2200">
-        <a:latin typeface="+mn-lt"/>
-        <a:ea typeface="+mn-ea"/>
-        <a:cs typeface="+mn-cs"/>
+        <a:latin typeface="+mj-lt"/>
+        <a:ea typeface="+mj-ea"/>
+        <a:cs typeface="+mj-cs"/>
         <a:sym typeface="Helvetica Neue"/>
       </a:defRPr>
     </a:lvl8pPr>
@@ -280,9 +280,9 @@
         <a:spcPct val="117999"/>
       </a:lnSpc>
       <a:defRPr sz="2200">
-        <a:latin typeface="+mn-lt"/>
-        <a:ea typeface="+mn-ea"/>
-        <a:cs typeface="+mn-cs"/>
+        <a:latin typeface="+mj-lt"/>
+        <a:ea typeface="+mj-ea"/>
+        <a:cs typeface="+mj-cs"/>
         <a:sym typeface="Helvetica Neue"/>
       </a:defRPr>
     </a:lvl9pPr>
@@ -963,8 +963,8 @@
         </p:nvSpPr>
         <p:spPr>
           <a:xfrm>
-            <a:off x="952500" y="3425"/>
-            <a:ext cx="11099800" cy="3041150"/>
+            <a:off x="952500" y="426"/>
+            <a:ext cx="11099800" cy="3047148"/>
           </a:xfrm>
           <a:prstGeom prst="rect">
             <a:avLst/>
@@ -1758,7 +1758,7 @@
           <a:latin typeface="+mn-lt"/>
           <a:ea typeface="+mn-ea"/>
           <a:cs typeface="+mn-cs"/>
-          <a:sym typeface="Helvetica"/>
+          <a:sym typeface="Helvetica Neue"/>
         </a:defRPr>
       </a:lvl1pPr>
       <a:lvl2pPr algn="r" defTabSz="584200">
@@ -1769,7 +1769,7 @@
           <a:latin typeface="+mn-lt"/>
           <a:ea typeface="+mn-ea"/>
           <a:cs typeface="+mn-cs"/>
-          <a:sym typeface="Helvetica"/>
+          <a:sym typeface="Helvetica Neue"/>
         </a:defRPr>
       </a:lvl2pPr>
       <a:lvl3pPr algn="r" defTabSz="584200">
@@ -1780,7 +1780,7 @@
           <a:latin typeface="+mn-lt"/>
           <a:ea typeface="+mn-ea"/>
           <a:cs typeface="+mn-cs"/>
-          <a:sym typeface="Helvetica"/>
+          <a:sym typeface="Helvetica Neue"/>
         </a:defRPr>
       </a:lvl3pPr>
       <a:lvl4pPr algn="r" defTabSz="584200">
@@ -1791,7 +1791,7 @@
           <a:latin typeface="+mn-lt"/>
           <a:ea typeface="+mn-ea"/>
           <a:cs typeface="+mn-cs"/>
-          <a:sym typeface="Helvetica"/>
+          <a:sym typeface="Helvetica Neue"/>
         </a:defRPr>
       </a:lvl4pPr>
       <a:lvl5pPr algn="r" defTabSz="584200">
@@ -1802,7 +1802,7 @@
           <a:latin typeface="+mn-lt"/>
           <a:ea typeface="+mn-ea"/>
           <a:cs typeface="+mn-cs"/>
-          <a:sym typeface="Helvetica"/>
+          <a:sym typeface="Helvetica Neue"/>
         </a:defRPr>
       </a:lvl5pPr>
       <a:lvl6pPr algn="r" defTabSz="584200">
@@ -1813,7 +1813,7 @@
           <a:latin typeface="+mn-lt"/>
           <a:ea typeface="+mn-ea"/>
           <a:cs typeface="+mn-cs"/>
-          <a:sym typeface="Helvetica"/>
+          <a:sym typeface="Helvetica Neue"/>
         </a:defRPr>
       </a:lvl6pPr>
       <a:lvl7pPr algn="r" defTabSz="584200">
@@ -1824,7 +1824,7 @@
           <a:latin typeface="+mn-lt"/>
           <a:ea typeface="+mn-ea"/>
           <a:cs typeface="+mn-cs"/>
-          <a:sym typeface="Helvetica"/>
+          <a:sym typeface="Helvetica Neue"/>
         </a:defRPr>
       </a:lvl7pPr>
       <a:lvl8pPr algn="r" defTabSz="584200">
@@ -1835,7 +1835,7 @@
           <a:latin typeface="+mn-lt"/>
           <a:ea typeface="+mn-ea"/>
           <a:cs typeface="+mn-cs"/>
-          <a:sym typeface="Helvetica"/>
+          <a:sym typeface="Helvetica Neue"/>
         </a:defRPr>
       </a:lvl8pPr>
       <a:lvl9pPr algn="r" defTabSz="584200">
@@ -1846,7 +1846,7 @@
           <a:latin typeface="+mn-lt"/>
           <a:ea typeface="+mn-ea"/>
           <a:cs typeface="+mn-cs"/>
-          <a:sym typeface="Helvetica"/>
+          <a:sym typeface="Helvetica Neue"/>
         </a:defRPr>
       </a:lvl9pPr>
     </p:otherStyle>
@@ -1940,7 +1940,7 @@
         </p:nvSpPr>
         <p:spPr>
           <a:xfrm>
-            <a:off x="3842258" y="749298"/>
+            <a:off x="3842258" y="749296"/>
             <a:ext cx="5320285" cy="1219201"/>
           </a:xfrm>
           <a:prstGeom prst="rect">
@@ -2041,7 +2041,7 @@
         </p:nvSpPr>
         <p:spPr>
           <a:xfrm>
-            <a:off x="5620765" y="749298"/>
+            <a:off x="5620765" y="749296"/>
             <a:ext cx="1763269" cy="1219201"/>
           </a:xfrm>
           <a:prstGeom prst="rect">
@@ -2142,7 +2142,7 @@
         </p:nvSpPr>
         <p:spPr>
           <a:xfrm>
-            <a:off x="4011929" y="749298"/>
+            <a:off x="4011929" y="749296"/>
             <a:ext cx="4980941" cy="1219201"/>
           </a:xfrm>
           <a:prstGeom prst="rect">
@@ -2243,7 +2243,7 @@
         </p:nvSpPr>
         <p:spPr>
           <a:xfrm>
-            <a:off x="3820414" y="698497"/>
+            <a:off x="3820414" y="698495"/>
             <a:ext cx="5363973" cy="1320801"/>
           </a:xfrm>
           <a:prstGeom prst="rect">
@@ -2344,7 +2344,7 @@
         </p:nvSpPr>
         <p:spPr>
           <a:xfrm>
-            <a:off x="4181601" y="749298"/>
+            <a:off x="4181601" y="749296"/>
             <a:ext cx="4641597" cy="1219201"/>
           </a:xfrm>
           <a:prstGeom prst="rect">
@@ -2445,7 +2445,7 @@
         </p:nvSpPr>
         <p:spPr>
           <a:xfrm>
-            <a:off x="3870703" y="749298"/>
+            <a:off x="3870702" y="749296"/>
             <a:ext cx="5263389" cy="1219201"/>
           </a:xfrm>
           <a:prstGeom prst="rect">
@@ -2546,7 +2546,7 @@
         </p:nvSpPr>
         <p:spPr>
           <a:xfrm>
-            <a:off x="4294378" y="749298"/>
+            <a:off x="4294378" y="749296"/>
             <a:ext cx="4416045" cy="1219201"/>
           </a:xfrm>
           <a:prstGeom prst="rect">
@@ -2759,7 +2759,7 @@
                 <a:gridCol w="2442641"/>
                 <a:gridCol w="4229758"/>
               </a:tblGrid>
-              <a:tr h="943312">
+              <a:tr h="940768">
                 <a:tc>
                   <a:txBody>
                     <a:bodyPr/>
@@ -2977,7 +2977,7 @@
                   </a:tcPr>
                 </a:tc>
               </a:tr>
-              <a:tr h="943312">
+              <a:tr h="940768">
                 <a:tc>
                   <a:txBody>
                     <a:bodyPr/>
@@ -3115,7 +3115,7 @@
                   </a:tcPr>
                 </a:tc>
               </a:tr>
-              <a:tr h="943312">
+              <a:tr h="940768">
                 <a:tc>
                   <a:txBody>
                     <a:bodyPr/>
@@ -3247,6 +3247,9 @@
                         <a:defRPr b="0" i="0" sz="1800"/>
                       </a:pPr>
                       <a:r>
+                        <a:rPr>
+                          <a:sym typeface="Helvetica"/>
+                        </a:rPr>
                         <a:t/>
                       </a:r>
                     </a:p>
@@ -3267,7 +3270,7 @@
                   </a:tcPr>
                 </a:tc>
               </a:tr>
-              <a:tr h="943312">
+              <a:tr h="940768">
                 <a:tc>
                   <a:txBody>
                     <a:bodyPr/>
@@ -3405,7 +3408,7 @@
                   </a:tcPr>
                 </a:tc>
               </a:tr>
-              <a:tr h="1260631">
+              <a:tr h="1257232">
                 <a:tc>
                   <a:txBody>
                     <a:bodyPr/>
@@ -3583,23 +3586,161 @@
                   </a:tcPr>
                 </a:tc>
               </a:tr>
-              <a:tr h="943312">
-                <a:tc>
-                  <a:txBody>
-                    <a:bodyPr/>
-                    <a:lstStyle/>
-                    <a:p>
-                      <a:pPr lvl="0" algn="ctr" defTabSz="914400">
-                        <a:defRPr b="0" i="0" sz="1800"/>
-                      </a:pPr>
-                      <a:r>
-                        <a:rPr sz="2600">
-                          <a:latin typeface="Helvetica Light"/>
-                          <a:ea typeface="Helvetica Light"/>
-                          <a:cs typeface="Helvetica Light"/>
-                          <a:sym typeface="Helvetica Light"/>
-                        </a:rPr>
-                        <a:t>Complainer_ID</a:t>
+              <a:tr h="940768">
+                <a:tc>
+                  <a:txBody>
+                    <a:bodyPr/>
+                    <a:lstStyle/>
+                    <a:p>
+                      <a:pPr lvl="0" algn="ctr" defTabSz="914400">
+                        <a:defRPr b="0" i="0" sz="1800"/>
+                      </a:pPr>
+                      <a:r>
+                        <a:rPr sz="2600">
+                          <a:latin typeface="Helvetica Light"/>
+                          <a:ea typeface="Helvetica Light"/>
+                          <a:cs typeface="Helvetica Light"/>
+                          <a:sym typeface="Helvetica Light"/>
+                        </a:rPr>
+                        <a:t>Date_of_Approval</a:t>
+                      </a:r>
+                    </a:p>
+                  </a:txBody>
+                  <a:tcPr marL="50800" marR="50800" marT="50800" marB="50800" anchor="ctr" anchorCtr="0" horzOverflow="overflow">
+                    <a:lnL w="12700">
+                      <a:miter lim="400000"/>
+                    </a:lnL>
+                    <a:lnR w="12700">
+                      <a:miter lim="400000"/>
+                    </a:lnR>
+                    <a:lnT w="12700">
+                      <a:miter lim="400000"/>
+                    </a:lnT>
+                    <a:lnB w="12700">
+                      <a:miter lim="400000"/>
+                    </a:lnB>
+                  </a:tcPr>
+                </a:tc>
+                <a:tc>
+                  <a:txBody>
+                    <a:bodyPr/>
+                    <a:lstStyle/>
+                    <a:p>
+                      <a:pPr lvl="0" algn="ctr" defTabSz="914400">
+                        <a:defRPr b="0" i="0" sz="1800"/>
+                      </a:pPr>
+                      <a:r>
+                        <a:rPr sz="2600">
+                          <a:latin typeface="Helvetica Light"/>
+                          <a:ea typeface="Helvetica Light"/>
+                          <a:cs typeface="Helvetica Light"/>
+                          <a:sym typeface="Helvetica Light"/>
+                        </a:rPr>
+                        <a:t>DATE</a:t>
+                      </a:r>
+                    </a:p>
+                  </a:txBody>
+                  <a:tcPr marL="50800" marR="50800" marT="50800" marB="50800" anchor="ctr" anchorCtr="0" horzOverflow="overflow">
+                    <a:lnL w="12700">
+                      <a:miter lim="400000"/>
+                    </a:lnL>
+                    <a:lnR w="12700">
+                      <a:miter lim="400000"/>
+                    </a:lnR>
+                    <a:lnT w="12700">
+                      <a:miter lim="400000"/>
+                    </a:lnT>
+                    <a:lnB w="12700">
+                      <a:miter lim="400000"/>
+                    </a:lnB>
+                  </a:tcPr>
+                </a:tc>
+                <a:tc>
+                  <a:txBody>
+                    <a:bodyPr/>
+                    <a:lstStyle/>
+                    <a:p>
+                      <a:pPr lvl="0" algn="ctr" defTabSz="914400">
+                        <a:defRPr b="0" i="0" sz="1800"/>
+                      </a:pPr>
+                      <a:r>
+                        <a:rPr sz="2600">
+                          <a:latin typeface="Helvetica Light"/>
+                          <a:ea typeface="Helvetica Light"/>
+                          <a:cs typeface="Helvetica Light"/>
+                          <a:sym typeface="Helvetica Light"/>
+                        </a:rPr>
+                        <a:t>&gt;= date of complaint</a:t>
+                      </a:r>
+                    </a:p>
+                  </a:txBody>
+                  <a:tcPr marL="50800" marR="50800" marT="50800" marB="50800" anchor="ctr" anchorCtr="0" horzOverflow="overflow">
+                    <a:lnL w="12700">
+                      <a:miter lim="400000"/>
+                    </a:lnL>
+                    <a:lnR w="12700">
+                      <a:miter lim="400000"/>
+                    </a:lnR>
+                    <a:lnT w="12700">
+                      <a:miter lim="400000"/>
+                    </a:lnT>
+                    <a:lnB w="12700">
+                      <a:miter lim="400000"/>
+                    </a:lnB>
+                  </a:tcPr>
+                </a:tc>
+                <a:tc>
+                  <a:txBody>
+                    <a:bodyPr/>
+                    <a:lstStyle/>
+                    <a:p>
+                      <a:pPr lvl="0" algn="ctr" defTabSz="914400">
+                        <a:defRPr b="0" i="0" sz="1800"/>
+                      </a:pPr>
+                      <a:r>
+                        <a:rPr sz="2600">
+                          <a:latin typeface="Helvetica Light"/>
+                          <a:ea typeface="Helvetica Light"/>
+                          <a:cs typeface="Helvetica Light"/>
+                          <a:sym typeface="Helvetica Light"/>
+                        </a:rPr>
+                        <a:t>date of approval if the complaint was approved</a:t>
+                      </a:r>
+                    </a:p>
+                  </a:txBody>
+                  <a:tcPr marL="50800" marR="50800" marT="50800" marB="50800" anchor="ctr" anchorCtr="0" horzOverflow="overflow">
+                    <a:lnL w="12700">
+                      <a:miter lim="400000"/>
+                    </a:lnL>
+                    <a:lnR w="12700">
+                      <a:miter lim="400000"/>
+                    </a:lnR>
+                    <a:lnT w="12700">
+                      <a:miter lim="400000"/>
+                    </a:lnT>
+                    <a:lnB w="12700">
+                      <a:miter lim="400000"/>
+                    </a:lnB>
+                  </a:tcPr>
+                </a:tc>
+              </a:tr>
+              <a:tr h="962029">
+                <a:tc>
+                  <a:txBody>
+                    <a:bodyPr/>
+                    <a:lstStyle/>
+                    <a:p>
+                      <a:pPr lvl="0" algn="ctr" defTabSz="914400">
+                        <a:defRPr b="0" i="0" sz="1800"/>
+                      </a:pPr>
+                      <a:r>
+                        <a:rPr sz="2600">
+                          <a:latin typeface="Helvetica Light"/>
+                          <a:ea typeface="Helvetica Light"/>
+                          <a:cs typeface="Helvetica Light"/>
+                          <a:sym typeface="Helvetica Light"/>
+                        </a:rPr>
+                        <a:t>Priority</a:t>
                       </a:r>
                     </a:p>
                   </a:txBody>
@@ -3669,59 +3810,39 @@
                         </a:rPr>
                         <a:t>NOT NULL</a:t>
                       </a:r>
-                      <a:endParaRPr sz="2600">
-                        <a:latin typeface="Helvetica Light"/>
-                        <a:ea typeface="Helvetica Light"/>
-                        <a:cs typeface="Helvetica Light"/>
-                        <a:sym typeface="Helvetica Light"/>
-                      </a:endParaRPr>
-                    </a:p>
-                    <a:p>
-                      <a:pPr lvl="0" algn="ctr" defTabSz="914400">
-                        <a:defRPr b="0" i="0" sz="1800"/>
-                      </a:pPr>
-                      <a:r>
-                        <a:rPr sz="2600">
-                          <a:latin typeface="Helvetica Light"/>
-                          <a:ea typeface="Helvetica Light"/>
-                          <a:cs typeface="Helvetica Light"/>
-                          <a:sym typeface="Helvetica Light"/>
-                        </a:rPr>
-                        <a:t>FOREIGN KEY</a:t>
-                      </a:r>
-                    </a:p>
-                  </a:txBody>
-                  <a:tcPr marL="50800" marR="50800" marT="50800" marB="50800" anchor="ctr" anchorCtr="0" horzOverflow="overflow">
-                    <a:lnL w="12700">
-                      <a:miter lim="400000"/>
-                    </a:lnL>
-                    <a:lnR w="12700">
-                      <a:miter lim="400000"/>
-                    </a:lnR>
-                    <a:lnT w="12700">
-                      <a:miter lim="400000"/>
-                    </a:lnT>
-                    <a:lnB w="12700">
-                      <a:miter lim="400000"/>
-                    </a:lnB>
-                  </a:tcPr>
-                </a:tc>
-                <a:tc>
-                  <a:txBody>
-                    <a:bodyPr/>
-                    <a:lstStyle/>
-                    <a:p>
-                      <a:pPr lvl="0" algn="ctr" defTabSz="914400">
-                        <a:defRPr b="0" i="0" sz="1800"/>
-                      </a:pPr>
-                      <a:r>
-                        <a:rPr sz="2600">
-                          <a:latin typeface="Helvetica Light"/>
-                          <a:ea typeface="Helvetica Light"/>
-                          <a:cs typeface="Helvetica Light"/>
-                          <a:sym typeface="Helvetica Light"/>
-                        </a:rPr>
-                        <a:t>ID of the student/teacher that lodged the complaint</a:t>
+                    </a:p>
+                  </a:txBody>
+                  <a:tcPr marL="50800" marR="50800" marT="50800" marB="50800" anchor="ctr" anchorCtr="0" horzOverflow="overflow">
+                    <a:lnL w="12700">
+                      <a:miter lim="400000"/>
+                    </a:lnL>
+                    <a:lnR w="12700">
+                      <a:miter lim="400000"/>
+                    </a:lnR>
+                    <a:lnT w="12700">
+                      <a:miter lim="400000"/>
+                    </a:lnT>
+                    <a:lnB w="12700">
+                      <a:miter lim="400000"/>
+                    </a:lnB>
+                  </a:tcPr>
+                </a:tc>
+                <a:tc>
+                  <a:txBody>
+                    <a:bodyPr/>
+                    <a:lstStyle/>
+                    <a:p>
+                      <a:pPr lvl="0" algn="ctr" defTabSz="914400">
+                        <a:defRPr b="0" i="0" sz="1800"/>
+                      </a:pPr>
+                      <a:r>
+                        <a:rPr sz="2600">
+                          <a:latin typeface="Helvetica Light"/>
+                          <a:ea typeface="Helvetica Light"/>
+                          <a:cs typeface="Helvetica Light"/>
+                          <a:sym typeface="Helvetica Light"/>
+                        </a:rPr>
+                        <a:t>priority of the complaint assigned by lab admin</a:t>
                       </a:r>
                     </a:p>
                   </a:txBody>
@@ -3741,161 +3862,23 @@
                   </a:tcPr>
                 </a:tc>
               </a:tr>
-              <a:tr h="943312">
-                <a:tc>
-                  <a:txBody>
-                    <a:bodyPr/>
-                    <a:lstStyle/>
-                    <a:p>
-                      <a:pPr lvl="0" algn="ctr" defTabSz="914400">
-                        <a:defRPr b="0" i="0" sz="1800"/>
-                      </a:pPr>
-                      <a:r>
-                        <a:rPr sz="2600">
-                          <a:latin typeface="Helvetica Light"/>
-                          <a:ea typeface="Helvetica Light"/>
-                          <a:cs typeface="Helvetica Light"/>
-                          <a:sym typeface="Helvetica Light"/>
-                        </a:rPr>
-                        <a:t>Date_of_Approval</a:t>
-                      </a:r>
-                    </a:p>
-                  </a:txBody>
-                  <a:tcPr marL="50800" marR="50800" marT="50800" marB="50800" anchor="ctr" anchorCtr="0" horzOverflow="overflow">
-                    <a:lnL w="12700">
-                      <a:miter lim="400000"/>
-                    </a:lnL>
-                    <a:lnR w="12700">
-                      <a:miter lim="400000"/>
-                    </a:lnR>
-                    <a:lnT w="12700">
-                      <a:miter lim="400000"/>
-                    </a:lnT>
-                    <a:lnB w="12700">
-                      <a:miter lim="400000"/>
-                    </a:lnB>
-                  </a:tcPr>
-                </a:tc>
-                <a:tc>
-                  <a:txBody>
-                    <a:bodyPr/>
-                    <a:lstStyle/>
-                    <a:p>
-                      <a:pPr lvl="0" algn="ctr" defTabSz="914400">
-                        <a:defRPr b="0" i="0" sz="1800"/>
-                      </a:pPr>
-                      <a:r>
-                        <a:rPr sz="2600">
-                          <a:latin typeface="Helvetica Light"/>
-                          <a:ea typeface="Helvetica Light"/>
-                          <a:cs typeface="Helvetica Light"/>
-                          <a:sym typeface="Helvetica Light"/>
-                        </a:rPr>
-                        <a:t>DATE</a:t>
-                      </a:r>
-                    </a:p>
-                  </a:txBody>
-                  <a:tcPr marL="50800" marR="50800" marT="50800" marB="50800" anchor="ctr" anchorCtr="0" horzOverflow="overflow">
-                    <a:lnL w="12700">
-                      <a:miter lim="400000"/>
-                    </a:lnL>
-                    <a:lnR w="12700">
-                      <a:miter lim="400000"/>
-                    </a:lnR>
-                    <a:lnT w="12700">
-                      <a:miter lim="400000"/>
-                    </a:lnT>
-                    <a:lnB w="12700">
-                      <a:miter lim="400000"/>
-                    </a:lnB>
-                  </a:tcPr>
-                </a:tc>
-                <a:tc>
-                  <a:txBody>
-                    <a:bodyPr/>
-                    <a:lstStyle/>
-                    <a:p>
-                      <a:pPr lvl="0" algn="ctr" defTabSz="914400">
-                        <a:defRPr b="0" i="0" sz="1800"/>
-                      </a:pPr>
-                      <a:r>
-                        <a:rPr sz="2600">
-                          <a:latin typeface="Helvetica Light"/>
-                          <a:ea typeface="Helvetica Light"/>
-                          <a:cs typeface="Helvetica Light"/>
-                          <a:sym typeface="Helvetica Light"/>
-                        </a:rPr>
-                        <a:t>&gt;= date of complaint</a:t>
-                      </a:r>
-                    </a:p>
-                  </a:txBody>
-                  <a:tcPr marL="50800" marR="50800" marT="50800" marB="50800" anchor="ctr" anchorCtr="0" horzOverflow="overflow">
-                    <a:lnL w="12700">
-                      <a:miter lim="400000"/>
-                    </a:lnL>
-                    <a:lnR w="12700">
-                      <a:miter lim="400000"/>
-                    </a:lnR>
-                    <a:lnT w="12700">
-                      <a:miter lim="400000"/>
-                    </a:lnT>
-                    <a:lnB w="12700">
-                      <a:miter lim="400000"/>
-                    </a:lnB>
-                  </a:tcPr>
-                </a:tc>
-                <a:tc>
-                  <a:txBody>
-                    <a:bodyPr/>
-                    <a:lstStyle/>
-                    <a:p>
-                      <a:pPr lvl="0" algn="ctr" defTabSz="914400">
-                        <a:defRPr b="0" i="0" sz="1800"/>
-                      </a:pPr>
-                      <a:r>
-                        <a:rPr sz="2600">
-                          <a:latin typeface="Helvetica Light"/>
-                          <a:ea typeface="Helvetica Light"/>
-                          <a:cs typeface="Helvetica Light"/>
-                          <a:sym typeface="Helvetica Light"/>
-                        </a:rPr>
-                        <a:t>date of approval if the complaint was approved</a:t>
-                      </a:r>
-                    </a:p>
-                  </a:txBody>
-                  <a:tcPr marL="50800" marR="50800" marT="50800" marB="50800" anchor="ctr" anchorCtr="0" horzOverflow="overflow">
-                    <a:lnL w="12700">
-                      <a:miter lim="400000"/>
-                    </a:lnL>
-                    <a:lnR w="12700">
-                      <a:miter lim="400000"/>
-                    </a:lnR>
-                    <a:lnT w="12700">
-                      <a:miter lim="400000"/>
-                    </a:lnT>
-                    <a:lnB w="12700">
-                      <a:miter lim="400000"/>
-                    </a:lnB>
-                  </a:tcPr>
-                </a:tc>
-              </a:tr>
-              <a:tr h="964631">
-                <a:tc>
-                  <a:txBody>
-                    <a:bodyPr/>
-                    <a:lstStyle/>
-                    <a:p>
-                      <a:pPr lvl="0" algn="ctr" defTabSz="914400">
-                        <a:defRPr b="0" i="0" sz="1800"/>
-                      </a:pPr>
-                      <a:r>
-                        <a:rPr sz="2600">
-                          <a:latin typeface="Helvetica Light"/>
-                          <a:ea typeface="Helvetica Light"/>
-                          <a:cs typeface="Helvetica Light"/>
-                          <a:sym typeface="Helvetica Light"/>
-                        </a:rPr>
-                        <a:t>Priority</a:t>
+              <a:tr h="962029">
+                <a:tc>
+                  <a:txBody>
+                    <a:bodyPr/>
+                    <a:lstStyle/>
+                    <a:p>
+                      <a:pPr lvl="0" algn="ctr" defTabSz="914400">
+                        <a:defRPr b="0" i="0" sz="1800"/>
+                      </a:pPr>
+                      <a:r>
+                        <a:rPr sz="2600">
+                          <a:latin typeface="Helvetica Light"/>
+                          <a:ea typeface="Helvetica Light"/>
+                          <a:cs typeface="Helvetica Light"/>
+                          <a:sym typeface="Helvetica Light"/>
+                        </a:rPr>
+                        <a:t>Component_ID</a:t>
                       </a:r>
                     </a:p>
                   </a:txBody>
@@ -3963,41 +3946,42 @@
                           <a:cs typeface="Helvetica Light"/>
                           <a:sym typeface="Helvetica Light"/>
                         </a:rPr>
-                        <a:t>NOT NULL</a:t>
-                      </a:r>
-                    </a:p>
-                  </a:txBody>
-                  <a:tcPr marL="50800" marR="50800" marT="50800" marB="50800" anchor="ctr" anchorCtr="0" horzOverflow="overflow">
-                    <a:lnL w="12700">
-                      <a:miter lim="400000"/>
-                    </a:lnL>
-                    <a:lnR w="12700">
-                      <a:miter lim="400000"/>
-                    </a:lnR>
-                    <a:lnT w="12700">
-                      <a:miter lim="400000"/>
-                    </a:lnT>
-                    <a:lnB w="12700">
-                      <a:miter lim="400000"/>
-                    </a:lnB>
-                  </a:tcPr>
-                </a:tc>
-                <a:tc>
-                  <a:txBody>
-                    <a:bodyPr/>
-                    <a:lstStyle/>
-                    <a:p>
-                      <a:pPr lvl="0" algn="ctr" defTabSz="914400">
-                        <a:defRPr b="0" i="0" sz="1800"/>
-                      </a:pPr>
-                      <a:r>
-                        <a:rPr sz="2600">
-                          <a:latin typeface="Helvetica Light"/>
-                          <a:ea typeface="Helvetica Light"/>
-                          <a:cs typeface="Helvetica Light"/>
-                          <a:sym typeface="Helvetica Light"/>
-                        </a:rPr>
-                        <a:t>priority of the complaint assigned by lab admin</a:t>
+                        <a:t>NOT NULL
+FOREIGN KEY</a:t>
+                      </a:r>
+                    </a:p>
+                  </a:txBody>
+                  <a:tcPr marL="50800" marR="50800" marT="50800" marB="50800" anchor="ctr" anchorCtr="0" horzOverflow="overflow">
+                    <a:lnL w="12700">
+                      <a:miter lim="400000"/>
+                    </a:lnL>
+                    <a:lnR w="12700">
+                      <a:miter lim="400000"/>
+                    </a:lnR>
+                    <a:lnT w="12700">
+                      <a:miter lim="400000"/>
+                    </a:lnT>
+                    <a:lnB w="12700">
+                      <a:miter lim="400000"/>
+                    </a:lnB>
+                  </a:tcPr>
+                </a:tc>
+                <a:tc>
+                  <a:txBody>
+                    <a:bodyPr/>
+                    <a:lstStyle/>
+                    <a:p>
+                      <a:pPr lvl="0" algn="ctr" defTabSz="914400">
+                        <a:defRPr b="0" i="0" sz="1800"/>
+                      </a:pPr>
+                      <a:r>
+                        <a:rPr sz="2600">
+                          <a:latin typeface="Helvetica Light"/>
+                          <a:ea typeface="Helvetica Light"/>
+                          <a:cs typeface="Helvetica Light"/>
+                          <a:sym typeface="Helvetica Light"/>
+                        </a:rPr>
+                        <a:t>Component for which the complaint has been lodged</a:t>
                       </a:r>
                     </a:p>
                   </a:txBody>
@@ -5008,6 +4992,9 @@
                         <a:defRPr b="0" i="0" sz="1800"/>
                       </a:pPr>
                       <a:r>
+                        <a:rPr>
+                          <a:sym typeface="Helvetica"/>
+                        </a:rPr>
                         <a:t/>
                       </a:r>
                     </a:p>
@@ -7940,26 +7927,6 @@
                         </a:rPr>
                         <a:t>4 - Mouse</a:t>
                       </a:r>
-                      <a:endParaRPr sz="2600">
-                        <a:latin typeface="Helvetica Light"/>
-                        <a:ea typeface="Helvetica Light"/>
-                        <a:cs typeface="Helvetica Light"/>
-                        <a:sym typeface="Helvetica Light"/>
-                      </a:endParaRPr>
-                    </a:p>
-                    <a:p>
-                      <a:pPr lvl="0" algn="l" defTabSz="914400">
-                        <a:defRPr b="0" i="0" sz="1800"/>
-                      </a:pPr>
-                      <a:r>
-                        <a:rPr sz="2600">
-                          <a:latin typeface="Helvetica Light"/>
-                          <a:ea typeface="Helvetica Light"/>
-                          <a:cs typeface="Helvetica Light"/>
-                          <a:sym typeface="Helvetica Light"/>
-                        </a:rPr>
-                        <a:t>5- Software</a:t>
-                      </a:r>
                     </a:p>
                   </a:txBody>
                   <a:tcPr marL="50800" marR="50800" marT="50800" marB="50800" anchor="ctr" anchorCtr="0" horzOverflow="overflow">
@@ -8933,8 +8900,8 @@
         </p:nvSpPr>
         <p:spPr>
           <a:xfrm>
-            <a:off x="1768021" y="4203696"/>
-            <a:ext cx="9468758" cy="3378201"/>
+            <a:off x="1768021" y="3930646"/>
+            <a:ext cx="9468758" cy="3924301"/>
           </a:xfrm>
           <a:prstGeom prst="rect">
             <a:avLst/>
@@ -8974,7 +8941,7 @@
             </a:endParaRPr>
           </a:p>
           <a:p>
-            <a:pPr lvl="0" marL="2887576" indent="-2887576" algn="l">
+            <a:pPr lvl="0" marL="11550304" indent="-11550304" algn="l">
               <a:buSzPct val="100000"/>
               <a:buFont typeface="Helvetica Light"/>
               <a:buChar char="•"/>
@@ -8997,7 +8964,7 @@
             </a:endParaRPr>
           </a:p>
           <a:p>
-            <a:pPr lvl="0" marL="2887576" indent="-2887576" algn="l">
+            <a:pPr lvl="0" marL="11550304" indent="-11550304" algn="l">
               <a:buSzPct val="100000"/>
               <a:buFont typeface="Helvetica Light"/>
               <a:buChar char="•"/>
@@ -9020,7 +8987,7 @@
             </a:endParaRPr>
           </a:p>
           <a:p>
-            <a:pPr lvl="0" marL="2887576" indent="-2887576" algn="l">
+            <a:pPr lvl="0" marL="11550304" indent="-11550304" algn="l">
               <a:buSzPct val="100000"/>
               <a:buFont typeface="Helvetica Light"/>
               <a:buChar char="•"/>
@@ -9043,7 +9010,7 @@
             </a:endParaRPr>
           </a:p>
           <a:p>
-            <a:pPr lvl="0" marL="2887576" indent="-2887576" algn="l">
+            <a:pPr lvl="0" marL="11550304" indent="-11550304" algn="l">
               <a:buSzPct val="100000"/>
               <a:buFont typeface="Helvetica Light"/>
               <a:buChar char="•"/>
@@ -9066,7 +9033,7 @@
             </a:endParaRPr>
           </a:p>
           <a:p>
-            <a:pPr lvl="0" marL="2887576" indent="-2887576" algn="l">
+            <a:pPr lvl="0" marL="11550304" indent="-11550304" algn="l">
               <a:buSzPct val="100000"/>
               <a:buFont typeface="Helvetica Light"/>
               <a:buChar char="•"/>
@@ -9162,37 +9129,37 @@
           <a:bodyPr/>
           <a:lstStyle/>
           <a:p>
-            <a:pPr lvl="0" marL="7848076" indent="-7848076" algn="l">
+            <a:pPr lvl="0" marL="19285339" indent="-19285339" algn="l" defTabSz="340004">
               <a:buSzPct val="75000"/>
               <a:buChar char="•"/>
               <a:defRPr sz="1800"/>
             </a:pPr>
             <a:r>
-              <a:rPr sz="3800"/>
+              <a:rPr sz="2160"/>
               <a:t>Management Level</a:t>
             </a:r>
-            <a:endParaRPr sz="3800"/>
+            <a:endParaRPr sz="2160"/>
           </a:p>
           <a:p>
-            <a:pPr lvl="0" marL="7848076" indent="-7848076" algn="l">
+            <a:pPr lvl="0" marL="19285339" indent="-19285339" algn="l" defTabSz="340004">
               <a:buSzPct val="75000"/>
               <a:buChar char="•"/>
               <a:defRPr sz="1800"/>
             </a:pPr>
             <a:r>
-              <a:rPr sz="3800"/>
+              <a:rPr sz="2160"/>
               <a:t>Lab Admin Level</a:t>
             </a:r>
-            <a:endParaRPr sz="3800"/>
+            <a:endParaRPr sz="2160"/>
           </a:p>
           <a:p>
-            <a:pPr lvl="0" marL="7848076" indent="-7848076" algn="l">
+            <a:pPr lvl="0" marL="19285339" indent="-19285339" algn="l" defTabSz="340004">
               <a:buSzPct val="75000"/>
               <a:buChar char="•"/>
               <a:defRPr sz="1800"/>
             </a:pPr>
             <a:r>
-              <a:rPr sz="3800"/>
+              <a:rPr sz="2160"/>
               <a:t>Student/Teacher Level</a:t>
             </a:r>
           </a:p>
@@ -9245,69 +9212,69 @@
           <a:bodyPr/>
           <a:lstStyle/>
           <a:p>
-            <a:pPr lvl="0" defTabSz="531622">
+            <a:pPr lvl="0" defTabSz="428008">
               <a:defRPr sz="1800"/>
             </a:pPr>
             <a:r>
-              <a:rPr sz="4500" u="sng"/>
+              <a:rPr sz="3568" u="sng"/>
               <a:t>Management Level</a:t>
             </a:r>
-            <a:endParaRPr sz="4500" u="sng"/>
+            <a:endParaRPr sz="3568" u="sng"/>
           </a:p>
           <a:p>
-            <a:pPr lvl="0" defTabSz="531622">
+            <a:pPr lvl="0" defTabSz="428008">
               <a:defRPr sz="1800"/>
             </a:pPr>
-            <a:endParaRPr sz="2900" u="sng"/>
+            <a:endParaRPr sz="2324" u="sng"/>
           </a:p>
           <a:p>
-            <a:pPr lvl="0" marL="4577045" indent="-4577045" algn="l" defTabSz="531622">
+            <a:pPr lvl="0" marL="12374250" indent="-12374250" algn="l" defTabSz="428008">
               <a:buSzPct val="75000"/>
               <a:buChar char="•"/>
               <a:defRPr sz="1800"/>
             </a:pPr>
             <a:r>
-              <a:rPr sz="3400"/>
+              <a:rPr sz="2656"/>
               <a:t>Resolving the complaints approved by the lab admin and deciding which supplier to buy components from.</a:t>
             </a:r>
-            <a:endParaRPr sz="3400"/>
+            <a:endParaRPr sz="2656"/>
           </a:p>
           <a:p>
-            <a:pPr lvl="0" marL="359550" indent="-359550" algn="l" defTabSz="531622">
+            <a:pPr lvl="0" marL="289473" indent="-289473" algn="l" defTabSz="428008">
               <a:buSzPct val="75000"/>
               <a:buChar char="•"/>
               <a:defRPr sz="1800"/>
             </a:pPr>
-            <a:endParaRPr sz="3400"/>
+            <a:endParaRPr sz="2656"/>
           </a:p>
           <a:p>
-            <a:pPr lvl="0" marL="4577045" indent="-4577045" algn="l" defTabSz="531622">
+            <a:pPr lvl="0" marL="12374250" indent="-12374250" algn="l" defTabSz="428008">
               <a:buSzPct val="75000"/>
               <a:buChar char="•"/>
               <a:defRPr sz="1800"/>
             </a:pPr>
             <a:r>
-              <a:rPr sz="3400"/>
+              <a:rPr sz="2656"/>
               <a:t>Maintaining the resources by regularly replacing the older components.</a:t>
             </a:r>
-            <a:endParaRPr sz="3400"/>
+            <a:endParaRPr sz="2656"/>
           </a:p>
           <a:p>
-            <a:pPr lvl="0" marL="359550" indent="-359550" algn="l" defTabSz="531622">
+            <a:pPr lvl="0" marL="289473" indent="-289473" algn="l" defTabSz="428008">
               <a:buSzPct val="75000"/>
               <a:buChar char="•"/>
               <a:defRPr sz="1800"/>
             </a:pPr>
-            <a:endParaRPr sz="3400"/>
+            <a:endParaRPr sz="2656"/>
           </a:p>
           <a:p>
-            <a:pPr lvl="0" marL="4577045" indent="-4577045" algn="l" defTabSz="531622">
+            <a:pPr lvl="0" marL="12374250" indent="-12374250" algn="l" defTabSz="428008">
               <a:buSzPct val="75000"/>
               <a:buChar char="•"/>
               <a:defRPr sz="1800"/>
             </a:pPr>
             <a:r>
-              <a:rPr sz="3400"/>
+              <a:rPr sz="2656"/>
               <a:t>Checking the regularity of all the lab admins.</a:t>
             </a:r>
           </a:p>
@@ -9360,69 +9327,69 @@
           <a:bodyPr/>
           <a:lstStyle/>
           <a:p>
-            <a:pPr lvl="0" defTabSz="578358">
+            <a:pPr lvl="0" defTabSz="346089">
               <a:defRPr sz="1800"/>
             </a:pPr>
             <a:r>
-              <a:rPr sz="4900" u="sng"/>
+              <a:rPr sz="2924" u="sng"/>
               <a:t>Lab Admin Level</a:t>
             </a:r>
-            <a:endParaRPr sz="4900" u="sng"/>
+            <a:endParaRPr sz="2924" u="sng"/>
           </a:p>
           <a:p>
-            <a:pPr lvl="0" defTabSz="578358">
+            <a:pPr lvl="0" defTabSz="346089">
               <a:defRPr sz="1800"/>
             </a:pPr>
-            <a:endParaRPr sz="3100" u="sng"/>
+            <a:endParaRPr sz="1836" u="sng"/>
           </a:p>
           <a:p>
-            <a:pPr lvl="0" marL="6983465" indent="-6983465" algn="l" defTabSz="578358">
+            <a:pPr lvl="0" marL="15271061" indent="-15271061" algn="l" defTabSz="346089">
               <a:buSzPct val="75000"/>
               <a:buChar char="•"/>
               <a:defRPr sz="1800"/>
             </a:pPr>
             <a:r>
-              <a:rPr sz="3700"/>
+              <a:rPr sz="2176"/>
               <a:t>View and modify any data regarding the components of the Computer.</a:t>
             </a:r>
-            <a:endParaRPr sz="3700"/>
+            <a:endParaRPr sz="2176"/>
           </a:p>
           <a:p>
-            <a:pPr lvl="0" marL="391159" indent="-391159" algn="l" defTabSz="578358">
+            <a:pPr lvl="0" marL="234068" indent="-234068" algn="l" defTabSz="346089">
               <a:buSzPct val="75000"/>
               <a:buChar char="•"/>
               <a:defRPr sz="1800"/>
             </a:pPr>
-            <a:endParaRPr sz="3700"/>
+            <a:endParaRPr sz="2176"/>
           </a:p>
           <a:p>
-            <a:pPr lvl="0" marL="6983465" indent="-6983465" algn="l" defTabSz="578358">
+            <a:pPr lvl="0" marL="15271061" indent="-15271061" algn="l" defTabSz="346089">
               <a:buSzPct val="75000"/>
               <a:buChar char="•"/>
               <a:defRPr sz="1800"/>
             </a:pPr>
             <a:r>
-              <a:rPr sz="3700"/>
+              <a:rPr sz="2176"/>
               <a:t>Verify and approve the complaints lodged by students and teachers.</a:t>
             </a:r>
-            <a:endParaRPr sz="3700"/>
+            <a:endParaRPr sz="2176"/>
           </a:p>
           <a:p>
-            <a:pPr lvl="0" marL="391159" indent="-391159" algn="l" defTabSz="578358">
+            <a:pPr lvl="0" marL="234068" indent="-234068" algn="l" defTabSz="346089">
               <a:buSzPct val="75000"/>
               <a:buChar char="•"/>
               <a:defRPr sz="1800"/>
             </a:pPr>
-            <a:endParaRPr sz="3700"/>
+            <a:endParaRPr sz="2176"/>
           </a:p>
           <a:p>
-            <a:pPr lvl="0" marL="6983465" indent="-6983465" algn="l" defTabSz="578358">
+            <a:pPr lvl="0" marL="15271061" indent="-15271061" algn="l" defTabSz="346089">
               <a:buSzPct val="75000"/>
               <a:buChar char="•"/>
               <a:defRPr sz="1800"/>
             </a:pPr>
             <a:r>
-              <a:rPr sz="3700"/>
+              <a:rPr sz="2176"/>
               <a:t>Assign priorities to the approved complaints.</a:t>
             </a:r>
           </a:p>
@@ -9475,69 +9442,63 @@
           <a:bodyPr/>
           <a:lstStyle/>
           <a:p>
-            <a:pPr lvl="0" defTabSz="554990">
+            <a:pPr lvl="0" defTabSz="320783">
               <a:defRPr sz="1800"/>
             </a:pPr>
             <a:r>
-              <a:rPr sz="4750" u="sng"/>
+              <a:rPr sz="2652" u="sng"/>
               <a:t>Student/Teacher Level</a:t>
             </a:r>
-            <a:endParaRPr sz="4750" u="sng"/>
+            <a:endParaRPr sz="2652" u="sng"/>
           </a:p>
           <a:p>
-            <a:pPr lvl="0" defTabSz="554990">
-              <a:defRPr sz="1800"/>
-            </a:pPr>
-            <a:endParaRPr sz="1710" u="sng"/>
-          </a:p>
-          <a:p>
-            <a:pPr lvl="0" marL="7455672" indent="-7455672" algn="l" defTabSz="554990">
+            <a:pPr lvl="0" marL="14364592" indent="-14364592" algn="l" defTabSz="320783">
               <a:buSzPct val="75000"/>
               <a:buChar char="•"/>
               <a:defRPr sz="1800"/>
             </a:pPr>
             <a:r>
-              <a:rPr sz="3609"/>
+              <a:rPr sz="2040"/>
               <a:t>View the components and technical specification of any computer.</a:t>
             </a:r>
-            <a:endParaRPr sz="3609"/>
+            <a:endParaRPr sz="2040"/>
           </a:p>
           <a:p>
-            <a:pPr lvl="0" marL="375355" indent="-375355" algn="l" defTabSz="554990">
+            <a:pPr lvl="0" marL="216954" indent="-216954" algn="l" defTabSz="320783">
               <a:buSzPct val="75000"/>
               <a:buChar char="•"/>
               <a:defRPr sz="1800"/>
             </a:pPr>
-            <a:endParaRPr sz="3609"/>
+            <a:endParaRPr sz="2040"/>
           </a:p>
           <a:p>
-            <a:pPr lvl="0" marL="7455672" indent="-7455672" algn="l" defTabSz="554990">
+            <a:pPr lvl="0" marL="14364592" indent="-14364592" algn="l" defTabSz="320783">
               <a:buSzPct val="75000"/>
               <a:buChar char="•"/>
               <a:defRPr sz="1800"/>
             </a:pPr>
             <a:r>
-              <a:rPr sz="3609"/>
+              <a:rPr sz="2040"/>
               <a:t>View the working status of any component.</a:t>
             </a:r>
-            <a:endParaRPr sz="3609"/>
+            <a:endParaRPr sz="2040"/>
           </a:p>
           <a:p>
-            <a:pPr lvl="0" marL="375355" indent="-375355" algn="l" defTabSz="554990">
+            <a:pPr lvl="0" marL="8618756" indent="-8618756" algn="l" defTabSz="320783">
               <a:buSzPct val="75000"/>
               <a:buChar char="•"/>
               <a:defRPr sz="1800"/>
             </a:pPr>
-            <a:endParaRPr sz="3609"/>
+            <a:endParaRPr sz="2040"/>
           </a:p>
           <a:p>
-            <a:pPr lvl="0" marL="7455672" indent="-7455672" algn="l" defTabSz="554990">
+            <a:pPr lvl="0" marL="14364592" indent="-14364592" algn="l" defTabSz="320783">
               <a:buSzPct val="75000"/>
               <a:buChar char="•"/>
               <a:defRPr sz="1800"/>
             </a:pPr>
             <a:r>
-              <a:rPr sz="3609"/>
+              <a:rPr sz="2040"/>
               <a:t>Lodge a complaint regarding faulty components and check the status of their lodged complaint.</a:t>
             </a:r>
           </a:p>
@@ -9625,161 +9586,161 @@
           <a:bodyPr/>
           <a:lstStyle/>
           <a:p>
-            <a:pPr lvl="0" marL="3946647" indent="-3946647" algn="l">
+            <a:pPr lvl="0" marL="10331445" indent="-10331445" algn="l" defTabSz="516140">
               <a:buSzPct val="75000"/>
               <a:buChar char="•"/>
               <a:defRPr sz="1800"/>
             </a:pPr>
             <a:r>
-              <a:rPr sz="3200"/>
+              <a:rPr sz="2790"/>
               <a:t>Component (</a:t>
             </a:r>
             <a:r>
-              <a:rPr sz="3200" u="sng"/>
+              <a:rPr sz="2790" u="sng"/>
               <a:t>Component_ID</a:t>
             </a:r>
             <a:r>
-              <a:rPr sz="3200"/>
+              <a:rPr sz="2790"/>
               <a:t>, Supplier_ID, Working Status, Warranty, Date_of_purchase, Type)</a:t>
             </a:r>
-            <a:endParaRPr sz="3200"/>
+            <a:endParaRPr sz="2790"/>
           </a:p>
           <a:p>
-            <a:pPr lvl="0" marL="395111" indent="-395111" algn="l">
+            <a:pPr lvl="0" marL="349080" indent="-349080" algn="l" defTabSz="516140">
               <a:buSzPct val="75000"/>
               <a:buChar char="•"/>
               <a:defRPr sz="1800"/>
             </a:pPr>
-            <a:endParaRPr sz="3200"/>
+            <a:endParaRPr sz="2790"/>
           </a:p>
           <a:p>
-            <a:pPr lvl="0" marL="3946647" indent="-3946647" algn="l">
+            <a:pPr lvl="0" marL="10331445" indent="-10331445" algn="l" defTabSz="516140">
               <a:buSzPct val="75000"/>
               <a:buChar char="•"/>
               <a:defRPr sz="1800"/>
             </a:pPr>
             <a:r>
-              <a:rPr sz="3200"/>
+              <a:rPr sz="2790"/>
               <a:t>PC (</a:t>
             </a:r>
             <a:r>
-              <a:rPr sz="3200" u="sng"/>
+              <a:rPr sz="2790" u="sng"/>
               <a:t>PC_ID,</a:t>
             </a:r>
             <a:r>
-              <a:rPr sz="3200"/>
+              <a:rPr sz="2790"/>
               <a:t> Lab_ID, OS)</a:t>
             </a:r>
-            <a:endParaRPr sz="3200"/>
+            <a:endParaRPr sz="2790"/>
           </a:p>
           <a:p>
-            <a:pPr lvl="0" marL="395111" indent="-395111" algn="l">
+            <a:pPr lvl="0" marL="349080" indent="-349080" algn="l" defTabSz="516140">
               <a:buSzPct val="75000"/>
               <a:buChar char="•"/>
               <a:defRPr sz="1800"/>
             </a:pPr>
-            <a:endParaRPr sz="3200"/>
+            <a:endParaRPr sz="2790"/>
           </a:p>
           <a:p>
-            <a:pPr lvl="0" marL="3946647" indent="-3946647" algn="l">
+            <a:pPr lvl="0" marL="10331445" indent="-10331445" algn="l" defTabSz="516140">
               <a:buSzPct val="75000"/>
               <a:buChar char="•"/>
               <a:defRPr sz="1800"/>
             </a:pPr>
             <a:r>
-              <a:rPr sz="3200"/>
+              <a:rPr sz="2790"/>
               <a:t>Supplier (</a:t>
             </a:r>
             <a:r>
-              <a:rPr sz="3200" u="sng"/>
+              <a:rPr sz="2790" u="sng"/>
               <a:t>Supplier_ID</a:t>
             </a:r>
             <a:r>
-              <a:rPr sz="3200"/>
+              <a:rPr sz="2790"/>
               <a:t>,  Name, Total_Complaints, Total_No_Shipped)</a:t>
             </a:r>
-            <a:endParaRPr sz="3200"/>
+            <a:endParaRPr sz="2790"/>
           </a:p>
           <a:p>
-            <a:pPr lvl="0" marL="395111" indent="-395111" algn="l">
+            <a:pPr lvl="0" marL="349080" indent="-349080" algn="l" defTabSz="516140">
               <a:buSzPct val="75000"/>
               <a:buChar char="•"/>
               <a:defRPr sz="1800"/>
             </a:pPr>
-            <a:endParaRPr sz="3200"/>
+            <a:endParaRPr sz="2790"/>
           </a:p>
           <a:p>
-            <a:pPr lvl="0" marL="3946647" indent="-3946647" algn="l">
+            <a:pPr lvl="0" marL="10331445" indent="-10331445" algn="l" defTabSz="516140">
               <a:buSzPct val="75000"/>
               <a:buChar char="•"/>
               <a:defRPr sz="1800"/>
             </a:pPr>
             <a:r>
-              <a:rPr sz="3200"/>
+              <a:rPr sz="2790"/>
               <a:t>Lab (</a:t>
             </a:r>
             <a:r>
-              <a:rPr sz="3200" u="sng"/>
+              <a:rPr sz="2790" u="sng"/>
               <a:t>Lab_ID</a:t>
             </a:r>
             <a:r>
-              <a:rPr sz="3200"/>
+              <a:rPr sz="2790"/>
               <a:t>, No_of_PCs)</a:t>
             </a:r>
-            <a:endParaRPr sz="3200"/>
+            <a:endParaRPr sz="2790"/>
           </a:p>
           <a:p>
-            <a:pPr lvl="0" marL="395111" indent="-395111" algn="l">
+            <a:pPr lvl="0" marL="349080" indent="-349080" algn="l" defTabSz="516140">
               <a:buSzPct val="75000"/>
               <a:buChar char="•"/>
               <a:defRPr sz="1800"/>
             </a:pPr>
-            <a:endParaRPr sz="3200"/>
+            <a:endParaRPr sz="2790"/>
           </a:p>
           <a:p>
-            <a:pPr lvl="0" marL="3946647" indent="-3946647" algn="l">
+            <a:pPr lvl="0" marL="10331445" indent="-10331445" algn="l" defTabSz="516140">
               <a:buSzPct val="75000"/>
               <a:buChar char="•"/>
               <a:defRPr sz="1800"/>
             </a:pPr>
             <a:r>
-              <a:rPr sz="3200"/>
+              <a:rPr sz="2790"/>
               <a:t>LabAdmin (</a:t>
             </a:r>
             <a:r>
-              <a:rPr sz="3200" u="sng"/>
+              <a:rPr sz="2790" u="sng"/>
               <a:t>LabAdmin_ ID</a:t>
             </a:r>
             <a:r>
-              <a:rPr sz="3200"/>
+              <a:rPr sz="2790"/>
               <a:t>, Lab_ID , No_Of_Complaints_Handled, Last_Login)</a:t>
             </a:r>
-            <a:endParaRPr sz="3200"/>
+            <a:endParaRPr sz="2790"/>
           </a:p>
           <a:p>
-            <a:pPr lvl="0" marL="395111" indent="-395111" algn="l">
+            <a:pPr lvl="0" marL="349080" indent="-349080" algn="l" defTabSz="516140">
               <a:buSzPct val="75000"/>
               <a:buChar char="•"/>
               <a:defRPr sz="1800"/>
             </a:pPr>
-            <a:endParaRPr sz="3200"/>
+            <a:endParaRPr sz="2790"/>
           </a:p>
           <a:p>
-            <a:pPr lvl="0" marL="3946647" indent="-3946647" algn="l">
+            <a:pPr lvl="0" marL="10331445" indent="-10331445" algn="l" defTabSz="516140">
               <a:buSzPct val="75000"/>
               <a:buChar char="•"/>
               <a:defRPr sz="1800"/>
             </a:pPr>
             <a:r>
-              <a:rPr sz="3200"/>
+              <a:rPr sz="2790"/>
               <a:t>Complaint (</a:t>
             </a:r>
             <a:r>
-              <a:rPr sz="3200" u="sng"/>
+              <a:rPr sz="2790" u="sng"/>
               <a:t>Complaint_ID</a:t>
             </a:r>
             <a:r>
-              <a:rPr sz="3200"/>
+              <a:rPr sz="2790"/>
               <a:t>, Title, Complainer_ID,Status, Date_Of_Complaint)</a:t>
             </a:r>
           </a:p>
@@ -9872,7 +9833,7 @@
         </p:nvSpPr>
         <p:spPr>
           <a:xfrm>
-            <a:off x="5818885" y="749298"/>
+            <a:off x="5818885" y="749296"/>
             <a:ext cx="1367029" cy="1219201"/>
           </a:xfrm>
           <a:prstGeom prst="rect">
@@ -9928,8 +9889,8 @@
         </p:blipFill>
         <p:spPr>
           <a:xfrm>
-            <a:off x="262085" y="2603500"/>
-            <a:ext cx="9525002" cy="4546600"/>
+            <a:off x="262084" y="2603500"/>
+            <a:ext cx="9525004" cy="4546600"/>
           </a:xfrm>
           <a:prstGeom prst="rect">
             <a:avLst/>
@@ -9991,14 +9952,14 @@
     </a:clrScheme>
     <a:fontScheme name="Default">
       <a:majorFont>
+        <a:latin typeface="Helvetica Neue"/>
+        <a:ea typeface="Helvetica Neue"/>
+        <a:cs typeface="Helvetica Neue"/>
+      </a:majorFont>
+      <a:minorFont>
         <a:latin typeface="Helvetica"/>
         <a:ea typeface="Helvetica"/>
         <a:cs typeface="Helvetica"/>
-      </a:majorFont>
-      <a:minorFont>
-        <a:latin typeface="Helvetica Neue"/>
-        <a:ea typeface="Helvetica Neue"/>
-        <a:cs typeface="Helvetica Neue"/>
       </a:minorFont>
     </a:fontScheme>
     <a:fmtScheme name="Default">
@@ -10202,9 +10163,9 @@
             </a:solidFill>
             <a:effectLst/>
             <a:uFillTx/>
-            <a:latin typeface="+mj-lt"/>
-            <a:ea typeface="+mj-ea"/>
-            <a:cs typeface="+mj-cs"/>
+            <a:latin typeface="+mn-lt"/>
+            <a:ea typeface="+mn-ea"/>
+            <a:cs typeface="+mn-cs"/>
             <a:sym typeface="Helvetica"/>
           </a:defRPr>
         </a:defPPr>
@@ -10777,9 +10738,9 @@
             </a:solidFill>
             <a:effectLst/>
             <a:uFillTx/>
-            <a:latin typeface="+mj-lt"/>
-            <a:ea typeface="+mj-ea"/>
-            <a:cs typeface="+mj-cs"/>
+            <a:latin typeface="+mn-lt"/>
+            <a:ea typeface="+mn-ea"/>
+            <a:cs typeface="+mn-cs"/>
             <a:sym typeface="Helvetica"/>
           </a:defRPr>
         </a:defPPr>
@@ -11072,14 +11033,14 @@
     </a:clrScheme>
     <a:fontScheme name="Default">
       <a:majorFont>
+        <a:latin typeface="Helvetica Neue"/>
+        <a:ea typeface="Helvetica Neue"/>
+        <a:cs typeface="Helvetica Neue"/>
+      </a:majorFont>
+      <a:minorFont>
         <a:latin typeface="Helvetica"/>
         <a:ea typeface="Helvetica"/>
         <a:cs typeface="Helvetica"/>
-      </a:majorFont>
-      <a:minorFont>
-        <a:latin typeface="Helvetica Neue"/>
-        <a:ea typeface="Helvetica Neue"/>
-        <a:cs typeface="Helvetica Neue"/>
       </a:minorFont>
     </a:fontScheme>
     <a:fmtScheme name="Default">
@@ -11283,9 +11244,9 @@
             </a:solidFill>
             <a:effectLst/>
             <a:uFillTx/>
-            <a:latin typeface="+mj-lt"/>
-            <a:ea typeface="+mj-ea"/>
-            <a:cs typeface="+mj-cs"/>
+            <a:latin typeface="+mn-lt"/>
+            <a:ea typeface="+mn-ea"/>
+            <a:cs typeface="+mn-cs"/>
             <a:sym typeface="Helvetica"/>
           </a:defRPr>
         </a:defPPr>
@@ -11858,9 +11819,9 @@
             </a:solidFill>
             <a:effectLst/>
             <a:uFillTx/>
-            <a:latin typeface="+mj-lt"/>
-            <a:ea typeface="+mj-ea"/>
-            <a:cs typeface="+mj-cs"/>
+            <a:latin typeface="+mn-lt"/>
+            <a:ea typeface="+mn-ea"/>
+            <a:cs typeface="+mn-cs"/>
             <a:sym typeface="Helvetica"/>
           </a:defRPr>
         </a:defPPr>

--- a/ProjectDetails/Presentation.pptx
+++ b/ProjectDetails/Presentation.pptx
@@ -32,79 +32,80 @@
     <p:sldId id="277" r:id="rId29"/>
     <p:sldId id="278" r:id="rId30"/>
     <p:sldId id="279" r:id="rId31"/>
+    <p:sldId id="280" r:id="rId32"/>
   </p:sldIdLst>
   <p:sldSz cx="13004800" cy="9753600"/>
   <p:notesSz cx="6858000" cy="9144000"/>
   <p:defaultTextStyle>
     <a:lvl1pPr algn="ctr" defTabSz="584200">
       <a:defRPr sz="3600">
-        <a:latin typeface="+mn-lt"/>
-        <a:ea typeface="+mn-ea"/>
-        <a:cs typeface="+mn-cs"/>
+        <a:latin typeface="+mj-lt"/>
+        <a:ea typeface="+mj-ea"/>
+        <a:cs typeface="+mj-cs"/>
         <a:sym typeface="Helvetica"/>
       </a:defRPr>
     </a:lvl1pPr>
     <a:lvl2pPr algn="ctr" defTabSz="584200">
       <a:defRPr sz="3600">
-        <a:latin typeface="+mn-lt"/>
-        <a:ea typeface="+mn-ea"/>
-        <a:cs typeface="+mn-cs"/>
+        <a:latin typeface="+mj-lt"/>
+        <a:ea typeface="+mj-ea"/>
+        <a:cs typeface="+mj-cs"/>
         <a:sym typeface="Helvetica"/>
       </a:defRPr>
     </a:lvl2pPr>
     <a:lvl3pPr algn="ctr" defTabSz="584200">
       <a:defRPr sz="3600">
-        <a:latin typeface="+mn-lt"/>
-        <a:ea typeface="+mn-ea"/>
-        <a:cs typeface="+mn-cs"/>
+        <a:latin typeface="+mj-lt"/>
+        <a:ea typeface="+mj-ea"/>
+        <a:cs typeface="+mj-cs"/>
         <a:sym typeface="Helvetica"/>
       </a:defRPr>
     </a:lvl3pPr>
     <a:lvl4pPr algn="ctr" defTabSz="584200">
       <a:defRPr sz="3600">
-        <a:latin typeface="+mn-lt"/>
-        <a:ea typeface="+mn-ea"/>
-        <a:cs typeface="+mn-cs"/>
+        <a:latin typeface="+mj-lt"/>
+        <a:ea typeface="+mj-ea"/>
+        <a:cs typeface="+mj-cs"/>
         <a:sym typeface="Helvetica"/>
       </a:defRPr>
     </a:lvl4pPr>
     <a:lvl5pPr algn="ctr" defTabSz="584200">
       <a:defRPr sz="3600">
-        <a:latin typeface="+mn-lt"/>
-        <a:ea typeface="+mn-ea"/>
-        <a:cs typeface="+mn-cs"/>
+        <a:latin typeface="+mj-lt"/>
+        <a:ea typeface="+mj-ea"/>
+        <a:cs typeface="+mj-cs"/>
         <a:sym typeface="Helvetica"/>
       </a:defRPr>
     </a:lvl5pPr>
     <a:lvl6pPr algn="ctr" defTabSz="584200">
       <a:defRPr sz="3600">
-        <a:latin typeface="+mn-lt"/>
-        <a:ea typeface="+mn-ea"/>
-        <a:cs typeface="+mn-cs"/>
+        <a:latin typeface="+mj-lt"/>
+        <a:ea typeface="+mj-ea"/>
+        <a:cs typeface="+mj-cs"/>
         <a:sym typeface="Helvetica"/>
       </a:defRPr>
     </a:lvl6pPr>
     <a:lvl7pPr algn="ctr" defTabSz="584200">
       <a:defRPr sz="3600">
-        <a:latin typeface="+mn-lt"/>
-        <a:ea typeface="+mn-ea"/>
-        <a:cs typeface="+mn-cs"/>
+        <a:latin typeface="+mj-lt"/>
+        <a:ea typeface="+mj-ea"/>
+        <a:cs typeface="+mj-cs"/>
         <a:sym typeface="Helvetica"/>
       </a:defRPr>
     </a:lvl7pPr>
     <a:lvl8pPr algn="ctr" defTabSz="584200">
       <a:defRPr sz="3600">
-        <a:latin typeface="+mn-lt"/>
-        <a:ea typeface="+mn-ea"/>
-        <a:cs typeface="+mn-cs"/>
+        <a:latin typeface="+mj-lt"/>
+        <a:ea typeface="+mj-ea"/>
+        <a:cs typeface="+mj-cs"/>
         <a:sym typeface="Helvetica"/>
       </a:defRPr>
     </a:lvl8pPr>
     <a:lvl9pPr algn="ctr" defTabSz="584200">
       <a:defRPr sz="3600">
-        <a:latin typeface="+mn-lt"/>
-        <a:ea typeface="+mn-ea"/>
-        <a:cs typeface="+mn-cs"/>
+        <a:latin typeface="+mj-lt"/>
+        <a:ea typeface="+mj-ea"/>
+        <a:cs typeface="+mj-cs"/>
         <a:sym typeface="Helvetica"/>
       </a:defRPr>
     </a:lvl9pPr>
@@ -192,9 +193,9 @@
         <a:spcPct val="117999"/>
       </a:lnSpc>
       <a:defRPr sz="2200">
-        <a:latin typeface="+mj-lt"/>
-        <a:ea typeface="+mj-ea"/>
-        <a:cs typeface="+mj-cs"/>
+        <a:latin typeface="+mn-lt"/>
+        <a:ea typeface="+mn-ea"/>
+        <a:cs typeface="+mn-cs"/>
         <a:sym typeface="Helvetica Neue"/>
       </a:defRPr>
     </a:lvl1pPr>
@@ -203,9 +204,9 @@
         <a:spcPct val="117999"/>
       </a:lnSpc>
       <a:defRPr sz="2200">
-        <a:latin typeface="+mj-lt"/>
-        <a:ea typeface="+mj-ea"/>
-        <a:cs typeface="+mj-cs"/>
+        <a:latin typeface="+mn-lt"/>
+        <a:ea typeface="+mn-ea"/>
+        <a:cs typeface="+mn-cs"/>
         <a:sym typeface="Helvetica Neue"/>
       </a:defRPr>
     </a:lvl2pPr>
@@ -214,9 +215,9 @@
         <a:spcPct val="117999"/>
       </a:lnSpc>
       <a:defRPr sz="2200">
-        <a:latin typeface="+mj-lt"/>
-        <a:ea typeface="+mj-ea"/>
-        <a:cs typeface="+mj-cs"/>
+        <a:latin typeface="+mn-lt"/>
+        <a:ea typeface="+mn-ea"/>
+        <a:cs typeface="+mn-cs"/>
         <a:sym typeface="Helvetica Neue"/>
       </a:defRPr>
     </a:lvl3pPr>
@@ -225,9 +226,9 @@
         <a:spcPct val="117999"/>
       </a:lnSpc>
       <a:defRPr sz="2200">
-        <a:latin typeface="+mj-lt"/>
-        <a:ea typeface="+mj-ea"/>
-        <a:cs typeface="+mj-cs"/>
+        <a:latin typeface="+mn-lt"/>
+        <a:ea typeface="+mn-ea"/>
+        <a:cs typeface="+mn-cs"/>
         <a:sym typeface="Helvetica Neue"/>
       </a:defRPr>
     </a:lvl4pPr>
@@ -236,9 +237,9 @@
         <a:spcPct val="117999"/>
       </a:lnSpc>
       <a:defRPr sz="2200">
-        <a:latin typeface="+mj-lt"/>
-        <a:ea typeface="+mj-ea"/>
-        <a:cs typeface="+mj-cs"/>
+        <a:latin typeface="+mn-lt"/>
+        <a:ea typeface="+mn-ea"/>
+        <a:cs typeface="+mn-cs"/>
         <a:sym typeface="Helvetica Neue"/>
       </a:defRPr>
     </a:lvl5pPr>
@@ -247,9 +248,9 @@
         <a:spcPct val="117999"/>
       </a:lnSpc>
       <a:defRPr sz="2200">
-        <a:latin typeface="+mj-lt"/>
-        <a:ea typeface="+mj-ea"/>
-        <a:cs typeface="+mj-cs"/>
+        <a:latin typeface="+mn-lt"/>
+        <a:ea typeface="+mn-ea"/>
+        <a:cs typeface="+mn-cs"/>
         <a:sym typeface="Helvetica Neue"/>
       </a:defRPr>
     </a:lvl6pPr>
@@ -258,9 +259,9 @@
         <a:spcPct val="117999"/>
       </a:lnSpc>
       <a:defRPr sz="2200">
-        <a:latin typeface="+mj-lt"/>
-        <a:ea typeface="+mj-ea"/>
-        <a:cs typeface="+mj-cs"/>
+        <a:latin typeface="+mn-lt"/>
+        <a:ea typeface="+mn-ea"/>
+        <a:cs typeface="+mn-cs"/>
         <a:sym typeface="Helvetica Neue"/>
       </a:defRPr>
     </a:lvl7pPr>
@@ -269,9 +270,9 @@
         <a:spcPct val="117999"/>
       </a:lnSpc>
       <a:defRPr sz="2200">
-        <a:latin typeface="+mj-lt"/>
-        <a:ea typeface="+mj-ea"/>
-        <a:cs typeface="+mj-cs"/>
+        <a:latin typeface="+mn-lt"/>
+        <a:ea typeface="+mn-ea"/>
+        <a:cs typeface="+mn-cs"/>
         <a:sym typeface="Helvetica Neue"/>
       </a:defRPr>
     </a:lvl8pPr>
@@ -280,9 +281,9 @@
         <a:spcPct val="117999"/>
       </a:lnSpc>
       <a:defRPr sz="2200">
-        <a:latin typeface="+mj-lt"/>
-        <a:ea typeface="+mj-ea"/>
-        <a:cs typeface="+mj-cs"/>
+        <a:latin typeface="+mn-lt"/>
+        <a:ea typeface="+mn-ea"/>
+        <a:cs typeface="+mn-cs"/>
         <a:sym typeface="Helvetica Neue"/>
       </a:defRPr>
     </a:lvl9pPr>
@@ -358,7 +359,7 @@
         <p:txBody>
           <a:bodyPr anchor="t"/>
           <a:lstStyle>
-            <a:lvl1pPr marL="0" indent="0" algn="ctr">
+            <a:lvl1pPr marL="0" indent="0" defTabSz="418072">
               <a:spcBef>
                 <a:spcPts val="0"/>
               </a:spcBef>
@@ -366,7 +367,7 @@
               <a:buNone/>
               <a:defRPr sz="3200"/>
             </a:lvl1pPr>
-            <a:lvl2pPr marL="0" indent="0" algn="ctr">
+            <a:lvl2pPr marL="0" indent="0" defTabSz="418072">
               <a:spcBef>
                 <a:spcPts val="0"/>
               </a:spcBef>
@@ -374,7 +375,7 @@
               <a:buNone/>
               <a:defRPr sz="3200"/>
             </a:lvl2pPr>
-            <a:lvl3pPr marL="0" indent="0" algn="ctr">
+            <a:lvl3pPr marL="0" indent="0" defTabSz="418072">
               <a:spcBef>
                 <a:spcPts val="0"/>
               </a:spcBef>
@@ -382,7 +383,7 @@
               <a:buNone/>
               <a:defRPr sz="3200"/>
             </a:lvl3pPr>
-            <a:lvl4pPr marL="0" indent="0" algn="ctr">
+            <a:lvl4pPr marL="0" indent="0" defTabSz="418072">
               <a:spcBef>
                 <a:spcPts val="0"/>
               </a:spcBef>
@@ -390,7 +391,7 @@
               <a:buNone/>
               <a:defRPr sz="3200"/>
             </a:lvl4pPr>
-            <a:lvl5pPr marL="0" indent="0" algn="ctr">
+            <a:lvl5pPr marL="0" indent="0" defTabSz="418072">
               <a:spcBef>
                 <a:spcPts val="0"/>
               </a:spcBef>
@@ -605,7 +606,7 @@
         <p:txBody>
           <a:bodyPr anchor="t"/>
           <a:lstStyle>
-            <a:lvl1pPr marL="0" indent="0" algn="ctr">
+            <a:lvl1pPr marL="0" indent="0" defTabSz="418072">
               <a:spcBef>
                 <a:spcPts val="0"/>
               </a:spcBef>
@@ -613,7 +614,7 @@
               <a:buNone/>
               <a:defRPr sz="3200"/>
             </a:lvl1pPr>
-            <a:lvl2pPr marL="0" indent="0" algn="ctr">
+            <a:lvl2pPr marL="0" indent="0" defTabSz="418072">
               <a:spcBef>
                 <a:spcPts val="0"/>
               </a:spcBef>
@@ -621,7 +622,7 @@
               <a:buNone/>
               <a:defRPr sz="3200"/>
             </a:lvl2pPr>
-            <a:lvl3pPr marL="0" indent="0" algn="ctr">
+            <a:lvl3pPr marL="0" indent="0" defTabSz="418072">
               <a:spcBef>
                 <a:spcPts val="0"/>
               </a:spcBef>
@@ -629,7 +630,7 @@
               <a:buNone/>
               <a:defRPr sz="3200"/>
             </a:lvl3pPr>
-            <a:lvl4pPr marL="0" indent="0" algn="ctr">
+            <a:lvl4pPr marL="0" indent="0" defTabSz="418072">
               <a:spcBef>
                 <a:spcPts val="0"/>
               </a:spcBef>
@@ -637,7 +638,7 @@
               <a:buNone/>
               <a:defRPr sz="3200"/>
             </a:lvl4pPr>
-            <a:lvl5pPr marL="0" indent="0" algn="ctr">
+            <a:lvl5pPr marL="0" indent="0" defTabSz="418072">
               <a:spcBef>
                 <a:spcPts val="0"/>
               </a:spcBef>
@@ -800,8 +801,8 @@
         <p:txBody>
           <a:bodyPr anchor="b"/>
           <a:lstStyle>
-            <a:lvl1pPr>
-              <a:defRPr sz="6000"/>
+            <a:lvl1pPr algn="l">
+              <a:defRPr sz="3000"/>
             </a:lvl1pPr>
           </a:lstStyle>
           <a:p>
@@ -809,7 +810,7 @@
               <a:defRPr sz="1800"/>
             </a:pPr>
             <a:r>
-              <a:rPr sz="6000"/>
+              <a:rPr sz="3000"/>
               <a:t>Title Text</a:t>
             </a:r>
           </a:p>
@@ -835,7 +836,7 @@
         <p:txBody>
           <a:bodyPr anchor="t"/>
           <a:lstStyle>
-            <a:lvl1pPr marL="0" indent="0" algn="ctr">
+            <a:lvl1pPr marL="0" indent="0" defTabSz="418072">
               <a:spcBef>
                 <a:spcPts val="0"/>
               </a:spcBef>
@@ -843,7 +844,7 @@
               <a:buNone/>
               <a:defRPr sz="3200"/>
             </a:lvl1pPr>
-            <a:lvl2pPr marL="0" indent="0" algn="ctr">
+            <a:lvl2pPr marL="0" indent="0" defTabSz="418072">
               <a:spcBef>
                 <a:spcPts val="0"/>
               </a:spcBef>
@@ -851,7 +852,7 @@
               <a:buNone/>
               <a:defRPr sz="3200"/>
             </a:lvl2pPr>
-            <a:lvl3pPr marL="0" indent="0" algn="ctr">
+            <a:lvl3pPr marL="0" indent="0" defTabSz="418072">
               <a:spcBef>
                 <a:spcPts val="0"/>
               </a:spcBef>
@@ -859,7 +860,7 @@
               <a:buNone/>
               <a:defRPr sz="3200"/>
             </a:lvl3pPr>
-            <a:lvl4pPr marL="0" indent="0" algn="ctr">
+            <a:lvl4pPr marL="0" indent="0" defTabSz="418072">
               <a:spcBef>
                 <a:spcPts val="0"/>
               </a:spcBef>
@@ -867,7 +868,7 @@
               <a:buNone/>
               <a:defRPr sz="3200"/>
             </a:lvl4pPr>
-            <a:lvl5pPr marL="0" indent="0" algn="ctr">
+            <a:lvl5pPr marL="0" indent="0" defTabSz="418072">
               <a:spcBef>
                 <a:spcPts val="0"/>
               </a:spcBef>
@@ -963,8 +964,8 @@
         </p:nvSpPr>
         <p:spPr>
           <a:xfrm>
-            <a:off x="952500" y="426"/>
-            <a:ext cx="11099800" cy="3047148"/>
+            <a:off x="952500" y="53"/>
+            <a:ext cx="11099800" cy="3047894"/>
           </a:xfrm>
           <a:prstGeom prst="rect">
             <a:avLst/>
@@ -1758,7 +1759,7 @@
           <a:latin typeface="+mn-lt"/>
           <a:ea typeface="+mn-ea"/>
           <a:cs typeface="+mn-cs"/>
-          <a:sym typeface="Helvetica Neue"/>
+          <a:sym typeface="Helvetica"/>
         </a:defRPr>
       </a:lvl1pPr>
       <a:lvl2pPr algn="r" defTabSz="584200">
@@ -1769,7 +1770,7 @@
           <a:latin typeface="+mn-lt"/>
           <a:ea typeface="+mn-ea"/>
           <a:cs typeface="+mn-cs"/>
-          <a:sym typeface="Helvetica Neue"/>
+          <a:sym typeface="Helvetica"/>
         </a:defRPr>
       </a:lvl2pPr>
       <a:lvl3pPr algn="r" defTabSz="584200">
@@ -1780,7 +1781,7 @@
           <a:latin typeface="+mn-lt"/>
           <a:ea typeface="+mn-ea"/>
           <a:cs typeface="+mn-cs"/>
-          <a:sym typeface="Helvetica Neue"/>
+          <a:sym typeface="Helvetica"/>
         </a:defRPr>
       </a:lvl3pPr>
       <a:lvl4pPr algn="r" defTabSz="584200">
@@ -1791,7 +1792,7 @@
           <a:latin typeface="+mn-lt"/>
           <a:ea typeface="+mn-ea"/>
           <a:cs typeface="+mn-cs"/>
-          <a:sym typeface="Helvetica Neue"/>
+          <a:sym typeface="Helvetica"/>
         </a:defRPr>
       </a:lvl4pPr>
       <a:lvl5pPr algn="r" defTabSz="584200">
@@ -1802,7 +1803,7 @@
           <a:latin typeface="+mn-lt"/>
           <a:ea typeface="+mn-ea"/>
           <a:cs typeface="+mn-cs"/>
-          <a:sym typeface="Helvetica Neue"/>
+          <a:sym typeface="Helvetica"/>
         </a:defRPr>
       </a:lvl5pPr>
       <a:lvl6pPr algn="r" defTabSz="584200">
@@ -1813,7 +1814,7 @@
           <a:latin typeface="+mn-lt"/>
           <a:ea typeface="+mn-ea"/>
           <a:cs typeface="+mn-cs"/>
-          <a:sym typeface="Helvetica Neue"/>
+          <a:sym typeface="Helvetica"/>
         </a:defRPr>
       </a:lvl6pPr>
       <a:lvl7pPr algn="r" defTabSz="584200">
@@ -1824,7 +1825,7 @@
           <a:latin typeface="+mn-lt"/>
           <a:ea typeface="+mn-ea"/>
           <a:cs typeface="+mn-cs"/>
-          <a:sym typeface="Helvetica Neue"/>
+          <a:sym typeface="Helvetica"/>
         </a:defRPr>
       </a:lvl7pPr>
       <a:lvl8pPr algn="r" defTabSz="584200">
@@ -1835,7 +1836,7 @@
           <a:latin typeface="+mn-lt"/>
           <a:ea typeface="+mn-ea"/>
           <a:cs typeface="+mn-cs"/>
-          <a:sym typeface="Helvetica Neue"/>
+          <a:sym typeface="Helvetica"/>
         </a:defRPr>
       </a:lvl8pPr>
       <a:lvl9pPr algn="r" defTabSz="584200">
@@ -1846,7 +1847,7 @@
           <a:latin typeface="+mn-lt"/>
           <a:ea typeface="+mn-ea"/>
           <a:cs typeface="+mn-cs"/>
-          <a:sym typeface="Helvetica Neue"/>
+          <a:sym typeface="Helvetica"/>
         </a:defRPr>
       </a:lvl9pPr>
     </p:otherStyle>
@@ -1940,7 +1941,7 @@
         </p:nvSpPr>
         <p:spPr>
           <a:xfrm>
-            <a:off x="3842258" y="749296"/>
+            <a:off x="3842258" y="749295"/>
             <a:ext cx="5320285" cy="1219201"/>
           </a:xfrm>
           <a:prstGeom prst="rect">
@@ -2041,7 +2042,7 @@
         </p:nvSpPr>
         <p:spPr>
           <a:xfrm>
-            <a:off x="5620765" y="749296"/>
+            <a:off x="5620765" y="749295"/>
             <a:ext cx="1763269" cy="1219201"/>
           </a:xfrm>
           <a:prstGeom prst="rect">
@@ -2142,7 +2143,7 @@
         </p:nvSpPr>
         <p:spPr>
           <a:xfrm>
-            <a:off x="4011929" y="749296"/>
+            <a:off x="4011929" y="749295"/>
             <a:ext cx="4980941" cy="1219201"/>
           </a:xfrm>
           <a:prstGeom prst="rect">
@@ -2184,7 +2185,7 @@
       </p:sp>
       <p:pic>
         <p:nvPicPr>
-          <p:cNvPr id="61" name="image4.jpeg"/>
+          <p:cNvPr id="61" name="LabAdminDA.jpg"/>
           <p:cNvPicPr/>
           <p:nvPr/>
         </p:nvPicPr>
@@ -2198,8 +2199,8 @@
         </p:blipFill>
         <p:spPr>
           <a:xfrm>
-            <a:off x="-311150" y="2328638"/>
-            <a:ext cx="9110093" cy="5096324"/>
+            <a:off x="-382142" y="2249399"/>
+            <a:ext cx="9444907" cy="5254802"/>
           </a:xfrm>
           <a:prstGeom prst="rect">
             <a:avLst/>
@@ -2243,7 +2244,7 @@
         </p:nvSpPr>
         <p:spPr>
           <a:xfrm>
-            <a:off x="3820414" y="698495"/>
+            <a:off x="3820414" y="698493"/>
             <a:ext cx="5363973" cy="1320801"/>
           </a:xfrm>
           <a:prstGeom prst="rect">
@@ -2285,7 +2286,7 @@
       </p:sp>
       <p:pic>
         <p:nvPicPr>
-          <p:cNvPr id="64" name="image1.tif"/>
+          <p:cNvPr id="64" name="ComplainerDA.jpg"/>
           <p:cNvPicPr/>
           <p:nvPr/>
         </p:nvPicPr>
@@ -2299,8 +2300,8 @@
         </p:blipFill>
         <p:spPr>
           <a:xfrm>
-            <a:off x="1060450" y="2832100"/>
-            <a:ext cx="8659101" cy="4089400"/>
+            <a:off x="511621" y="2209800"/>
+            <a:ext cx="9588501" cy="5334000"/>
           </a:xfrm>
           <a:prstGeom prst="rect">
             <a:avLst/>
@@ -2344,7 +2345,7 @@
         </p:nvSpPr>
         <p:spPr>
           <a:xfrm>
-            <a:off x="4181601" y="749296"/>
+            <a:off x="4181601" y="749295"/>
             <a:ext cx="4641597" cy="1219201"/>
           </a:xfrm>
           <a:prstGeom prst="rect">
@@ -2386,7 +2387,7 @@
       </p:sp>
       <p:pic>
         <p:nvPicPr>
-          <p:cNvPr id="67" name="image5.jpeg"/>
+          <p:cNvPr id="67" name="ComplaintDA.jpg"/>
           <p:cNvPicPr/>
           <p:nvPr/>
         </p:nvPicPr>
@@ -2400,8 +2401,8 @@
         </p:blipFill>
         <p:spPr>
           <a:xfrm>
-            <a:off x="825500" y="2253314"/>
-            <a:ext cx="9041380" cy="5246972"/>
+            <a:off x="738385" y="2139801"/>
+            <a:ext cx="9645844" cy="5860031"/>
           </a:xfrm>
           <a:prstGeom prst="rect">
             <a:avLst/>
@@ -2445,7 +2446,7 @@
         </p:nvSpPr>
         <p:spPr>
           <a:xfrm>
-            <a:off x="3870702" y="749296"/>
+            <a:off x="3870701" y="749295"/>
             <a:ext cx="5263389" cy="1219201"/>
           </a:xfrm>
           <a:prstGeom prst="rect">
@@ -2487,7 +2488,7 @@
       </p:sp>
       <p:pic>
         <p:nvPicPr>
-          <p:cNvPr id="70" name="image6.jpeg"/>
+          <p:cNvPr id="70" name="DataModel.jpg"/>
           <p:cNvPicPr/>
           <p:nvPr/>
         </p:nvPicPr>
@@ -2501,8 +2502,8 @@
         </p:blipFill>
         <p:spPr>
           <a:xfrm>
-            <a:off x="-1727288" y="2012950"/>
-            <a:ext cx="14909977" cy="6428334"/>
+            <a:off x="-321469" y="2052637"/>
+            <a:ext cx="12573001" cy="6083301"/>
           </a:xfrm>
           <a:prstGeom prst="rect">
             <a:avLst/>
@@ -2546,7 +2547,7 @@
         </p:nvSpPr>
         <p:spPr>
           <a:xfrm>
-            <a:off x="4294378" y="749296"/>
+            <a:off x="4294378" y="749295"/>
             <a:ext cx="4416045" cy="1219201"/>
           </a:xfrm>
           <a:prstGeom prst="rect">
@@ -2588,7 +2589,7 @@
       </p:sp>
       <p:pic>
         <p:nvPicPr>
-          <p:cNvPr id="73" name="image7.jpeg"/>
+          <p:cNvPr id="73" name="ER.jpg"/>
           <p:cNvPicPr/>
           <p:nvPr/>
         </p:nvPicPr>
@@ -2602,8 +2603,8 @@
         </p:blipFill>
         <p:spPr>
           <a:xfrm>
-            <a:off x="-1038722" y="2231008"/>
-            <a:ext cx="14288147" cy="6891784"/>
+            <a:off x="-278160" y="2472818"/>
+            <a:ext cx="13004801" cy="6317578"/>
           </a:xfrm>
           <a:prstGeom prst="rect">
             <a:avLst/>
@@ -2717,7 +2718,7 @@
           <a:bodyPr/>
           <a:lstStyle/>
           <a:p>
-            <a:pPr lvl="0" algn="l">
+            <a:pPr lvl="0">
               <a:defRPr sz="1800"/>
             </a:pPr>
             <a:r>
@@ -2727,7 +2728,7 @@
             <a:endParaRPr sz="4200"/>
           </a:p>
           <a:p>
-            <a:pPr lvl="0" algn="l">
+            <a:pPr lvl="0">
               <a:defRPr sz="1800"/>
             </a:pPr>
             <a:r>
@@ -2744,8 +2745,8 @@
           <p:nvPr/>
         </p:nvGraphicFramePr>
         <p:xfrm>
-          <a:off x="673539" y="1494651"/>
-          <a:ext cx="11670422" cy="7885140"/>
+          <a:off x="667189" y="1342251"/>
+          <a:ext cx="11670423" cy="7846561"/>
         </p:xfrm>
         <a:graphic xmlns:a="http://schemas.openxmlformats.org/drawingml/2006/main">
           <a:graphicData uri="http://schemas.openxmlformats.org/drawingml/2006/table">
@@ -2759,7 +2760,7 @@
                 <a:gridCol w="2442641"/>
                 <a:gridCol w="4229758"/>
               </a:tblGrid>
-              <a:tr h="940768">
+              <a:tr h="495300">
                 <a:tc>
                   <a:txBody>
                     <a:bodyPr/>
@@ -2977,20 +2978,17 @@
                   </a:tcPr>
                 </a:tc>
               </a:tr>
-              <a:tr h="940768">
-                <a:tc>
-                  <a:txBody>
-                    <a:bodyPr/>
-                    <a:lstStyle/>
-                    <a:p>
-                      <a:pPr lvl="0" algn="ctr" defTabSz="914400">
-                        <a:defRPr b="0" i="0" sz="1800"/>
-                      </a:pPr>
-                      <a:r>
-                        <a:rPr sz="2600">
-                          <a:latin typeface="Helvetica Light"/>
-                          <a:ea typeface="Helvetica Light"/>
-                          <a:cs typeface="Helvetica Light"/>
+              <a:tr h="756236">
+                <a:tc>
+                  <a:txBody>
+                    <a:bodyPr/>
+                    <a:lstStyle/>
+                    <a:p>
+                      <a:pPr lvl="0" algn="ctr" defTabSz="914400">
+                        <a:defRPr sz="1800"/>
+                      </a:pPr>
+                      <a:r>
+                        <a:rPr sz="2600">
                           <a:sym typeface="Helvetica Light"/>
                         </a:rPr>
                         <a:t>Title</a:t>
@@ -3018,13 +3016,10 @@
                     <a:lstStyle/>
                     <a:p>
                       <a:pPr lvl="0" algn="ctr" defTabSz="914400">
-                        <a:defRPr b="0" i="0" sz="1800"/>
-                      </a:pPr>
-                      <a:r>
-                        <a:rPr sz="2600">
-                          <a:latin typeface="Helvetica Light"/>
-                          <a:ea typeface="Helvetica Light"/>
-                          <a:cs typeface="Helvetica Light"/>
+                        <a:defRPr sz="1800"/>
+                      </a:pPr>
+                      <a:r>
+                        <a:rPr sz="2600">
                           <a:sym typeface="Helvetica Light"/>
                         </a:rPr>
                         <a:t>varchar(200)</a:t>
@@ -3052,13 +3047,10 @@
                     <a:lstStyle/>
                     <a:p>
                       <a:pPr lvl="0" algn="ctr" defTabSz="914400">
-                        <a:defRPr b="0" i="0" sz="1800"/>
-                      </a:pPr>
-                      <a:r>
-                        <a:rPr sz="2600">
-                          <a:latin typeface="Helvetica Light"/>
-                          <a:ea typeface="Helvetica Light"/>
-                          <a:cs typeface="Helvetica Light"/>
+                        <a:defRPr sz="1800"/>
+                      </a:pPr>
+                      <a:r>
+                        <a:rPr sz="2600">
                           <a:sym typeface="Helvetica Light"/>
                         </a:rPr>
                         <a:t>NOT NULL</a:t>
@@ -3086,13 +3078,10 @@
                     <a:lstStyle/>
                     <a:p>
                       <a:pPr lvl="0" algn="ctr" defTabSz="914400">
-                        <a:defRPr b="0" i="0" sz="1800"/>
-                      </a:pPr>
-                      <a:r>
-                        <a:rPr sz="2600">
-                          <a:latin typeface="Helvetica Light"/>
-                          <a:ea typeface="Helvetica Light"/>
-                          <a:cs typeface="Helvetica Light"/>
+                        <a:defRPr sz="1800"/>
+                      </a:pPr>
+                      <a:r>
+                        <a:rPr sz="2600">
                           <a:sym typeface="Helvetica Light"/>
                         </a:rPr>
                         <a:t>Brief description of the complaint</a:t>
@@ -3115,20 +3104,17 @@
                   </a:tcPr>
                 </a:tc>
               </a:tr>
-              <a:tr h="940768">
-                <a:tc>
-                  <a:txBody>
-                    <a:bodyPr/>
-                    <a:lstStyle/>
-                    <a:p>
-                      <a:pPr lvl="0" algn="ctr" defTabSz="914400">
-                        <a:defRPr b="0" i="0" sz="1800"/>
-                      </a:pPr>
-                      <a:r>
-                        <a:rPr sz="2600">
-                          <a:latin typeface="Helvetica Light"/>
-                          <a:ea typeface="Helvetica Light"/>
-                          <a:cs typeface="Helvetica Light"/>
+              <a:tr h="756236">
+                <a:tc>
+                  <a:txBody>
+                    <a:bodyPr/>
+                    <a:lstStyle/>
+                    <a:p>
+                      <a:pPr lvl="0" algn="ctr" defTabSz="914400">
+                        <a:defRPr sz="1800"/>
+                      </a:pPr>
+                      <a:r>
+                        <a:rPr sz="2600">
                           <a:sym typeface="Helvetica Light"/>
                         </a:rPr>
                         <a:t>Complaint_ID</a:t>
@@ -3156,13 +3142,10 @@
                     <a:lstStyle/>
                     <a:p>
                       <a:pPr lvl="0" algn="ctr" defTabSz="914400">
-                        <a:defRPr b="0" i="0" sz="1800"/>
-                      </a:pPr>
-                      <a:r>
-                        <a:rPr sz="2600">
-                          <a:latin typeface="Helvetica Light"/>
-                          <a:ea typeface="Helvetica Light"/>
-                          <a:cs typeface="Helvetica Light"/>
+                        <a:defRPr sz="1800"/>
+                      </a:pPr>
+                      <a:r>
+                        <a:rPr sz="2600">
                           <a:sym typeface="Helvetica Light"/>
                         </a:rPr>
                         <a:t>INT</a:t>
@@ -3190,33 +3173,24 @@
                     <a:lstStyle/>
                     <a:p>
                       <a:pPr lvl="0" algn="ctr" defTabSz="914400">
-                        <a:defRPr b="0" i="0" sz="1800"/>
-                      </a:pPr>
-                      <a:r>
-                        <a:rPr sz="2600">
-                          <a:latin typeface="Helvetica Light"/>
-                          <a:ea typeface="Helvetica Light"/>
-                          <a:cs typeface="Helvetica Light"/>
+                        <a:defRPr sz="1800"/>
+                      </a:pPr>
+                      <a:r>
+                        <a:rPr sz="2600">
                           <a:sym typeface="Helvetica Light"/>
                         </a:rPr>
                         <a:t>NOT NULL</a:t>
                       </a:r>
                       <a:endParaRPr sz="2600">
-                        <a:latin typeface="Helvetica Light"/>
-                        <a:ea typeface="Helvetica Light"/>
-                        <a:cs typeface="Helvetica Light"/>
                         <a:sym typeface="Helvetica Light"/>
                       </a:endParaRPr>
                     </a:p>
                     <a:p>
                       <a:pPr lvl="0" algn="ctr" defTabSz="914400">
-                        <a:defRPr b="0" i="0" sz="1800"/>
-                      </a:pPr>
-                      <a:r>
-                        <a:rPr sz="2600">
-                          <a:latin typeface="Helvetica Light"/>
-                          <a:ea typeface="Helvetica Light"/>
-                          <a:cs typeface="Helvetica Light"/>
+                        <a:defRPr sz="1800"/>
+                      </a:pPr>
+                      <a:r>
+                        <a:rPr sz="2600">
                           <a:sym typeface="Helvetica Light"/>
                         </a:rPr>
                         <a:t>UNIQUE</a:t>
@@ -3244,11 +3218,11 @@
                     <a:lstStyle/>
                     <a:p>
                       <a:pPr lvl="0" algn="ctr" defTabSz="914400">
-                        <a:defRPr b="0" i="0" sz="1800"/>
+                        <a:defRPr sz="1800"/>
                       </a:pPr>
                       <a:r>
                         <a:rPr>
-                          <a:sym typeface="Helvetica"/>
+                          <a:sym typeface="Helvetica Light"/>
                         </a:rPr>
                         <a:t/>
                       </a:r>
@@ -3270,20 +3244,17 @@
                   </a:tcPr>
                 </a:tc>
               </a:tr>
-              <a:tr h="940768">
-                <a:tc>
-                  <a:txBody>
-                    <a:bodyPr/>
-                    <a:lstStyle/>
-                    <a:p>
-                      <a:pPr lvl="0" algn="ctr" defTabSz="914400">
-                        <a:defRPr b="0" i="0" sz="1800"/>
-                      </a:pPr>
-                      <a:r>
-                        <a:rPr sz="2600">
-                          <a:latin typeface="Helvetica Light"/>
-                          <a:ea typeface="Helvetica Light"/>
-                          <a:cs typeface="Helvetica Light"/>
+              <a:tr h="756236">
+                <a:tc>
+                  <a:txBody>
+                    <a:bodyPr/>
+                    <a:lstStyle/>
+                    <a:p>
+                      <a:pPr lvl="0" algn="ctr" defTabSz="914400">
+                        <a:defRPr sz="1800"/>
+                      </a:pPr>
+                      <a:r>
+                        <a:rPr sz="2600">
                           <a:sym typeface="Helvetica Light"/>
                         </a:rPr>
                         <a:t>Date_of_complaint</a:t>
@@ -3311,13 +3282,10 @@
                     <a:lstStyle/>
                     <a:p>
                       <a:pPr lvl="0" algn="ctr" defTabSz="914400">
-                        <a:defRPr b="0" i="0" sz="1800"/>
-                      </a:pPr>
-                      <a:r>
-                        <a:rPr sz="2600">
-                          <a:latin typeface="Helvetica Light"/>
-                          <a:ea typeface="Helvetica Light"/>
-                          <a:cs typeface="Helvetica Light"/>
+                        <a:defRPr sz="1800"/>
+                      </a:pPr>
+                      <a:r>
+                        <a:rPr sz="2600">
                           <a:sym typeface="Helvetica Light"/>
                         </a:rPr>
                         <a:t>DATE</a:t>
@@ -3345,13 +3313,10 @@
                     <a:lstStyle/>
                     <a:p>
                       <a:pPr lvl="0" algn="ctr" defTabSz="914400">
-                        <a:defRPr b="0" i="0" sz="1800"/>
-                      </a:pPr>
-                      <a:r>
-                        <a:rPr sz="2600">
-                          <a:latin typeface="Helvetica Light"/>
-                          <a:ea typeface="Helvetica Light"/>
-                          <a:cs typeface="Helvetica Light"/>
+                        <a:defRPr sz="1800"/>
+                      </a:pPr>
+                      <a:r>
+                        <a:rPr sz="2600">
                           <a:sym typeface="Helvetica Light"/>
                         </a:rPr>
                         <a:t>NOT NULL</a:t>
@@ -3379,13 +3344,10 @@
                     <a:lstStyle/>
                     <a:p>
                       <a:pPr lvl="0" algn="ctr" defTabSz="914400">
-                        <a:defRPr b="0" i="0" sz="1800"/>
-                      </a:pPr>
-                      <a:r>
-                        <a:rPr sz="2600">
-                          <a:latin typeface="Helvetica Light"/>
-                          <a:ea typeface="Helvetica Light"/>
-                          <a:cs typeface="Helvetica Light"/>
+                        <a:defRPr sz="1800"/>
+                      </a:pPr>
+                      <a:r>
+                        <a:rPr sz="2600">
                           <a:sym typeface="Helvetica Light"/>
                         </a:rPr>
                         <a:t>Date when the complaint was lodged</a:t>
@@ -3408,20 +3370,17 @@
                   </a:tcPr>
                 </a:tc>
               </a:tr>
-              <a:tr h="1257232">
-                <a:tc>
-                  <a:txBody>
-                    <a:bodyPr/>
-                    <a:lstStyle/>
-                    <a:p>
-                      <a:pPr lvl="0" algn="ctr" defTabSz="914400">
-                        <a:defRPr b="0" i="0" sz="1800"/>
-                      </a:pPr>
-                      <a:r>
-                        <a:rPr sz="2600">
-                          <a:latin typeface="Helvetica Light"/>
-                          <a:ea typeface="Helvetica Light"/>
-                          <a:cs typeface="Helvetica Light"/>
+              <a:tr h="1178803">
+                <a:tc>
+                  <a:txBody>
+                    <a:bodyPr/>
+                    <a:lstStyle/>
+                    <a:p>
+                      <a:pPr lvl="0" algn="ctr" defTabSz="914400">
+                        <a:defRPr sz="1800"/>
+                      </a:pPr>
+                      <a:r>
+                        <a:rPr sz="2600">
                           <a:sym typeface="Helvetica Light"/>
                         </a:rPr>
                         <a:t>Status</a:t>
@@ -3449,13 +3408,10 @@
                     <a:lstStyle/>
                     <a:p>
                       <a:pPr lvl="0" algn="ctr" defTabSz="914400">
-                        <a:defRPr b="0" i="0" sz="1800"/>
-                      </a:pPr>
-                      <a:r>
-                        <a:rPr sz="2600">
-                          <a:latin typeface="Helvetica Light"/>
-                          <a:ea typeface="Helvetica Light"/>
-                          <a:cs typeface="Helvetica Light"/>
+                        <a:defRPr sz="1800"/>
+                      </a:pPr>
+                      <a:r>
+                        <a:rPr sz="2600">
                           <a:sym typeface="Helvetica Light"/>
                         </a:rPr>
                         <a:t>INT</a:t>
@@ -3483,13 +3439,10 @@
                     <a:lstStyle/>
                     <a:p>
                       <a:pPr lvl="0" algn="ctr" defTabSz="914400">
-                        <a:defRPr b="0" i="0" sz="1800"/>
-                      </a:pPr>
-                      <a:r>
-                        <a:rPr sz="2600">
-                          <a:latin typeface="Helvetica Light"/>
-                          <a:ea typeface="Helvetica Light"/>
-                          <a:cs typeface="Helvetica Light"/>
+                        <a:defRPr sz="1800"/>
+                      </a:pPr>
+                      <a:r>
+                        <a:rPr sz="2600">
                           <a:sym typeface="Helvetica Light"/>
                         </a:rPr>
                         <a:t>NOT NULL</a:t>
@@ -3517,53 +3470,38 @@
                     <a:lstStyle/>
                     <a:p>
                       <a:pPr lvl="0" algn="l" defTabSz="914400">
-                        <a:defRPr b="0" i="0" sz="1800"/>
-                      </a:pPr>
-                      <a:r>
-                        <a:rPr sz="2600">
-                          <a:latin typeface="Helvetica Light"/>
-                          <a:ea typeface="Helvetica Light"/>
-                          <a:cs typeface="Helvetica Light"/>
+                        <a:defRPr sz="1800"/>
+                      </a:pPr>
+                      <a:r>
+                        <a:rPr sz="2600">
                           <a:sym typeface="Helvetica Light"/>
                         </a:rPr>
                         <a:t>0-waiting for approval</a:t>
                       </a:r>
                       <a:endParaRPr sz="2600">
-                        <a:latin typeface="Helvetica Light"/>
-                        <a:ea typeface="Helvetica Light"/>
-                        <a:cs typeface="Helvetica Light"/>
                         <a:sym typeface="Helvetica Light"/>
                       </a:endParaRPr>
                     </a:p>
                     <a:p>
                       <a:pPr lvl="0" algn="l" defTabSz="914400">
-                        <a:defRPr b="0" i="0" sz="1800"/>
-                      </a:pPr>
-                      <a:r>
-                        <a:rPr sz="2600">
-                          <a:latin typeface="Helvetica Light"/>
-                          <a:ea typeface="Helvetica Light"/>
-                          <a:cs typeface="Helvetica Light"/>
+                        <a:defRPr sz="1800"/>
+                      </a:pPr>
+                      <a:r>
+                        <a:rPr sz="2600">
                           <a:sym typeface="Helvetica Light"/>
                         </a:rPr>
                         <a:t>1-approved, unresolved</a:t>
                       </a:r>
                       <a:endParaRPr sz="2600">
-                        <a:latin typeface="Helvetica Light"/>
-                        <a:ea typeface="Helvetica Light"/>
-                        <a:cs typeface="Helvetica Light"/>
                         <a:sym typeface="Helvetica Light"/>
                       </a:endParaRPr>
                     </a:p>
                     <a:p>
                       <a:pPr lvl="0" algn="l" defTabSz="914400">
-                        <a:defRPr b="0" i="0" sz="1800"/>
-                      </a:pPr>
-                      <a:r>
-                        <a:rPr sz="2600">
-                          <a:latin typeface="Helvetica Light"/>
-                          <a:ea typeface="Helvetica Light"/>
-                          <a:cs typeface="Helvetica Light"/>
+                        <a:defRPr sz="1800"/>
+                      </a:pPr>
+                      <a:r>
+                        <a:rPr sz="2600">
                           <a:sym typeface="Helvetica Light"/>
                         </a:rPr>
                         <a:t>2-resolved</a:t>
@@ -3586,20 +3524,17 @@
                   </a:tcPr>
                 </a:tc>
               </a:tr>
-              <a:tr h="940768">
-                <a:tc>
-                  <a:txBody>
-                    <a:bodyPr/>
-                    <a:lstStyle/>
-                    <a:p>
-                      <a:pPr lvl="0" algn="ctr" defTabSz="914400">
-                        <a:defRPr b="0" i="0" sz="1800"/>
-                      </a:pPr>
-                      <a:r>
-                        <a:rPr sz="2600">
-                          <a:latin typeface="Helvetica Light"/>
-                          <a:ea typeface="Helvetica Light"/>
-                          <a:cs typeface="Helvetica Light"/>
+              <a:tr h="810418">
+                <a:tc>
+                  <a:txBody>
+                    <a:bodyPr/>
+                    <a:lstStyle/>
+                    <a:p>
+                      <a:pPr lvl="0" algn="ctr" defTabSz="914400">
+                        <a:defRPr sz="1800"/>
+                      </a:pPr>
+                      <a:r>
+                        <a:rPr sz="2600">
                           <a:sym typeface="Helvetica Light"/>
                         </a:rPr>
                         <a:t>Date_of_Approval</a:t>
@@ -3627,13 +3562,10 @@
                     <a:lstStyle/>
                     <a:p>
                       <a:pPr lvl="0" algn="ctr" defTabSz="914400">
-                        <a:defRPr b="0" i="0" sz="1800"/>
-                      </a:pPr>
-                      <a:r>
-                        <a:rPr sz="2600">
-                          <a:latin typeface="Helvetica Light"/>
-                          <a:ea typeface="Helvetica Light"/>
-                          <a:cs typeface="Helvetica Light"/>
+                        <a:defRPr sz="1800"/>
+                      </a:pPr>
+                      <a:r>
+                        <a:rPr sz="2600">
                           <a:sym typeface="Helvetica Light"/>
                         </a:rPr>
                         <a:t>DATE</a:t>
@@ -3661,13 +3593,10 @@
                     <a:lstStyle/>
                     <a:p>
                       <a:pPr lvl="0" algn="ctr" defTabSz="914400">
-                        <a:defRPr b="0" i="0" sz="1800"/>
-                      </a:pPr>
-                      <a:r>
-                        <a:rPr sz="2600">
-                          <a:latin typeface="Helvetica Light"/>
-                          <a:ea typeface="Helvetica Light"/>
-                          <a:cs typeface="Helvetica Light"/>
+                        <a:defRPr sz="1800"/>
+                      </a:pPr>
+                      <a:r>
+                        <a:rPr sz="2600">
                           <a:sym typeface="Helvetica Light"/>
                         </a:rPr>
                         <a:t>&gt;= date of complaint</a:t>
@@ -3695,13 +3624,10 @@
                     <a:lstStyle/>
                     <a:p>
                       <a:pPr lvl="0" algn="ctr" defTabSz="914400">
-                        <a:defRPr b="0" i="0" sz="1800"/>
-                      </a:pPr>
-                      <a:r>
-                        <a:rPr sz="2600">
-                          <a:latin typeface="Helvetica Light"/>
-                          <a:ea typeface="Helvetica Light"/>
-                          <a:cs typeface="Helvetica Light"/>
+                        <a:defRPr sz="1800"/>
+                      </a:pPr>
+                      <a:r>
+                        <a:rPr sz="2600">
                           <a:sym typeface="Helvetica Light"/>
                         </a:rPr>
                         <a:t>date of approval if the complaint was approved</a:t>
@@ -3724,20 +3650,17 @@
                   </a:tcPr>
                 </a:tc>
               </a:tr>
-              <a:tr h="962029">
-                <a:tc>
-                  <a:txBody>
-                    <a:bodyPr/>
-                    <a:lstStyle/>
-                    <a:p>
-                      <a:pPr lvl="0" algn="ctr" defTabSz="914400">
-                        <a:defRPr b="0" i="0" sz="1800"/>
-                      </a:pPr>
-                      <a:r>
-                        <a:rPr sz="2600">
-                          <a:latin typeface="Helvetica Light"/>
-                          <a:ea typeface="Helvetica Light"/>
-                          <a:cs typeface="Helvetica Light"/>
+              <a:tr h="773328">
+                <a:tc>
+                  <a:txBody>
+                    <a:bodyPr/>
+                    <a:lstStyle/>
+                    <a:p>
+                      <a:pPr lvl="0" algn="ctr" defTabSz="914400">
+                        <a:defRPr sz="1800"/>
+                      </a:pPr>
+                      <a:r>
+                        <a:rPr sz="2600">
                           <a:sym typeface="Helvetica Light"/>
                         </a:rPr>
                         <a:t>Priority</a:t>
@@ -3765,13 +3688,10 @@
                     <a:lstStyle/>
                     <a:p>
                       <a:pPr lvl="0" algn="ctr" defTabSz="914400">
-                        <a:defRPr b="0" i="0" sz="1800"/>
-                      </a:pPr>
-                      <a:r>
-                        <a:rPr sz="2600">
-                          <a:latin typeface="Helvetica Light"/>
-                          <a:ea typeface="Helvetica Light"/>
-                          <a:cs typeface="Helvetica Light"/>
+                        <a:defRPr sz="1800"/>
+                      </a:pPr>
+                      <a:r>
+                        <a:rPr sz="2600">
                           <a:sym typeface="Helvetica Light"/>
                         </a:rPr>
                         <a:t>INT</a:t>
@@ -3799,13 +3719,10 @@
                     <a:lstStyle/>
                     <a:p>
                       <a:pPr lvl="0" algn="ctr" defTabSz="914400">
-                        <a:defRPr b="0" i="0" sz="1800"/>
-                      </a:pPr>
-                      <a:r>
-                        <a:rPr sz="2600">
-                          <a:latin typeface="Helvetica Light"/>
-                          <a:ea typeface="Helvetica Light"/>
-                          <a:cs typeface="Helvetica Light"/>
+                        <a:defRPr sz="1800"/>
+                      </a:pPr>
+                      <a:r>
+                        <a:rPr sz="2600">
                           <a:sym typeface="Helvetica Light"/>
                         </a:rPr>
                         <a:t>NOT NULL</a:t>
@@ -3833,13 +3750,10 @@
                     <a:lstStyle/>
                     <a:p>
                       <a:pPr lvl="0" algn="ctr" defTabSz="914400">
-                        <a:defRPr b="0" i="0" sz="1800"/>
-                      </a:pPr>
-                      <a:r>
-                        <a:rPr sz="2600">
-                          <a:latin typeface="Helvetica Light"/>
-                          <a:ea typeface="Helvetica Light"/>
-                          <a:cs typeface="Helvetica Light"/>
+                        <a:defRPr sz="1800"/>
+                      </a:pPr>
+                      <a:r>
+                        <a:rPr sz="2600">
                           <a:sym typeface="Helvetica Light"/>
                         </a:rPr>
                         <a:t>priority of the complaint assigned by lab admin</a:t>
@@ -3862,20 +3776,17 @@
                   </a:tcPr>
                 </a:tc>
               </a:tr>
-              <a:tr h="962029">
-                <a:tc>
-                  <a:txBody>
-                    <a:bodyPr/>
-                    <a:lstStyle/>
-                    <a:p>
-                      <a:pPr lvl="0" algn="ctr" defTabSz="914400">
-                        <a:defRPr b="0" i="0" sz="1800"/>
-                      </a:pPr>
-                      <a:r>
-                        <a:rPr sz="2600">
-                          <a:latin typeface="Helvetica Light"/>
-                          <a:ea typeface="Helvetica Light"/>
-                          <a:cs typeface="Helvetica Light"/>
+              <a:tr h="773328">
+                <a:tc>
+                  <a:txBody>
+                    <a:bodyPr/>
+                    <a:lstStyle/>
+                    <a:p>
+                      <a:pPr lvl="0" algn="ctr" defTabSz="914400">
+                        <a:defRPr sz="1800"/>
+                      </a:pPr>
+                      <a:r>
+                        <a:rPr sz="2600">
                           <a:sym typeface="Helvetica Light"/>
                         </a:rPr>
                         <a:t>Component_ID</a:t>
@@ -3903,13 +3814,10 @@
                     <a:lstStyle/>
                     <a:p>
                       <a:pPr lvl="0" algn="ctr" defTabSz="914400">
-                        <a:defRPr b="0" i="0" sz="1800"/>
-                      </a:pPr>
-                      <a:r>
-                        <a:rPr sz="2600">
-                          <a:latin typeface="Helvetica Light"/>
-                          <a:ea typeface="Helvetica Light"/>
-                          <a:cs typeface="Helvetica Light"/>
+                        <a:defRPr sz="1800"/>
+                      </a:pPr>
+                      <a:r>
+                        <a:rPr sz="2600">
                           <a:sym typeface="Helvetica Light"/>
                         </a:rPr>
                         <a:t>INT</a:t>
@@ -3937,51 +3845,329 @@
                     <a:lstStyle/>
                     <a:p>
                       <a:pPr lvl="0" algn="ctr" defTabSz="914400">
-                        <a:defRPr b="0" i="0" sz="1800"/>
-                      </a:pPr>
-                      <a:r>
-                        <a:rPr sz="2600">
-                          <a:latin typeface="Helvetica Light"/>
-                          <a:ea typeface="Helvetica Light"/>
-                          <a:cs typeface="Helvetica Light"/>
+                        <a:defRPr sz="1800"/>
+                      </a:pPr>
+                      <a:r>
+                        <a:rPr sz="2600">
+                          <a:sym typeface="Helvetica Light"/>
+                        </a:rPr>
+                        <a:t>NOT NULL</a:t>
+                      </a:r>
+                      <a:endParaRPr sz="2600">
+                        <a:sym typeface="Helvetica Light"/>
+                      </a:endParaRPr>
+                    </a:p>
+                    <a:p>
+                      <a:pPr lvl="0" algn="ctr" defTabSz="914400">
+                        <a:defRPr sz="1800"/>
+                      </a:pPr>
+                      <a:r>
+                        <a:rPr sz="2600">
+                          <a:sym typeface="Helvetica Light"/>
+                        </a:rPr>
+                        <a:t>FOREIGN KEY</a:t>
+                      </a:r>
+                    </a:p>
+                  </a:txBody>
+                  <a:tcPr marL="50800" marR="50800" marT="50800" marB="50800" anchor="ctr" anchorCtr="0" horzOverflow="overflow">
+                    <a:lnL w="12700">
+                      <a:miter lim="400000"/>
+                    </a:lnL>
+                    <a:lnR w="12700">
+                      <a:miter lim="400000"/>
+                    </a:lnR>
+                    <a:lnT w="12700">
+                      <a:miter lim="400000"/>
+                    </a:lnT>
+                    <a:lnB w="12700">
+                      <a:miter lim="400000"/>
+                    </a:lnB>
+                  </a:tcPr>
+                </a:tc>
+                <a:tc>
+                  <a:txBody>
+                    <a:bodyPr/>
+                    <a:lstStyle/>
+                    <a:p>
+                      <a:pPr lvl="0" algn="ctr" defTabSz="914400">
+                        <a:defRPr sz="1800"/>
+                      </a:pPr>
+                      <a:r>
+                        <a:rPr sz="2600">
+                          <a:sym typeface="Helvetica Light"/>
+                        </a:rPr>
+                        <a:t>Component for which the complaint has been lodged</a:t>
+                      </a:r>
+                    </a:p>
+                  </a:txBody>
+                  <a:tcPr marL="50800" marR="50800" marT="50800" marB="50800" anchor="ctr" anchorCtr="0" horzOverflow="overflow">
+                    <a:lnL w="12700">
+                      <a:miter lim="400000"/>
+                    </a:lnL>
+                    <a:lnR w="12700">
+                      <a:miter lim="400000"/>
+                    </a:lnR>
+                    <a:lnT w="12700">
+                      <a:miter lim="400000"/>
+                    </a:lnT>
+                    <a:lnB w="12700">
+                      <a:miter lim="400000"/>
+                    </a:lnB>
+                  </a:tcPr>
+                </a:tc>
+              </a:tr>
+              <a:tr h="773328">
+                <a:tc>
+                  <a:txBody>
+                    <a:bodyPr/>
+                    <a:lstStyle/>
+                    <a:p>
+                      <a:pPr lvl="0" algn="ctr" defTabSz="914400">
+                        <a:defRPr sz="1800"/>
+                      </a:pPr>
+                      <a:r>
+                        <a:rPr sz="2600">
+                          <a:sym typeface="Helvetica Light"/>
+                        </a:rPr>
+                        <a:t>Count</a:t>
+                      </a:r>
+                    </a:p>
+                  </a:txBody>
+                  <a:tcPr marL="50800" marR="50800" marT="50800" marB="50800" anchor="ctr" anchorCtr="0" horzOverflow="overflow">
+                    <a:lnL w="12700">
+                      <a:miter lim="400000"/>
+                    </a:lnL>
+                    <a:lnR w="12700">
+                      <a:miter lim="400000"/>
+                    </a:lnR>
+                    <a:lnT w="12700">
+                      <a:miter lim="400000"/>
+                    </a:lnT>
+                    <a:lnB w="12700">
+                      <a:miter lim="400000"/>
+                    </a:lnB>
+                  </a:tcPr>
+                </a:tc>
+                <a:tc>
+                  <a:txBody>
+                    <a:bodyPr/>
+                    <a:lstStyle/>
+                    <a:p>
+                      <a:pPr lvl="0" algn="ctr" defTabSz="914400">
+                        <a:defRPr sz="1800"/>
+                      </a:pPr>
+                      <a:r>
+                        <a:rPr sz="2600">
+                          <a:sym typeface="Helvetica Light"/>
+                        </a:rPr>
+                        <a:t>INT</a:t>
+                      </a:r>
+                    </a:p>
+                  </a:txBody>
+                  <a:tcPr marL="50800" marR="50800" marT="50800" marB="50800" anchor="ctr" anchorCtr="0" horzOverflow="overflow">
+                    <a:lnL w="12700">
+                      <a:miter lim="400000"/>
+                    </a:lnL>
+                    <a:lnR w="12700">
+                      <a:miter lim="400000"/>
+                    </a:lnR>
+                    <a:lnT w="12700">
+                      <a:miter lim="400000"/>
+                    </a:lnT>
+                    <a:lnB w="12700">
+                      <a:miter lim="400000"/>
+                    </a:lnB>
+                  </a:tcPr>
+                </a:tc>
+                <a:tc>
+                  <a:txBody>
+                    <a:bodyPr/>
+                    <a:lstStyle/>
+                    <a:p>
+                      <a:pPr lvl="0" algn="ctr" defTabSz="914400">
+                        <a:defRPr sz="1800"/>
+                      </a:pPr>
+                      <a:r>
+                        <a:rPr sz="2600">
                           <a:sym typeface="Helvetica Light"/>
                         </a:rPr>
                         <a:t>NOT NULL
-FOREIGN KEY</a:t>
-                      </a:r>
-                    </a:p>
-                  </a:txBody>
-                  <a:tcPr marL="50800" marR="50800" marT="50800" marB="50800" anchor="ctr" anchorCtr="0" horzOverflow="overflow">
-                    <a:lnL w="12700">
-                      <a:miter lim="400000"/>
-                    </a:lnL>
-                    <a:lnR w="12700">
-                      <a:miter lim="400000"/>
-                    </a:lnR>
-                    <a:lnT w="12700">
-                      <a:miter lim="400000"/>
-                    </a:lnT>
-                    <a:lnB w="12700">
-                      <a:miter lim="400000"/>
-                    </a:lnB>
-                  </a:tcPr>
-                </a:tc>
-                <a:tc>
-                  <a:txBody>
-                    <a:bodyPr/>
-                    <a:lstStyle/>
-                    <a:p>
-                      <a:pPr lvl="0" algn="ctr" defTabSz="914400">
-                        <a:defRPr b="0" i="0" sz="1800"/>
-                      </a:pPr>
-                      <a:r>
-                        <a:rPr sz="2600">
-                          <a:latin typeface="Helvetica Light"/>
-                          <a:ea typeface="Helvetica Light"/>
-                          <a:cs typeface="Helvetica Light"/>
-                          <a:sym typeface="Helvetica Light"/>
-                        </a:rPr>
-                        <a:t>Component for which the complaint has been lodged</a:t>
+POSITIVE</a:t>
+                      </a:r>
+                    </a:p>
+                  </a:txBody>
+                  <a:tcPr marL="50800" marR="50800" marT="50800" marB="50800" anchor="ctr" anchorCtr="0" horzOverflow="overflow">
+                    <a:lnL w="12700">
+                      <a:miter lim="400000"/>
+                    </a:lnL>
+                    <a:lnR w="12700">
+                      <a:miter lim="400000"/>
+                    </a:lnR>
+                    <a:lnT w="12700">
+                      <a:miter lim="400000"/>
+                    </a:lnT>
+                    <a:lnB w="12700">
+                      <a:miter lim="400000"/>
+                    </a:lnB>
+                  </a:tcPr>
+                </a:tc>
+                <a:tc>
+                  <a:txBody>
+                    <a:bodyPr/>
+                    <a:lstStyle/>
+                    <a:p>
+                      <a:pPr lvl="0" algn="ctr" defTabSz="914400">
+                        <a:defRPr sz="1800"/>
+                      </a:pPr>
+                      <a:r>
+                        <a:rPr sz="2600">
+                          <a:sym typeface="Helvetica Light"/>
+                        </a:rPr>
+                        <a:t>No of people in favor of the complaint</a:t>
+                      </a:r>
+                    </a:p>
+                  </a:txBody>
+                  <a:tcPr marL="50800" marR="50800" marT="50800" marB="50800" anchor="ctr" anchorCtr="0" horzOverflow="overflow">
+                    <a:lnL w="12700">
+                      <a:miter lim="400000"/>
+                    </a:lnL>
+                    <a:lnR w="12700">
+                      <a:miter lim="400000"/>
+                    </a:lnR>
+                    <a:lnT w="12700">
+                      <a:miter lim="400000"/>
+                    </a:lnT>
+                    <a:lnB w="12700">
+                      <a:miter lim="400000"/>
+                    </a:lnB>
+                  </a:tcPr>
+                </a:tc>
+              </a:tr>
+              <a:tr h="773328">
+                <a:tc>
+                  <a:txBody>
+                    <a:bodyPr/>
+                    <a:lstStyle/>
+                    <a:p>
+                      <a:pPr lvl="0" algn="ctr" defTabSz="914400">
+                        <a:defRPr sz="1800"/>
+                      </a:pPr>
+                      <a:r>
+                        <a:rPr sz="2600">
+                          <a:sym typeface="Helvetica Light"/>
+                        </a:rPr>
+                        <a:t>Type</a:t>
+                      </a:r>
+                    </a:p>
+                  </a:txBody>
+                  <a:tcPr marL="50800" marR="50800" marT="50800" marB="50800" anchor="ctr" anchorCtr="0" horzOverflow="overflow">
+                    <a:lnL w="12700">
+                      <a:miter lim="400000"/>
+                    </a:lnL>
+                    <a:lnR w="12700">
+                      <a:miter lim="400000"/>
+                    </a:lnR>
+                    <a:lnT w="12700">
+                      <a:miter lim="400000"/>
+                    </a:lnT>
+                    <a:lnB w="12700">
+                      <a:miter lim="400000"/>
+                    </a:lnB>
+                  </a:tcPr>
+                </a:tc>
+                <a:tc>
+                  <a:txBody>
+                    <a:bodyPr/>
+                    <a:lstStyle/>
+                    <a:p>
+                      <a:pPr lvl="0" algn="ctr" defTabSz="914400">
+                        <a:defRPr sz="1800"/>
+                      </a:pPr>
+                      <a:r>
+                        <a:rPr sz="2600">
+                          <a:sym typeface="Helvetica Light"/>
+                        </a:rPr>
+                        <a:t>INT</a:t>
+                      </a:r>
+                    </a:p>
+                  </a:txBody>
+                  <a:tcPr marL="50800" marR="50800" marT="50800" marB="50800" anchor="ctr" anchorCtr="0" horzOverflow="overflow">
+                    <a:lnL w="12700">
+                      <a:miter lim="400000"/>
+                    </a:lnL>
+                    <a:lnR w="12700">
+                      <a:miter lim="400000"/>
+                    </a:lnR>
+                    <a:lnT w="12700">
+                      <a:miter lim="400000"/>
+                    </a:lnT>
+                    <a:lnB w="12700">
+                      <a:miter lim="400000"/>
+                    </a:lnB>
+                  </a:tcPr>
+                </a:tc>
+                <a:tc>
+                  <a:txBody>
+                    <a:bodyPr/>
+                    <a:lstStyle/>
+                    <a:p>
+                      <a:pPr lvl="0" algn="ctr" defTabSz="914400">
+                        <a:defRPr sz="1800"/>
+                      </a:pPr>
+                      <a:r>
+                        <a:rPr sz="2600">
+                          <a:sym typeface="Helvetica Light"/>
+                        </a:rPr>
+                        <a:t>NOT NULL</a:t>
+                      </a:r>
+                    </a:p>
+                  </a:txBody>
+                  <a:tcPr marL="50800" marR="50800" marT="50800" marB="50800" anchor="ctr" anchorCtr="0" horzOverflow="overflow">
+                    <a:lnL w="12700">
+                      <a:miter lim="400000"/>
+                    </a:lnL>
+                    <a:lnR w="12700">
+                      <a:miter lim="400000"/>
+                    </a:lnR>
+                    <a:lnT w="12700">
+                      <a:miter lim="400000"/>
+                    </a:lnT>
+                    <a:lnB w="12700">
+                      <a:miter lim="400000"/>
+                    </a:lnB>
+                  </a:tcPr>
+                </a:tc>
+                <a:tc>
+                  <a:txBody>
+                    <a:bodyPr/>
+                    <a:lstStyle/>
+                    <a:p>
+                      <a:pPr lvl="0" marL="347578" indent="-347578" algn="l" defTabSz="914400">
+                        <a:buSzPct val="100000"/>
+                        <a:buAutoNum type="arabicPeriod" startAt="1"/>
+                        <a:defRPr sz="1800"/>
+                      </a:pPr>
+                      <a:r>
+                        <a:rPr sz="2600">
+                          <a:sym typeface="Helvetica Light"/>
+                        </a:rPr>
+                        <a:t>Hardware</a:t>
+                      </a:r>
+                      <a:endParaRPr sz="2600">
+                        <a:sym typeface="Helvetica Light"/>
+                      </a:endParaRPr>
+                    </a:p>
+                    <a:p>
+                      <a:pPr lvl="0" marL="347578" indent="-347578" algn="l" defTabSz="914400">
+                        <a:buSzPct val="100000"/>
+                        <a:buAutoNum type="arabicPeriod" startAt="1"/>
+                        <a:defRPr sz="1800"/>
+                      </a:pPr>
+                      <a:r>
+                        <a:rPr sz="2600">
+                          <a:sym typeface="Helvetica Light"/>
+                        </a:rPr>
+                        <a:t>Software 3. Network</a:t>
                       </a:r>
                     </a:p>
                   </a:txBody>
@@ -4329,13 +4515,10 @@
                     <a:lstStyle/>
                     <a:p>
                       <a:pPr lvl="0" algn="ctr" defTabSz="914400">
-                        <a:defRPr b="0" i="0" sz="1800"/>
-                      </a:pPr>
-                      <a:r>
-                        <a:rPr sz="2600">
-                          <a:latin typeface="Helvetica Light"/>
-                          <a:ea typeface="Helvetica Light"/>
-                          <a:cs typeface="Helvetica Light"/>
+                        <a:defRPr sz="1800"/>
+                      </a:pPr>
+                      <a:r>
+                        <a:rPr sz="2600">
                           <a:sym typeface="Helvetica Light"/>
                         </a:rPr>
                         <a:t>Name</a:t>
@@ -4363,13 +4546,10 @@
                     <a:lstStyle/>
                     <a:p>
                       <a:pPr lvl="0" algn="ctr" defTabSz="914400">
-                        <a:defRPr b="0" i="0" sz="1800"/>
-                      </a:pPr>
-                      <a:r>
-                        <a:rPr sz="2600">
-                          <a:latin typeface="Helvetica Light"/>
-                          <a:ea typeface="Helvetica Light"/>
-                          <a:cs typeface="Helvetica Light"/>
+                        <a:defRPr sz="1800"/>
+                      </a:pPr>
+                      <a:r>
+                        <a:rPr sz="2600">
                           <a:sym typeface="Helvetica Light"/>
                         </a:rPr>
                         <a:t>varchar(40)</a:t>
@@ -4397,13 +4577,10 @@
                     <a:lstStyle/>
                     <a:p>
                       <a:pPr lvl="0" algn="ctr" defTabSz="914400">
-                        <a:defRPr b="0" i="0" sz="1800"/>
-                      </a:pPr>
-                      <a:r>
-                        <a:rPr sz="2600">
-                          <a:latin typeface="Helvetica Light"/>
-                          <a:ea typeface="Helvetica Light"/>
-                          <a:cs typeface="Helvetica Light"/>
+                        <a:defRPr sz="1800"/>
+                      </a:pPr>
+                      <a:r>
+                        <a:rPr sz="2600">
                           <a:sym typeface="Helvetica Light"/>
                         </a:rPr>
                         <a:t>NOT NULL</a:t>
@@ -4431,13 +4608,10 @@
                     <a:lstStyle/>
                     <a:p>
                       <a:pPr lvl="0" algn="ctr" defTabSz="914400">
-                        <a:defRPr b="0" i="0" sz="1800"/>
-                      </a:pPr>
-                      <a:r>
-                        <a:rPr sz="2600">
-                          <a:latin typeface="Helvetica Light"/>
-                          <a:ea typeface="Helvetica Light"/>
-                          <a:cs typeface="Helvetica Light"/>
+                        <a:defRPr sz="1800"/>
+                      </a:pPr>
+                      <a:r>
+                        <a:rPr sz="2600">
                           <a:sym typeface="Helvetica Light"/>
                         </a:rPr>
                         <a:t>Name of the Lab Admin</a:t>
@@ -4467,13 +4641,10 @@
                     <a:lstStyle/>
                     <a:p>
                       <a:pPr lvl="0" algn="ctr" defTabSz="914400">
-                        <a:defRPr b="0" i="0" sz="1800"/>
-                      </a:pPr>
-                      <a:r>
-                        <a:rPr sz="2600">
-                          <a:latin typeface="Helvetica Light"/>
-                          <a:ea typeface="Helvetica Light"/>
-                          <a:cs typeface="Helvetica Light"/>
+                        <a:defRPr sz="1800"/>
+                      </a:pPr>
+                      <a:r>
+                        <a:rPr sz="2600">
                           <a:sym typeface="Helvetica Light"/>
                         </a:rPr>
                         <a:t>Lab_admin_ID</a:t>
@@ -4501,13 +4672,10 @@
                     <a:lstStyle/>
                     <a:p>
                       <a:pPr lvl="0" algn="ctr" defTabSz="914400">
-                        <a:defRPr b="0" i="0" sz="1800"/>
-                      </a:pPr>
-                      <a:r>
-                        <a:rPr sz="2600">
-                          <a:latin typeface="Helvetica Light"/>
-                          <a:ea typeface="Helvetica Light"/>
-                          <a:cs typeface="Helvetica Light"/>
+                        <a:defRPr sz="1800"/>
+                      </a:pPr>
+                      <a:r>
+                        <a:rPr sz="2600">
                           <a:sym typeface="Helvetica Light"/>
                         </a:rPr>
                         <a:t>INT</a:t>
@@ -4535,33 +4703,24 @@
                     <a:lstStyle/>
                     <a:p>
                       <a:pPr lvl="0" algn="ctr" defTabSz="914400">
-                        <a:defRPr b="0" i="0" sz="1800"/>
-                      </a:pPr>
-                      <a:r>
-                        <a:rPr sz="2600">
-                          <a:latin typeface="Helvetica Light"/>
-                          <a:ea typeface="Helvetica Light"/>
-                          <a:cs typeface="Helvetica Light"/>
+                        <a:defRPr sz="1800"/>
+                      </a:pPr>
+                      <a:r>
+                        <a:rPr sz="2600">
                           <a:sym typeface="Helvetica Light"/>
                         </a:rPr>
                         <a:t>NOT NULL</a:t>
                       </a:r>
                       <a:endParaRPr sz="2600">
-                        <a:latin typeface="Helvetica Light"/>
-                        <a:ea typeface="Helvetica Light"/>
-                        <a:cs typeface="Helvetica Light"/>
                         <a:sym typeface="Helvetica Light"/>
                       </a:endParaRPr>
                     </a:p>
                     <a:p>
                       <a:pPr lvl="0" algn="ctr" defTabSz="914400">
-                        <a:defRPr b="0" i="0" sz="1800"/>
-                      </a:pPr>
-                      <a:r>
-                        <a:rPr sz="2600">
-                          <a:latin typeface="Helvetica Light"/>
-                          <a:ea typeface="Helvetica Light"/>
-                          <a:cs typeface="Helvetica Light"/>
+                        <a:defRPr sz="1800"/>
+                      </a:pPr>
+                      <a:r>
+                        <a:rPr sz="2600">
                           <a:sym typeface="Helvetica Light"/>
                         </a:rPr>
                         <a:t>UNIQUE</a:t>
@@ -4589,13 +4748,10 @@
                     <a:lstStyle/>
                     <a:p>
                       <a:pPr lvl="0" algn="ctr" defTabSz="914400">
-                        <a:defRPr b="0" i="0" sz="1800"/>
-                      </a:pPr>
-                      <a:r>
-                        <a:rPr sz="2600">
-                          <a:latin typeface="Helvetica Light"/>
-                          <a:ea typeface="Helvetica Light"/>
-                          <a:cs typeface="Helvetica Light"/>
+                        <a:defRPr sz="1800"/>
+                      </a:pPr>
+                      <a:r>
+                        <a:rPr sz="2600">
                           <a:sym typeface="Helvetica Light"/>
                         </a:rPr>
                         <a:t>Uniquely identify each lab admin</a:t>
@@ -4625,13 +4781,10 @@
                     <a:lstStyle/>
                     <a:p>
                       <a:pPr lvl="0" algn="ctr" defTabSz="914400">
-                        <a:defRPr b="0" i="0" sz="1800"/>
-                      </a:pPr>
-                      <a:r>
-                        <a:rPr sz="2600">
-                          <a:latin typeface="Helvetica Light"/>
-                          <a:ea typeface="Helvetica Light"/>
-                          <a:cs typeface="Helvetica Light"/>
+                        <a:defRPr sz="1800"/>
+                      </a:pPr>
+                      <a:r>
+                        <a:rPr sz="2600">
                           <a:sym typeface="Helvetica Light"/>
                         </a:rPr>
                         <a:t>Lab_ID</a:t>
@@ -4659,13 +4812,10 @@
                     <a:lstStyle/>
                     <a:p>
                       <a:pPr lvl="0" algn="ctr" defTabSz="914400">
-                        <a:defRPr b="0" i="0" sz="1800"/>
-                      </a:pPr>
-                      <a:r>
-                        <a:rPr sz="2600">
-                          <a:latin typeface="Helvetica Light"/>
-                          <a:ea typeface="Helvetica Light"/>
-                          <a:cs typeface="Helvetica Light"/>
+                        <a:defRPr sz="1800"/>
+                      </a:pPr>
+                      <a:r>
+                        <a:rPr sz="2600">
                           <a:sym typeface="Helvetica Light"/>
                         </a:rPr>
                         <a:t>INT</a:t>
@@ -4693,33 +4843,24 @@
                     <a:lstStyle/>
                     <a:p>
                       <a:pPr lvl="0" algn="ctr" defTabSz="914400">
-                        <a:defRPr b="0" i="0" sz="1800"/>
-                      </a:pPr>
-                      <a:r>
-                        <a:rPr sz="2600">
-                          <a:latin typeface="Helvetica Light"/>
-                          <a:ea typeface="Helvetica Light"/>
-                          <a:cs typeface="Helvetica Light"/>
+                        <a:defRPr sz="1800"/>
+                      </a:pPr>
+                      <a:r>
+                        <a:rPr sz="2600">
                           <a:sym typeface="Helvetica Light"/>
                         </a:rPr>
                         <a:t>NOT NULL</a:t>
                       </a:r>
                       <a:endParaRPr sz="2600">
-                        <a:latin typeface="Helvetica Light"/>
-                        <a:ea typeface="Helvetica Light"/>
-                        <a:cs typeface="Helvetica Light"/>
                         <a:sym typeface="Helvetica Light"/>
                       </a:endParaRPr>
                     </a:p>
                     <a:p>
                       <a:pPr lvl="0" algn="ctr" defTabSz="914400">
-                        <a:defRPr b="0" i="0" sz="1800"/>
-                      </a:pPr>
-                      <a:r>
-                        <a:rPr sz="2600">
-                          <a:latin typeface="Helvetica Light"/>
-                          <a:ea typeface="Helvetica Light"/>
-                          <a:cs typeface="Helvetica Light"/>
+                        <a:defRPr sz="1800"/>
+                      </a:pPr>
+                      <a:r>
+                        <a:rPr sz="2600">
                           <a:sym typeface="Helvetica Light"/>
                         </a:rPr>
                         <a:t>FOREIGN KEY</a:t>
@@ -4747,13 +4888,10 @@
                     <a:lstStyle/>
                     <a:p>
                       <a:pPr lvl="0" algn="ctr" defTabSz="914400">
-                        <a:defRPr b="0" i="0" sz="1800"/>
-                      </a:pPr>
-                      <a:r>
-                        <a:rPr sz="2600">
-                          <a:latin typeface="Helvetica Light"/>
-                          <a:ea typeface="Helvetica Light"/>
-                          <a:cs typeface="Helvetica Light"/>
+                        <a:defRPr sz="1800"/>
+                      </a:pPr>
+                      <a:r>
+                        <a:rPr sz="2600">
                           <a:sym typeface="Helvetica Light"/>
                         </a:rPr>
                         <a:t>identify the lab of which the person is admin of.</a:t>
@@ -4783,13 +4921,10 @@
                     <a:lstStyle/>
                     <a:p>
                       <a:pPr lvl="0" algn="ctr" defTabSz="914400">
-                        <a:defRPr b="0" i="0" sz="1800"/>
-                      </a:pPr>
-                      <a:r>
-                        <a:rPr sz="2600">
-                          <a:latin typeface="Helvetica Light"/>
-                          <a:ea typeface="Helvetica Light"/>
-                          <a:cs typeface="Helvetica Light"/>
+                        <a:defRPr sz="1800"/>
+                      </a:pPr>
+                      <a:r>
+                        <a:rPr sz="2600">
                           <a:sym typeface="Helvetica Light"/>
                         </a:rPr>
                         <a:t>No_of_complaints_handled</a:t>
@@ -4817,13 +4952,10 @@
                     <a:lstStyle/>
                     <a:p>
                       <a:pPr lvl="0" algn="ctr" defTabSz="914400">
-                        <a:defRPr b="0" i="0" sz="1800"/>
-                      </a:pPr>
-                      <a:r>
-                        <a:rPr sz="2600">
-                          <a:latin typeface="Helvetica Light"/>
-                          <a:ea typeface="Helvetica Light"/>
-                          <a:cs typeface="Helvetica Light"/>
+                        <a:defRPr sz="1800"/>
+                      </a:pPr>
+                      <a:r>
+                        <a:rPr sz="2600">
                           <a:sym typeface="Helvetica Light"/>
                         </a:rPr>
                         <a:t>INT</a:t>
@@ -4851,13 +4983,10 @@
                     <a:lstStyle/>
                     <a:p>
                       <a:pPr lvl="0" algn="ctr" defTabSz="914400">
-                        <a:defRPr b="0" i="0" sz="1800"/>
-                      </a:pPr>
-                      <a:r>
-                        <a:rPr sz="2600">
-                          <a:latin typeface="Helvetica Light"/>
-                          <a:ea typeface="Helvetica Light"/>
-                          <a:cs typeface="Helvetica Light"/>
+                        <a:defRPr sz="1800"/>
+                      </a:pPr>
+                      <a:r>
+                        <a:rPr sz="2600">
                           <a:sym typeface="Helvetica Light"/>
                         </a:rPr>
                         <a:t>NON NEGATIVE</a:t>
@@ -4885,13 +5014,10 @@
                     <a:lstStyle/>
                     <a:p>
                       <a:pPr lvl="0" algn="l" defTabSz="914400">
-                        <a:defRPr b="0" i="0" sz="1800"/>
-                      </a:pPr>
-                      <a:r>
-                        <a:rPr sz="2600">
-                          <a:latin typeface="Helvetica Light"/>
-                          <a:ea typeface="Helvetica Light"/>
-                          <a:cs typeface="Helvetica Light"/>
+                        <a:defRPr sz="1800"/>
+                      </a:pPr>
+                      <a:r>
+                        <a:rPr sz="2600">
                           <a:sym typeface="Helvetica Light"/>
                         </a:rPr>
                         <a:t>no of complaints handled after verification of complaint</a:t>
@@ -4921,13 +5047,10 @@
                     <a:lstStyle/>
                     <a:p>
                       <a:pPr lvl="0" algn="ctr" defTabSz="914400">
-                        <a:defRPr b="0" i="0" sz="1800"/>
-                      </a:pPr>
-                      <a:r>
-                        <a:rPr sz="2600">
-                          <a:latin typeface="Helvetica Light"/>
-                          <a:ea typeface="Helvetica Light"/>
-                          <a:cs typeface="Helvetica Light"/>
+                        <a:defRPr sz="1800"/>
+                      </a:pPr>
+                      <a:r>
+                        <a:rPr sz="2600">
                           <a:sym typeface="Helvetica Light"/>
                         </a:rPr>
                         <a:t>Last_login</a:t>
@@ -4955,13 +5078,10 @@
                     <a:lstStyle/>
                     <a:p>
                       <a:pPr lvl="0" algn="ctr" defTabSz="914400">
-                        <a:defRPr b="0" i="0" sz="1800"/>
-                      </a:pPr>
-                      <a:r>
-                        <a:rPr sz="2600">
-                          <a:latin typeface="Helvetica Light"/>
-                          <a:ea typeface="Helvetica Light"/>
-                          <a:cs typeface="Helvetica Light"/>
+                        <a:defRPr sz="1800"/>
+                      </a:pPr>
+                      <a:r>
+                        <a:rPr sz="2600">
                           <a:sym typeface="Helvetica Light"/>
                         </a:rPr>
                         <a:t>DATE</a:t>
@@ -4989,11 +5109,11 @@
                     <a:lstStyle/>
                     <a:p>
                       <a:pPr lvl="0" algn="ctr" defTabSz="914400">
-                        <a:defRPr b="0" i="0" sz="1800"/>
+                        <a:defRPr sz="1800"/>
                       </a:pPr>
                       <a:r>
                         <a:rPr>
-                          <a:sym typeface="Helvetica"/>
+                          <a:sym typeface="Helvetica Light"/>
                         </a:rPr>
                         <a:t/>
                       </a:r>
@@ -5020,13 +5140,10 @@
                     <a:lstStyle/>
                     <a:p>
                       <a:pPr lvl="0" algn="ctr" defTabSz="914400">
-                        <a:defRPr b="0" i="0" sz="1800"/>
-                      </a:pPr>
-                      <a:r>
-                        <a:rPr sz="2600">
-                          <a:latin typeface="Helvetica Light"/>
-                          <a:ea typeface="Helvetica Light"/>
-                          <a:cs typeface="Helvetica Light"/>
+                        <a:defRPr sz="1800"/>
+                      </a:pPr>
+                      <a:r>
+                        <a:rPr sz="2600">
                           <a:sym typeface="Helvetica Light"/>
                         </a:rPr>
                         <a:t>Indicates how active the admin is</a:t>
@@ -5124,8 +5241,8 @@
         </p:nvSpPr>
         <p:spPr>
           <a:xfrm>
-            <a:off x="1270000" y="1811371"/>
-            <a:ext cx="10464800" cy="6589743"/>
+            <a:off x="1270000" y="2179671"/>
+            <a:ext cx="10464800" cy="6105458"/>
           </a:xfrm>
           <a:prstGeom prst="rect">
             <a:avLst/>
@@ -5134,7 +5251,7 @@
         <p:txBody>
           <a:bodyPr/>
           <a:lstStyle>
-            <a:lvl1pPr algn="l" defTabSz="443483">
+            <a:lvl1pPr defTabSz="443483">
               <a:spcBef>
                 <a:spcPts val="1100"/>
               </a:spcBef>
@@ -5204,7 +5321,7 @@
           <a:bodyPr/>
           <a:lstStyle/>
           <a:p>
-            <a:pPr lvl="0" algn="l">
+            <a:pPr lvl="0">
               <a:defRPr sz="1800"/>
             </a:pPr>
             <a:r>
@@ -5214,7 +5331,7 @@
             <a:endParaRPr sz="4200"/>
           </a:p>
           <a:p>
-            <a:pPr lvl="0" algn="l">
+            <a:pPr lvl="0">
               <a:defRPr sz="1800"/>
             </a:pPr>
             <a:r>
@@ -5471,13 +5588,10 @@
                     <a:lstStyle/>
                     <a:p>
                       <a:pPr lvl="0" algn="ctr" defTabSz="914400">
-                        <a:defRPr b="0" i="0" sz="1800"/>
-                      </a:pPr>
-                      <a:r>
-                        <a:rPr sz="2600">
-                          <a:latin typeface="Helvetica Light"/>
-                          <a:ea typeface="Helvetica Light"/>
-                          <a:cs typeface="Helvetica Light"/>
+                        <a:defRPr sz="1800"/>
+                      </a:pPr>
+                      <a:r>
+                        <a:rPr sz="2600">
                           <a:sym typeface="Helvetica Light"/>
                         </a:rPr>
                         <a:t>Lab_ID</a:t>
@@ -5505,13 +5619,10 @@
                     <a:lstStyle/>
                     <a:p>
                       <a:pPr lvl="0" algn="ctr" defTabSz="914400">
-                        <a:defRPr b="0" i="0" sz="1800"/>
-                      </a:pPr>
-                      <a:r>
-                        <a:rPr sz="2600">
-                          <a:latin typeface="Helvetica Light"/>
-                          <a:ea typeface="Helvetica Light"/>
-                          <a:cs typeface="Helvetica Light"/>
+                        <a:defRPr sz="1800"/>
+                      </a:pPr>
+                      <a:r>
+                        <a:rPr sz="2600">
                           <a:sym typeface="Helvetica Light"/>
                         </a:rPr>
                         <a:t>INT</a:t>
@@ -5539,33 +5650,24 @@
                     <a:lstStyle/>
                     <a:p>
                       <a:pPr lvl="0" algn="ctr" defTabSz="914400">
-                        <a:defRPr b="0" i="0" sz="1800"/>
-                      </a:pPr>
-                      <a:r>
-                        <a:rPr sz="2600">
-                          <a:latin typeface="Helvetica Light"/>
-                          <a:ea typeface="Helvetica Light"/>
-                          <a:cs typeface="Helvetica Light"/>
+                        <a:defRPr sz="1800"/>
+                      </a:pPr>
+                      <a:r>
+                        <a:rPr sz="2600">
                           <a:sym typeface="Helvetica Light"/>
                         </a:rPr>
                         <a:t>NOT NULL</a:t>
                       </a:r>
                       <a:endParaRPr sz="2600">
-                        <a:latin typeface="Helvetica Light"/>
-                        <a:ea typeface="Helvetica Light"/>
-                        <a:cs typeface="Helvetica Light"/>
                         <a:sym typeface="Helvetica Light"/>
                       </a:endParaRPr>
                     </a:p>
                     <a:p>
                       <a:pPr lvl="0" algn="ctr" defTabSz="914400">
-                        <a:defRPr b="0" i="0" sz="1800"/>
-                      </a:pPr>
-                      <a:r>
-                        <a:rPr sz="2600">
-                          <a:latin typeface="Helvetica Light"/>
-                          <a:ea typeface="Helvetica Light"/>
-                          <a:cs typeface="Helvetica Light"/>
+                        <a:defRPr sz="1800"/>
+                      </a:pPr>
+                      <a:r>
+                        <a:rPr sz="2600">
                           <a:sym typeface="Helvetica Light"/>
                         </a:rPr>
                         <a:t>PRIMARY KEY</a:t>
@@ -5593,13 +5695,10 @@
                     <a:lstStyle/>
                     <a:p>
                       <a:pPr lvl="0" algn="ctr" defTabSz="914400">
-                        <a:defRPr b="0" i="0" sz="1800"/>
-                      </a:pPr>
-                      <a:r>
-                        <a:rPr sz="2600">
-                          <a:latin typeface="Helvetica Light"/>
-                          <a:ea typeface="Helvetica Light"/>
-                          <a:cs typeface="Helvetica Light"/>
+                        <a:defRPr sz="1800"/>
+                      </a:pPr>
+                      <a:r>
+                        <a:rPr sz="2600">
                           <a:sym typeface="Helvetica Light"/>
                         </a:rPr>
                         <a:t>used to identify the location of the lab</a:t>
@@ -5629,13 +5728,10 @@
                     <a:lstStyle/>
                     <a:p>
                       <a:pPr lvl="0" algn="ctr" defTabSz="914400">
-                        <a:defRPr b="0" i="0" sz="1800"/>
-                      </a:pPr>
-                      <a:r>
-                        <a:rPr sz="2600">
-                          <a:latin typeface="Helvetica Light"/>
-                          <a:ea typeface="Helvetica Light"/>
-                          <a:cs typeface="Helvetica Light"/>
+                        <a:defRPr sz="1800"/>
+                      </a:pPr>
+                      <a:r>
+                        <a:rPr sz="2600">
                           <a:sym typeface="Helvetica Light"/>
                         </a:rPr>
                         <a:t>No_of_pcs</a:t>
@@ -5663,13 +5759,10 @@
                     <a:lstStyle/>
                     <a:p>
                       <a:pPr lvl="0" algn="ctr" defTabSz="914400">
-                        <a:defRPr b="0" i="0" sz="1800"/>
-                      </a:pPr>
-                      <a:r>
-                        <a:rPr sz="2600">
-                          <a:latin typeface="Helvetica Light"/>
-                          <a:ea typeface="Helvetica Light"/>
-                          <a:cs typeface="Helvetica Light"/>
+                        <a:defRPr sz="1800"/>
+                      </a:pPr>
+                      <a:r>
+                        <a:rPr sz="2600">
                           <a:sym typeface="Helvetica Light"/>
                         </a:rPr>
                         <a:t>INT</a:t>
@@ -5697,33 +5790,24 @@
                     <a:lstStyle/>
                     <a:p>
                       <a:pPr lvl="0" algn="ctr" defTabSz="914400">
-                        <a:defRPr b="0" i="0" sz="1800"/>
-                      </a:pPr>
-                      <a:r>
-                        <a:rPr sz="2600">
-                          <a:latin typeface="Helvetica Light"/>
-                          <a:ea typeface="Helvetica Light"/>
-                          <a:cs typeface="Helvetica Light"/>
+                        <a:defRPr sz="1800"/>
+                      </a:pPr>
+                      <a:r>
+                        <a:rPr sz="2600">
                           <a:sym typeface="Helvetica Light"/>
                         </a:rPr>
                         <a:t>NOT NULL</a:t>
                       </a:r>
                       <a:endParaRPr sz="2600">
-                        <a:latin typeface="Helvetica Light"/>
-                        <a:ea typeface="Helvetica Light"/>
-                        <a:cs typeface="Helvetica Light"/>
                         <a:sym typeface="Helvetica Light"/>
                       </a:endParaRPr>
                     </a:p>
                     <a:p>
                       <a:pPr lvl="0" algn="ctr" defTabSz="914400">
-                        <a:defRPr b="0" i="0" sz="1800"/>
-                      </a:pPr>
-                      <a:r>
-                        <a:rPr sz="2600">
-                          <a:latin typeface="Helvetica Light"/>
-                          <a:ea typeface="Helvetica Light"/>
-                          <a:cs typeface="Helvetica Light"/>
+                        <a:defRPr sz="1800"/>
+                      </a:pPr>
+                      <a:r>
+                        <a:rPr sz="2600">
                           <a:sym typeface="Helvetica Light"/>
                         </a:rPr>
                         <a:t>POSITIVE</a:t>
@@ -5751,13 +5835,10 @@
                     <a:lstStyle/>
                     <a:p>
                       <a:pPr lvl="0" algn="ctr" defTabSz="914400">
-                        <a:defRPr b="0" i="0" sz="1800"/>
-                      </a:pPr>
-                      <a:r>
-                        <a:rPr sz="2600">
-                          <a:latin typeface="Helvetica Light"/>
-                          <a:ea typeface="Helvetica Light"/>
-                          <a:cs typeface="Helvetica Light"/>
+                        <a:defRPr sz="1800"/>
+                      </a:pPr>
+                      <a:r>
+                        <a:rPr sz="2600">
                           <a:sym typeface="Helvetica Light"/>
                         </a:rPr>
                         <a:t>no of computers in the labs</a:t>
@@ -5787,13 +5868,10 @@
                     <a:lstStyle/>
                     <a:p>
                       <a:pPr lvl="0" algn="ctr" defTabSz="914400">
-                        <a:defRPr b="0" i="0" sz="1800"/>
-                      </a:pPr>
-                      <a:r>
-                        <a:rPr sz="2600">
-                          <a:latin typeface="Helvetica Light"/>
-                          <a:ea typeface="Helvetica Light"/>
-                          <a:cs typeface="Helvetica Light"/>
+                        <a:defRPr sz="1800"/>
+                      </a:pPr>
+                      <a:r>
+                        <a:rPr sz="2600">
                           <a:sym typeface="Helvetica Light"/>
                         </a:rPr>
                         <a:t>Lab_admin_ID</a:t>
@@ -5821,13 +5899,10 @@
                     <a:lstStyle/>
                     <a:p>
                       <a:pPr lvl="0" algn="ctr" defTabSz="914400">
-                        <a:defRPr b="0" i="0" sz="1800"/>
-                      </a:pPr>
-                      <a:r>
-                        <a:rPr sz="2600">
-                          <a:latin typeface="Helvetica Light"/>
-                          <a:ea typeface="Helvetica Light"/>
-                          <a:cs typeface="Helvetica Light"/>
+                        <a:defRPr sz="1800"/>
+                      </a:pPr>
+                      <a:r>
+                        <a:rPr sz="2600">
                           <a:sym typeface="Helvetica Light"/>
                         </a:rPr>
                         <a:t>INT</a:t>
@@ -5855,33 +5930,24 @@
                     <a:lstStyle/>
                     <a:p>
                       <a:pPr lvl="0" algn="ctr" defTabSz="914400">
-                        <a:defRPr b="0" i="0" sz="1800"/>
-                      </a:pPr>
-                      <a:r>
-                        <a:rPr sz="2600">
-                          <a:latin typeface="Helvetica Light"/>
-                          <a:ea typeface="Helvetica Light"/>
-                          <a:cs typeface="Helvetica Light"/>
+                        <a:defRPr sz="1800"/>
+                      </a:pPr>
+                      <a:r>
+                        <a:rPr sz="2600">
                           <a:sym typeface="Helvetica Light"/>
                         </a:rPr>
                         <a:t>NOT NULL</a:t>
                       </a:r>
                       <a:endParaRPr sz="2600">
-                        <a:latin typeface="Helvetica Light"/>
-                        <a:ea typeface="Helvetica Light"/>
-                        <a:cs typeface="Helvetica Light"/>
                         <a:sym typeface="Helvetica Light"/>
                       </a:endParaRPr>
                     </a:p>
                     <a:p>
                       <a:pPr lvl="0" algn="ctr" defTabSz="914400">
-                        <a:defRPr b="0" i="0" sz="1800"/>
-                      </a:pPr>
-                      <a:r>
-                        <a:rPr sz="2600">
-                          <a:latin typeface="Helvetica Light"/>
-                          <a:ea typeface="Helvetica Light"/>
-                          <a:cs typeface="Helvetica Light"/>
+                        <a:defRPr sz="1800"/>
+                      </a:pPr>
+                      <a:r>
+                        <a:rPr sz="2600">
                           <a:sym typeface="Helvetica Light"/>
                         </a:rPr>
                         <a:t>FOREIGN KEY</a:t>
@@ -5909,13 +5975,10 @@
                     <a:lstStyle/>
                     <a:p>
                       <a:pPr lvl="0" algn="l" defTabSz="914400">
-                        <a:defRPr b="0" i="0" sz="1800"/>
-                      </a:pPr>
-                      <a:r>
-                        <a:rPr sz="2600">
-                          <a:latin typeface="Helvetica Light"/>
-                          <a:ea typeface="Helvetica Light"/>
-                          <a:cs typeface="Helvetica Light"/>
+                        <a:defRPr sz="1800"/>
+                      </a:pPr>
+                      <a:r>
+                        <a:rPr sz="2600">
                           <a:sym typeface="Helvetica Light"/>
                         </a:rPr>
                         <a:t>id of the lab incharge</a:t>
@@ -5989,7 +6052,7 @@
           <a:bodyPr/>
           <a:lstStyle/>
           <a:p>
-            <a:pPr lvl="0" algn="l">
+            <a:pPr lvl="0">
               <a:defRPr sz="1800"/>
             </a:pPr>
             <a:r>
@@ -5999,7 +6062,7 @@
             <a:endParaRPr sz="4200"/>
           </a:p>
           <a:p>
-            <a:pPr lvl="0" algn="l">
+            <a:pPr lvl="0">
               <a:defRPr sz="1800"/>
             </a:pPr>
             <a:r>
@@ -6256,13 +6319,10 @@
                     <a:lstStyle/>
                     <a:p>
                       <a:pPr lvl="0" algn="ctr" defTabSz="914400">
-                        <a:defRPr b="0" i="0" sz="1800"/>
-                      </a:pPr>
-                      <a:r>
-                        <a:rPr sz="2600">
-                          <a:latin typeface="Helvetica Light"/>
-                          <a:ea typeface="Helvetica Light"/>
-                          <a:cs typeface="Helvetica Light"/>
+                        <a:defRPr sz="1800"/>
+                      </a:pPr>
+                      <a:r>
+                        <a:rPr sz="2600">
                           <a:sym typeface="Helvetica Light"/>
                         </a:rPr>
                         <a:t>PC_ID</a:t>
@@ -6290,13 +6350,10 @@
                     <a:lstStyle/>
                     <a:p>
                       <a:pPr lvl="0" algn="ctr" defTabSz="914400">
-                        <a:defRPr b="0" i="0" sz="1800"/>
-                      </a:pPr>
-                      <a:r>
-                        <a:rPr sz="2600">
-                          <a:latin typeface="Helvetica Light"/>
-                          <a:ea typeface="Helvetica Light"/>
-                          <a:cs typeface="Helvetica Light"/>
+                        <a:defRPr sz="1800"/>
+                      </a:pPr>
+                      <a:r>
+                        <a:rPr sz="2600">
                           <a:sym typeface="Helvetica Light"/>
                         </a:rPr>
                         <a:t>INT</a:t>
@@ -6324,33 +6381,24 @@
                     <a:lstStyle/>
                     <a:p>
                       <a:pPr lvl="0" algn="ctr" defTabSz="914400">
-                        <a:defRPr b="0" i="0" sz="1800"/>
-                      </a:pPr>
-                      <a:r>
-                        <a:rPr sz="2600">
-                          <a:latin typeface="Helvetica Light"/>
-                          <a:ea typeface="Helvetica Light"/>
-                          <a:cs typeface="Helvetica Light"/>
+                        <a:defRPr sz="1800"/>
+                      </a:pPr>
+                      <a:r>
+                        <a:rPr sz="2600">
                           <a:sym typeface="Helvetica Light"/>
                         </a:rPr>
                         <a:t>PRIMARY KEY</a:t>
                       </a:r>
                       <a:endParaRPr sz="2600">
-                        <a:latin typeface="Helvetica Light"/>
-                        <a:ea typeface="Helvetica Light"/>
-                        <a:cs typeface="Helvetica Light"/>
                         <a:sym typeface="Helvetica Light"/>
                       </a:endParaRPr>
                     </a:p>
                     <a:p>
                       <a:pPr lvl="0" algn="ctr" defTabSz="914400">
-                        <a:defRPr b="0" i="0" sz="1800"/>
-                      </a:pPr>
-                      <a:r>
-                        <a:rPr sz="2600">
-                          <a:latin typeface="Helvetica Light"/>
-                          <a:ea typeface="Helvetica Light"/>
-                          <a:cs typeface="Helvetica Light"/>
+                        <a:defRPr sz="1800"/>
+                      </a:pPr>
+                      <a:r>
+                        <a:rPr sz="2600">
                           <a:sym typeface="Helvetica Light"/>
                         </a:rPr>
                         <a:t>NOT NULL</a:t>
@@ -6381,13 +6429,10 @@
                         <a:spcBef>
                           <a:spcPts val="1200"/>
                         </a:spcBef>
-                        <a:defRPr b="0" i="0" sz="1800"/>
-                      </a:pPr>
-                      <a:r>
-                        <a:rPr sz="2600">
-                          <a:latin typeface="Helvetica Light"/>
-                          <a:ea typeface="Helvetica Light"/>
-                          <a:cs typeface="Helvetica Light"/>
+                        <a:defRPr sz="1800"/>
+                      </a:pPr>
+                      <a:r>
+                        <a:rPr sz="2600">
                           <a:sym typeface="Helvetica Light"/>
                         </a:rPr>
                         <a:t>Will be used to identify any specific PC set </a:t>
@@ -6417,13 +6462,10 @@
                     <a:lstStyle/>
                     <a:p>
                       <a:pPr lvl="0" algn="ctr" defTabSz="914400">
-                        <a:defRPr b="0" i="0" sz="1800"/>
-                      </a:pPr>
-                      <a:r>
-                        <a:rPr sz="2600">
-                          <a:latin typeface="Helvetica Light"/>
-                          <a:ea typeface="Helvetica Light"/>
-                          <a:cs typeface="Helvetica Light"/>
+                        <a:defRPr sz="1800"/>
+                      </a:pPr>
+                      <a:r>
+                        <a:rPr sz="2600">
                           <a:sym typeface="Helvetica Light"/>
                         </a:rPr>
                         <a:t>Lab_ID</a:t>
@@ -6451,13 +6493,10 @@
                     <a:lstStyle/>
                     <a:p>
                       <a:pPr lvl="0" algn="ctr" defTabSz="914400">
-                        <a:defRPr b="0" i="0" sz="1800"/>
-                      </a:pPr>
-                      <a:r>
-                        <a:rPr sz="2600">
-                          <a:latin typeface="Helvetica Light"/>
-                          <a:ea typeface="Helvetica Light"/>
-                          <a:cs typeface="Helvetica Light"/>
+                        <a:defRPr sz="1800"/>
+                      </a:pPr>
+                      <a:r>
+                        <a:rPr sz="2600">
                           <a:sym typeface="Helvetica Light"/>
                         </a:rPr>
                         <a:t>INT</a:t>
@@ -6485,33 +6524,24 @@
                     <a:lstStyle/>
                     <a:p>
                       <a:pPr lvl="0" algn="ctr" defTabSz="914400">
-                        <a:defRPr b="0" i="0" sz="1800"/>
-                      </a:pPr>
-                      <a:r>
-                        <a:rPr sz="2600">
-                          <a:latin typeface="Helvetica Light"/>
-                          <a:ea typeface="Helvetica Light"/>
-                          <a:cs typeface="Helvetica Light"/>
+                        <a:defRPr sz="1800"/>
+                      </a:pPr>
+                      <a:r>
+                        <a:rPr sz="2600">
                           <a:sym typeface="Helvetica Light"/>
                         </a:rPr>
                         <a:t>FOREIGN KEY</a:t>
                       </a:r>
                       <a:endParaRPr sz="2600">
-                        <a:latin typeface="Helvetica Light"/>
-                        <a:ea typeface="Helvetica Light"/>
-                        <a:cs typeface="Helvetica Light"/>
                         <a:sym typeface="Helvetica Light"/>
                       </a:endParaRPr>
                     </a:p>
                     <a:p>
                       <a:pPr lvl="0" algn="ctr" defTabSz="914400">
-                        <a:defRPr b="0" i="0" sz="1800"/>
-                      </a:pPr>
-                      <a:r>
-                        <a:rPr sz="2600">
-                          <a:latin typeface="Helvetica Light"/>
-                          <a:ea typeface="Helvetica Light"/>
-                          <a:cs typeface="Helvetica Light"/>
+                        <a:defRPr sz="1800"/>
+                      </a:pPr>
+                      <a:r>
+                        <a:rPr sz="2600">
                           <a:sym typeface="Helvetica Light"/>
                         </a:rPr>
                         <a:t>NOT NULL</a:t>
@@ -6539,13 +6569,10 @@
                     <a:lstStyle/>
                     <a:p>
                       <a:pPr lvl="0" algn="ctr" defTabSz="914400">
-                        <a:defRPr b="0" i="0" sz="1800"/>
-                      </a:pPr>
-                      <a:r>
-                        <a:rPr sz="2600">
-                          <a:latin typeface="Helvetica Light"/>
-                          <a:ea typeface="Helvetica Light"/>
-                          <a:cs typeface="Helvetica Light"/>
+                        <a:defRPr sz="1800"/>
+                      </a:pPr>
+                      <a:r>
+                        <a:rPr sz="2600">
                           <a:sym typeface="Helvetica Light"/>
                         </a:rPr>
                         <a:t>Identify the location of the PC </a:t>
@@ -6575,13 +6602,10 @@
                     <a:lstStyle/>
                     <a:p>
                       <a:pPr lvl="0" algn="ctr" defTabSz="914400">
-                        <a:defRPr b="0" i="0" sz="1800"/>
-                      </a:pPr>
-                      <a:r>
-                        <a:rPr sz="2600">
-                          <a:latin typeface="Helvetica Light"/>
-                          <a:ea typeface="Helvetica Light"/>
-                          <a:cs typeface="Helvetica Light"/>
+                        <a:defRPr sz="1800"/>
+                      </a:pPr>
+                      <a:r>
+                        <a:rPr sz="2600">
                           <a:sym typeface="Helvetica Light"/>
                         </a:rPr>
                         <a:t>OS</a:t>
@@ -6609,13 +6633,10 @@
                     <a:lstStyle/>
                     <a:p>
                       <a:pPr lvl="0" algn="ctr" defTabSz="914400">
-                        <a:defRPr b="0" i="0" sz="1800"/>
-                      </a:pPr>
-                      <a:r>
-                        <a:rPr sz="2600">
-                          <a:latin typeface="Helvetica Light"/>
-                          <a:ea typeface="Helvetica Light"/>
-                          <a:cs typeface="Helvetica Light"/>
+                        <a:defRPr sz="1800"/>
+                      </a:pPr>
+                      <a:r>
+                        <a:rPr sz="2600">
                           <a:sym typeface="Helvetica Light"/>
                         </a:rPr>
                         <a:t>varchar(20)</a:t>
@@ -6643,13 +6664,10 @@
                     <a:lstStyle/>
                     <a:p>
                       <a:pPr lvl="0" algn="ctr" defTabSz="914400">
-                        <a:defRPr b="0" i="0" sz="1800"/>
-                      </a:pPr>
-                      <a:r>
-                        <a:rPr sz="2600">
-                          <a:latin typeface="Helvetica Light"/>
-                          <a:ea typeface="Helvetica Light"/>
-                          <a:cs typeface="Helvetica Light"/>
+                        <a:defRPr sz="1800"/>
+                      </a:pPr>
+                      <a:r>
+                        <a:rPr sz="2600">
                           <a:sym typeface="Helvetica Light"/>
                         </a:rPr>
                         <a:t>NOT NULL</a:t>
@@ -6677,13 +6695,10 @@
                     <a:lstStyle/>
                     <a:p>
                       <a:pPr lvl="0" algn="ctr" defTabSz="914400">
-                        <a:defRPr b="0" i="0" sz="1800"/>
-                      </a:pPr>
-                      <a:r>
-                        <a:rPr sz="2600">
-                          <a:latin typeface="Helvetica Light"/>
-                          <a:ea typeface="Helvetica Light"/>
-                          <a:cs typeface="Helvetica Light"/>
+                        <a:defRPr sz="1800"/>
+                      </a:pPr>
+                      <a:r>
+                        <a:rPr sz="2600">
                           <a:sym typeface="Helvetica Light"/>
                         </a:rPr>
                         <a:t>Operating System installed on the computer</a:t>
@@ -6757,7 +6772,7 @@
           <a:bodyPr/>
           <a:lstStyle/>
           <a:p>
-            <a:pPr lvl="0" algn="l">
+            <a:pPr lvl="0">
               <a:defRPr sz="1800"/>
             </a:pPr>
             <a:r>
@@ -6767,7 +6782,7 @@
             <a:endParaRPr sz="4200"/>
           </a:p>
           <a:p>
-            <a:pPr lvl="0" algn="l">
+            <a:pPr lvl="0">
               <a:defRPr sz="1800"/>
             </a:pPr>
             <a:r>
@@ -7024,13 +7039,10 @@
                     <a:lstStyle/>
                     <a:p>
                       <a:pPr lvl="0" algn="ctr" defTabSz="914400">
-                        <a:defRPr b="0" i="0" sz="1800"/>
-                      </a:pPr>
-                      <a:r>
-                        <a:rPr sz="2600">
-                          <a:latin typeface="Helvetica Light"/>
-                          <a:ea typeface="Helvetica Light"/>
-                          <a:cs typeface="Helvetica Light"/>
+                        <a:defRPr sz="1800"/>
+                      </a:pPr>
+                      <a:r>
+                        <a:rPr sz="2600">
                           <a:sym typeface="Helvetica Light"/>
                         </a:rPr>
                         <a:t>Component_ID</a:t>
@@ -7058,13 +7070,10 @@
                     <a:lstStyle/>
                     <a:p>
                       <a:pPr lvl="0" algn="ctr" defTabSz="914400">
-                        <a:defRPr b="0" i="0" sz="1800"/>
-                      </a:pPr>
-                      <a:r>
-                        <a:rPr sz="2600">
-                          <a:latin typeface="Helvetica Light"/>
-                          <a:ea typeface="Helvetica Light"/>
-                          <a:cs typeface="Helvetica Light"/>
+                        <a:defRPr sz="1800"/>
+                      </a:pPr>
+                      <a:r>
+                        <a:rPr sz="2600">
                           <a:sym typeface="Helvetica Light"/>
                         </a:rPr>
                         <a:t>INT</a:t>
@@ -7092,33 +7101,24 @@
                     <a:lstStyle/>
                     <a:p>
                       <a:pPr lvl="0" algn="ctr" defTabSz="914400">
-                        <a:defRPr b="0" i="0" sz="1800"/>
-                      </a:pPr>
-                      <a:r>
-                        <a:rPr sz="2600">
-                          <a:latin typeface="Helvetica Light"/>
-                          <a:ea typeface="Helvetica Light"/>
-                          <a:cs typeface="Helvetica Light"/>
+                        <a:defRPr sz="1800"/>
+                      </a:pPr>
+                      <a:r>
+                        <a:rPr sz="2600">
                           <a:sym typeface="Helvetica Light"/>
                         </a:rPr>
                         <a:t>NOT NULL</a:t>
                       </a:r>
                       <a:endParaRPr sz="2600">
-                        <a:latin typeface="Helvetica Light"/>
-                        <a:ea typeface="Helvetica Light"/>
-                        <a:cs typeface="Helvetica Light"/>
                         <a:sym typeface="Helvetica Light"/>
                       </a:endParaRPr>
                     </a:p>
                     <a:p>
                       <a:pPr lvl="0" algn="ctr" defTabSz="914400">
-                        <a:defRPr b="0" i="0" sz="1800"/>
-                      </a:pPr>
-                      <a:r>
-                        <a:rPr sz="2600">
-                          <a:latin typeface="Helvetica Light"/>
-                          <a:ea typeface="Helvetica Light"/>
-                          <a:cs typeface="Helvetica Light"/>
+                        <a:defRPr sz="1800"/>
+                      </a:pPr>
+                      <a:r>
+                        <a:rPr sz="2600">
                           <a:sym typeface="Helvetica Light"/>
                         </a:rPr>
                         <a:t>UNIQUE</a:t>
@@ -7146,13 +7146,10 @@
                     <a:lstStyle/>
                     <a:p>
                       <a:pPr lvl="0" algn="ctr" defTabSz="914400">
-                        <a:defRPr b="0" i="0" sz="1800"/>
-                      </a:pPr>
-                      <a:r>
-                        <a:rPr sz="2600">
-                          <a:latin typeface="Helvetica Light"/>
-                          <a:ea typeface="Helvetica Light"/>
-                          <a:cs typeface="Helvetica Light"/>
+                        <a:defRPr sz="1800"/>
+                      </a:pPr>
+                      <a:r>
+                        <a:rPr sz="2600">
                           <a:sym typeface="Helvetica Light"/>
                         </a:rPr>
                         <a:t>Uniquely Identify each component</a:t>
@@ -7182,13 +7179,10 @@
                     <a:lstStyle/>
                     <a:p>
                       <a:pPr lvl="0" algn="ctr" defTabSz="914400">
-                        <a:defRPr b="0" i="0" sz="1800"/>
-                      </a:pPr>
-                      <a:r>
-                        <a:rPr sz="2600">
-                          <a:latin typeface="Helvetica Light"/>
-                          <a:ea typeface="Helvetica Light"/>
-                          <a:cs typeface="Helvetica Light"/>
+                        <a:defRPr sz="1800"/>
+                      </a:pPr>
+                      <a:r>
+                        <a:rPr sz="2600">
                           <a:sym typeface="Helvetica Light"/>
                         </a:rPr>
                         <a:t>Date_of_purchase</a:t>
@@ -7216,13 +7210,10 @@
                     <a:lstStyle/>
                     <a:p>
                       <a:pPr lvl="0" algn="ctr" defTabSz="914400">
-                        <a:defRPr b="0" i="0" sz="1800"/>
-                      </a:pPr>
-                      <a:r>
-                        <a:rPr sz="2600">
-                          <a:latin typeface="Helvetica Light"/>
-                          <a:ea typeface="Helvetica Light"/>
-                          <a:cs typeface="Helvetica Light"/>
+                        <a:defRPr sz="1800"/>
+                      </a:pPr>
+                      <a:r>
+                        <a:rPr sz="2600">
                           <a:sym typeface="Helvetica Light"/>
                         </a:rPr>
                         <a:t>DATE</a:t>
@@ -7250,13 +7241,10 @@
                     <a:lstStyle/>
                     <a:p>
                       <a:pPr lvl="0" algn="ctr" defTabSz="914400">
-                        <a:defRPr b="0" i="0" sz="1800"/>
-                      </a:pPr>
-                      <a:r>
-                        <a:rPr sz="2600">
-                          <a:latin typeface="Helvetica Light"/>
-                          <a:ea typeface="Helvetica Light"/>
-                          <a:cs typeface="Helvetica Light"/>
+                        <a:defRPr sz="1800"/>
+                      </a:pPr>
+                      <a:r>
+                        <a:rPr sz="2600">
                           <a:sym typeface="Helvetica Light"/>
                         </a:rPr>
                         <a:t>NOT NULL</a:t>
@@ -7284,13 +7272,10 @@
                     <a:lstStyle/>
                     <a:p>
                       <a:pPr lvl="0" algn="ctr" defTabSz="914400">
-                        <a:defRPr b="0" i="0" sz="1800"/>
-                      </a:pPr>
-                      <a:r>
-                        <a:rPr sz="2600">
-                          <a:latin typeface="Helvetica Light"/>
-                          <a:ea typeface="Helvetica Light"/>
-                          <a:cs typeface="Helvetica Light"/>
+                        <a:defRPr sz="1800"/>
+                      </a:pPr>
+                      <a:r>
+                        <a:rPr sz="2600">
                           <a:sym typeface="Helvetica Light"/>
                         </a:rPr>
                         <a:t>date of purchase of the component</a:t>
@@ -7320,13 +7305,10 @@
                     <a:lstStyle/>
                     <a:p>
                       <a:pPr lvl="0" algn="ctr" defTabSz="914400">
-                        <a:defRPr b="0" i="0" sz="1800"/>
-                      </a:pPr>
-                      <a:r>
-                        <a:rPr sz="2600">
-                          <a:latin typeface="Helvetica Light"/>
-                          <a:ea typeface="Helvetica Light"/>
-                          <a:cs typeface="Helvetica Light"/>
+                        <a:defRPr sz="1800"/>
+                      </a:pPr>
+                      <a:r>
+                        <a:rPr sz="2600">
                           <a:sym typeface="Helvetica Light"/>
                         </a:rPr>
                         <a:t>Working_Status</a:t>
@@ -7354,13 +7336,10 @@
                     <a:lstStyle/>
                     <a:p>
                       <a:pPr lvl="0" algn="ctr" defTabSz="914400">
-                        <a:defRPr b="0" i="0" sz="1800"/>
-                      </a:pPr>
-                      <a:r>
-                        <a:rPr sz="2600">
-                          <a:latin typeface="Helvetica Light"/>
-                          <a:ea typeface="Helvetica Light"/>
-                          <a:cs typeface="Helvetica Light"/>
+                        <a:defRPr sz="1800"/>
+                      </a:pPr>
+                      <a:r>
+                        <a:rPr sz="2600">
                           <a:sym typeface="Helvetica Light"/>
                         </a:rPr>
                         <a:t>BOOLEAN</a:t>
@@ -7388,13 +7367,10 @@
                     <a:lstStyle/>
                     <a:p>
                       <a:pPr lvl="0" algn="ctr" defTabSz="914400">
-                        <a:defRPr b="0" i="0" sz="1800"/>
-                      </a:pPr>
-                      <a:r>
-                        <a:rPr sz="2600">
-                          <a:latin typeface="Helvetica Light"/>
-                          <a:ea typeface="Helvetica Light"/>
-                          <a:cs typeface="Helvetica Light"/>
+                        <a:defRPr sz="1800"/>
+                      </a:pPr>
+                      <a:r>
+                        <a:rPr sz="2600">
                           <a:sym typeface="Helvetica Light"/>
                         </a:rPr>
                         <a:t>NOT NULL</a:t>
@@ -7422,33 +7398,24 @@
                     <a:lstStyle/>
                     <a:p>
                       <a:pPr lvl="0" algn="l" defTabSz="914400">
-                        <a:defRPr b="0" i="0" sz="1800"/>
-                      </a:pPr>
-                      <a:r>
-                        <a:rPr sz="2600">
-                          <a:latin typeface="Helvetica Light"/>
-                          <a:ea typeface="Helvetica Light"/>
-                          <a:cs typeface="Helvetica Light"/>
+                        <a:defRPr sz="1800"/>
+                      </a:pPr>
+                      <a:r>
+                        <a:rPr sz="2600">
                           <a:sym typeface="Helvetica Light"/>
                         </a:rPr>
                         <a:t>1 - working</a:t>
                       </a:r>
                       <a:endParaRPr sz="2600">
-                        <a:latin typeface="Helvetica Light"/>
-                        <a:ea typeface="Helvetica Light"/>
-                        <a:cs typeface="Helvetica Light"/>
                         <a:sym typeface="Helvetica Light"/>
                       </a:endParaRPr>
                     </a:p>
                     <a:p>
                       <a:pPr lvl="0" algn="l" defTabSz="914400">
-                        <a:defRPr b="0" i="0" sz="1800"/>
-                      </a:pPr>
-                      <a:r>
-                        <a:rPr sz="2600">
-                          <a:latin typeface="Helvetica Light"/>
-                          <a:ea typeface="Helvetica Light"/>
-                          <a:cs typeface="Helvetica Light"/>
+                        <a:defRPr sz="1800"/>
+                      </a:pPr>
+                      <a:r>
+                        <a:rPr sz="2600">
                           <a:sym typeface="Helvetica Light"/>
                         </a:rPr>
                         <a:t>0 - not working</a:t>
@@ -7478,13 +7445,10 @@
                     <a:lstStyle/>
                     <a:p>
                       <a:pPr lvl="0" algn="ctr" defTabSz="914400">
-                        <a:defRPr b="0" i="0" sz="1800"/>
-                      </a:pPr>
-                      <a:r>
-                        <a:rPr sz="2600">
-                          <a:latin typeface="Helvetica Light"/>
-                          <a:ea typeface="Helvetica Light"/>
-                          <a:cs typeface="Helvetica Light"/>
+                        <a:defRPr sz="1800"/>
+                      </a:pPr>
+                      <a:r>
+                        <a:rPr sz="2600">
                           <a:sym typeface="Helvetica Light"/>
                         </a:rPr>
                         <a:t>Warranty</a:t>
@@ -7512,13 +7476,10 @@
                     <a:lstStyle/>
                     <a:p>
                       <a:pPr lvl="0" algn="ctr" defTabSz="914400">
-                        <a:defRPr b="0" i="0" sz="1800"/>
-                      </a:pPr>
-                      <a:r>
-                        <a:rPr sz="2600">
-                          <a:latin typeface="Helvetica Light"/>
-                          <a:ea typeface="Helvetica Light"/>
-                          <a:cs typeface="Helvetica Light"/>
+                        <a:defRPr sz="1800"/>
+                      </a:pPr>
+                      <a:r>
+                        <a:rPr sz="2600">
                           <a:sym typeface="Helvetica Light"/>
                         </a:rPr>
                         <a:t>INT</a:t>
@@ -7546,13 +7507,10 @@
                     <a:lstStyle/>
                     <a:p>
                       <a:pPr lvl="0" algn="ctr" defTabSz="914400">
-                        <a:defRPr b="0" i="0" sz="1800"/>
-                      </a:pPr>
-                      <a:r>
-                        <a:rPr sz="2600">
-                          <a:latin typeface="Helvetica Light"/>
-                          <a:ea typeface="Helvetica Light"/>
-                          <a:cs typeface="Helvetica Light"/>
+                        <a:defRPr sz="1800"/>
+                      </a:pPr>
+                      <a:r>
+                        <a:rPr sz="2600">
                           <a:sym typeface="Helvetica Light"/>
                         </a:rPr>
                         <a:t>POSITIVE</a:t>
@@ -7580,13 +7538,10 @@
                     <a:lstStyle/>
                     <a:p>
                       <a:pPr lvl="0" algn="l" defTabSz="914400">
-                        <a:defRPr b="0" i="0" sz="1800"/>
-                      </a:pPr>
-                      <a:r>
-                        <a:rPr sz="2600">
-                          <a:latin typeface="Helvetica Light"/>
-                          <a:ea typeface="Helvetica Light"/>
-                          <a:cs typeface="Helvetica Light"/>
+                        <a:defRPr sz="1800"/>
+                      </a:pPr>
+                      <a:r>
+                        <a:rPr sz="2600">
                           <a:sym typeface="Helvetica Light"/>
                         </a:rPr>
                         <a:t>no of months of warrant </a:t>
@@ -7616,13 +7571,10 @@
                     <a:lstStyle/>
                     <a:p>
                       <a:pPr lvl="0" algn="ctr" defTabSz="914400">
-                        <a:defRPr b="0" i="0" sz="1800"/>
-                      </a:pPr>
-                      <a:r>
-                        <a:rPr sz="2600">
-                          <a:latin typeface="Helvetica Light"/>
-                          <a:ea typeface="Helvetica Light"/>
-                          <a:cs typeface="Helvetica Light"/>
+                        <a:defRPr sz="1800"/>
+                      </a:pPr>
+                      <a:r>
+                        <a:rPr sz="2600">
                           <a:sym typeface="Helvetica Light"/>
                         </a:rPr>
                         <a:t>Supplier_ID</a:t>
@@ -7650,13 +7602,10 @@
                     <a:lstStyle/>
                     <a:p>
                       <a:pPr lvl="0" algn="ctr" defTabSz="914400">
-                        <a:defRPr b="0" i="0" sz="1800"/>
-                      </a:pPr>
-                      <a:r>
-                        <a:rPr sz="2600">
-                          <a:latin typeface="Helvetica Light"/>
-                          <a:ea typeface="Helvetica Light"/>
-                          <a:cs typeface="Helvetica Light"/>
+                        <a:defRPr sz="1800"/>
+                      </a:pPr>
+                      <a:r>
+                        <a:rPr sz="2600">
                           <a:sym typeface="Helvetica Light"/>
                         </a:rPr>
                         <a:t>INT</a:t>
@@ -7684,13 +7633,10 @@
                     <a:lstStyle/>
                     <a:p>
                       <a:pPr lvl="0" algn="ctr" defTabSz="914400">
-                        <a:defRPr b="0" i="0" sz="1800"/>
-                      </a:pPr>
-                      <a:r>
-                        <a:rPr sz="2600">
-                          <a:latin typeface="Helvetica Light"/>
-                          <a:ea typeface="Helvetica Light"/>
-                          <a:cs typeface="Helvetica Light"/>
+                        <a:defRPr sz="1800"/>
+                      </a:pPr>
+                      <a:r>
+                        <a:rPr sz="2600">
                           <a:sym typeface="Helvetica Light"/>
                         </a:rPr>
                         <a:t>NOT NULL</a:t>
@@ -7718,13 +7664,10 @@
                     <a:lstStyle/>
                     <a:p>
                       <a:pPr lvl="0" algn="ctr" defTabSz="914400">
-                        <a:defRPr b="0" i="0" sz="1800"/>
-                      </a:pPr>
-                      <a:r>
-                        <a:rPr sz="2600">
-                          <a:latin typeface="Helvetica Light"/>
-                          <a:ea typeface="Helvetica Light"/>
-                          <a:cs typeface="Helvetica Light"/>
+                        <a:defRPr sz="1800"/>
+                      </a:pPr>
+                      <a:r>
+                        <a:rPr sz="2600">
                           <a:sym typeface="Helvetica Light"/>
                         </a:rPr>
                         <a:t>indicating the supplier of the component</a:t>
@@ -7754,13 +7697,10 @@
                     <a:lstStyle/>
                     <a:p>
                       <a:pPr lvl="0" algn="ctr" defTabSz="914400">
-                        <a:defRPr b="0" i="0" sz="1800"/>
-                      </a:pPr>
-                      <a:r>
-                        <a:rPr sz="2600">
-                          <a:latin typeface="Helvetica Light"/>
-                          <a:ea typeface="Helvetica Light"/>
-                          <a:cs typeface="Helvetica Light"/>
+                        <a:defRPr sz="1800"/>
+                      </a:pPr>
+                      <a:r>
+                        <a:rPr sz="2600">
                           <a:sym typeface="Helvetica Light"/>
                         </a:rPr>
                         <a:t>Type</a:t>
@@ -7788,13 +7728,10 @@
                     <a:lstStyle/>
                     <a:p>
                       <a:pPr lvl="0" algn="ctr" defTabSz="914400">
-                        <a:defRPr b="0" i="0" sz="1800"/>
-                      </a:pPr>
-                      <a:r>
-                        <a:rPr sz="2600">
-                          <a:latin typeface="Helvetica Light"/>
-                          <a:ea typeface="Helvetica Light"/>
-                          <a:cs typeface="Helvetica Light"/>
+                        <a:defRPr sz="1800"/>
+                      </a:pPr>
+                      <a:r>
+                        <a:rPr sz="2600">
                           <a:sym typeface="Helvetica Light"/>
                         </a:rPr>
                         <a:t>INT</a:t>
@@ -7822,13 +7759,10 @@
                     <a:lstStyle/>
                     <a:p>
                       <a:pPr lvl="0" algn="ctr" defTabSz="914400">
-                        <a:defRPr b="0" i="0" sz="1800"/>
-                      </a:pPr>
-                      <a:r>
-                        <a:rPr sz="2600">
-                          <a:latin typeface="Helvetica Light"/>
-                          <a:ea typeface="Helvetica Light"/>
-                          <a:cs typeface="Helvetica Light"/>
+                        <a:defRPr sz="1800"/>
+                      </a:pPr>
+                      <a:r>
+                        <a:rPr sz="2600">
                           <a:sym typeface="Helvetica Light"/>
                         </a:rPr>
                         <a:t>NOT NULL</a:t>
@@ -7856,73 +7790,52 @@
                     <a:lstStyle/>
                     <a:p>
                       <a:pPr lvl="0" algn="l" defTabSz="914400">
-                        <a:defRPr b="0" i="0" sz="1800"/>
-                      </a:pPr>
-                      <a:r>
-                        <a:rPr sz="2600">
-                          <a:latin typeface="Helvetica Light"/>
-                          <a:ea typeface="Helvetica Light"/>
-                          <a:cs typeface="Helvetica Light"/>
+                        <a:defRPr sz="1800"/>
+                      </a:pPr>
+                      <a:r>
+                        <a:rPr sz="2600">
                           <a:sym typeface="Helvetica Light"/>
                         </a:rPr>
                         <a:t>1 - CPU</a:t>
                       </a:r>
                       <a:endParaRPr sz="2600">
-                        <a:latin typeface="Helvetica Light"/>
-                        <a:ea typeface="Helvetica Light"/>
-                        <a:cs typeface="Helvetica Light"/>
                         <a:sym typeface="Helvetica Light"/>
                       </a:endParaRPr>
                     </a:p>
                     <a:p>
                       <a:pPr lvl="0" algn="l" defTabSz="914400">
-                        <a:defRPr b="0" i="0" sz="1800"/>
-                      </a:pPr>
-                      <a:r>
-                        <a:rPr sz="2600">
-                          <a:latin typeface="Helvetica Light"/>
-                          <a:ea typeface="Helvetica Light"/>
-                          <a:cs typeface="Helvetica Light"/>
+                        <a:defRPr sz="1800"/>
+                      </a:pPr>
+                      <a:r>
+                        <a:rPr sz="2600">
                           <a:sym typeface="Helvetica Light"/>
                         </a:rPr>
                         <a:t>2 - Monitor</a:t>
                       </a:r>
                       <a:endParaRPr sz="2600">
-                        <a:latin typeface="Helvetica Light"/>
-                        <a:ea typeface="Helvetica Light"/>
-                        <a:cs typeface="Helvetica Light"/>
                         <a:sym typeface="Helvetica Light"/>
                       </a:endParaRPr>
                     </a:p>
                     <a:p>
                       <a:pPr lvl="0" algn="l" defTabSz="914400">
-                        <a:defRPr b="0" i="0" sz="1800"/>
-                      </a:pPr>
-                      <a:r>
-                        <a:rPr sz="2600">
-                          <a:latin typeface="Helvetica Light"/>
-                          <a:ea typeface="Helvetica Light"/>
-                          <a:cs typeface="Helvetica Light"/>
+                        <a:defRPr sz="1800"/>
+                      </a:pPr>
+                      <a:r>
+                        <a:rPr sz="2600">
                           <a:sym typeface="Helvetica Light"/>
                         </a:rPr>
                         <a:t>3 - Keyboard</a:t>
                       </a:r>
                       <a:endParaRPr sz="2600">
-                        <a:latin typeface="Helvetica Light"/>
-                        <a:ea typeface="Helvetica Light"/>
-                        <a:cs typeface="Helvetica Light"/>
                         <a:sym typeface="Helvetica Light"/>
                       </a:endParaRPr>
                     </a:p>
                     <a:p>
                       <a:pPr lvl="0" algn="l" defTabSz="914400">
-                        <a:defRPr b="0" i="0" sz="1800"/>
-                      </a:pPr>
-                      <a:r>
-                        <a:rPr sz="2600">
-                          <a:latin typeface="Helvetica Light"/>
-                          <a:ea typeface="Helvetica Light"/>
-                          <a:cs typeface="Helvetica Light"/>
+                        <a:defRPr sz="1800"/>
+                      </a:pPr>
+                      <a:r>
+                        <a:rPr sz="2600">
                           <a:sym typeface="Helvetica Light"/>
                         </a:rPr>
                         <a:t>4 - Mouse</a:t>
@@ -7996,7 +7909,7 @@
           <a:bodyPr/>
           <a:lstStyle/>
           <a:p>
-            <a:pPr lvl="0" algn="l">
+            <a:pPr lvl="0">
               <a:defRPr sz="1800"/>
             </a:pPr>
             <a:r>
@@ -8006,7 +7919,7 @@
             <a:endParaRPr sz="4200"/>
           </a:p>
           <a:p>
-            <a:pPr lvl="0" algn="l">
+            <a:pPr lvl="0">
               <a:defRPr sz="1800"/>
             </a:pPr>
             <a:r>
@@ -8263,13 +8176,10 @@
                     <a:lstStyle/>
                     <a:p>
                       <a:pPr lvl="0" algn="ctr" defTabSz="914400">
-                        <a:defRPr b="0" i="0" sz="1800"/>
-                      </a:pPr>
-                      <a:r>
-                        <a:rPr sz="2600">
-                          <a:latin typeface="Helvetica Light"/>
-                          <a:ea typeface="Helvetica Light"/>
-                          <a:cs typeface="Helvetica Light"/>
+                        <a:defRPr sz="1800"/>
+                      </a:pPr>
+                      <a:r>
+                        <a:rPr sz="2600">
                           <a:sym typeface="Helvetica Light"/>
                         </a:rPr>
                         <a:t>Supplier_ID</a:t>
@@ -8297,13 +8207,10 @@
                     <a:lstStyle/>
                     <a:p>
                       <a:pPr lvl="0" algn="ctr" defTabSz="914400">
-                        <a:defRPr b="0" i="0" sz="1800"/>
-                      </a:pPr>
-                      <a:r>
-                        <a:rPr sz="2600">
-                          <a:latin typeface="Helvetica Light"/>
-                          <a:ea typeface="Helvetica Light"/>
-                          <a:cs typeface="Helvetica Light"/>
+                        <a:defRPr sz="1800"/>
+                      </a:pPr>
+                      <a:r>
+                        <a:rPr sz="2600">
                           <a:sym typeface="Helvetica Light"/>
                         </a:rPr>
                         <a:t>INT</a:t>
@@ -8331,33 +8238,24 @@
                     <a:lstStyle/>
                     <a:p>
                       <a:pPr lvl="0" algn="ctr" defTabSz="914400">
-                        <a:defRPr b="0" i="0" sz="1800"/>
-                      </a:pPr>
-                      <a:r>
-                        <a:rPr sz="2600">
-                          <a:latin typeface="Helvetica Light"/>
-                          <a:ea typeface="Helvetica Light"/>
-                          <a:cs typeface="Helvetica Light"/>
+                        <a:defRPr sz="1800"/>
+                      </a:pPr>
+                      <a:r>
+                        <a:rPr sz="2600">
                           <a:sym typeface="Helvetica Light"/>
                         </a:rPr>
                         <a:t>NOT NULL</a:t>
                       </a:r>
                       <a:endParaRPr sz="2600">
-                        <a:latin typeface="Helvetica Light"/>
-                        <a:ea typeface="Helvetica Light"/>
-                        <a:cs typeface="Helvetica Light"/>
                         <a:sym typeface="Helvetica Light"/>
                       </a:endParaRPr>
                     </a:p>
                     <a:p>
                       <a:pPr lvl="0" algn="ctr" defTabSz="914400">
-                        <a:defRPr b="0" i="0" sz="1800"/>
-                      </a:pPr>
-                      <a:r>
-                        <a:rPr sz="2600">
-                          <a:latin typeface="Helvetica Light"/>
-                          <a:ea typeface="Helvetica Light"/>
-                          <a:cs typeface="Helvetica Light"/>
+                        <a:defRPr sz="1800"/>
+                      </a:pPr>
+                      <a:r>
+                        <a:rPr sz="2600">
                           <a:sym typeface="Helvetica Light"/>
                         </a:rPr>
                         <a:t>UNIQUE</a:t>
@@ -8385,13 +8283,10 @@
                     <a:lstStyle/>
                     <a:p>
                       <a:pPr lvl="0" algn="ctr" defTabSz="914400">
-                        <a:defRPr b="0" i="0" sz="1800"/>
-                      </a:pPr>
-                      <a:r>
-                        <a:rPr sz="2600">
-                          <a:latin typeface="Helvetica Light"/>
-                          <a:ea typeface="Helvetica Light"/>
-                          <a:cs typeface="Helvetica Light"/>
+                        <a:defRPr sz="1800"/>
+                      </a:pPr>
+                      <a:r>
+                        <a:rPr sz="2600">
                           <a:sym typeface="Helvetica Light"/>
                         </a:rPr>
                         <a:t>Uniquely Identify each supplier</a:t>
@@ -8421,13 +8316,10 @@
                     <a:lstStyle/>
                     <a:p>
                       <a:pPr lvl="0" algn="ctr" defTabSz="914400">
-                        <a:defRPr b="0" i="0" sz="1800"/>
-                      </a:pPr>
-                      <a:r>
-                        <a:rPr sz="2600">
-                          <a:latin typeface="Helvetica Light"/>
-                          <a:ea typeface="Helvetica Light"/>
-                          <a:cs typeface="Helvetica Light"/>
+                        <a:defRPr sz="1800"/>
+                      </a:pPr>
+                      <a:r>
+                        <a:rPr sz="2600">
                           <a:sym typeface="Helvetica Light"/>
                         </a:rPr>
                         <a:t>Name</a:t>
@@ -8455,13 +8347,10 @@
                     <a:lstStyle/>
                     <a:p>
                       <a:pPr lvl="0" algn="ctr" defTabSz="914400">
-                        <a:defRPr b="0" i="0" sz="1800"/>
-                      </a:pPr>
-                      <a:r>
-                        <a:rPr sz="2600">
-                          <a:latin typeface="Helvetica Light"/>
-                          <a:ea typeface="Helvetica Light"/>
-                          <a:cs typeface="Helvetica Light"/>
+                        <a:defRPr sz="1800"/>
+                      </a:pPr>
+                      <a:r>
+                        <a:rPr sz="2600">
                           <a:sym typeface="Helvetica Light"/>
                         </a:rPr>
                         <a:t>varchar(100)</a:t>
@@ -8489,13 +8378,10 @@
                     <a:lstStyle/>
                     <a:p>
                       <a:pPr lvl="0" algn="ctr" defTabSz="914400">
-                        <a:defRPr b="0" i="0" sz="1800"/>
-                      </a:pPr>
-                      <a:r>
-                        <a:rPr sz="2600">
-                          <a:latin typeface="Helvetica Light"/>
-                          <a:ea typeface="Helvetica Light"/>
-                          <a:cs typeface="Helvetica Light"/>
+                        <a:defRPr sz="1800"/>
+                      </a:pPr>
+                      <a:r>
+                        <a:rPr sz="2600">
                           <a:sym typeface="Helvetica Light"/>
                         </a:rPr>
                         <a:t>NOT NULL</a:t>
@@ -8523,13 +8409,10 @@
                     <a:lstStyle/>
                     <a:p>
                       <a:pPr lvl="0" algn="ctr" defTabSz="914400">
-                        <a:defRPr b="0" i="0" sz="1800"/>
-                      </a:pPr>
-                      <a:r>
-                        <a:rPr sz="2600">
-                          <a:latin typeface="Helvetica Light"/>
-                          <a:ea typeface="Helvetica Light"/>
-                          <a:cs typeface="Helvetica Light"/>
+                        <a:defRPr sz="1800"/>
+                      </a:pPr>
+                      <a:r>
+                        <a:rPr sz="2600">
                           <a:sym typeface="Helvetica Light"/>
                         </a:rPr>
                         <a:t>Name of the supplier</a:t>
@@ -8559,13 +8442,10 @@
                     <a:lstStyle/>
                     <a:p>
                       <a:pPr lvl="0" algn="ctr" defTabSz="914400">
-                        <a:defRPr b="0" i="0" sz="1800"/>
-                      </a:pPr>
-                      <a:r>
-                        <a:rPr sz="2600">
-                          <a:latin typeface="Helvetica Light"/>
-                          <a:ea typeface="Helvetica Light"/>
-                          <a:cs typeface="Helvetica Light"/>
+                        <a:defRPr sz="1800"/>
+                      </a:pPr>
+                      <a:r>
+                        <a:rPr sz="2600">
                           <a:sym typeface="Helvetica Light"/>
                         </a:rPr>
                         <a:t>No_of_components_supplied</a:t>
@@ -8593,13 +8473,10 @@
                     <a:lstStyle/>
                     <a:p>
                       <a:pPr lvl="0" algn="ctr" defTabSz="914400">
-                        <a:defRPr b="0" i="0" sz="1800"/>
-                      </a:pPr>
-                      <a:r>
-                        <a:rPr sz="2600">
-                          <a:latin typeface="Helvetica Light"/>
-                          <a:ea typeface="Helvetica Light"/>
-                          <a:cs typeface="Helvetica Light"/>
+                        <a:defRPr sz="1800"/>
+                      </a:pPr>
+                      <a:r>
+                        <a:rPr sz="2600">
                           <a:sym typeface="Helvetica Light"/>
                         </a:rPr>
                         <a:t>INT</a:t>
@@ -8627,13 +8504,10 @@
                     <a:lstStyle/>
                     <a:p>
                       <a:pPr lvl="0" algn="ctr" defTabSz="914400">
-                        <a:defRPr b="0" i="0" sz="1800"/>
-                      </a:pPr>
-                      <a:r>
-                        <a:rPr sz="2600">
-                          <a:latin typeface="Helvetica Light"/>
-                          <a:ea typeface="Helvetica Light"/>
-                          <a:cs typeface="Helvetica Light"/>
+                        <a:defRPr sz="1800"/>
+                      </a:pPr>
+                      <a:r>
+                        <a:rPr sz="2600">
                           <a:sym typeface="Helvetica Light"/>
                         </a:rPr>
                         <a:t>NOT NULL</a:t>
@@ -8661,13 +8535,10 @@
                     <a:lstStyle/>
                     <a:p>
                       <a:pPr lvl="0" algn="l" defTabSz="914400">
-                        <a:defRPr b="0" i="0" sz="1800"/>
-                      </a:pPr>
-                      <a:r>
-                        <a:rPr sz="2600">
-                          <a:latin typeface="Helvetica Light"/>
-                          <a:ea typeface="Helvetica Light"/>
-                          <a:cs typeface="Helvetica Light"/>
+                        <a:defRPr sz="1800"/>
+                      </a:pPr>
+                      <a:r>
+                        <a:rPr sz="2600">
                           <a:sym typeface="Helvetica Light"/>
                         </a:rPr>
                         <a:t>no of components supplied by that supplier</a:t>
@@ -8697,13 +8568,10 @@
                     <a:lstStyle/>
                     <a:p>
                       <a:pPr lvl="0" algn="ctr" defTabSz="914400">
-                        <a:defRPr b="0" i="0" sz="1800"/>
-                      </a:pPr>
-                      <a:r>
-                        <a:rPr sz="2600">
-                          <a:latin typeface="Helvetica Light"/>
-                          <a:ea typeface="Helvetica Light"/>
-                          <a:cs typeface="Helvetica Light"/>
+                        <a:defRPr sz="1800"/>
+                      </a:pPr>
+                      <a:r>
+                        <a:rPr sz="2600">
                           <a:sym typeface="Helvetica Light"/>
                         </a:rPr>
                         <a:t>No_of_complaints</a:t>
@@ -8731,13 +8599,10 @@
                     <a:lstStyle/>
                     <a:p>
                       <a:pPr lvl="0" algn="ctr" defTabSz="914400">
-                        <a:defRPr b="0" i="0" sz="1800"/>
-                      </a:pPr>
-                      <a:r>
-                        <a:rPr sz="2600">
-                          <a:latin typeface="Helvetica Light"/>
-                          <a:ea typeface="Helvetica Light"/>
-                          <a:cs typeface="Helvetica Light"/>
+                        <a:defRPr sz="1800"/>
+                      </a:pPr>
+                      <a:r>
+                        <a:rPr sz="2600">
                           <a:sym typeface="Helvetica Light"/>
                         </a:rPr>
                         <a:t>INT</a:t>
@@ -8765,13 +8630,10 @@
                     <a:lstStyle/>
                     <a:p>
                       <a:pPr lvl="0" algn="ctr" defTabSz="914400">
-                        <a:defRPr b="0" i="0" sz="1800"/>
-                      </a:pPr>
-                      <a:r>
-                        <a:rPr sz="2600">
-                          <a:latin typeface="Helvetica Light"/>
-                          <a:ea typeface="Helvetica Light"/>
-                          <a:cs typeface="Helvetica Light"/>
+                        <a:defRPr sz="1800"/>
+                      </a:pPr>
+                      <a:r>
+                        <a:rPr sz="2600">
                           <a:sym typeface="Helvetica Light"/>
                         </a:rPr>
                         <a:t>NON NEGATIVE</a:t>
@@ -8802,13 +8664,10 @@
                         <a:spcBef>
                           <a:spcPts val="1200"/>
                         </a:spcBef>
-                        <a:defRPr b="0" i="0" sz="1800"/>
-                      </a:pPr>
-                      <a:r>
-                        <a:rPr sz="2600">
-                          <a:latin typeface="Helvetica Light"/>
-                          <a:ea typeface="Helvetica Light"/>
-                          <a:cs typeface="Helvetica Light"/>
+                        <a:defRPr sz="1800"/>
+                      </a:pPr>
+                      <a:r>
+                        <a:rPr sz="2600">
                           <a:sym typeface="Helvetica Light"/>
                         </a:rPr>
                         <a:t>Total complaints from the components shipped by the supplier. This can be used to track the quality of the products shipped by the supplier. </a:t>
@@ -8866,6 +8725,854 @@
           <p:cNvPr id="95" name="Shape 95"/>
           <p:cNvSpPr/>
           <p:nvPr>
+            <p:ph type="body" idx="4294967295"/>
+          </p:nvPr>
+        </p:nvSpPr>
+        <p:spPr>
+          <a:xfrm>
+            <a:off x="396356" y="106546"/>
+            <a:ext cx="12212088" cy="9373629"/>
+          </a:xfrm>
+          <a:prstGeom prst="rect">
+            <a:avLst/>
+          </a:prstGeom>
+        </p:spPr>
+        <p:txBody>
+          <a:bodyPr anchor="t"/>
+          <a:lstStyle/>
+          <a:p>
+            <a:pPr lvl="0" marL="0" indent="0" defTabSz="516140">
+              <a:spcBef>
+                <a:spcPts val="0"/>
+              </a:spcBef>
+              <a:buSzTx/>
+              <a:buNone/>
+              <a:defRPr sz="1800"/>
+            </a:pPr>
+            <a:r>
+              <a:rPr sz="4200"/>
+              <a:t>  Complainer</a:t>
+            </a:r>
+            <a:endParaRPr sz="4200"/>
+          </a:p>
+          <a:p>
+            <a:pPr lvl="0" marL="0" indent="0" defTabSz="516140">
+              <a:spcBef>
+                <a:spcPts val="0"/>
+              </a:spcBef>
+              <a:buSzTx/>
+              <a:buNone/>
+              <a:defRPr sz="1800"/>
+            </a:pPr>
+            <a:r>
+              <a:rPr sz="4200"/>
+              <a:t>  Primary Key - Complainer_ID</a:t>
+            </a:r>
+          </a:p>
+        </p:txBody>
+      </p:sp>
+      <p:graphicFrame>
+        <p:nvGraphicFramePr>
+          <p:cNvPr id="96" name="Table 96"/>
+          <p:cNvGraphicFramePr/>
+          <p:nvPr/>
+        </p:nvGraphicFramePr>
+        <p:xfrm>
+          <a:off x="673539" y="1494650"/>
+          <a:ext cx="11874842" cy="7392091"/>
+        </p:xfrm>
+        <a:graphic xmlns:a="http://schemas.openxmlformats.org/drawingml/2006/main">
+          <a:graphicData uri="http://schemas.openxmlformats.org/drawingml/2006/table">
+            <a:tbl>
+              <a:tblPr firstCol="0" firstRow="1" lastCol="0" lastRow="0" bandCol="0" bandRow="1" rtl="0">
+                <a:tableStyleId>{4C3C2611-4C71-4FC5-86AE-919BDF0F9419}</a:tableStyleId>
+              </a:tblPr>
+              <a:tblGrid>
+                <a:gridCol w="3087318"/>
+                <a:gridCol w="2115122"/>
+                <a:gridCol w="2442641"/>
+                <a:gridCol w="4229758"/>
+              </a:tblGrid>
+              <a:tr h="1606554">
+                <a:tc>
+                  <a:txBody>
+                    <a:bodyPr/>
+                    <a:lstStyle/>
+                    <a:p>
+                      <a:pPr lvl="0" algn="ctr" defTabSz="914400">
+                        <a:tabLst>
+                          <a:tab pos="1181100" algn="l"/>
+                        </a:tabLst>
+                        <a:defRPr b="0" sz="1800">
+                          <a:solidFill>
+                            <a:srgbClr val="000000"/>
+                          </a:solidFill>
+                        </a:defRPr>
+                      </a:pPr>
+                      <a:r>
+                        <a:rPr sz="2600">
+                          <a:solidFill>
+                            <a:srgbClr val="FFFFFF"/>
+                          </a:solidFill>
+                          <a:effectLst>
+                            <a:outerShdw sx="100000" sy="100000" kx="0" ky="0" algn="b" rotWithShape="0" blurRad="25400" dist="25400" dir="5400000">
+                              <a:srgbClr val="000000">
+                                <a:alpha val="60000"/>
+                              </a:srgbClr>
+                            </a:outerShdw>
+                          </a:effectLst>
+                          <a:latin typeface="Helvetica Light"/>
+                          <a:ea typeface="Helvetica Light"/>
+                          <a:cs typeface="Helvetica Light"/>
+                          <a:sym typeface="Helvetica Light"/>
+                        </a:rPr>
+                        <a:t>Name</a:t>
+                      </a:r>
+                    </a:p>
+                  </a:txBody>
+                  <a:tcPr marL="50800" marR="50800" marT="50800" marB="50800" anchor="ctr" anchorCtr="0" horzOverflow="overflow">
+                    <a:lnL w="12700">
+                      <a:miter lim="400000"/>
+                    </a:lnL>
+                    <a:lnR w="12700">
+                      <a:miter lim="400000"/>
+                    </a:lnR>
+                    <a:lnT w="12700">
+                      <a:miter lim="400000"/>
+                    </a:lnT>
+                    <a:lnB w="12700">
+                      <a:miter lim="400000"/>
+                    </a:lnB>
+                    <a:solidFill>
+                      <a:srgbClr val="0365C0"/>
+                    </a:solidFill>
+                  </a:tcPr>
+                </a:tc>
+                <a:tc>
+                  <a:txBody>
+                    <a:bodyPr/>
+                    <a:lstStyle/>
+                    <a:p>
+                      <a:pPr lvl="0" algn="ctr" defTabSz="914400">
+                        <a:tabLst>
+                          <a:tab pos="1181100" algn="l"/>
+                        </a:tabLst>
+                        <a:defRPr b="0" sz="1800">
+                          <a:solidFill>
+                            <a:srgbClr val="000000"/>
+                          </a:solidFill>
+                        </a:defRPr>
+                      </a:pPr>
+                      <a:r>
+                        <a:rPr sz="2600">
+                          <a:solidFill>
+                            <a:srgbClr val="FFFFFF"/>
+                          </a:solidFill>
+                          <a:effectLst>
+                            <a:outerShdw sx="100000" sy="100000" kx="0" ky="0" algn="b" rotWithShape="0" blurRad="25400" dist="25400" dir="5400000">
+                              <a:srgbClr val="000000">
+                                <a:alpha val="60000"/>
+                              </a:srgbClr>
+                            </a:outerShdw>
+                          </a:effectLst>
+                          <a:latin typeface="Helvetica Light"/>
+                          <a:ea typeface="Helvetica Light"/>
+                          <a:cs typeface="Helvetica Light"/>
+                          <a:sym typeface="Helvetica Light"/>
+                        </a:rPr>
+                        <a:t>Data Type</a:t>
+                      </a:r>
+                    </a:p>
+                  </a:txBody>
+                  <a:tcPr marL="50800" marR="50800" marT="50800" marB="50800" anchor="ctr" anchorCtr="0" horzOverflow="overflow">
+                    <a:lnL w="12700">
+                      <a:miter lim="400000"/>
+                    </a:lnL>
+                    <a:lnR w="12700">
+                      <a:miter lim="400000"/>
+                    </a:lnR>
+                    <a:lnT w="12700">
+                      <a:miter lim="400000"/>
+                    </a:lnT>
+                    <a:lnB w="12700">
+                      <a:miter lim="400000"/>
+                    </a:lnB>
+                    <a:solidFill>
+                      <a:srgbClr val="0365C0"/>
+                    </a:solidFill>
+                  </a:tcPr>
+                </a:tc>
+                <a:tc>
+                  <a:txBody>
+                    <a:bodyPr/>
+                    <a:lstStyle/>
+                    <a:p>
+                      <a:pPr lvl="0" algn="ctr" defTabSz="914400">
+                        <a:tabLst>
+                          <a:tab pos="1181100" algn="l"/>
+                        </a:tabLst>
+                        <a:defRPr b="0" sz="1800">
+                          <a:solidFill>
+                            <a:srgbClr val="000000"/>
+                          </a:solidFill>
+                        </a:defRPr>
+                      </a:pPr>
+                      <a:r>
+                        <a:rPr sz="2600">
+                          <a:solidFill>
+                            <a:srgbClr val="FFFFFF"/>
+                          </a:solidFill>
+                          <a:effectLst>
+                            <a:outerShdw sx="100000" sy="100000" kx="0" ky="0" algn="b" rotWithShape="0" blurRad="25400" dist="25400" dir="5400000">
+                              <a:srgbClr val="000000">
+                                <a:alpha val="60000"/>
+                              </a:srgbClr>
+                            </a:outerShdw>
+                          </a:effectLst>
+                          <a:latin typeface="Helvetica Light"/>
+                          <a:ea typeface="Helvetica Light"/>
+                          <a:cs typeface="Helvetica Light"/>
+                          <a:sym typeface="Helvetica Light"/>
+                        </a:rPr>
+                        <a:t>Constraints</a:t>
+                      </a:r>
+                    </a:p>
+                  </a:txBody>
+                  <a:tcPr marL="50800" marR="50800" marT="50800" marB="50800" anchor="ctr" anchorCtr="0" horzOverflow="overflow">
+                    <a:lnL w="12700">
+                      <a:miter lim="400000"/>
+                    </a:lnL>
+                    <a:lnR w="12700">
+                      <a:miter lim="400000"/>
+                    </a:lnR>
+                    <a:lnT w="12700">
+                      <a:miter lim="400000"/>
+                    </a:lnT>
+                    <a:lnB w="12700">
+                      <a:miter lim="400000"/>
+                    </a:lnB>
+                    <a:solidFill>
+                      <a:srgbClr val="0365C0"/>
+                    </a:solidFill>
+                  </a:tcPr>
+                </a:tc>
+                <a:tc>
+                  <a:txBody>
+                    <a:bodyPr/>
+                    <a:lstStyle/>
+                    <a:p>
+                      <a:pPr lvl="0" algn="ctr" defTabSz="914400">
+                        <a:tabLst>
+                          <a:tab pos="1181100" algn="l"/>
+                        </a:tabLst>
+                        <a:defRPr b="0" sz="1800">
+                          <a:solidFill>
+                            <a:srgbClr val="000000"/>
+                          </a:solidFill>
+                        </a:defRPr>
+                      </a:pPr>
+                      <a:r>
+                        <a:rPr sz="2600">
+                          <a:solidFill>
+                            <a:srgbClr val="FFFFFF"/>
+                          </a:solidFill>
+                          <a:effectLst>
+                            <a:outerShdw sx="100000" sy="100000" kx="0" ky="0" algn="b" rotWithShape="0" blurRad="25400" dist="25400" dir="5400000">
+                              <a:srgbClr val="000000">
+                                <a:alpha val="60000"/>
+                              </a:srgbClr>
+                            </a:outerShdw>
+                          </a:effectLst>
+                          <a:latin typeface="Helvetica Light"/>
+                          <a:ea typeface="Helvetica Light"/>
+                          <a:cs typeface="Helvetica Light"/>
+                          <a:sym typeface="Helvetica Light"/>
+                        </a:rPr>
+                        <a:t>Details</a:t>
+                      </a:r>
+                    </a:p>
+                  </a:txBody>
+                  <a:tcPr marL="50800" marR="50800" marT="50800" marB="50800" anchor="ctr" anchorCtr="0" horzOverflow="overflow">
+                    <a:lnL w="12700">
+                      <a:miter lim="400000"/>
+                    </a:lnL>
+                    <a:lnR w="12700">
+                      <a:miter lim="400000"/>
+                    </a:lnR>
+                    <a:lnT w="12700">
+                      <a:miter lim="400000"/>
+                    </a:lnT>
+                    <a:lnB w="12700">
+                      <a:miter lim="400000"/>
+                    </a:lnB>
+                    <a:solidFill>
+                      <a:srgbClr val="0365C0"/>
+                    </a:solidFill>
+                  </a:tcPr>
+                </a:tc>
+              </a:tr>
+              <a:tr h="1083713">
+                <a:tc>
+                  <a:txBody>
+                    <a:bodyPr/>
+                    <a:lstStyle/>
+                    <a:p>
+                      <a:pPr lvl="0" algn="ctr" defTabSz="914400">
+                        <a:defRPr sz="1800"/>
+                      </a:pPr>
+                      <a:r>
+                        <a:rPr b="1" i="1" sz="2600">
+                          <a:latin typeface="+mj-lt"/>
+                          <a:ea typeface="+mj-ea"/>
+                          <a:cs typeface="+mj-cs"/>
+                        </a:rPr>
+                        <a:t>Name</a:t>
+                      </a:r>
+                    </a:p>
+                  </a:txBody>
+                  <a:tcPr marL="50800" marR="50800" marT="50800" marB="50800" anchor="ctr" anchorCtr="0" horzOverflow="overflow">
+                    <a:lnL w="12700">
+                      <a:miter lim="400000"/>
+                    </a:lnL>
+                    <a:lnR w="12700">
+                      <a:miter lim="400000"/>
+                    </a:lnR>
+                    <a:lnT w="12700">
+                      <a:miter lim="400000"/>
+                    </a:lnT>
+                    <a:lnB w="12700">
+                      <a:miter lim="400000"/>
+                    </a:lnB>
+                  </a:tcPr>
+                </a:tc>
+                <a:tc>
+                  <a:txBody>
+                    <a:bodyPr/>
+                    <a:lstStyle/>
+                    <a:p>
+                      <a:pPr lvl="0" algn="ctr" defTabSz="914400">
+                        <a:defRPr sz="1800"/>
+                      </a:pPr>
+                      <a:r>
+                        <a:rPr sz="2600">
+                          <a:sym typeface="Helvetica Light"/>
+                        </a:rPr>
+                        <a:t>INT</a:t>
+                      </a:r>
+                    </a:p>
+                  </a:txBody>
+                  <a:tcPr marL="50800" marR="50800" marT="50800" marB="50800" anchor="ctr" anchorCtr="0" horzOverflow="overflow">
+                    <a:lnL w="12700">
+                      <a:miter lim="400000"/>
+                    </a:lnL>
+                    <a:lnR w="12700">
+                      <a:miter lim="400000"/>
+                    </a:lnR>
+                    <a:lnT w="12700">
+                      <a:miter lim="400000"/>
+                    </a:lnT>
+                    <a:lnB w="12700">
+                      <a:miter lim="400000"/>
+                    </a:lnB>
+                  </a:tcPr>
+                </a:tc>
+                <a:tc>
+                  <a:txBody>
+                    <a:bodyPr/>
+                    <a:lstStyle/>
+                    <a:p>
+                      <a:pPr lvl="0" algn="ctr" defTabSz="914400">
+                        <a:defRPr sz="1800"/>
+                      </a:pPr>
+                      <a:r>
+                        <a:rPr sz="2600">
+                          <a:sym typeface="Helvetica Light"/>
+                        </a:rPr>
+                        <a:t>NOT NULL</a:t>
+                      </a:r>
+                      <a:endParaRPr sz="2600">
+                        <a:sym typeface="Helvetica Light"/>
+                      </a:endParaRPr>
+                    </a:p>
+                    <a:p>
+                      <a:pPr lvl="0" algn="ctr" defTabSz="914400">
+                        <a:defRPr sz="1800"/>
+                      </a:pPr>
+                      <a:r>
+                        <a:rPr sz="2600">
+                          <a:sym typeface="Helvetica Light"/>
+                        </a:rPr>
+                        <a:t>UNIQUE</a:t>
+                      </a:r>
+                    </a:p>
+                  </a:txBody>
+                  <a:tcPr marL="50800" marR="50800" marT="50800" marB="50800" anchor="ctr" anchorCtr="0" horzOverflow="overflow">
+                    <a:lnL w="12700">
+                      <a:miter lim="400000"/>
+                    </a:lnL>
+                    <a:lnR w="12700">
+                      <a:miter lim="400000"/>
+                    </a:lnR>
+                    <a:lnT w="12700">
+                      <a:miter lim="400000"/>
+                    </a:lnT>
+                    <a:lnB w="12700">
+                      <a:miter lim="400000"/>
+                    </a:lnB>
+                  </a:tcPr>
+                </a:tc>
+                <a:tc>
+                  <a:txBody>
+                    <a:bodyPr/>
+                    <a:lstStyle/>
+                    <a:p>
+                      <a:pPr lvl="0" algn="ctr" defTabSz="914400">
+                        <a:defRPr sz="1800"/>
+                      </a:pPr>
+                      <a:r>
+                        <a:rPr sz="2600">
+                          <a:sym typeface="Helvetica Light"/>
+                        </a:rPr>
+                        <a:t>Uniquely Identify each supplier</a:t>
+                      </a:r>
+                    </a:p>
+                  </a:txBody>
+                  <a:tcPr marL="50800" marR="50800" marT="50800" marB="50800" anchor="ctr" anchorCtr="0" horzOverflow="overflow">
+                    <a:lnL w="12700">
+                      <a:miter lim="400000"/>
+                    </a:lnL>
+                    <a:lnR w="12700">
+                      <a:miter lim="400000"/>
+                    </a:lnR>
+                    <a:lnT w="12700">
+                      <a:miter lim="400000"/>
+                    </a:lnT>
+                    <a:lnB w="12700">
+                      <a:miter lim="400000"/>
+                    </a:lnB>
+                  </a:tcPr>
+                </a:tc>
+              </a:tr>
+              <a:tr h="845294">
+                <a:tc>
+                  <a:txBody>
+                    <a:bodyPr/>
+                    <a:lstStyle/>
+                    <a:p>
+                      <a:pPr lvl="0" algn="ctr" defTabSz="914400">
+                        <a:defRPr sz="1800"/>
+                      </a:pPr>
+                      <a:r>
+                        <a:rPr b="1" i="1" sz="2600">
+                          <a:latin typeface="+mj-lt"/>
+                          <a:ea typeface="+mj-ea"/>
+                          <a:cs typeface="+mj-cs"/>
+                        </a:rPr>
+                        <a:t>Department</a:t>
+                      </a:r>
+                    </a:p>
+                  </a:txBody>
+                  <a:tcPr marL="50800" marR="50800" marT="50800" marB="50800" anchor="ctr" anchorCtr="0" horzOverflow="overflow">
+                    <a:lnL w="12700">
+                      <a:miter lim="400000"/>
+                    </a:lnL>
+                    <a:lnR w="12700">
+                      <a:miter lim="400000"/>
+                    </a:lnR>
+                    <a:lnT w="12700">
+                      <a:miter lim="400000"/>
+                    </a:lnT>
+                    <a:lnB w="12700">
+                      <a:miter lim="400000"/>
+                    </a:lnB>
+                  </a:tcPr>
+                </a:tc>
+                <a:tc>
+                  <a:txBody>
+                    <a:bodyPr/>
+                    <a:lstStyle/>
+                    <a:p>
+                      <a:pPr lvl="0" algn="ctr" defTabSz="914400">
+                        <a:defRPr sz="1800"/>
+                      </a:pPr>
+                      <a:r>
+                        <a:rPr sz="2600">
+                          <a:sym typeface="Helvetica Light"/>
+                        </a:rPr>
+                        <a:t>varchar(100)</a:t>
+                      </a:r>
+                    </a:p>
+                  </a:txBody>
+                  <a:tcPr marL="50800" marR="50800" marT="50800" marB="50800" anchor="ctr" anchorCtr="0" horzOverflow="overflow">
+                    <a:lnL w="12700">
+                      <a:miter lim="400000"/>
+                    </a:lnL>
+                    <a:lnR w="12700">
+                      <a:miter lim="400000"/>
+                    </a:lnR>
+                    <a:lnT w="12700">
+                      <a:miter lim="400000"/>
+                    </a:lnT>
+                    <a:lnB w="12700">
+                      <a:miter lim="400000"/>
+                    </a:lnB>
+                  </a:tcPr>
+                </a:tc>
+                <a:tc>
+                  <a:txBody>
+                    <a:bodyPr/>
+                    <a:lstStyle/>
+                    <a:p>
+                      <a:pPr lvl="0" algn="ctr" defTabSz="914400">
+                        <a:defRPr sz="1800"/>
+                      </a:pPr>
+                      <a:r>
+                        <a:rPr sz="2600">
+                          <a:sym typeface="Helvetica Light"/>
+                        </a:rPr>
+                        <a:t>NOT NULL</a:t>
+                      </a:r>
+                    </a:p>
+                  </a:txBody>
+                  <a:tcPr marL="50800" marR="50800" marT="50800" marB="50800" anchor="ctr" anchorCtr="0" horzOverflow="overflow">
+                    <a:lnL w="12700">
+                      <a:miter lim="400000"/>
+                    </a:lnL>
+                    <a:lnR w="12700">
+                      <a:miter lim="400000"/>
+                    </a:lnR>
+                    <a:lnT w="12700">
+                      <a:miter lim="400000"/>
+                    </a:lnT>
+                    <a:lnB w="12700">
+                      <a:miter lim="400000"/>
+                    </a:lnB>
+                  </a:tcPr>
+                </a:tc>
+                <a:tc>
+                  <a:txBody>
+                    <a:bodyPr/>
+                    <a:lstStyle/>
+                    <a:p>
+                      <a:pPr lvl="0" algn="ctr" defTabSz="914400">
+                        <a:defRPr sz="1800"/>
+                      </a:pPr>
+                      <a:r>
+                        <a:rPr sz="2600">
+                          <a:sym typeface="Helvetica Light"/>
+                        </a:rPr>
+                        <a:t>Name of the supplier</a:t>
+                      </a:r>
+                    </a:p>
+                  </a:txBody>
+                  <a:tcPr marL="50800" marR="50800" marT="50800" marB="50800" anchor="ctr" anchorCtr="0" horzOverflow="overflow">
+                    <a:lnL w="12700">
+                      <a:miter lim="400000"/>
+                    </a:lnL>
+                    <a:lnR w="12700">
+                      <a:miter lim="400000"/>
+                    </a:lnR>
+                    <a:lnT w="12700">
+                      <a:miter lim="400000"/>
+                    </a:lnT>
+                    <a:lnB w="12700">
+                      <a:miter lim="400000"/>
+                    </a:lnB>
+                  </a:tcPr>
+                </a:tc>
+              </a:tr>
+              <a:tr h="1372970">
+                <a:tc>
+                  <a:txBody>
+                    <a:bodyPr/>
+                    <a:lstStyle/>
+                    <a:p>
+                      <a:pPr lvl="0" algn="ctr" defTabSz="914400">
+                        <a:defRPr sz="1800"/>
+                      </a:pPr>
+                      <a:r>
+                        <a:rPr b="1" i="1" sz="2600">
+                          <a:latin typeface="+mj-lt"/>
+                          <a:ea typeface="+mj-ea"/>
+                          <a:cs typeface="+mj-cs"/>
+                        </a:rPr>
+                        <a:t>Designation</a:t>
+                      </a:r>
+                    </a:p>
+                  </a:txBody>
+                  <a:tcPr marL="50800" marR="50800" marT="50800" marB="50800" anchor="ctr" anchorCtr="0" horzOverflow="overflow">
+                    <a:lnL w="12700">
+                      <a:miter lim="400000"/>
+                    </a:lnL>
+                    <a:lnR w="12700">
+                      <a:miter lim="400000"/>
+                    </a:lnR>
+                    <a:lnT w="12700">
+                      <a:miter lim="400000"/>
+                    </a:lnT>
+                    <a:lnB w="12700">
+                      <a:miter lim="400000"/>
+                    </a:lnB>
+                  </a:tcPr>
+                </a:tc>
+                <a:tc>
+                  <a:txBody>
+                    <a:bodyPr/>
+                    <a:lstStyle/>
+                    <a:p>
+                      <a:pPr lvl="0" algn="ctr" defTabSz="914400">
+                        <a:defRPr sz="1800"/>
+                      </a:pPr>
+                      <a:r>
+                        <a:rPr sz="2600">
+                          <a:sym typeface="Helvetica Light"/>
+                        </a:rPr>
+                        <a:t>INT</a:t>
+                      </a:r>
+                    </a:p>
+                  </a:txBody>
+                  <a:tcPr marL="50800" marR="50800" marT="50800" marB="50800" anchor="ctr" anchorCtr="0" horzOverflow="overflow">
+                    <a:lnL w="12700">
+                      <a:miter lim="400000"/>
+                    </a:lnL>
+                    <a:lnR w="12700">
+                      <a:miter lim="400000"/>
+                    </a:lnR>
+                    <a:lnT w="12700">
+                      <a:miter lim="400000"/>
+                    </a:lnT>
+                    <a:lnB w="12700">
+                      <a:miter lim="400000"/>
+                    </a:lnB>
+                  </a:tcPr>
+                </a:tc>
+                <a:tc>
+                  <a:txBody>
+                    <a:bodyPr/>
+                    <a:lstStyle/>
+                    <a:p>
+                      <a:pPr lvl="0" algn="ctr" defTabSz="914400">
+                        <a:defRPr sz="1800"/>
+                      </a:pPr>
+                      <a:r>
+                        <a:rPr sz="2600">
+                          <a:sym typeface="Helvetica Light"/>
+                        </a:rPr>
+                        <a:t>NOT NULL</a:t>
+                      </a:r>
+                    </a:p>
+                  </a:txBody>
+                  <a:tcPr marL="50800" marR="50800" marT="50800" marB="50800" anchor="ctr" anchorCtr="0" horzOverflow="overflow">
+                    <a:lnL w="12700">
+                      <a:miter lim="400000"/>
+                    </a:lnL>
+                    <a:lnR w="12700">
+                      <a:miter lim="400000"/>
+                    </a:lnR>
+                    <a:lnT w="12700">
+                      <a:miter lim="400000"/>
+                    </a:lnT>
+                    <a:lnB w="12700">
+                      <a:miter lim="400000"/>
+                    </a:lnB>
+                  </a:tcPr>
+                </a:tc>
+                <a:tc>
+                  <a:txBody>
+                    <a:bodyPr/>
+                    <a:lstStyle/>
+                    <a:p>
+                      <a:pPr lvl="0" algn="l" defTabSz="914400">
+                        <a:defRPr sz="1800"/>
+                      </a:pPr>
+                      <a:r>
+                        <a:rPr sz="2600">
+                          <a:sym typeface="Helvetica Light"/>
+                        </a:rPr>
+                        <a:t>no of components supplied by that supplier</a:t>
+                      </a:r>
+                    </a:p>
+                  </a:txBody>
+                  <a:tcPr marL="50800" marR="50800" marT="50800" marB="50800" anchor="ctr" anchorCtr="0" horzOverflow="overflow">
+                    <a:lnL w="12700">
+                      <a:miter lim="400000"/>
+                    </a:lnL>
+                    <a:lnR w="12700">
+                      <a:miter lim="400000"/>
+                    </a:lnR>
+                    <a:lnT w="12700">
+                      <a:miter lim="400000"/>
+                    </a:lnT>
+                    <a:lnB w="12700">
+                      <a:miter lim="400000"/>
+                    </a:lnB>
+                  </a:tcPr>
+                </a:tc>
+              </a:tr>
+              <a:tr h="2483556">
+                <a:tc>
+                  <a:txBody>
+                    <a:bodyPr/>
+                    <a:lstStyle/>
+                    <a:p>
+                      <a:pPr lvl="0" algn="ctr" defTabSz="914400">
+                        <a:defRPr sz="1800"/>
+                      </a:pPr>
+                      <a:r>
+                        <a:rPr sz="2600">
+                          <a:sym typeface="Helvetica Light"/>
+                        </a:rPr>
+                        <a:t>No_of_complaints</a:t>
+                      </a:r>
+                    </a:p>
+                  </a:txBody>
+                  <a:tcPr marL="50800" marR="50800" marT="50800" marB="50800" anchor="ctr" anchorCtr="0" horzOverflow="overflow">
+                    <a:lnL w="12700">
+                      <a:miter lim="400000"/>
+                    </a:lnL>
+                    <a:lnR w="12700">
+                      <a:miter lim="400000"/>
+                    </a:lnR>
+                    <a:lnT w="12700">
+                      <a:miter lim="400000"/>
+                    </a:lnT>
+                    <a:lnB w="12700">
+                      <a:miter lim="400000"/>
+                    </a:lnB>
+                  </a:tcPr>
+                </a:tc>
+                <a:tc>
+                  <a:txBody>
+                    <a:bodyPr/>
+                    <a:lstStyle/>
+                    <a:p>
+                      <a:pPr lvl="0" algn="ctr" defTabSz="914400">
+                        <a:defRPr sz="1800"/>
+                      </a:pPr>
+                      <a:r>
+                        <a:rPr sz="2600">
+                          <a:sym typeface="Helvetica Light"/>
+                        </a:rPr>
+                        <a:t>INT</a:t>
+                      </a:r>
+                    </a:p>
+                  </a:txBody>
+                  <a:tcPr marL="50800" marR="50800" marT="50800" marB="50800" anchor="ctr" anchorCtr="0" horzOverflow="overflow">
+                    <a:lnL w="12700">
+                      <a:miter lim="400000"/>
+                    </a:lnL>
+                    <a:lnR w="12700">
+                      <a:miter lim="400000"/>
+                    </a:lnR>
+                    <a:lnT w="12700">
+                      <a:miter lim="400000"/>
+                    </a:lnT>
+                    <a:lnB w="12700">
+                      <a:miter lim="400000"/>
+                    </a:lnB>
+                  </a:tcPr>
+                </a:tc>
+                <a:tc>
+                  <a:txBody>
+                    <a:bodyPr/>
+                    <a:lstStyle/>
+                    <a:p>
+                      <a:pPr lvl="0" algn="ctr" defTabSz="914400">
+                        <a:defRPr sz="1800"/>
+                      </a:pPr>
+                      <a:r>
+                        <a:rPr sz="2600">
+                          <a:sym typeface="Helvetica Light"/>
+                        </a:rPr>
+                        <a:t>NON NEGATIVE</a:t>
+                      </a:r>
+                    </a:p>
+                  </a:txBody>
+                  <a:tcPr marL="50800" marR="50800" marT="50800" marB="50800" anchor="ctr" anchorCtr="0" horzOverflow="overflow">
+                    <a:lnL w="12700">
+                      <a:miter lim="400000"/>
+                    </a:lnL>
+                    <a:lnR w="12700">
+                      <a:miter lim="400000"/>
+                    </a:lnR>
+                    <a:lnT w="12700">
+                      <a:miter lim="400000"/>
+                    </a:lnT>
+                    <a:lnB w="12700">
+                      <a:miter lim="400000"/>
+                    </a:lnB>
+                  </a:tcPr>
+                </a:tc>
+                <a:tc>
+                  <a:txBody>
+                    <a:bodyPr/>
+                    <a:lstStyle/>
+                    <a:p>
+                      <a:pPr lvl="0" algn="l" defTabSz="457200">
+                        <a:spcBef>
+                          <a:spcPts val="1200"/>
+                        </a:spcBef>
+                        <a:defRPr sz="1800"/>
+                      </a:pPr>
+                      <a:r>
+                        <a:rPr sz="2600">
+                          <a:sym typeface="Helvetica Light"/>
+                        </a:rPr>
+                        <a:t>Total complaints from the components shipped by the supplier. This can be used to track the quality of the products shipped by the supplier. </a:t>
+                      </a:r>
+                    </a:p>
+                  </a:txBody>
+                  <a:tcPr marL="50800" marR="50800" marT="50800" marB="50800" anchor="ctr" anchorCtr="0" horzOverflow="overflow">
+                    <a:lnL w="12700">
+                      <a:miter lim="400000"/>
+                    </a:lnL>
+                    <a:lnR w="12700">
+                      <a:miter lim="400000"/>
+                    </a:lnR>
+                    <a:lnT w="12700">
+                      <a:miter lim="400000"/>
+                    </a:lnT>
+                    <a:lnB w="12700">
+                      <a:miter lim="400000"/>
+                    </a:lnB>
+                  </a:tcPr>
+                </a:tc>
+              </a:tr>
+            </a:tbl>
+          </a:graphicData>
+        </a:graphic>
+      </p:graphicFrame>
+    </p:spTree>
+  </p:cSld>
+  <p:clrMapOvr>
+    <a:masterClrMapping/>
+  </p:clrMapOvr>
+  <p:transition spd="med" advClick="1"/>
+</p:sld>
+</file>
+
+<file path=ppt/slides/slide25.xml><?xml version="1.0" encoding="utf-8"?>
+<p:sld xmlns:a="http://schemas.openxmlformats.org/drawingml/2006/main" xmlns:r="http://schemas.openxmlformats.org/officeDocument/2006/relationships" xmlns:p="http://schemas.openxmlformats.org/presentationml/2006/main" showMasterSp="1" showMasterPhAnim="1">
+  <p:cSld>
+    <p:spTree>
+      <p:nvGrpSpPr>
+        <p:cNvPr id="1" name=""/>
+        <p:cNvGrpSpPr/>
+        <p:nvPr/>
+      </p:nvGrpSpPr>
+      <p:grpSpPr>
+        <a:xfrm>
+          <a:off x="0" y="0"/>
+          <a:ext cx="0" cy="0"/>
+          <a:chOff x="0" y="0"/>
+          <a:chExt cx="0" cy="0"/>
+        </a:xfrm>
+      </p:grpSpPr>
+      <p:sp>
+        <p:nvSpPr>
+          <p:cNvPr id="98" name="Shape 98"/>
+          <p:cNvSpPr/>
+          <p:nvPr>
             <p:ph type="title"/>
           </p:nvPr>
         </p:nvSpPr>
@@ -8894,14 +9601,14 @@
       </p:sp>
       <p:sp>
         <p:nvSpPr>
-          <p:cNvPr id="96" name="Shape 96"/>
+          <p:cNvPr id="99" name="Shape 99"/>
           <p:cNvSpPr/>
           <p:nvPr/>
         </p:nvSpPr>
         <p:spPr>
           <a:xfrm>
-            <a:off x="1768021" y="3930646"/>
-            <a:ext cx="9468758" cy="3924301"/>
+            <a:off x="1358900" y="4229100"/>
+            <a:ext cx="10464800" cy="3302000"/>
           </a:xfrm>
           <a:prstGeom prst="rect">
             <a:avLst/>
@@ -8916,8 +9623,8 @@
           </a:extLst>
         </p:spPr>
         <p:txBody>
-          <a:bodyPr lIns="50800" tIns="50800" rIns="50800" bIns="50800" anchor="ctr">
-            <a:spAutoFit/>
+          <a:bodyPr lIns="0" tIns="0" rIns="0" bIns="0">
+            <a:normAutofit fontScale="100000" lnSpcReduction="0"/>
           </a:bodyPr>
           <a:lstStyle/>
           <a:p>
@@ -8925,7 +9632,7 @@
               <a:defRPr sz="1800"/>
             </a:pPr>
             <a:r>
-              <a:rPr sz="3600">
+              <a:rPr sz="3000">
                 <a:latin typeface="Helvetica Light"/>
                 <a:ea typeface="Helvetica Light"/>
                 <a:cs typeface="Helvetica Light"/>
@@ -8933,7 +9640,7 @@
               </a:rPr>
               <a:t>Group Members</a:t>
             </a:r>
-            <a:endParaRPr>
+            <a:endParaRPr sz="3000">
               <a:latin typeface="Helvetica Light"/>
               <a:ea typeface="Helvetica Light"/>
               <a:cs typeface="Helvetica Light"/>
@@ -8941,22 +9648,22 @@
             </a:endParaRPr>
           </a:p>
           <a:p>
-            <a:pPr lvl="0" marL="11550304" indent="-11550304" algn="l">
+            <a:pPr lvl="0" marL="501314" indent="-501314" algn="l">
               <a:buSzPct val="100000"/>
               <a:buFont typeface="Helvetica Light"/>
               <a:buChar char="•"/>
               <a:defRPr sz="1800"/>
             </a:pPr>
             <a:r>
-              <a:rPr sz="3600">
+              <a:rPr sz="3000">
                 <a:latin typeface="Helvetica Light"/>
                 <a:ea typeface="Helvetica Light"/>
                 <a:cs typeface="Helvetica Light"/>
                 <a:sym typeface="Helvetica Light"/>
               </a:rPr>
-              <a:t>Vaibhav Savla</a:t>
+              <a:t>Omkar Mate                       131080026</a:t>
             </a:r>
-            <a:endParaRPr>
+            <a:endParaRPr sz="3000">
               <a:latin typeface="Helvetica Light"/>
               <a:ea typeface="Helvetica Light"/>
               <a:cs typeface="Helvetica Light"/>
@@ -8964,22 +9671,22 @@
             </a:endParaRPr>
           </a:p>
           <a:p>
-            <a:pPr lvl="0" marL="11550304" indent="-11550304" algn="l">
+            <a:pPr lvl="0" marL="501314" indent="-501314" algn="l">
               <a:buSzPct val="100000"/>
               <a:buFont typeface="Helvetica Light"/>
               <a:buChar char="•"/>
               <a:defRPr sz="1800"/>
             </a:pPr>
             <a:r>
-              <a:rPr sz="3600">
+              <a:rPr sz="3000">
                 <a:latin typeface="Helvetica Light"/>
                 <a:ea typeface="Helvetica Light"/>
                 <a:cs typeface="Helvetica Light"/>
                 <a:sym typeface="Helvetica Light"/>
               </a:rPr>
-              <a:t>Sanket Kasar</a:t>
+              <a:t>Vaibhav Savla                    131080019</a:t>
             </a:r>
-            <a:endParaRPr>
+            <a:endParaRPr sz="3000">
               <a:latin typeface="Helvetica Light"/>
               <a:ea typeface="Helvetica Light"/>
               <a:cs typeface="Helvetica Light"/>
@@ -8987,22 +9694,22 @@
             </a:endParaRPr>
           </a:p>
           <a:p>
-            <a:pPr lvl="0" marL="11550304" indent="-11550304" algn="l">
+            <a:pPr lvl="0" marL="501314" indent="-501314" algn="l">
               <a:buSzPct val="100000"/>
               <a:buFont typeface="Helvetica Light"/>
               <a:buChar char="•"/>
               <a:defRPr sz="1800"/>
             </a:pPr>
             <a:r>
-              <a:rPr sz="3600">
+              <a:rPr sz="3000">
                 <a:latin typeface="Helvetica Light"/>
                 <a:ea typeface="Helvetica Light"/>
                 <a:cs typeface="Helvetica Light"/>
                 <a:sym typeface="Helvetica Light"/>
               </a:rPr>
-              <a:t>Omkar Mate</a:t>
+              <a:t>Sanket Kasar                     131080006</a:t>
             </a:r>
-            <a:endParaRPr>
+            <a:endParaRPr sz="3000">
               <a:latin typeface="Helvetica Light"/>
               <a:ea typeface="Helvetica Light"/>
               <a:cs typeface="Helvetica Light"/>
@@ -9010,22 +9717,22 @@
             </a:endParaRPr>
           </a:p>
           <a:p>
-            <a:pPr lvl="0" marL="11550304" indent="-11550304" algn="l">
+            <a:pPr lvl="0" marL="501314" indent="-501314" algn="l">
               <a:buSzPct val="100000"/>
               <a:buFont typeface="Helvetica Light"/>
               <a:buChar char="•"/>
               <a:defRPr sz="1800"/>
             </a:pPr>
             <a:r>
-              <a:rPr sz="3600">
+              <a:rPr sz="3000">
                 <a:latin typeface="Helvetica Light"/>
                 <a:ea typeface="Helvetica Light"/>
                 <a:cs typeface="Helvetica Light"/>
                 <a:sym typeface="Helvetica Light"/>
               </a:rPr>
-              <a:t>Kiran Dange</a:t>
+              <a:t>Mohammed Gadiwala       131080013</a:t>
             </a:r>
-            <a:endParaRPr>
+            <a:endParaRPr sz="3000">
               <a:latin typeface="Helvetica Light"/>
               <a:ea typeface="Helvetica Light"/>
               <a:cs typeface="Helvetica Light"/>
@@ -9033,20 +9740,20 @@
             </a:endParaRPr>
           </a:p>
           <a:p>
-            <a:pPr lvl="0" marL="11550304" indent="-11550304" algn="l">
+            <a:pPr lvl="0" marL="501314" indent="-501314" algn="l">
               <a:buSzPct val="100000"/>
               <a:buFont typeface="Helvetica Light"/>
               <a:buChar char="•"/>
               <a:defRPr sz="1800"/>
             </a:pPr>
             <a:r>
-              <a:rPr sz="3600">
+              <a:rPr sz="3000">
                 <a:latin typeface="Helvetica Light"/>
                 <a:ea typeface="Helvetica Light"/>
                 <a:cs typeface="Helvetica Light"/>
                 <a:sym typeface="Helvetica Light"/>
               </a:rPr>
-              <a:t>Mohhamed Gadiwala</a:t>
+              <a:t>Kiran Dange                      131080024</a:t>
             </a:r>
           </a:p>
         </p:txBody>
@@ -9087,7 +9794,7 @@
         </p:nvSpPr>
         <p:spPr>
           <a:xfrm>
-            <a:off x="1270000" y="1638300"/>
+            <a:off x="1270000" y="571500"/>
             <a:ext cx="10464800" cy="2765139"/>
           </a:xfrm>
           <a:prstGeom prst="rect">
@@ -9118,8 +9825,8 @@
         </p:nvSpPr>
         <p:spPr>
           <a:xfrm>
-            <a:off x="1270000" y="4795675"/>
-            <a:ext cx="10464800" cy="4046671"/>
+            <a:off x="1270000" y="3723713"/>
+            <a:ext cx="10464800" cy="4561417"/>
           </a:xfrm>
           <a:prstGeom prst="rect">
             <a:avLst/>
@@ -9129,37 +9836,93 @@
           <a:bodyPr/>
           <a:lstStyle/>
           <a:p>
-            <a:pPr lvl="0" marL="19285339" indent="-19285339" algn="l" defTabSz="340004">
-              <a:buSzPct val="75000"/>
+            <a:pPr lvl="0" marL="891226" indent="-891226" defTabSz="457200">
+              <a:buSzPct val="100000"/>
+              <a:buFont typeface="Helvetica"/>
               <a:buChar char="•"/>
               <a:defRPr sz="1800"/>
             </a:pPr>
             <a:r>
-              <a:rPr sz="2160"/>
+              <a:rPr sz="4000">
+                <a:latin typeface="+mj-lt"/>
+                <a:ea typeface="+mj-ea"/>
+                <a:cs typeface="+mj-cs"/>
+                <a:sym typeface="Helvetica"/>
+              </a:rPr>
               <a:t>Management Level</a:t>
             </a:r>
-            <a:endParaRPr sz="2160"/>
+            <a:endParaRPr>
+              <a:latin typeface="+mj-lt"/>
+              <a:ea typeface="+mj-ea"/>
+              <a:cs typeface="+mj-cs"/>
+              <a:sym typeface="Helvetica"/>
+            </a:endParaRPr>
           </a:p>
           <a:p>
-            <a:pPr lvl="0" marL="19285339" indent="-19285339" algn="l" defTabSz="340004">
-              <a:buSzPct val="75000"/>
+            <a:pPr lvl="0" marL="401051" indent="-401051" defTabSz="457200">
+              <a:buSzPct val="100000"/>
+              <a:buFont typeface="Helvetica"/>
+              <a:buChar char="•"/>
+              <a:defRPr sz="1800"/>
+            </a:pPr>
+            <a:endParaRPr>
+              <a:latin typeface="+mj-lt"/>
+              <a:ea typeface="+mj-ea"/>
+              <a:cs typeface="+mj-cs"/>
+              <a:sym typeface="Helvetica"/>
+            </a:endParaRPr>
+          </a:p>
+          <a:p>
+            <a:pPr lvl="0" marL="891226" indent="-891226" defTabSz="457200">
+              <a:buSzPct val="100000"/>
+              <a:buFont typeface="Helvetica"/>
               <a:buChar char="•"/>
               <a:defRPr sz="1800"/>
             </a:pPr>
             <a:r>
-              <a:rPr sz="2160"/>
+              <a:rPr sz="4000">
+                <a:latin typeface="+mj-lt"/>
+                <a:ea typeface="+mj-ea"/>
+                <a:cs typeface="+mj-cs"/>
+                <a:sym typeface="Helvetica"/>
+              </a:rPr>
               <a:t>Lab Admin Level</a:t>
             </a:r>
-            <a:endParaRPr sz="2160"/>
+            <a:endParaRPr>
+              <a:latin typeface="+mj-lt"/>
+              <a:ea typeface="+mj-ea"/>
+              <a:cs typeface="+mj-cs"/>
+              <a:sym typeface="Helvetica"/>
+            </a:endParaRPr>
           </a:p>
           <a:p>
-            <a:pPr lvl="0" marL="19285339" indent="-19285339" algn="l" defTabSz="340004">
-              <a:buSzPct val="75000"/>
+            <a:pPr lvl="0" marL="401051" indent="-401051" defTabSz="457200">
+              <a:buSzPct val="100000"/>
+              <a:buFont typeface="Helvetica"/>
+              <a:buChar char="•"/>
+              <a:defRPr sz="1800"/>
+            </a:pPr>
+            <a:endParaRPr>
+              <a:latin typeface="+mj-lt"/>
+              <a:ea typeface="+mj-ea"/>
+              <a:cs typeface="+mj-cs"/>
+              <a:sym typeface="Helvetica"/>
+            </a:endParaRPr>
+          </a:p>
+          <a:p>
+            <a:pPr lvl="0" marL="891226" indent="-891226" defTabSz="457200">
+              <a:buSzPct val="100000"/>
+              <a:buFont typeface="Helvetica"/>
               <a:buChar char="•"/>
               <a:defRPr sz="1800"/>
             </a:pPr>
             <a:r>
-              <a:rPr sz="2160"/>
+              <a:rPr sz="4000">
+                <a:latin typeface="+mj-lt"/>
+                <a:ea typeface="+mj-ea"/>
+                <a:cs typeface="+mj-cs"/>
+                <a:sym typeface="Helvetica"/>
+              </a:rPr>
               <a:t>Student/Teacher Level</a:t>
             </a:r>
           </a:p>
@@ -9212,69 +9975,69 @@
           <a:bodyPr/>
           <a:lstStyle/>
           <a:p>
-            <a:pPr lvl="0" defTabSz="428008">
+            <a:pPr lvl="0" defTabSz="428007">
               <a:defRPr sz="1800"/>
             </a:pPr>
             <a:r>
-              <a:rPr sz="3568" u="sng"/>
+              <a:rPr sz="5000"/>
               <a:t>Management Level</a:t>
             </a:r>
-            <a:endParaRPr sz="3568" u="sng"/>
+            <a:endParaRPr sz="5000"/>
           </a:p>
           <a:p>
-            <a:pPr lvl="0" defTabSz="428008">
+            <a:pPr lvl="0" defTabSz="428007">
               <a:defRPr sz="1800"/>
             </a:pPr>
-            <a:endParaRPr sz="2324" u="sng"/>
+            <a:endParaRPr sz="2300" u="sng"/>
           </a:p>
           <a:p>
-            <a:pPr lvl="0" marL="12374250" indent="-12374250" algn="l" defTabSz="428008">
-              <a:buSzPct val="75000"/>
+            <a:pPr lvl="0" marL="623857" indent="-623857" defTabSz="428007">
+              <a:buSzPct val="100000"/>
               <a:buChar char="•"/>
               <a:defRPr sz="1800"/>
             </a:pPr>
             <a:r>
-              <a:rPr sz="2656"/>
+              <a:rPr sz="4000"/>
               <a:t>Resolving the complaints approved by the lab admin and deciding which supplier to buy components from.</a:t>
             </a:r>
-            <a:endParaRPr sz="2656"/>
+            <a:endParaRPr sz="4000"/>
           </a:p>
           <a:p>
-            <a:pPr lvl="0" marL="289473" indent="-289473" algn="l" defTabSz="428008">
-              <a:buSzPct val="75000"/>
+            <a:pPr lvl="0" marL="280735" indent="-280735" defTabSz="428007">
+              <a:buSzPct val="100000"/>
               <a:buChar char="•"/>
               <a:defRPr sz="1800"/>
             </a:pPr>
-            <a:endParaRPr sz="2656"/>
+            <a:endParaRPr sz="4000"/>
           </a:p>
           <a:p>
-            <a:pPr lvl="0" marL="12374250" indent="-12374250" algn="l" defTabSz="428008">
-              <a:buSzPct val="75000"/>
+            <a:pPr lvl="0" marL="623857" indent="-623857" defTabSz="428007">
+              <a:buSzPct val="100000"/>
               <a:buChar char="•"/>
               <a:defRPr sz="1800"/>
             </a:pPr>
             <a:r>
-              <a:rPr sz="2656"/>
+              <a:rPr sz="4000"/>
               <a:t>Maintaining the resources by regularly replacing the older components.</a:t>
             </a:r>
-            <a:endParaRPr sz="2656"/>
+            <a:endParaRPr sz="4000"/>
           </a:p>
           <a:p>
-            <a:pPr lvl="0" marL="289473" indent="-289473" algn="l" defTabSz="428008">
-              <a:buSzPct val="75000"/>
+            <a:pPr lvl="0" marL="280735" indent="-280735" defTabSz="428007">
+              <a:buSzPct val="100000"/>
               <a:buChar char="•"/>
               <a:defRPr sz="1800"/>
             </a:pPr>
-            <a:endParaRPr sz="2656"/>
+            <a:endParaRPr sz="4000"/>
           </a:p>
           <a:p>
-            <a:pPr lvl="0" marL="12374250" indent="-12374250" algn="l" defTabSz="428008">
-              <a:buSzPct val="75000"/>
+            <a:pPr lvl="0" marL="623857" indent="-623857" defTabSz="428007">
+              <a:buSzPct val="100000"/>
               <a:buChar char="•"/>
               <a:defRPr sz="1800"/>
             </a:pPr>
             <a:r>
-              <a:rPr sz="2656"/>
+              <a:rPr sz="4000"/>
               <a:t>Checking the regularity of all the lab admins.</a:t>
             </a:r>
           </a:p>
@@ -9331,65 +10094,65 @@
               <a:defRPr sz="1800"/>
             </a:pPr>
             <a:r>
-              <a:rPr sz="2924" u="sng"/>
+              <a:rPr sz="5000"/>
               <a:t>Lab Admin Level</a:t>
             </a:r>
-            <a:endParaRPr sz="2924" u="sng"/>
+            <a:endParaRPr sz="5000"/>
           </a:p>
           <a:p>
             <a:pPr lvl="0" defTabSz="346089">
               <a:defRPr sz="1800"/>
             </a:pPr>
-            <a:endParaRPr sz="1836" u="sng"/>
+            <a:endParaRPr u="sng"/>
           </a:p>
           <a:p>
-            <a:pPr lvl="0" marL="15271061" indent="-15271061" algn="l" defTabSz="346089">
-              <a:buSzPct val="75000"/>
+            <a:pPr lvl="0" marL="557015" indent="-557015" defTabSz="346089">
+              <a:buSzPct val="100000"/>
               <a:buChar char="•"/>
               <a:defRPr sz="1800"/>
             </a:pPr>
             <a:r>
-              <a:rPr sz="2176"/>
+              <a:rPr sz="4000"/>
               <a:t>View and modify any data regarding the components of the Computer.</a:t>
             </a:r>
-            <a:endParaRPr sz="2176"/>
+            <a:endParaRPr sz="4000"/>
           </a:p>
           <a:p>
-            <a:pPr lvl="0" marL="234068" indent="-234068" algn="l" defTabSz="346089">
-              <a:buSzPct val="75000"/>
+            <a:pPr lvl="0" marL="250657" indent="-250657" defTabSz="346089">
+              <a:buSzPct val="100000"/>
               <a:buChar char="•"/>
               <a:defRPr sz="1800"/>
             </a:pPr>
-            <a:endParaRPr sz="2176"/>
+            <a:endParaRPr sz="4000"/>
           </a:p>
           <a:p>
-            <a:pPr lvl="0" marL="15271061" indent="-15271061" algn="l" defTabSz="346089">
-              <a:buSzPct val="75000"/>
+            <a:pPr lvl="0" marL="557015" indent="-557015" defTabSz="346089">
+              <a:buSzPct val="100000"/>
               <a:buChar char="•"/>
               <a:defRPr sz="1800"/>
             </a:pPr>
             <a:r>
-              <a:rPr sz="2176"/>
+              <a:rPr sz="4000"/>
               <a:t>Verify and approve the complaints lodged by students and teachers.</a:t>
             </a:r>
-            <a:endParaRPr sz="2176"/>
+            <a:endParaRPr sz="4000"/>
           </a:p>
           <a:p>
-            <a:pPr lvl="0" marL="234068" indent="-234068" algn="l" defTabSz="346089">
-              <a:buSzPct val="75000"/>
+            <a:pPr lvl="0" marL="250657" indent="-250657" defTabSz="346089">
+              <a:buSzPct val="100000"/>
               <a:buChar char="•"/>
               <a:defRPr sz="1800"/>
             </a:pPr>
-            <a:endParaRPr sz="2176"/>
+            <a:endParaRPr sz="4000"/>
           </a:p>
           <a:p>
-            <a:pPr lvl="0" marL="15271061" indent="-15271061" algn="l" defTabSz="346089">
-              <a:buSzPct val="75000"/>
+            <a:pPr lvl="0" marL="557015" indent="-557015" defTabSz="346089">
+              <a:buSzPct val="100000"/>
               <a:buChar char="•"/>
               <a:defRPr sz="1800"/>
             </a:pPr>
             <a:r>
-              <a:rPr sz="2176"/>
+              <a:rPr sz="4000"/>
               <a:t>Assign priorities to the approved complaints.</a:t>
             </a:r>
           </a:p>
@@ -9431,7 +10194,7 @@
         </p:nvSpPr>
         <p:spPr>
           <a:xfrm>
-            <a:off x="1270000" y="1404409"/>
+            <a:off x="1270000" y="896409"/>
             <a:ext cx="10464800" cy="6944781"/>
           </a:xfrm>
           <a:prstGeom prst="rect">
@@ -9442,63 +10205,87 @@
           <a:bodyPr/>
           <a:lstStyle/>
           <a:p>
-            <a:pPr lvl="0" defTabSz="320783">
+            <a:pPr lvl="0">
               <a:defRPr sz="1800"/>
             </a:pPr>
             <a:r>
-              <a:rPr sz="2652" u="sng"/>
+              <a:rPr sz="5000"/>
               <a:t>Student/Teacher Level</a:t>
             </a:r>
-            <a:endParaRPr sz="2652" u="sng"/>
+            <a:endParaRPr sz="5000"/>
           </a:p>
           <a:p>
-            <a:pPr lvl="0" marL="14364592" indent="-14364592" algn="l" defTabSz="320783">
-              <a:buSzPct val="75000"/>
+            <a:pPr lvl="0" marL="401051" indent="-401051">
+              <a:buSzPct val="100000"/>
+              <a:buChar char="•"/>
+              <a:defRPr sz="1800"/>
+            </a:pPr>
+            <a:endParaRPr sz="2600" u="sng"/>
+          </a:p>
+          <a:p>
+            <a:pPr lvl="0" marL="401051" indent="-401051">
+              <a:buSzPct val="100000"/>
+              <a:buChar char="•"/>
+              <a:defRPr sz="1800"/>
+            </a:pPr>
+            <a:endParaRPr sz="2600" u="sng"/>
+          </a:p>
+          <a:p>
+            <a:pPr lvl="0" marL="401051" indent="-401051">
+              <a:buSzPct val="100000"/>
+              <a:buChar char="•"/>
+              <a:defRPr sz="1800"/>
+            </a:pPr>
+            <a:endParaRPr sz="2600" u="sng"/>
+          </a:p>
+          <a:p>
+            <a:pPr lvl="0" marL="401051" indent="-401051">
+              <a:buSzPct val="100000"/>
               <a:buChar char="•"/>
               <a:defRPr sz="1800"/>
             </a:pPr>
             <a:r>
-              <a:rPr sz="2040"/>
+              <a:rPr sz="4000"/>
               <a:t>View the components and technical specification of any computer.</a:t>
             </a:r>
-            <a:endParaRPr sz="2040"/>
+            <a:endParaRPr sz="4000"/>
           </a:p>
           <a:p>
-            <a:pPr lvl="0" marL="216954" indent="-216954" algn="l" defTabSz="320783">
-              <a:buSzPct val="75000"/>
+            <a:pPr lvl="0" marL="180472" indent="-180472">
+              <a:buSzPct val="100000"/>
               <a:buChar char="•"/>
               <a:defRPr sz="1800"/>
             </a:pPr>
-            <a:endParaRPr sz="2040"/>
+            <a:endParaRPr sz="4000"/>
           </a:p>
           <a:p>
-            <a:pPr lvl="0" marL="14364592" indent="-14364592" algn="l" defTabSz="320783">
-              <a:buSzPct val="75000"/>
+            <a:pPr lvl="0" marL="401051" indent="-401051">
+              <a:buSzPct val="100000"/>
               <a:buChar char="•"/>
               <a:defRPr sz="1800"/>
             </a:pPr>
             <a:r>
-              <a:rPr sz="2040"/>
+              <a:rPr sz="4000"/>
               <a:t>View the working status of any component.</a:t>
             </a:r>
-            <a:endParaRPr sz="2040"/>
+            <a:endParaRPr sz="4000"/>
           </a:p>
           <a:p>
-            <a:pPr lvl="0" marL="8618756" indent="-8618756" algn="l" defTabSz="320783">
-              <a:buSzPct val="75000"/>
+            <a:pPr lvl="0" marL="180472" indent="-180472">
+              <a:buSzPct val="100000"/>
               <a:buChar char="•"/>
               <a:defRPr sz="1800"/>
             </a:pPr>
-            <a:endParaRPr sz="2040"/>
+            <a:endParaRPr sz="4000"/>
           </a:p>
           <a:p>
-            <a:pPr lvl="0" marL="14364592" indent="-14364592" algn="l" defTabSz="320783">
-              <a:buSzPct val="75000"/>
+            <a:pPr lvl="0" marL="401051" indent="-401051">
+              <a:buSzPct val="100000"/>
               <a:buChar char="•"/>
               <a:defRPr sz="1800"/>
             </a:pPr>
             <a:r>
-              <a:rPr sz="2040"/>
+              <a:rPr sz="4000"/>
               <a:t>Lodge a complaint regarding faulty components and check the status of their lodged complaint.</a:t>
             </a:r>
           </a:p>
@@ -9540,8 +10327,8 @@
         </p:nvSpPr>
         <p:spPr>
           <a:xfrm>
-            <a:off x="384848" y="290002"/>
-            <a:ext cx="12235103" cy="1013175"/>
+            <a:off x="384848" y="290001"/>
+            <a:ext cx="12235103" cy="1013176"/>
           </a:xfrm>
           <a:prstGeom prst="rect">
             <a:avLst/>
@@ -9550,8 +10337,8 @@
         <p:txBody>
           <a:bodyPr/>
           <a:lstStyle>
-            <a:lvl1pPr algn="l" defTabSz="438150">
-              <a:defRPr sz="6000" u="sng"/>
+            <a:lvl1pPr defTabSz="438150">
+              <a:defRPr sz="5000" u="sng"/>
             </a:lvl1pPr>
           </a:lstStyle>
           <a:p>
@@ -9559,7 +10346,7 @@
               <a:defRPr sz="1800" u="none"/>
             </a:pPr>
             <a:r>
-              <a:rPr sz="6000" u="sng"/>
+              <a:rPr sz="5000" u="sng"/>
               <a:t>Entity</a:t>
             </a:r>
           </a:p>
@@ -9586,162 +10373,134 @@
           <a:bodyPr/>
           <a:lstStyle/>
           <a:p>
-            <a:pPr lvl="0" marL="10331445" indent="-10331445" algn="l" defTabSz="516140">
-              <a:buSzPct val="75000"/>
+            <a:pPr lvl="0" marL="513988" indent="-513988" defTabSz="372084">
+              <a:buSzPct val="100000"/>
               <a:buChar char="•"/>
               <a:defRPr sz="1800"/>
             </a:pPr>
             <a:r>
-              <a:rPr sz="2790"/>
-              <a:t>Component (</a:t>
+              <a:rPr sz="2848"/>
+              <a:t>Component (Component_ID, Supplier_ID, Working Status, Warranty, Date_of_purchase, Type)</a:t>
             </a:r>
-            <a:r>
-              <a:rPr sz="2790" u="sng"/>
-              <a:t>Component_ID</a:t>
-            </a:r>
-            <a:r>
-              <a:rPr sz="2790"/>
-              <a:t>, Supplier_ID, Working Status, Warranty, Date_of_purchase, Type)</a:t>
-            </a:r>
-            <a:endParaRPr sz="2790"/>
+            <a:endParaRPr sz="2848"/>
           </a:p>
           <a:p>
-            <a:pPr lvl="0" marL="349080" indent="-349080" algn="l" defTabSz="516140">
-              <a:buSzPct val="75000"/>
+            <a:pPr lvl="0" marL="289118" indent="-289118" defTabSz="372084">
+              <a:buSzPct val="100000"/>
               <a:buChar char="•"/>
               <a:defRPr sz="1800"/>
             </a:pPr>
-            <a:endParaRPr sz="2790"/>
+            <a:endParaRPr sz="2848"/>
           </a:p>
           <a:p>
-            <a:pPr lvl="0" marL="10331445" indent="-10331445" algn="l" defTabSz="516140">
-              <a:buSzPct val="75000"/>
+            <a:pPr lvl="0" marL="513988" indent="-513988" defTabSz="372084">
+              <a:buSzPct val="100000"/>
               <a:buChar char="•"/>
               <a:defRPr sz="1800"/>
             </a:pPr>
             <a:r>
-              <a:rPr sz="2790"/>
-              <a:t>PC (</a:t>
+              <a:rPr sz="2848"/>
+              <a:t>PC (PC_ID, Lab_ID, OS)</a:t>
             </a:r>
-            <a:r>
-              <a:rPr sz="2790" u="sng"/>
-              <a:t>PC_ID,</a:t>
-            </a:r>
-            <a:r>
-              <a:rPr sz="2790"/>
-              <a:t> Lab_ID, OS)</a:t>
-            </a:r>
-            <a:endParaRPr sz="2790"/>
+            <a:endParaRPr sz="2848"/>
           </a:p>
           <a:p>
-            <a:pPr lvl="0" marL="349080" indent="-349080" algn="l" defTabSz="516140">
-              <a:buSzPct val="75000"/>
+            <a:pPr lvl="0" marL="289118" indent="-289118" defTabSz="372084">
+              <a:buSzPct val="100000"/>
               <a:buChar char="•"/>
               <a:defRPr sz="1800"/>
             </a:pPr>
-            <a:endParaRPr sz="2790"/>
+            <a:endParaRPr sz="2848"/>
           </a:p>
           <a:p>
-            <a:pPr lvl="0" marL="10331445" indent="-10331445" algn="l" defTabSz="516140">
-              <a:buSzPct val="75000"/>
+            <a:pPr lvl="0" marL="513988" indent="-513988" defTabSz="372084">
+              <a:buSzPct val="100000"/>
               <a:buChar char="•"/>
               <a:defRPr sz="1800"/>
             </a:pPr>
             <a:r>
-              <a:rPr sz="2790"/>
-              <a:t>Supplier (</a:t>
+              <a:rPr sz="2848"/>
+              <a:t>Supplier (Supplier_ID,  Name, Total_Complaints, Total_No_Shipped)</a:t>
             </a:r>
-            <a:r>
-              <a:rPr sz="2790" u="sng"/>
-              <a:t>Supplier_ID</a:t>
-            </a:r>
-            <a:r>
-              <a:rPr sz="2790"/>
-              <a:t>,  Name, Total_Complaints, Total_No_Shipped)</a:t>
-            </a:r>
-            <a:endParaRPr sz="2790"/>
+            <a:endParaRPr sz="2848"/>
           </a:p>
           <a:p>
-            <a:pPr lvl="0" marL="349080" indent="-349080" algn="l" defTabSz="516140">
-              <a:buSzPct val="75000"/>
+            <a:pPr lvl="0" marL="289118" indent="-289118" defTabSz="372084">
+              <a:buSzPct val="100000"/>
               <a:buChar char="•"/>
               <a:defRPr sz="1800"/>
             </a:pPr>
-            <a:endParaRPr sz="2790"/>
+            <a:endParaRPr sz="2848"/>
           </a:p>
           <a:p>
-            <a:pPr lvl="0" marL="10331445" indent="-10331445" algn="l" defTabSz="516140">
-              <a:buSzPct val="75000"/>
+            <a:pPr lvl="0" marL="513988" indent="-513988" defTabSz="372084">
+              <a:buSzPct val="100000"/>
               <a:buChar char="•"/>
               <a:defRPr sz="1800"/>
             </a:pPr>
             <a:r>
-              <a:rPr sz="2790"/>
-              <a:t>Lab (</a:t>
+              <a:rPr sz="2848"/>
+              <a:t>Lab (Lab_ID, No_of_PCs)</a:t>
             </a:r>
-            <a:r>
-              <a:rPr sz="2790" u="sng"/>
-              <a:t>Lab_ID</a:t>
-            </a:r>
-            <a:r>
-              <a:rPr sz="2790"/>
-              <a:t>, No_of_PCs)</a:t>
-            </a:r>
-            <a:endParaRPr sz="2790"/>
+            <a:endParaRPr sz="2848"/>
           </a:p>
           <a:p>
-            <a:pPr lvl="0" marL="349080" indent="-349080" algn="l" defTabSz="516140">
-              <a:buSzPct val="75000"/>
+            <a:pPr lvl="0" marL="289118" indent="-289118" defTabSz="372084">
+              <a:buSzPct val="100000"/>
               <a:buChar char="•"/>
               <a:defRPr sz="1800"/>
             </a:pPr>
-            <a:endParaRPr sz="2790"/>
+            <a:endParaRPr sz="2848"/>
           </a:p>
           <a:p>
-            <a:pPr lvl="0" marL="10331445" indent="-10331445" algn="l" defTabSz="516140">
-              <a:buSzPct val="75000"/>
+            <a:pPr lvl="0" marL="513988" indent="-513988" defTabSz="372084">
+              <a:buSzPct val="100000"/>
               <a:buChar char="•"/>
               <a:defRPr sz="1800"/>
             </a:pPr>
             <a:r>
-              <a:rPr sz="2790"/>
-              <a:t>LabAdmin (</a:t>
+              <a:rPr sz="2848"/>
+              <a:t>LabAdmin (LabAdmin_ ID, Lab_ID , No_Of_Complaints_Handled, Last_Login)</a:t>
             </a:r>
-            <a:r>
-              <a:rPr sz="2790" u="sng"/>
-              <a:t>LabAdmin_ ID</a:t>
-            </a:r>
-            <a:r>
-              <a:rPr sz="2790"/>
-              <a:t>, Lab_ID , No_Of_Complaints_Handled, Last_Login)</a:t>
-            </a:r>
-            <a:endParaRPr sz="2790"/>
+            <a:endParaRPr sz="2848"/>
           </a:p>
           <a:p>
-            <a:pPr lvl="0" marL="349080" indent="-349080" algn="l" defTabSz="516140">
-              <a:buSzPct val="75000"/>
+            <a:pPr lvl="0" marL="289118" indent="-289118" defTabSz="372084">
+              <a:buSzPct val="100000"/>
               <a:buChar char="•"/>
               <a:defRPr sz="1800"/>
             </a:pPr>
-            <a:endParaRPr sz="2790"/>
+            <a:endParaRPr sz="2848"/>
           </a:p>
           <a:p>
-            <a:pPr lvl="0" marL="10331445" indent="-10331445" algn="l" defTabSz="516140">
-              <a:buSzPct val="75000"/>
+            <a:pPr lvl="0" marL="513988" indent="-513988" defTabSz="372084">
+              <a:buSzPct val="100000"/>
               <a:buChar char="•"/>
               <a:defRPr sz="1800"/>
             </a:pPr>
             <a:r>
-              <a:rPr sz="2790"/>
-              <a:t>Complaint (</a:t>
+              <a:rPr sz="2848"/>
+              <a:t>Complaint (Complaint_ID, Title, Complainer_ID,Status, Date_Of_Complaint)</a:t>
             </a:r>
+            <a:endParaRPr sz="2848"/>
+          </a:p>
+          <a:p>
+            <a:pPr lvl="0" marL="289118" indent="-289118" defTabSz="372084">
+              <a:buSzPct val="100000"/>
+              <a:buChar char="•"/>
+              <a:defRPr sz="1800"/>
+            </a:pPr>
+            <a:endParaRPr sz="2848"/>
+          </a:p>
+          <a:p>
+            <a:pPr lvl="0" marL="513988" indent="-513988" defTabSz="372084">
+              <a:buSzPct val="100000"/>
+              <a:buChar char="•"/>
+              <a:defRPr sz="1800"/>
+            </a:pPr>
             <a:r>
-              <a:rPr sz="2790" u="sng"/>
-              <a:t>Complaint_ID</a:t>
-            </a:r>
-            <a:r>
-              <a:rPr sz="2790"/>
-              <a:t>, Title, Complainer_ID,Status, Date_Of_Complaint)</a:t>
+              <a:rPr sz="2848"/>
+              <a:t>Complainer (Complainer_ID, Name, Departement, Designation, Email_ID)</a:t>
             </a:r>
           </a:p>
         </p:txBody>
@@ -9833,7 +10592,7 @@
         </p:nvSpPr>
         <p:spPr>
           <a:xfrm>
-            <a:off x="5818885" y="749296"/>
+            <a:off x="5818885" y="749295"/>
             <a:ext cx="1367029" cy="1219201"/>
           </a:xfrm>
           <a:prstGeom prst="rect">
@@ -9952,14 +10711,14 @@
     </a:clrScheme>
     <a:fontScheme name="Default">
       <a:majorFont>
+        <a:latin typeface="Helvetica"/>
+        <a:ea typeface="Helvetica"/>
+        <a:cs typeface="Helvetica"/>
+      </a:majorFont>
+      <a:minorFont>
         <a:latin typeface="Helvetica Neue"/>
         <a:ea typeface="Helvetica Neue"/>
         <a:cs typeface="Helvetica Neue"/>
-      </a:majorFont>
-      <a:minorFont>
-        <a:latin typeface="Helvetica"/>
-        <a:ea typeface="Helvetica"/>
-        <a:cs typeface="Helvetica"/>
       </a:minorFont>
     </a:fontScheme>
     <a:fmtScheme name="Default">
@@ -10163,9 +10922,9 @@
             </a:solidFill>
             <a:effectLst/>
             <a:uFillTx/>
-            <a:latin typeface="+mn-lt"/>
-            <a:ea typeface="+mn-ea"/>
-            <a:cs typeface="+mn-cs"/>
+            <a:latin typeface="+mj-lt"/>
+            <a:ea typeface="+mj-ea"/>
+            <a:cs typeface="+mj-cs"/>
             <a:sym typeface="Helvetica"/>
           </a:defRPr>
         </a:defPPr>
@@ -10738,9 +11497,9 @@
             </a:solidFill>
             <a:effectLst/>
             <a:uFillTx/>
-            <a:latin typeface="+mn-lt"/>
-            <a:ea typeface="+mn-ea"/>
-            <a:cs typeface="+mn-cs"/>
+            <a:latin typeface="+mj-lt"/>
+            <a:ea typeface="+mj-ea"/>
+            <a:cs typeface="+mj-cs"/>
             <a:sym typeface="Helvetica"/>
           </a:defRPr>
         </a:defPPr>
@@ -11033,14 +11792,14 @@
     </a:clrScheme>
     <a:fontScheme name="Default">
       <a:majorFont>
+        <a:latin typeface="Helvetica"/>
+        <a:ea typeface="Helvetica"/>
+        <a:cs typeface="Helvetica"/>
+      </a:majorFont>
+      <a:minorFont>
         <a:latin typeface="Helvetica Neue"/>
         <a:ea typeface="Helvetica Neue"/>
         <a:cs typeface="Helvetica Neue"/>
-      </a:majorFont>
-      <a:minorFont>
-        <a:latin typeface="Helvetica"/>
-        <a:ea typeface="Helvetica"/>
-        <a:cs typeface="Helvetica"/>
       </a:minorFont>
     </a:fontScheme>
     <a:fmtScheme name="Default">
@@ -11244,9 +12003,9 @@
             </a:solidFill>
             <a:effectLst/>
             <a:uFillTx/>
-            <a:latin typeface="+mn-lt"/>
-            <a:ea typeface="+mn-ea"/>
-            <a:cs typeface="+mn-cs"/>
+            <a:latin typeface="+mj-lt"/>
+            <a:ea typeface="+mj-ea"/>
+            <a:cs typeface="+mj-cs"/>
             <a:sym typeface="Helvetica"/>
           </a:defRPr>
         </a:defPPr>
@@ -11819,9 +12578,9 @@
             </a:solidFill>
             <a:effectLst/>
             <a:uFillTx/>
-            <a:latin typeface="+mn-lt"/>
-            <a:ea typeface="+mn-ea"/>
-            <a:cs typeface="+mn-cs"/>
+            <a:latin typeface="+mj-lt"/>
+            <a:ea typeface="+mj-ea"/>
+            <a:cs typeface="+mj-cs"/>
             <a:sym typeface="Helvetica"/>
           </a:defRPr>
         </a:defPPr>
